--- a/Course_Project_Edge_Detection_Gapcynski.pptx
+++ b/Course_Project_Edge_Detection_Gapcynski.pptx
@@ -5,7 +5,7 @@
     <p:sldMasterId id="2147483648" r:id="rId1"/>
   </p:sldMasterIdLst>
   <p:notesMasterIdLst>
-    <p:notesMasterId r:id="rId18"/>
+    <p:notesMasterId r:id="rId20"/>
   </p:notesMasterIdLst>
   <p:sldIdLst>
     <p:sldId id="256" r:id="rId2"/>
@@ -18,12 +18,14 @@
     <p:sldId id="272" r:id="rId9"/>
     <p:sldId id="273" r:id="rId10"/>
     <p:sldId id="274" r:id="rId11"/>
-    <p:sldId id="261" r:id="rId12"/>
-    <p:sldId id="262" r:id="rId13"/>
-    <p:sldId id="263" r:id="rId14"/>
-    <p:sldId id="264" r:id="rId15"/>
-    <p:sldId id="267" r:id="rId16"/>
-    <p:sldId id="268" r:id="rId17"/>
+    <p:sldId id="275" r:id="rId12"/>
+    <p:sldId id="261" r:id="rId13"/>
+    <p:sldId id="276" r:id="rId14"/>
+    <p:sldId id="277" r:id="rId15"/>
+    <p:sldId id="264" r:id="rId16"/>
+    <p:sldId id="278" r:id="rId17"/>
+    <p:sldId id="267" r:id="rId18"/>
+    <p:sldId id="268" r:id="rId19"/>
   </p:sldIdLst>
   <p:sldSz cx="12192000" cy="6858000"/>
   <p:notesSz cx="6858000" cy="9144000"/>
@@ -122,6 +124,14 @@
       </a:defRPr>
     </a:lvl9pPr>
   </p:defaultTextStyle>
+  <p:extLst>
+    <p:ext uri="{EFAFB233-063F-42B5-8137-9DF3F51BA10A}">
+      <p15:sldGuideLst xmlns:p15="http://schemas.microsoft.com/office/powerpoint/2012/main"/>
+    </p:ext>
+    <p:ext uri="{2D200454-40CA-4A62-9FC3-DE9A4176ACB9}">
+      <p15:notesGuideLst xmlns:p15="http://schemas.microsoft.com/office/powerpoint/2012/main"/>
+    </p:ext>
+  </p:extLst>
 </p:presentation>
 </file>
 
@@ -657,6 +667,188 @@
 </p:notes>
 </file>
 
+<file path=ppt/notesSlides/notesSlide10.xml><?xml version="1.0" encoding="utf-8"?>
+<p:notes xmlns:a="http://schemas.openxmlformats.org/drawingml/2006/main" xmlns:r="http://schemas.openxmlformats.org/officeDocument/2006/relationships" xmlns:p="http://schemas.openxmlformats.org/presentationml/2006/main">
+  <p:cSld>
+    <p:spTree>
+      <p:nvGrpSpPr>
+        <p:cNvPr id="1" name=""/>
+        <p:cNvGrpSpPr/>
+        <p:nvPr/>
+      </p:nvGrpSpPr>
+      <p:grpSpPr>
+        <a:xfrm>
+          <a:off x="0" y="0"/>
+          <a:ext cx="0" cy="0"/>
+          <a:chOff x="0" y="0"/>
+          <a:chExt cx="0" cy="0"/>
+        </a:xfrm>
+      </p:grpSpPr>
+      <p:sp>
+        <p:nvSpPr>
+          <p:cNvPr id="2" name="Slide Image Placeholder 1"/>
+          <p:cNvSpPr>
+            <a:spLocks noGrp="1" noRot="1" noChangeAspect="1"/>
+          </p:cNvSpPr>
+          <p:nvPr>
+            <p:ph type="sldImg"/>
+          </p:nvPr>
+        </p:nvSpPr>
+        <p:spPr/>
+      </p:sp>
+      <p:sp>
+        <p:nvSpPr>
+          <p:cNvPr id="3" name="Notes Placeholder 2"/>
+          <p:cNvSpPr>
+            <a:spLocks noGrp="1"/>
+          </p:cNvSpPr>
+          <p:nvPr>
+            <p:ph type="body" idx="1"/>
+          </p:nvPr>
+        </p:nvSpPr>
+        <p:spPr/>
+        <p:txBody>
+          <a:bodyPr/>
+          <a:lstStyle/>
+          <a:p>
+            <a:pPr marL="171450" indent="-171450">
+              <a:buFontTx/>
+              <a:buChar char="-"/>
+            </a:pPr>
+            <a:r>
+              <a:rPr lang="en-US" dirty="0"/>
+              <a:t>“More sensitive to vertical and horizontal edges than diagonal edges” (Crane, 86)</a:t>
+            </a:r>
+          </a:p>
+        </p:txBody>
+      </p:sp>
+      <p:sp>
+        <p:nvSpPr>
+          <p:cNvPr id="4" name="Slide Number Placeholder 3"/>
+          <p:cNvSpPr>
+            <a:spLocks noGrp="1"/>
+          </p:cNvSpPr>
+          <p:nvPr>
+            <p:ph type="sldNum" sz="quarter" idx="5"/>
+          </p:nvPr>
+        </p:nvSpPr>
+        <p:spPr/>
+        <p:txBody>
+          <a:bodyPr/>
+          <a:lstStyle/>
+          <a:p>
+            <a:fld id="{06CD0525-2B7B-4EF7-8C8A-5D2334AB854D}" type="slidenum">
+              <a:rPr lang="en-US" smtClean="0"/>
+              <a:t>13</a:t>
+            </a:fld>
+            <a:endParaRPr lang="en-US"/>
+          </a:p>
+        </p:txBody>
+      </p:sp>
+    </p:spTree>
+    <p:extLst>
+      <p:ext uri="{BB962C8B-B14F-4D97-AF65-F5344CB8AC3E}">
+        <p14:creationId xmlns:p14="http://schemas.microsoft.com/office/powerpoint/2010/main" val="946373624"/>
+      </p:ext>
+    </p:extLst>
+  </p:cSld>
+  <p:clrMapOvr>
+    <a:masterClrMapping/>
+  </p:clrMapOvr>
+</p:notes>
+</file>
+
+<file path=ppt/notesSlides/notesSlide11.xml><?xml version="1.0" encoding="utf-8"?>
+<p:notes xmlns:a="http://schemas.openxmlformats.org/drawingml/2006/main" xmlns:r="http://schemas.openxmlformats.org/officeDocument/2006/relationships" xmlns:p="http://schemas.openxmlformats.org/presentationml/2006/main">
+  <p:cSld>
+    <p:spTree>
+      <p:nvGrpSpPr>
+        <p:cNvPr id="1" name=""/>
+        <p:cNvGrpSpPr/>
+        <p:nvPr/>
+      </p:nvGrpSpPr>
+      <p:grpSpPr>
+        <a:xfrm>
+          <a:off x="0" y="0"/>
+          <a:ext cx="0" cy="0"/>
+          <a:chOff x="0" y="0"/>
+          <a:chExt cx="0" cy="0"/>
+        </a:xfrm>
+      </p:grpSpPr>
+      <p:sp>
+        <p:nvSpPr>
+          <p:cNvPr id="2" name="Slide Image Placeholder 1"/>
+          <p:cNvSpPr>
+            <a:spLocks noGrp="1" noRot="1" noChangeAspect="1"/>
+          </p:cNvSpPr>
+          <p:nvPr>
+            <p:ph type="sldImg"/>
+          </p:nvPr>
+        </p:nvSpPr>
+        <p:spPr/>
+      </p:sp>
+      <p:sp>
+        <p:nvSpPr>
+          <p:cNvPr id="3" name="Notes Placeholder 2"/>
+          <p:cNvSpPr>
+            <a:spLocks noGrp="1"/>
+          </p:cNvSpPr>
+          <p:nvPr>
+            <p:ph type="body" idx="1"/>
+          </p:nvPr>
+        </p:nvSpPr>
+        <p:spPr/>
+        <p:txBody>
+          <a:bodyPr/>
+          <a:lstStyle/>
+          <a:p>
+            <a:pPr marL="171450" indent="-171450">
+              <a:buFontTx/>
+              <a:buChar char="-"/>
+            </a:pPr>
+            <a:r>
+              <a:rPr lang="en-US" dirty="0"/>
+              <a:t>“More sensitive to vertical and horizontal edges than diagonal edges” (Crane, 86)</a:t>
+            </a:r>
+          </a:p>
+        </p:txBody>
+      </p:sp>
+      <p:sp>
+        <p:nvSpPr>
+          <p:cNvPr id="4" name="Slide Number Placeholder 3"/>
+          <p:cNvSpPr>
+            <a:spLocks noGrp="1"/>
+          </p:cNvSpPr>
+          <p:nvPr>
+            <p:ph type="sldNum" sz="quarter" idx="5"/>
+          </p:nvPr>
+        </p:nvSpPr>
+        <p:spPr/>
+        <p:txBody>
+          <a:bodyPr/>
+          <a:lstStyle/>
+          <a:p>
+            <a:fld id="{06CD0525-2B7B-4EF7-8C8A-5D2334AB854D}" type="slidenum">
+              <a:rPr lang="en-US" smtClean="0"/>
+              <a:t>14</a:t>
+            </a:fld>
+            <a:endParaRPr lang="en-US"/>
+          </a:p>
+        </p:txBody>
+      </p:sp>
+    </p:spTree>
+    <p:extLst>
+      <p:ext uri="{BB962C8B-B14F-4D97-AF65-F5344CB8AC3E}">
+        <p14:creationId xmlns:p14="http://schemas.microsoft.com/office/powerpoint/2010/main" val="3766119637"/>
+      </p:ext>
+    </p:extLst>
+  </p:cSld>
+  <p:clrMapOvr>
+    <a:masterClrMapping/>
+  </p:clrMapOvr>
+</p:notes>
+</file>
+
 <file path=ppt/notesSlides/notesSlide2.xml><?xml version="1.0" encoding="utf-8"?>
 <p:notes xmlns:a="http://schemas.openxmlformats.org/drawingml/2006/main" xmlns:r="http://schemas.openxmlformats.org/officeDocument/2006/relationships" xmlns:p="http://schemas.openxmlformats.org/presentationml/2006/main">
   <p:cSld>
@@ -1305,6 +1497,185 @@
     <p:extLst>
       <p:ext uri="{BB962C8B-B14F-4D97-AF65-F5344CB8AC3E}">
         <p14:creationId xmlns:p14="http://schemas.microsoft.com/office/powerpoint/2010/main" val="486607175"/>
+      </p:ext>
+    </p:extLst>
+  </p:cSld>
+  <p:clrMapOvr>
+    <a:masterClrMapping/>
+  </p:clrMapOvr>
+</p:notes>
+</file>
+
+<file path=ppt/notesSlides/notesSlide8.xml><?xml version="1.0" encoding="utf-8"?>
+<p:notes xmlns:a="http://schemas.openxmlformats.org/drawingml/2006/main" xmlns:r="http://schemas.openxmlformats.org/officeDocument/2006/relationships" xmlns:p="http://schemas.openxmlformats.org/presentationml/2006/main">
+  <p:cSld>
+    <p:spTree>
+      <p:nvGrpSpPr>
+        <p:cNvPr id="1" name=""/>
+        <p:cNvGrpSpPr/>
+        <p:nvPr/>
+      </p:nvGrpSpPr>
+      <p:grpSpPr>
+        <a:xfrm>
+          <a:off x="0" y="0"/>
+          <a:ext cx="0" cy="0"/>
+          <a:chOff x="0" y="0"/>
+          <a:chExt cx="0" cy="0"/>
+        </a:xfrm>
+      </p:grpSpPr>
+      <p:sp>
+        <p:nvSpPr>
+          <p:cNvPr id="2" name="Slide Image Placeholder 1"/>
+          <p:cNvSpPr>
+            <a:spLocks noGrp="1" noRot="1" noChangeAspect="1"/>
+          </p:cNvSpPr>
+          <p:nvPr>
+            <p:ph type="sldImg"/>
+          </p:nvPr>
+        </p:nvSpPr>
+        <p:spPr/>
+      </p:sp>
+      <p:sp>
+        <p:nvSpPr>
+          <p:cNvPr id="3" name="Notes Placeholder 2"/>
+          <p:cNvSpPr>
+            <a:spLocks noGrp="1"/>
+          </p:cNvSpPr>
+          <p:nvPr>
+            <p:ph type="body" idx="1"/>
+          </p:nvPr>
+        </p:nvSpPr>
+        <p:spPr/>
+        <p:txBody>
+          <a:bodyPr/>
+          <a:lstStyle/>
+          <a:p>
+            <a:pPr marL="171450" indent="-171450">
+              <a:buFontTx/>
+              <a:buChar char="-"/>
+            </a:pPr>
+            <a:endParaRPr lang="en-US" dirty="0"/>
+          </a:p>
+        </p:txBody>
+      </p:sp>
+      <p:sp>
+        <p:nvSpPr>
+          <p:cNvPr id="4" name="Slide Number Placeholder 3"/>
+          <p:cNvSpPr>
+            <a:spLocks noGrp="1"/>
+          </p:cNvSpPr>
+          <p:nvPr>
+            <p:ph type="sldNum" sz="quarter" idx="5"/>
+          </p:nvPr>
+        </p:nvSpPr>
+        <p:spPr/>
+        <p:txBody>
+          <a:bodyPr/>
+          <a:lstStyle/>
+          <a:p>
+            <a:fld id="{06CD0525-2B7B-4EF7-8C8A-5D2334AB854D}" type="slidenum">
+              <a:rPr lang="en-US" smtClean="0"/>
+              <a:t>11</a:t>
+            </a:fld>
+            <a:endParaRPr lang="en-US"/>
+          </a:p>
+        </p:txBody>
+      </p:sp>
+    </p:spTree>
+    <p:extLst>
+      <p:ext uri="{BB962C8B-B14F-4D97-AF65-F5344CB8AC3E}">
+        <p14:creationId xmlns:p14="http://schemas.microsoft.com/office/powerpoint/2010/main" val="1183414480"/>
+      </p:ext>
+    </p:extLst>
+  </p:cSld>
+  <p:clrMapOvr>
+    <a:masterClrMapping/>
+  </p:clrMapOvr>
+</p:notes>
+</file>
+
+<file path=ppt/notesSlides/notesSlide9.xml><?xml version="1.0" encoding="utf-8"?>
+<p:notes xmlns:a="http://schemas.openxmlformats.org/drawingml/2006/main" xmlns:r="http://schemas.openxmlformats.org/officeDocument/2006/relationships" xmlns:p="http://schemas.openxmlformats.org/presentationml/2006/main">
+  <p:cSld>
+    <p:spTree>
+      <p:nvGrpSpPr>
+        <p:cNvPr id="1" name=""/>
+        <p:cNvGrpSpPr/>
+        <p:nvPr/>
+      </p:nvGrpSpPr>
+      <p:grpSpPr>
+        <a:xfrm>
+          <a:off x="0" y="0"/>
+          <a:ext cx="0" cy="0"/>
+          <a:chOff x="0" y="0"/>
+          <a:chExt cx="0" cy="0"/>
+        </a:xfrm>
+      </p:grpSpPr>
+      <p:sp>
+        <p:nvSpPr>
+          <p:cNvPr id="2" name="Slide Image Placeholder 1"/>
+          <p:cNvSpPr>
+            <a:spLocks noGrp="1" noRot="1" noChangeAspect="1"/>
+          </p:cNvSpPr>
+          <p:nvPr>
+            <p:ph type="sldImg"/>
+          </p:nvPr>
+        </p:nvSpPr>
+        <p:spPr/>
+      </p:sp>
+      <p:sp>
+        <p:nvSpPr>
+          <p:cNvPr id="3" name="Notes Placeholder 2"/>
+          <p:cNvSpPr>
+            <a:spLocks noGrp="1"/>
+          </p:cNvSpPr>
+          <p:nvPr>
+            <p:ph type="body" idx="1"/>
+          </p:nvPr>
+        </p:nvSpPr>
+        <p:spPr/>
+        <p:txBody>
+          <a:bodyPr/>
+          <a:lstStyle/>
+          <a:p>
+            <a:pPr marL="171450" indent="-171450">
+              <a:buFontTx/>
+              <a:buChar char="-"/>
+            </a:pPr>
+            <a:r>
+              <a:rPr lang="en-US" dirty="0"/>
+              <a:t>“More sensitive to vertical and horizontal edges than diagonal edges” (Crane, 86)</a:t>
+            </a:r>
+          </a:p>
+        </p:txBody>
+      </p:sp>
+      <p:sp>
+        <p:nvSpPr>
+          <p:cNvPr id="4" name="Slide Number Placeholder 3"/>
+          <p:cNvSpPr>
+            <a:spLocks noGrp="1"/>
+          </p:cNvSpPr>
+          <p:nvPr>
+            <p:ph type="sldNum" sz="quarter" idx="5"/>
+          </p:nvPr>
+        </p:nvSpPr>
+        <p:spPr/>
+        <p:txBody>
+          <a:bodyPr/>
+          <a:lstStyle/>
+          <a:p>
+            <a:fld id="{06CD0525-2B7B-4EF7-8C8A-5D2334AB854D}" type="slidenum">
+              <a:rPr lang="en-US" smtClean="0"/>
+              <a:t>12</a:t>
+            </a:fld>
+            <a:endParaRPr lang="en-US"/>
+          </a:p>
+        </p:txBody>
+      </p:sp>
+    </p:spTree>
+    <p:extLst>
+      <p:ext uri="{BB962C8B-B14F-4D97-AF65-F5344CB8AC3E}">
+        <p14:creationId xmlns:p14="http://schemas.microsoft.com/office/powerpoint/2010/main" val="2683706531"/>
       </p:ext>
     </p:extLst>
   </p:cSld>
@@ -7125,7 +7496,50 @@
           <a:bodyPr/>
           <a:lstStyle/>
           <a:p>
-            <a:endParaRPr lang="en-US" dirty="0"/>
+            <a:r>
+              <a:rPr lang="en-US" dirty="0"/>
+              <a:t>Found other color models during research</a:t>
+            </a:r>
+          </a:p>
+          <a:p>
+            <a:pPr lvl="1"/>
+            <a:r>
+              <a:rPr lang="en-US" dirty="0"/>
+              <a:t>Color models provide different view of image data</a:t>
+            </a:r>
+          </a:p>
+          <a:p>
+            <a:r>
+              <a:rPr lang="en-US" dirty="0"/>
+              <a:t>Chose to implement Hue, Saturation, and Value (HSV) color model</a:t>
+            </a:r>
+          </a:p>
+          <a:p>
+            <a:pPr lvl="1"/>
+            <a:r>
+              <a:rPr lang="en-US" dirty="0"/>
+              <a:t>Hue indicates how similar a color is to red, green, or blue</a:t>
+            </a:r>
+          </a:p>
+          <a:p>
+            <a:pPr lvl="1"/>
+            <a:r>
+              <a:rPr lang="en-US" dirty="0"/>
+              <a:t>Saturation refers to intensity/purity of a color</a:t>
+            </a:r>
+          </a:p>
+          <a:p>
+            <a:pPr lvl="1"/>
+            <a:r>
+              <a:rPr lang="en-US" dirty="0"/>
+              <a:t>Value represents the maximum value of the RGB components</a:t>
+            </a:r>
+          </a:p>
+          <a:p>
+            <a:r>
+              <a:rPr lang="en-US" dirty="0"/>
+              <a:t>Could now compare three image kernels across multiple color models</a:t>
+            </a:r>
           </a:p>
         </p:txBody>
       </p:sp>
@@ -7213,33 +7627,16 @@
           <a:p>
             <a:r>
               <a:rPr lang="en-US" sz="3200" dirty="0"/>
-              <a:t>Analysis - Grayscale vs HSV (Prewitt)</a:t>
-            </a:r>
-          </a:p>
-        </p:txBody>
-      </p:sp>
-      <p:sp>
-        <p:nvSpPr>
-          <p:cNvPr id="12" name="Content Placeholder 11">
-            <a:extLst>
-              <a:ext uri="{FF2B5EF4-FFF2-40B4-BE49-F238E27FC236}">
-                <a16:creationId xmlns:a16="http://schemas.microsoft.com/office/drawing/2014/main" id="{C6DF86BE-E389-425F-A026-F48DEB5CBAA3}"/>
-              </a:ext>
-            </a:extLst>
-          </p:cNvPr>
-          <p:cNvSpPr>
-            <a:spLocks noGrp="1"/>
-          </p:cNvSpPr>
-          <p:nvPr>
-            <p:ph idx="1"/>
-          </p:nvPr>
-        </p:nvSpPr>
-        <p:spPr/>
-        <p:txBody>
-          <a:bodyPr/>
-          <a:lstStyle/>
-          <a:p>
-            <a:endParaRPr lang="en-US"/>
+              <a:t>Implementation </a:t>
+            </a:r>
+            <a:r>
+              <a:rPr lang="en-US" dirty="0"/>
+              <a:t>-</a:t>
+            </a:r>
+            <a:r>
+              <a:rPr lang="en-US" sz="3200" dirty="0"/>
+              <a:t> HSV (cont.)</a:t>
+            </a:r>
           </a:p>
         </p:txBody>
       </p:sp>
@@ -7248,7 +7645,7 @@
           <p:cNvPr id="2" name="Slide Number Placeholder 1">
             <a:extLst>
               <a:ext uri="{FF2B5EF4-FFF2-40B4-BE49-F238E27FC236}">
-                <a16:creationId xmlns:a16="http://schemas.microsoft.com/office/drawing/2014/main" id="{BDAECF1D-907F-47A6-B515-AC9ED7BF4D77}"/>
+                <a16:creationId xmlns:a16="http://schemas.microsoft.com/office/drawing/2014/main" id="{BC6AFEE9-74DA-4A35-B09B-8468E1629642}"/>
               </a:ext>
             </a:extLst>
           </p:cNvPr>
@@ -7272,10 +7669,209 @@
           </a:p>
         </p:txBody>
       </p:sp>
+      <p:pic>
+        <p:nvPicPr>
+          <p:cNvPr id="5" name="Picture 4">
+            <a:extLst>
+              <a:ext uri="{FF2B5EF4-FFF2-40B4-BE49-F238E27FC236}">
+                <a16:creationId xmlns:a16="http://schemas.microsoft.com/office/drawing/2014/main" id="{ABFDA7A3-EF4E-4773-B61F-D248811A788D}"/>
+              </a:ext>
+            </a:extLst>
+          </p:cNvPr>
+          <p:cNvPicPr>
+            <a:picLocks noChangeAspect="1"/>
+          </p:cNvPicPr>
+          <p:nvPr/>
+        </p:nvPicPr>
+        <p:blipFill>
+          <a:blip r:embed="rId3" cstate="print">
+            <a:extLst>
+              <a:ext uri="{28A0092B-C50C-407E-A947-70E740481C1C}">
+                <a14:useLocalDpi xmlns:a14="http://schemas.microsoft.com/office/drawing/2010/main" val="0"/>
+              </a:ext>
+            </a:extLst>
+          </a:blip>
+          <a:srcRect/>
+          <a:stretch>
+            <a:fillRect/>
+          </a:stretch>
+        </p:blipFill>
+        <p:spPr bwMode="auto">
+          <a:xfrm>
+            <a:off x="677334" y="1286482"/>
+            <a:ext cx="3121816" cy="2377440"/>
+          </a:xfrm>
+          <a:prstGeom prst="rect">
+            <a:avLst/>
+          </a:prstGeom>
+          <a:noFill/>
+          <a:ln>
+            <a:noFill/>
+          </a:ln>
+        </p:spPr>
+      </p:pic>
+      <p:pic>
+        <p:nvPicPr>
+          <p:cNvPr id="6" name="Picture 5">
+            <a:extLst>
+              <a:ext uri="{FF2B5EF4-FFF2-40B4-BE49-F238E27FC236}">
+                <a16:creationId xmlns:a16="http://schemas.microsoft.com/office/drawing/2014/main" id="{1AF57041-C003-4529-8DBF-F58096976674}"/>
+              </a:ext>
+            </a:extLst>
+          </p:cNvPr>
+          <p:cNvPicPr>
+            <a:picLocks noChangeAspect="1"/>
+          </p:cNvPicPr>
+          <p:nvPr/>
+        </p:nvPicPr>
+        <p:blipFill>
+          <a:blip r:embed="rId4">
+            <a:extLst>
+              <a:ext uri="{28A0092B-C50C-407E-A947-70E740481C1C}">
+                <a14:useLocalDpi xmlns:a14="http://schemas.microsoft.com/office/drawing/2010/main" val="0"/>
+              </a:ext>
+            </a:extLst>
+          </a:blip>
+          <a:srcRect/>
+          <a:stretch>
+            <a:fillRect/>
+          </a:stretch>
+        </p:blipFill>
+        <p:spPr bwMode="auto">
+          <a:xfrm>
+            <a:off x="3799151" y="1286482"/>
+            <a:ext cx="3121817" cy="2377440"/>
+          </a:xfrm>
+          <a:prstGeom prst="rect">
+            <a:avLst/>
+          </a:prstGeom>
+          <a:noFill/>
+          <a:ln>
+            <a:noFill/>
+          </a:ln>
+        </p:spPr>
+      </p:pic>
+      <p:pic>
+        <p:nvPicPr>
+          <p:cNvPr id="10" name="Picture 9">
+            <a:extLst>
+              <a:ext uri="{FF2B5EF4-FFF2-40B4-BE49-F238E27FC236}">
+                <a16:creationId xmlns:a16="http://schemas.microsoft.com/office/drawing/2014/main" id="{33920A5F-49A0-414D-914F-E20F0E2EEF55}"/>
+              </a:ext>
+            </a:extLst>
+          </p:cNvPr>
+          <p:cNvPicPr>
+            <a:picLocks noChangeAspect="1"/>
+          </p:cNvPicPr>
+          <p:nvPr/>
+        </p:nvPicPr>
+        <p:blipFill>
+          <a:blip r:embed="rId5">
+            <a:extLst>
+              <a:ext uri="{28A0092B-C50C-407E-A947-70E740481C1C}">
+                <a14:useLocalDpi xmlns:a14="http://schemas.microsoft.com/office/drawing/2010/main" val="0"/>
+              </a:ext>
+            </a:extLst>
+          </a:blip>
+          <a:srcRect/>
+          <a:stretch>
+            <a:fillRect/>
+          </a:stretch>
+        </p:blipFill>
+        <p:spPr bwMode="auto">
+          <a:xfrm>
+            <a:off x="677334" y="3663922"/>
+            <a:ext cx="3121816" cy="2377440"/>
+          </a:xfrm>
+          <a:prstGeom prst="rect">
+            <a:avLst/>
+          </a:prstGeom>
+          <a:noFill/>
+          <a:ln>
+            <a:noFill/>
+          </a:ln>
+        </p:spPr>
+      </p:pic>
+      <p:pic>
+        <p:nvPicPr>
+          <p:cNvPr id="13" name="Picture 12">
+            <a:extLst>
+              <a:ext uri="{FF2B5EF4-FFF2-40B4-BE49-F238E27FC236}">
+                <a16:creationId xmlns:a16="http://schemas.microsoft.com/office/drawing/2014/main" id="{D7D6EF9C-5538-4675-99DE-0431DDAFE252}"/>
+              </a:ext>
+            </a:extLst>
+          </p:cNvPr>
+          <p:cNvPicPr>
+            <a:picLocks noChangeAspect="1"/>
+          </p:cNvPicPr>
+          <p:nvPr/>
+        </p:nvPicPr>
+        <p:blipFill>
+          <a:blip r:embed="rId6">
+            <a:extLst>
+              <a:ext uri="{28A0092B-C50C-407E-A947-70E740481C1C}">
+                <a14:useLocalDpi xmlns:a14="http://schemas.microsoft.com/office/drawing/2010/main" val="0"/>
+              </a:ext>
+            </a:extLst>
+          </a:blip>
+          <a:srcRect/>
+          <a:stretch>
+            <a:fillRect/>
+          </a:stretch>
+        </p:blipFill>
+        <p:spPr bwMode="auto">
+          <a:xfrm>
+            <a:off x="3799149" y="3663922"/>
+            <a:ext cx="3121816" cy="2377440"/>
+          </a:xfrm>
+          <a:prstGeom prst="rect">
+            <a:avLst/>
+          </a:prstGeom>
+          <a:noFill/>
+          <a:ln>
+            <a:noFill/>
+          </a:ln>
+        </p:spPr>
+      </p:pic>
+      <p:sp>
+        <p:nvSpPr>
+          <p:cNvPr id="14" name="TextBox 13">
+            <a:extLst>
+              <a:ext uri="{FF2B5EF4-FFF2-40B4-BE49-F238E27FC236}">
+                <a16:creationId xmlns:a16="http://schemas.microsoft.com/office/drawing/2014/main" id="{A1A2AEAD-50E1-4174-A776-59A63D9495C7}"/>
+              </a:ext>
+            </a:extLst>
+          </p:cNvPr>
+          <p:cNvSpPr txBox="1"/>
+          <p:nvPr/>
+        </p:nvSpPr>
+        <p:spPr>
+          <a:xfrm>
+            <a:off x="1353000" y="6041362"/>
+            <a:ext cx="4892301" cy="276999"/>
+          </a:xfrm>
+          <a:prstGeom prst="rect">
+            <a:avLst/>
+          </a:prstGeom>
+          <a:noFill/>
+        </p:spPr>
+        <p:txBody>
+          <a:bodyPr wrap="none" rtlCol="0">
+            <a:spAutoFit/>
+          </a:bodyPr>
+          <a:lstStyle/>
+          <a:p>
+            <a:r>
+              <a:rPr lang="en-US" sz="1200" dirty="0"/>
+              <a:t>Figure 3 – Test Image (TL), Hue (TR), Saturation (BL), and Value (BR)</a:t>
+            </a:r>
+          </a:p>
+        </p:txBody>
+      </p:sp>
     </p:spTree>
     <p:extLst>
       <p:ext uri="{BB962C8B-B14F-4D97-AF65-F5344CB8AC3E}">
-        <p14:creationId xmlns:p14="http://schemas.microsoft.com/office/powerpoint/2010/main" val="2886097979"/>
+        <p14:creationId xmlns:p14="http://schemas.microsoft.com/office/powerpoint/2010/main" val="1009615845"/>
       </p:ext>
     </p:extLst>
   </p:cSld>
@@ -7327,33 +7923,8 @@
           <a:p>
             <a:r>
               <a:rPr lang="en-US" sz="3200" dirty="0"/>
-              <a:t>Analysis - Grayscale vs HSV (Roberts)</a:t>
-            </a:r>
-          </a:p>
-        </p:txBody>
-      </p:sp>
-      <p:sp>
-        <p:nvSpPr>
-          <p:cNvPr id="12" name="Content Placeholder 11">
-            <a:extLst>
-              <a:ext uri="{FF2B5EF4-FFF2-40B4-BE49-F238E27FC236}">
-                <a16:creationId xmlns:a16="http://schemas.microsoft.com/office/drawing/2014/main" id="{C6DF86BE-E389-425F-A026-F48DEB5CBAA3}"/>
-              </a:ext>
-            </a:extLst>
-          </p:cNvPr>
-          <p:cNvSpPr>
-            <a:spLocks noGrp="1"/>
-          </p:cNvSpPr>
-          <p:nvPr>
-            <p:ph idx="1"/>
-          </p:nvPr>
-        </p:nvSpPr>
-        <p:spPr/>
-        <p:txBody>
-          <a:bodyPr/>
-          <a:lstStyle/>
-          <a:p>
-            <a:endParaRPr lang="en-US"/>
+              <a:t>Analysis - Grayscale vs HSV (Prewitt)</a:t>
+            </a:r>
           </a:p>
         </p:txBody>
       </p:sp>
@@ -7362,7 +7933,7 @@
           <p:cNvPr id="2" name="Slide Number Placeholder 1">
             <a:extLst>
               <a:ext uri="{FF2B5EF4-FFF2-40B4-BE49-F238E27FC236}">
-                <a16:creationId xmlns:a16="http://schemas.microsoft.com/office/drawing/2014/main" id="{0C1C8211-4F19-4984-90CA-FFC7B52E9213}"/>
+                <a16:creationId xmlns:a16="http://schemas.microsoft.com/office/drawing/2014/main" id="{BDAECF1D-907F-47A6-B515-AC9ED7BF4D77}"/>
               </a:ext>
             </a:extLst>
           </p:cNvPr>
@@ -7386,10 +7957,275 @@
           </a:p>
         </p:txBody>
       </p:sp>
+      <p:pic>
+        <p:nvPicPr>
+          <p:cNvPr id="10" name="Picture 9">
+            <a:extLst>
+              <a:ext uri="{FF2B5EF4-FFF2-40B4-BE49-F238E27FC236}">
+                <a16:creationId xmlns:a16="http://schemas.microsoft.com/office/drawing/2014/main" id="{DC7F2DD7-4404-4433-A605-ED1A60910108}"/>
+              </a:ext>
+            </a:extLst>
+          </p:cNvPr>
+          <p:cNvPicPr>
+            <a:picLocks noChangeAspect="1"/>
+          </p:cNvPicPr>
+          <p:nvPr/>
+        </p:nvPicPr>
+        <p:blipFill>
+          <a:blip r:embed="rId3" cstate="print">
+            <a:extLst>
+              <a:ext uri="{28A0092B-C50C-407E-A947-70E740481C1C}">
+                <a14:useLocalDpi xmlns:a14="http://schemas.microsoft.com/office/drawing/2010/main" val="0"/>
+              </a:ext>
+            </a:extLst>
+          </a:blip>
+          <a:srcRect/>
+          <a:stretch>
+            <a:fillRect/>
+          </a:stretch>
+        </p:blipFill>
+        <p:spPr bwMode="auto">
+          <a:xfrm>
+            <a:off x="677333" y="1286482"/>
+            <a:ext cx="3121816" cy="2377440"/>
+          </a:xfrm>
+          <a:prstGeom prst="rect">
+            <a:avLst/>
+          </a:prstGeom>
+          <a:noFill/>
+          <a:ln>
+            <a:noFill/>
+          </a:ln>
+        </p:spPr>
+      </p:pic>
+      <p:pic>
+        <p:nvPicPr>
+          <p:cNvPr id="13" name="Picture 12">
+            <a:extLst>
+              <a:ext uri="{FF2B5EF4-FFF2-40B4-BE49-F238E27FC236}">
+                <a16:creationId xmlns:a16="http://schemas.microsoft.com/office/drawing/2014/main" id="{CAF38EF2-91B3-4D6B-8A27-2FB9544ABCA1}"/>
+              </a:ext>
+            </a:extLst>
+          </p:cNvPr>
+          <p:cNvPicPr>
+            <a:picLocks noChangeAspect="1"/>
+          </p:cNvPicPr>
+          <p:nvPr/>
+        </p:nvPicPr>
+        <p:blipFill>
+          <a:blip r:embed="rId4" cstate="print">
+            <a:extLst>
+              <a:ext uri="{28A0092B-C50C-407E-A947-70E740481C1C}">
+                <a14:useLocalDpi xmlns:a14="http://schemas.microsoft.com/office/drawing/2010/main" val="0"/>
+              </a:ext>
+            </a:extLst>
+          </a:blip>
+          <a:srcRect/>
+          <a:stretch>
+            <a:fillRect/>
+          </a:stretch>
+        </p:blipFill>
+        <p:spPr bwMode="auto">
+          <a:xfrm>
+            <a:off x="3799148" y="1286482"/>
+            <a:ext cx="3121816" cy="2377440"/>
+          </a:xfrm>
+          <a:prstGeom prst="rect">
+            <a:avLst/>
+          </a:prstGeom>
+          <a:noFill/>
+          <a:ln>
+            <a:noFill/>
+          </a:ln>
+        </p:spPr>
+      </p:pic>
+      <p:pic>
+        <p:nvPicPr>
+          <p:cNvPr id="14" name="Picture 13">
+            <a:extLst>
+              <a:ext uri="{FF2B5EF4-FFF2-40B4-BE49-F238E27FC236}">
+                <a16:creationId xmlns:a16="http://schemas.microsoft.com/office/drawing/2014/main" id="{A4218CA9-46E8-41B6-973F-EFE0A838621F}"/>
+              </a:ext>
+            </a:extLst>
+          </p:cNvPr>
+          <p:cNvPicPr>
+            <a:picLocks noChangeAspect="1"/>
+          </p:cNvPicPr>
+          <p:nvPr/>
+        </p:nvPicPr>
+        <p:blipFill>
+          <a:blip r:embed="rId5" cstate="print">
+            <a:extLst>
+              <a:ext uri="{28A0092B-C50C-407E-A947-70E740481C1C}">
+                <a14:useLocalDpi xmlns:a14="http://schemas.microsoft.com/office/drawing/2010/main" val="0"/>
+              </a:ext>
+            </a:extLst>
+          </a:blip>
+          <a:srcRect/>
+          <a:stretch>
+            <a:fillRect/>
+          </a:stretch>
+        </p:blipFill>
+        <p:spPr bwMode="auto">
+          <a:xfrm>
+            <a:off x="677331" y="3663922"/>
+            <a:ext cx="3121816" cy="2377440"/>
+          </a:xfrm>
+          <a:prstGeom prst="rect">
+            <a:avLst/>
+          </a:prstGeom>
+          <a:noFill/>
+          <a:ln>
+            <a:noFill/>
+          </a:ln>
+        </p:spPr>
+      </p:pic>
+      <p:pic>
+        <p:nvPicPr>
+          <p:cNvPr id="15" name="Picture 14">
+            <a:extLst>
+              <a:ext uri="{FF2B5EF4-FFF2-40B4-BE49-F238E27FC236}">
+                <a16:creationId xmlns:a16="http://schemas.microsoft.com/office/drawing/2014/main" id="{810EFCDE-6EE0-4E7A-97BE-8B0D045C0492}"/>
+              </a:ext>
+            </a:extLst>
+          </p:cNvPr>
+          <p:cNvPicPr>
+            <a:picLocks noChangeAspect="1"/>
+          </p:cNvPicPr>
+          <p:nvPr/>
+        </p:nvPicPr>
+        <p:blipFill>
+          <a:blip r:embed="rId6" cstate="print">
+            <a:extLst>
+              <a:ext uri="{28A0092B-C50C-407E-A947-70E740481C1C}">
+                <a14:useLocalDpi xmlns:a14="http://schemas.microsoft.com/office/drawing/2010/main" val="0"/>
+              </a:ext>
+            </a:extLst>
+          </a:blip>
+          <a:srcRect/>
+          <a:stretch>
+            <a:fillRect/>
+          </a:stretch>
+        </p:blipFill>
+        <p:spPr bwMode="auto">
+          <a:xfrm>
+            <a:off x="3799146" y="3663922"/>
+            <a:ext cx="3121816" cy="2377440"/>
+          </a:xfrm>
+          <a:prstGeom prst="rect">
+            <a:avLst/>
+          </a:prstGeom>
+          <a:noFill/>
+          <a:ln>
+            <a:noFill/>
+          </a:ln>
+        </p:spPr>
+      </p:pic>
+      <p:sp>
+        <p:nvSpPr>
+          <p:cNvPr id="16" name="TextBox 15">
+            <a:extLst>
+              <a:ext uri="{FF2B5EF4-FFF2-40B4-BE49-F238E27FC236}">
+                <a16:creationId xmlns:a16="http://schemas.microsoft.com/office/drawing/2014/main" id="{3E460849-7BC2-479A-8A14-CC5ED4C273ED}"/>
+              </a:ext>
+            </a:extLst>
+          </p:cNvPr>
+          <p:cNvSpPr txBox="1"/>
+          <p:nvPr/>
+        </p:nvSpPr>
+        <p:spPr>
+          <a:xfrm>
+            <a:off x="1409357" y="6041362"/>
+            <a:ext cx="4779578" cy="276999"/>
+          </a:xfrm>
+          <a:prstGeom prst="rect">
+            <a:avLst/>
+          </a:prstGeom>
+          <a:noFill/>
+        </p:spPr>
+        <p:txBody>
+          <a:bodyPr wrap="none" rtlCol="0">
+            <a:spAutoFit/>
+          </a:bodyPr>
+          <a:lstStyle/>
+          <a:p>
+            <a:r>
+              <a:rPr lang="en-US" sz="1200" dirty="0"/>
+              <a:t>Figure 4 – Grayscale (TL), Hue (TR), Saturation (BL), and Value (BR)</a:t>
+            </a:r>
+          </a:p>
+        </p:txBody>
+      </p:sp>
+      <p:sp>
+        <p:nvSpPr>
+          <p:cNvPr id="17" name="Content Placeholder 11">
+            <a:extLst>
+              <a:ext uri="{FF2B5EF4-FFF2-40B4-BE49-F238E27FC236}">
+                <a16:creationId xmlns:a16="http://schemas.microsoft.com/office/drawing/2014/main" id="{12BF1E7E-F42E-47DA-9B8B-B407AC76C825}"/>
+              </a:ext>
+            </a:extLst>
+          </p:cNvPr>
+          <p:cNvSpPr>
+            <a:spLocks noGrp="1"/>
+          </p:cNvSpPr>
+          <p:nvPr>
+            <p:ph idx="1"/>
+          </p:nvPr>
+        </p:nvSpPr>
+        <p:spPr>
+          <a:xfrm>
+            <a:off x="6920962" y="1293828"/>
+            <a:ext cx="3489863" cy="4747534"/>
+          </a:xfrm>
+        </p:spPr>
+        <p:txBody>
+          <a:bodyPr/>
+          <a:lstStyle/>
+          <a:p>
+            <a:r>
+              <a:rPr lang="en-US" dirty="0"/>
+              <a:t>Grayscale and Value output highlight less distinct edges</a:t>
+            </a:r>
+          </a:p>
+          <a:p>
+            <a:pPr lvl="1"/>
+            <a:r>
+              <a:rPr lang="en-US" dirty="0"/>
+              <a:t>Ex. Feathers</a:t>
+            </a:r>
+          </a:p>
+          <a:p>
+            <a:r>
+              <a:rPr lang="en-US" dirty="0"/>
+              <a:t>Hue output seems to focus on just the birds</a:t>
+            </a:r>
+          </a:p>
+          <a:p>
+            <a:pPr lvl="1"/>
+            <a:r>
+              <a:rPr lang="en-US" dirty="0"/>
+              <a:t>Could be useful for object recognition algorithms</a:t>
+            </a:r>
+          </a:p>
+          <a:p>
+            <a:r>
+              <a:rPr lang="en-US" dirty="0"/>
+              <a:t>Saturation output has concentrated intensity around the eyes and beaks</a:t>
+            </a:r>
+          </a:p>
+          <a:p>
+            <a:pPr lvl="1"/>
+            <a:r>
+              <a:rPr lang="en-US" dirty="0"/>
+              <a:t>Could be useful for facial recognition algorithms</a:t>
+            </a:r>
+          </a:p>
+        </p:txBody>
+      </p:sp>
     </p:spTree>
     <p:extLst>
       <p:ext uri="{BB962C8B-B14F-4D97-AF65-F5344CB8AC3E}">
-        <p14:creationId xmlns:p14="http://schemas.microsoft.com/office/powerpoint/2010/main" val="1483341744"/>
+        <p14:creationId xmlns:p14="http://schemas.microsoft.com/office/powerpoint/2010/main" val="2886097979"/>
       </p:ext>
     </p:extLst>
   </p:cSld>
@@ -7441,33 +8277,8 @@
           <a:p>
             <a:r>
               <a:rPr lang="en-US" sz="3200" dirty="0"/>
-              <a:t>Analysis - Grayscale vs HSV (Sobel)</a:t>
-            </a:r>
-          </a:p>
-        </p:txBody>
-      </p:sp>
-      <p:sp>
-        <p:nvSpPr>
-          <p:cNvPr id="12" name="Content Placeholder 11">
-            <a:extLst>
-              <a:ext uri="{FF2B5EF4-FFF2-40B4-BE49-F238E27FC236}">
-                <a16:creationId xmlns:a16="http://schemas.microsoft.com/office/drawing/2014/main" id="{C6DF86BE-E389-425F-A026-F48DEB5CBAA3}"/>
-              </a:ext>
-            </a:extLst>
-          </p:cNvPr>
-          <p:cNvSpPr>
-            <a:spLocks noGrp="1"/>
-          </p:cNvSpPr>
-          <p:nvPr>
-            <p:ph idx="1"/>
-          </p:nvPr>
-        </p:nvSpPr>
-        <p:spPr/>
-        <p:txBody>
-          <a:bodyPr/>
-          <a:lstStyle/>
-          <a:p>
-            <a:endParaRPr lang="en-US"/>
+              <a:t>Analysis - Grayscale vs HSV (Roberts)</a:t>
+            </a:r>
           </a:p>
         </p:txBody>
       </p:sp>
@@ -7476,7 +8287,7 @@
           <p:cNvPr id="2" name="Slide Number Placeholder 1">
             <a:extLst>
               <a:ext uri="{FF2B5EF4-FFF2-40B4-BE49-F238E27FC236}">
-                <a16:creationId xmlns:a16="http://schemas.microsoft.com/office/drawing/2014/main" id="{B90D3559-F6E0-4418-B9D9-E9C2406312CF}"/>
+                <a16:creationId xmlns:a16="http://schemas.microsoft.com/office/drawing/2014/main" id="{BDAECF1D-907F-47A6-B515-AC9ED7BF4D77}"/>
               </a:ext>
             </a:extLst>
           </p:cNvPr>
@@ -7500,10 +8311,262 @@
           </a:p>
         </p:txBody>
       </p:sp>
+      <p:sp>
+        <p:nvSpPr>
+          <p:cNvPr id="16" name="TextBox 15">
+            <a:extLst>
+              <a:ext uri="{FF2B5EF4-FFF2-40B4-BE49-F238E27FC236}">
+                <a16:creationId xmlns:a16="http://schemas.microsoft.com/office/drawing/2014/main" id="{3E460849-7BC2-479A-8A14-CC5ED4C273ED}"/>
+              </a:ext>
+            </a:extLst>
+          </p:cNvPr>
+          <p:cNvSpPr txBox="1"/>
+          <p:nvPr/>
+        </p:nvSpPr>
+        <p:spPr>
+          <a:xfrm>
+            <a:off x="1409357" y="6041362"/>
+            <a:ext cx="4779578" cy="276999"/>
+          </a:xfrm>
+          <a:prstGeom prst="rect">
+            <a:avLst/>
+          </a:prstGeom>
+          <a:noFill/>
+        </p:spPr>
+        <p:txBody>
+          <a:bodyPr wrap="none" rtlCol="0">
+            <a:spAutoFit/>
+          </a:bodyPr>
+          <a:lstStyle/>
+          <a:p>
+            <a:r>
+              <a:rPr lang="en-US" sz="1200" dirty="0"/>
+              <a:t>Figure 5 – Grayscale (TL), Hue (TR), Saturation (BL), and Value (BR)</a:t>
+            </a:r>
+          </a:p>
+        </p:txBody>
+      </p:sp>
+      <p:sp>
+        <p:nvSpPr>
+          <p:cNvPr id="17" name="Content Placeholder 11">
+            <a:extLst>
+              <a:ext uri="{FF2B5EF4-FFF2-40B4-BE49-F238E27FC236}">
+                <a16:creationId xmlns:a16="http://schemas.microsoft.com/office/drawing/2014/main" id="{12BF1E7E-F42E-47DA-9B8B-B407AC76C825}"/>
+              </a:ext>
+            </a:extLst>
+          </p:cNvPr>
+          <p:cNvSpPr>
+            <a:spLocks noGrp="1"/>
+          </p:cNvSpPr>
+          <p:nvPr>
+            <p:ph idx="1"/>
+          </p:nvPr>
+        </p:nvSpPr>
+        <p:spPr>
+          <a:xfrm>
+            <a:off x="6920962" y="1293828"/>
+            <a:ext cx="3489863" cy="4747534"/>
+          </a:xfrm>
+        </p:spPr>
+        <p:txBody>
+          <a:bodyPr/>
+          <a:lstStyle/>
+          <a:p>
+            <a:r>
+              <a:rPr lang="en-US" dirty="0"/>
+              <a:t>Grayscale and HSV comparisons match those made in the Prewitt section</a:t>
+            </a:r>
+          </a:p>
+          <a:p>
+            <a:r>
+              <a:rPr lang="en-US" dirty="0"/>
+              <a:t>Comparison to Prewitt output</a:t>
+            </a:r>
+          </a:p>
+          <a:p>
+            <a:pPr lvl="1"/>
+            <a:r>
+              <a:rPr lang="en-US" dirty="0"/>
+              <a:t>Seems to do a better job at highlighting just the birds in the image</a:t>
+            </a:r>
+          </a:p>
+          <a:p>
+            <a:pPr lvl="1"/>
+            <a:r>
+              <a:rPr lang="en-US" dirty="0"/>
+              <a:t>Appears to be less noisy</a:t>
+            </a:r>
+          </a:p>
+        </p:txBody>
+      </p:sp>
+      <p:pic>
+        <p:nvPicPr>
+          <p:cNvPr id="12" name="Picture 11">
+            <a:extLst>
+              <a:ext uri="{FF2B5EF4-FFF2-40B4-BE49-F238E27FC236}">
+                <a16:creationId xmlns:a16="http://schemas.microsoft.com/office/drawing/2014/main" id="{6C242ACE-D575-47A7-937C-76FE1006888A}"/>
+              </a:ext>
+            </a:extLst>
+          </p:cNvPr>
+          <p:cNvPicPr>
+            <a:picLocks noChangeAspect="1"/>
+          </p:cNvPicPr>
+          <p:nvPr/>
+        </p:nvPicPr>
+        <p:blipFill>
+          <a:blip r:embed="rId3" cstate="print">
+            <a:extLst>
+              <a:ext uri="{28A0092B-C50C-407E-A947-70E740481C1C}">
+                <a14:useLocalDpi xmlns:a14="http://schemas.microsoft.com/office/drawing/2010/main" val="0"/>
+              </a:ext>
+            </a:extLst>
+          </a:blip>
+          <a:srcRect/>
+          <a:stretch>
+            <a:fillRect/>
+          </a:stretch>
+        </p:blipFill>
+        <p:spPr bwMode="auto">
+          <a:xfrm>
+            <a:off x="677330" y="1293828"/>
+            <a:ext cx="3121816" cy="2377440"/>
+          </a:xfrm>
+          <a:prstGeom prst="rect">
+            <a:avLst/>
+          </a:prstGeom>
+          <a:noFill/>
+          <a:ln>
+            <a:noFill/>
+          </a:ln>
+        </p:spPr>
+      </p:pic>
+      <p:pic>
+        <p:nvPicPr>
+          <p:cNvPr id="18" name="Picture 17">
+            <a:extLst>
+              <a:ext uri="{FF2B5EF4-FFF2-40B4-BE49-F238E27FC236}">
+                <a16:creationId xmlns:a16="http://schemas.microsoft.com/office/drawing/2014/main" id="{4A2F3376-4523-44C6-BD9D-0A6CA9CE70EB}"/>
+              </a:ext>
+            </a:extLst>
+          </p:cNvPr>
+          <p:cNvPicPr>
+            <a:picLocks noChangeAspect="1"/>
+          </p:cNvPicPr>
+          <p:nvPr/>
+        </p:nvPicPr>
+        <p:blipFill>
+          <a:blip r:embed="rId4" cstate="print">
+            <a:extLst>
+              <a:ext uri="{28A0092B-C50C-407E-A947-70E740481C1C}">
+                <a14:useLocalDpi xmlns:a14="http://schemas.microsoft.com/office/drawing/2010/main" val="0"/>
+              </a:ext>
+            </a:extLst>
+          </a:blip>
+          <a:srcRect/>
+          <a:stretch>
+            <a:fillRect/>
+          </a:stretch>
+        </p:blipFill>
+        <p:spPr bwMode="auto">
+          <a:xfrm>
+            <a:off x="3799145" y="1293828"/>
+            <a:ext cx="3121816" cy="2377440"/>
+          </a:xfrm>
+          <a:prstGeom prst="rect">
+            <a:avLst/>
+          </a:prstGeom>
+          <a:noFill/>
+          <a:ln>
+            <a:noFill/>
+          </a:ln>
+        </p:spPr>
+      </p:pic>
+      <p:pic>
+        <p:nvPicPr>
+          <p:cNvPr id="19" name="Picture 18">
+            <a:extLst>
+              <a:ext uri="{FF2B5EF4-FFF2-40B4-BE49-F238E27FC236}">
+                <a16:creationId xmlns:a16="http://schemas.microsoft.com/office/drawing/2014/main" id="{1F9A8E2B-E4A5-48EE-923F-0B7060B234F5}"/>
+              </a:ext>
+            </a:extLst>
+          </p:cNvPr>
+          <p:cNvPicPr>
+            <a:picLocks noChangeAspect="1"/>
+          </p:cNvPicPr>
+          <p:nvPr/>
+        </p:nvPicPr>
+        <p:blipFill>
+          <a:blip r:embed="rId5" cstate="print">
+            <a:extLst>
+              <a:ext uri="{28A0092B-C50C-407E-A947-70E740481C1C}">
+                <a14:useLocalDpi xmlns:a14="http://schemas.microsoft.com/office/drawing/2010/main" val="0"/>
+              </a:ext>
+            </a:extLst>
+          </a:blip>
+          <a:srcRect/>
+          <a:stretch>
+            <a:fillRect/>
+          </a:stretch>
+        </p:blipFill>
+        <p:spPr bwMode="auto">
+          <a:xfrm>
+            <a:off x="677329" y="3663922"/>
+            <a:ext cx="3121816" cy="2377440"/>
+          </a:xfrm>
+          <a:prstGeom prst="rect">
+            <a:avLst/>
+          </a:prstGeom>
+          <a:noFill/>
+          <a:ln>
+            <a:noFill/>
+          </a:ln>
+        </p:spPr>
+      </p:pic>
+      <p:pic>
+        <p:nvPicPr>
+          <p:cNvPr id="20" name="Picture 19">
+            <a:extLst>
+              <a:ext uri="{FF2B5EF4-FFF2-40B4-BE49-F238E27FC236}">
+                <a16:creationId xmlns:a16="http://schemas.microsoft.com/office/drawing/2014/main" id="{AE871C0B-E465-44FF-85C3-5C4B05843BF4}"/>
+              </a:ext>
+            </a:extLst>
+          </p:cNvPr>
+          <p:cNvPicPr>
+            <a:picLocks noChangeAspect="1"/>
+          </p:cNvPicPr>
+          <p:nvPr/>
+        </p:nvPicPr>
+        <p:blipFill>
+          <a:blip r:embed="rId6" cstate="print">
+            <a:extLst>
+              <a:ext uri="{28A0092B-C50C-407E-A947-70E740481C1C}">
+                <a14:useLocalDpi xmlns:a14="http://schemas.microsoft.com/office/drawing/2010/main" val="0"/>
+              </a:ext>
+            </a:extLst>
+          </a:blip>
+          <a:srcRect/>
+          <a:stretch>
+            <a:fillRect/>
+          </a:stretch>
+        </p:blipFill>
+        <p:spPr bwMode="auto">
+          <a:xfrm>
+            <a:off x="3799143" y="3663922"/>
+            <a:ext cx="3121816" cy="2377440"/>
+          </a:xfrm>
+          <a:prstGeom prst="rect">
+            <a:avLst/>
+          </a:prstGeom>
+          <a:noFill/>
+          <a:ln>
+            <a:noFill/>
+          </a:ln>
+        </p:spPr>
+      </p:pic>
     </p:spTree>
     <p:extLst>
       <p:ext uri="{BB962C8B-B14F-4D97-AF65-F5344CB8AC3E}">
-        <p14:creationId xmlns:p14="http://schemas.microsoft.com/office/powerpoint/2010/main" val="2392142666"/>
+        <p14:creationId xmlns:p14="http://schemas.microsoft.com/office/powerpoint/2010/main" val="1039884438"/>
       </p:ext>
     </p:extLst>
   </p:cSld>
@@ -7532,10 +8595,10 @@
       </p:grpSpPr>
       <p:sp>
         <p:nvSpPr>
-          <p:cNvPr id="2" name="Title 1">
+          <p:cNvPr id="11" name="Title 10">
             <a:extLst>
               <a:ext uri="{FF2B5EF4-FFF2-40B4-BE49-F238E27FC236}">
-                <a16:creationId xmlns:a16="http://schemas.microsoft.com/office/drawing/2014/main" id="{700A0751-884F-4812-BA1E-7889CDC72FCF}"/>
+                <a16:creationId xmlns:a16="http://schemas.microsoft.com/office/drawing/2014/main" id="{5C5CE3FB-B758-4DB2-82E4-DE84BD35A15E}"/>
               </a:ext>
             </a:extLst>
           </p:cNvPr>
@@ -7548,47 +8611,24 @@
         </p:nvSpPr>
         <p:spPr/>
         <p:txBody>
-          <a:bodyPr/>
+          <a:bodyPr>
+            <a:normAutofit/>
+          </a:bodyPr>
           <a:lstStyle/>
           <a:p>
             <a:r>
-              <a:rPr lang="en-US" dirty="0"/>
-              <a:t>Analysis - Timing Results</a:t>
-            </a:r>
-          </a:p>
-        </p:txBody>
-      </p:sp>
-      <p:sp>
-        <p:nvSpPr>
-          <p:cNvPr id="3" name="Content Placeholder 2">
+              <a:rPr lang="en-US" sz="3200" dirty="0"/>
+              <a:t>Analysis - Grayscale vs HSV (Sobel)</a:t>
+            </a:r>
+          </a:p>
+        </p:txBody>
+      </p:sp>
+      <p:sp>
+        <p:nvSpPr>
+          <p:cNvPr id="2" name="Slide Number Placeholder 1">
             <a:extLst>
               <a:ext uri="{FF2B5EF4-FFF2-40B4-BE49-F238E27FC236}">
-                <a16:creationId xmlns:a16="http://schemas.microsoft.com/office/drawing/2014/main" id="{BDE134ED-3202-4D85-BC70-47FE23F708DE}"/>
-              </a:ext>
-            </a:extLst>
-          </p:cNvPr>
-          <p:cNvSpPr>
-            <a:spLocks noGrp="1"/>
-          </p:cNvSpPr>
-          <p:nvPr>
-            <p:ph idx="1"/>
-          </p:nvPr>
-        </p:nvSpPr>
-        <p:spPr/>
-        <p:txBody>
-          <a:bodyPr/>
-          <a:lstStyle/>
-          <a:p>
-            <a:endParaRPr lang="en-US"/>
-          </a:p>
-        </p:txBody>
-      </p:sp>
-      <p:sp>
-        <p:nvSpPr>
-          <p:cNvPr id="4" name="Slide Number Placeholder 3">
-            <a:extLst>
-              <a:ext uri="{FF2B5EF4-FFF2-40B4-BE49-F238E27FC236}">
-                <a16:creationId xmlns:a16="http://schemas.microsoft.com/office/drawing/2014/main" id="{AE5910F8-B88C-479F-B469-B28426B35A31}"/>
+                <a16:creationId xmlns:a16="http://schemas.microsoft.com/office/drawing/2014/main" id="{BDAECF1D-907F-47A6-B515-AC9ED7BF4D77}"/>
               </a:ext>
             </a:extLst>
           </p:cNvPr>
@@ -7612,10 +8652,269 @@
           </a:p>
         </p:txBody>
       </p:sp>
+      <p:sp>
+        <p:nvSpPr>
+          <p:cNvPr id="16" name="TextBox 15">
+            <a:extLst>
+              <a:ext uri="{FF2B5EF4-FFF2-40B4-BE49-F238E27FC236}">
+                <a16:creationId xmlns:a16="http://schemas.microsoft.com/office/drawing/2014/main" id="{3E460849-7BC2-479A-8A14-CC5ED4C273ED}"/>
+              </a:ext>
+            </a:extLst>
+          </p:cNvPr>
+          <p:cNvSpPr txBox="1"/>
+          <p:nvPr/>
+        </p:nvSpPr>
+        <p:spPr>
+          <a:xfrm>
+            <a:off x="1409357" y="6041362"/>
+            <a:ext cx="4779578" cy="276999"/>
+          </a:xfrm>
+          <a:prstGeom prst="rect">
+            <a:avLst/>
+          </a:prstGeom>
+          <a:noFill/>
+        </p:spPr>
+        <p:txBody>
+          <a:bodyPr wrap="none" rtlCol="0">
+            <a:spAutoFit/>
+          </a:bodyPr>
+          <a:lstStyle/>
+          <a:p>
+            <a:r>
+              <a:rPr lang="en-US" sz="1200" dirty="0"/>
+              <a:t>Figure 6 – Grayscale (TL), Hue (TR), Saturation (BL), and Value (BR)</a:t>
+            </a:r>
+          </a:p>
+        </p:txBody>
+      </p:sp>
+      <p:sp>
+        <p:nvSpPr>
+          <p:cNvPr id="17" name="Content Placeholder 11">
+            <a:extLst>
+              <a:ext uri="{FF2B5EF4-FFF2-40B4-BE49-F238E27FC236}">
+                <a16:creationId xmlns:a16="http://schemas.microsoft.com/office/drawing/2014/main" id="{12BF1E7E-F42E-47DA-9B8B-B407AC76C825}"/>
+              </a:ext>
+            </a:extLst>
+          </p:cNvPr>
+          <p:cNvSpPr>
+            <a:spLocks noGrp="1"/>
+          </p:cNvSpPr>
+          <p:nvPr>
+            <p:ph idx="1"/>
+          </p:nvPr>
+        </p:nvSpPr>
+        <p:spPr>
+          <a:xfrm>
+            <a:off x="6920962" y="1293828"/>
+            <a:ext cx="3489863" cy="4747534"/>
+          </a:xfrm>
+        </p:spPr>
+        <p:txBody>
+          <a:bodyPr/>
+          <a:lstStyle/>
+          <a:p>
+            <a:r>
+              <a:rPr lang="en-US" dirty="0"/>
+              <a:t>Grayscale and HSV comparisons match those made in the Prewitt section</a:t>
+            </a:r>
+          </a:p>
+          <a:p>
+            <a:r>
+              <a:rPr lang="en-US" dirty="0"/>
+              <a:t>Comparison to Prewitt and Roberts output</a:t>
+            </a:r>
+          </a:p>
+          <a:p>
+            <a:pPr lvl="1"/>
+            <a:r>
+              <a:rPr lang="en-US" dirty="0"/>
+              <a:t>Output quite similar to Prewitt output</a:t>
+            </a:r>
+          </a:p>
+          <a:p>
+            <a:pPr lvl="1"/>
+            <a:r>
+              <a:rPr lang="en-US" dirty="0"/>
+              <a:t>A bit noisier than other two gradient operators</a:t>
+            </a:r>
+          </a:p>
+          <a:p>
+            <a:pPr lvl="1"/>
+            <a:r>
+              <a:rPr lang="en-US" dirty="0"/>
+              <a:t>Seems to do a better job at finding the diagonal edges in the image</a:t>
+            </a:r>
+          </a:p>
+        </p:txBody>
+      </p:sp>
+      <p:pic>
+        <p:nvPicPr>
+          <p:cNvPr id="10" name="Picture 9">
+            <a:extLst>
+              <a:ext uri="{FF2B5EF4-FFF2-40B4-BE49-F238E27FC236}">
+                <a16:creationId xmlns:a16="http://schemas.microsoft.com/office/drawing/2014/main" id="{3DBDE669-58AE-45AB-B2C6-BE5B73E0B078}"/>
+              </a:ext>
+            </a:extLst>
+          </p:cNvPr>
+          <p:cNvPicPr>
+            <a:picLocks noChangeAspect="1"/>
+          </p:cNvPicPr>
+          <p:nvPr/>
+        </p:nvPicPr>
+        <p:blipFill>
+          <a:blip r:embed="rId3" cstate="print">
+            <a:extLst>
+              <a:ext uri="{28A0092B-C50C-407E-A947-70E740481C1C}">
+                <a14:useLocalDpi xmlns:a14="http://schemas.microsoft.com/office/drawing/2010/main" val="0"/>
+              </a:ext>
+            </a:extLst>
+          </a:blip>
+          <a:srcRect/>
+          <a:stretch>
+            <a:fillRect/>
+          </a:stretch>
+        </p:blipFill>
+        <p:spPr bwMode="auto">
+          <a:xfrm>
+            <a:off x="677326" y="1293828"/>
+            <a:ext cx="3121816" cy="2377440"/>
+          </a:xfrm>
+          <a:prstGeom prst="rect">
+            <a:avLst/>
+          </a:prstGeom>
+          <a:noFill/>
+          <a:ln>
+            <a:noFill/>
+          </a:ln>
+        </p:spPr>
+      </p:pic>
+      <p:pic>
+        <p:nvPicPr>
+          <p:cNvPr id="13" name="Picture 12">
+            <a:extLst>
+              <a:ext uri="{FF2B5EF4-FFF2-40B4-BE49-F238E27FC236}">
+                <a16:creationId xmlns:a16="http://schemas.microsoft.com/office/drawing/2014/main" id="{93F93DA0-1A14-4206-9B22-D37C86F60FC1}"/>
+              </a:ext>
+            </a:extLst>
+          </p:cNvPr>
+          <p:cNvPicPr>
+            <a:picLocks noChangeAspect="1"/>
+          </p:cNvPicPr>
+          <p:nvPr/>
+        </p:nvPicPr>
+        <p:blipFill>
+          <a:blip r:embed="rId4" cstate="print">
+            <a:extLst>
+              <a:ext uri="{28A0092B-C50C-407E-A947-70E740481C1C}">
+                <a14:useLocalDpi xmlns:a14="http://schemas.microsoft.com/office/drawing/2010/main" val="0"/>
+              </a:ext>
+            </a:extLst>
+          </a:blip>
+          <a:srcRect/>
+          <a:stretch>
+            <a:fillRect/>
+          </a:stretch>
+        </p:blipFill>
+        <p:spPr bwMode="auto">
+          <a:xfrm>
+            <a:off x="3799141" y="1293828"/>
+            <a:ext cx="3121816" cy="2377440"/>
+          </a:xfrm>
+          <a:prstGeom prst="rect">
+            <a:avLst/>
+          </a:prstGeom>
+          <a:noFill/>
+          <a:ln>
+            <a:noFill/>
+          </a:ln>
+        </p:spPr>
+      </p:pic>
+      <p:pic>
+        <p:nvPicPr>
+          <p:cNvPr id="14" name="Picture 13">
+            <a:extLst>
+              <a:ext uri="{FF2B5EF4-FFF2-40B4-BE49-F238E27FC236}">
+                <a16:creationId xmlns:a16="http://schemas.microsoft.com/office/drawing/2014/main" id="{1C2C7898-4B2B-4568-89A0-279A2F54925F}"/>
+              </a:ext>
+            </a:extLst>
+          </p:cNvPr>
+          <p:cNvPicPr>
+            <a:picLocks noChangeAspect="1"/>
+          </p:cNvPicPr>
+          <p:nvPr/>
+        </p:nvPicPr>
+        <p:blipFill>
+          <a:blip r:embed="rId5" cstate="print">
+            <a:extLst>
+              <a:ext uri="{28A0092B-C50C-407E-A947-70E740481C1C}">
+                <a14:useLocalDpi xmlns:a14="http://schemas.microsoft.com/office/drawing/2010/main" val="0"/>
+              </a:ext>
+            </a:extLst>
+          </a:blip>
+          <a:srcRect/>
+          <a:stretch>
+            <a:fillRect/>
+          </a:stretch>
+        </p:blipFill>
+        <p:spPr bwMode="auto">
+          <a:xfrm>
+            <a:off x="677322" y="3671268"/>
+            <a:ext cx="3121816" cy="2377440"/>
+          </a:xfrm>
+          <a:prstGeom prst="rect">
+            <a:avLst/>
+          </a:prstGeom>
+          <a:noFill/>
+          <a:ln>
+            <a:noFill/>
+          </a:ln>
+        </p:spPr>
+      </p:pic>
+      <p:pic>
+        <p:nvPicPr>
+          <p:cNvPr id="15" name="Picture 14">
+            <a:extLst>
+              <a:ext uri="{FF2B5EF4-FFF2-40B4-BE49-F238E27FC236}">
+                <a16:creationId xmlns:a16="http://schemas.microsoft.com/office/drawing/2014/main" id="{1F0E3285-19FA-4EAD-B70B-D35737C62AF6}"/>
+              </a:ext>
+            </a:extLst>
+          </p:cNvPr>
+          <p:cNvPicPr>
+            <a:picLocks noChangeAspect="1"/>
+          </p:cNvPicPr>
+          <p:nvPr/>
+        </p:nvPicPr>
+        <p:blipFill>
+          <a:blip r:embed="rId6" cstate="print">
+            <a:extLst>
+              <a:ext uri="{28A0092B-C50C-407E-A947-70E740481C1C}">
+                <a14:useLocalDpi xmlns:a14="http://schemas.microsoft.com/office/drawing/2010/main" val="0"/>
+              </a:ext>
+            </a:extLst>
+          </a:blip>
+          <a:srcRect/>
+          <a:stretch>
+            <a:fillRect/>
+          </a:stretch>
+        </p:blipFill>
+        <p:spPr bwMode="auto">
+          <a:xfrm>
+            <a:off x="3799135" y="3667595"/>
+            <a:ext cx="3121816" cy="2377440"/>
+          </a:xfrm>
+          <a:prstGeom prst="rect">
+            <a:avLst/>
+          </a:prstGeom>
+          <a:noFill/>
+          <a:ln>
+            <a:noFill/>
+          </a:ln>
+        </p:spPr>
+      </p:pic>
     </p:spTree>
     <p:extLst>
       <p:ext uri="{BB962C8B-B14F-4D97-AF65-F5344CB8AC3E}">
-        <p14:creationId xmlns:p14="http://schemas.microsoft.com/office/powerpoint/2010/main" val="1142060691"/>
+        <p14:creationId xmlns:p14="http://schemas.microsoft.com/office/powerpoint/2010/main" val="3121466668"/>
       </p:ext>
     </p:extLst>
   </p:cSld>
@@ -7665,33 +8964,8 @@
           <a:p>
             <a:r>
               <a:rPr lang="en-US" dirty="0"/>
-              <a:t>Conclusion</a:t>
-            </a:r>
-          </a:p>
-        </p:txBody>
-      </p:sp>
-      <p:sp>
-        <p:nvSpPr>
-          <p:cNvPr id="3" name="Content Placeholder 2">
-            <a:extLst>
-              <a:ext uri="{FF2B5EF4-FFF2-40B4-BE49-F238E27FC236}">
-                <a16:creationId xmlns:a16="http://schemas.microsoft.com/office/drawing/2014/main" id="{BDE134ED-3202-4D85-BC70-47FE23F708DE}"/>
-              </a:ext>
-            </a:extLst>
-          </p:cNvPr>
-          <p:cNvSpPr>
-            <a:spLocks noGrp="1"/>
-          </p:cNvSpPr>
-          <p:nvPr>
-            <p:ph idx="1"/>
-          </p:nvPr>
-        </p:nvSpPr>
-        <p:spPr/>
-        <p:txBody>
-          <a:bodyPr/>
-          <a:lstStyle/>
-          <a:p>
-            <a:endParaRPr lang="en-US"/>
+              <a:t>Analysis - Timing Results</a:t>
+            </a:r>
           </a:p>
         </p:txBody>
       </p:sp>
@@ -7700,7 +8974,7 @@
           <p:cNvPr id="4" name="Slide Number Placeholder 3">
             <a:extLst>
               <a:ext uri="{FF2B5EF4-FFF2-40B4-BE49-F238E27FC236}">
-                <a16:creationId xmlns:a16="http://schemas.microsoft.com/office/drawing/2014/main" id="{B7A8CC1C-6EDB-44AC-B03B-4B846D32FD24}"/>
+                <a16:creationId xmlns:a16="http://schemas.microsoft.com/office/drawing/2014/main" id="{AE5910F8-B88C-479F-B469-B28426B35A31}"/>
               </a:ext>
             </a:extLst>
           </p:cNvPr>
@@ -7724,10 +8998,3189 @@
           </a:p>
         </p:txBody>
       </p:sp>
+      <p:graphicFrame>
+        <p:nvGraphicFramePr>
+          <p:cNvPr id="5" name="Table 4">
+            <a:extLst>
+              <a:ext uri="{FF2B5EF4-FFF2-40B4-BE49-F238E27FC236}">
+                <a16:creationId xmlns:a16="http://schemas.microsoft.com/office/drawing/2014/main" id="{7D210714-6C08-47FE-8D11-93E223D865F9}"/>
+              </a:ext>
+            </a:extLst>
+          </p:cNvPr>
+          <p:cNvGraphicFramePr>
+            <a:graphicFrameLocks noGrp="1"/>
+          </p:cNvGraphicFramePr>
+          <p:nvPr>
+            <p:extLst>
+              <p:ext uri="{D42A27DB-BD31-4B8C-83A1-F6EECF244321}">
+                <p14:modId xmlns:p14="http://schemas.microsoft.com/office/powerpoint/2010/main" val="3353800411"/>
+              </p:ext>
+            </p:extLst>
+          </p:nvPr>
+        </p:nvGraphicFramePr>
+        <p:xfrm>
+          <a:off x="1720321" y="1930400"/>
+          <a:ext cx="6510694" cy="2289179"/>
+        </p:xfrm>
+        <a:graphic>
+          <a:graphicData uri="http://schemas.openxmlformats.org/drawingml/2006/table">
+            <a:tbl>
+              <a:tblPr firstRow="1" firstCol="1" bandRow="1">
+                <a:tableStyleId>{5C22544A-7EE6-4342-B048-85BDC9FD1C3A}</a:tableStyleId>
+              </a:tblPr>
+              <a:tblGrid>
+                <a:gridCol w="1220628">
+                  <a:extLst>
+                    <a:ext uri="{9D8B030D-6E8A-4147-A177-3AD203B41FA5}">
+                      <a16:colId xmlns:a16="http://schemas.microsoft.com/office/drawing/2014/main" val="4245961514"/>
+                    </a:ext>
+                  </a:extLst>
+                </a:gridCol>
+                <a:gridCol w="1953349">
+                  <a:extLst>
+                    <a:ext uri="{9D8B030D-6E8A-4147-A177-3AD203B41FA5}">
+                      <a16:colId xmlns:a16="http://schemas.microsoft.com/office/drawing/2014/main" val="1372281968"/>
+                    </a:ext>
+                  </a:extLst>
+                </a:gridCol>
+                <a:gridCol w="1034473">
+                  <a:extLst>
+                    <a:ext uri="{9D8B030D-6E8A-4147-A177-3AD203B41FA5}">
+                      <a16:colId xmlns:a16="http://schemas.microsoft.com/office/drawing/2014/main" val="3234517031"/>
+                    </a:ext>
+                  </a:extLst>
+                </a:gridCol>
+                <a:gridCol w="1081616">
+                  <a:extLst>
+                    <a:ext uri="{9D8B030D-6E8A-4147-A177-3AD203B41FA5}">
+                      <a16:colId xmlns:a16="http://schemas.microsoft.com/office/drawing/2014/main" val="3340866313"/>
+                    </a:ext>
+                  </a:extLst>
+                </a:gridCol>
+                <a:gridCol w="1220628">
+                  <a:extLst>
+                    <a:ext uri="{9D8B030D-6E8A-4147-A177-3AD203B41FA5}">
+                      <a16:colId xmlns:a16="http://schemas.microsoft.com/office/drawing/2014/main" val="2955757052"/>
+                    </a:ext>
+                  </a:extLst>
+                </a:gridCol>
+              </a:tblGrid>
+              <a:tr h="226535">
+                <a:tc rowSpan="2">
+                  <a:txBody>
+                    <a:bodyPr/>
+                    <a:lstStyle/>
+                    <a:p>
+                      <a:pPr marL="0" marR="0" algn="ctr">
+                        <a:lnSpc>
+                          <a:spcPct val="107000"/>
+                        </a:lnSpc>
+                        <a:spcBef>
+                          <a:spcPts val="0"/>
+                        </a:spcBef>
+                        <a:spcAft>
+                          <a:spcPts val="0"/>
+                        </a:spcAft>
+                      </a:pPr>
+                      <a:r>
+                        <a:rPr lang="en-US" sz="1200" dirty="0">
+                          <a:solidFill>
+                            <a:schemeClr val="tx1"/>
+                          </a:solidFill>
+                          <a:effectLst/>
+                        </a:rPr>
+                        <a:t>Image</a:t>
+                      </a:r>
+                      <a:endParaRPr lang="en-US" sz="1100" dirty="0">
+                        <a:solidFill>
+                          <a:schemeClr val="tx1"/>
+                        </a:solidFill>
+                        <a:effectLst/>
+                        <a:latin typeface="Calibri" panose="020F0502020204030204" pitchFamily="34" charset="0"/>
+                        <a:ea typeface="Calibri" panose="020F0502020204030204" pitchFamily="34" charset="0"/>
+                        <a:cs typeface="Times New Roman" panose="02020603050405020304" pitchFamily="18" charset="0"/>
+                      </a:endParaRPr>
+                    </a:p>
+                  </a:txBody>
+                  <a:tcPr marL="68580" marR="68580" marT="0" marB="0" anchor="ctr">
+                    <a:lnL w="12700" cap="flat" cmpd="sng" algn="ctr">
+                      <a:solidFill>
+                        <a:schemeClr val="tx1"/>
+                      </a:solidFill>
+                      <a:prstDash val="solid"/>
+                      <a:round/>
+                      <a:headEnd type="none" w="med" len="med"/>
+                      <a:tailEnd type="none" w="med" len="med"/>
+                    </a:lnL>
+                    <a:lnR w="12700" cap="flat" cmpd="sng" algn="ctr">
+                      <a:solidFill>
+                        <a:schemeClr val="tx1"/>
+                      </a:solidFill>
+                      <a:prstDash val="solid"/>
+                      <a:round/>
+                      <a:headEnd type="none" w="med" len="med"/>
+                      <a:tailEnd type="none" w="med" len="med"/>
+                    </a:lnR>
+                    <a:lnT w="12700" cap="flat" cmpd="sng" algn="ctr">
+                      <a:solidFill>
+                        <a:schemeClr val="tx1"/>
+                      </a:solidFill>
+                      <a:prstDash val="solid"/>
+                      <a:round/>
+                      <a:headEnd type="none" w="med" len="med"/>
+                      <a:tailEnd type="none" w="med" len="med"/>
+                    </a:lnT>
+                    <a:lnB w="12700" cap="flat" cmpd="sng" algn="ctr">
+                      <a:solidFill>
+                        <a:schemeClr val="tx1"/>
+                      </a:solidFill>
+                      <a:prstDash val="solid"/>
+                      <a:round/>
+                      <a:headEnd type="none" w="med" len="med"/>
+                      <a:tailEnd type="none" w="med" len="med"/>
+                    </a:lnB>
+                  </a:tcPr>
+                </a:tc>
+                <a:tc rowSpan="2">
+                  <a:txBody>
+                    <a:bodyPr/>
+                    <a:lstStyle/>
+                    <a:p>
+                      <a:pPr marL="0" marR="0" algn="ctr">
+                        <a:lnSpc>
+                          <a:spcPct val="107000"/>
+                        </a:lnSpc>
+                        <a:spcBef>
+                          <a:spcPts val="0"/>
+                        </a:spcBef>
+                        <a:spcAft>
+                          <a:spcPts val="0"/>
+                        </a:spcAft>
+                      </a:pPr>
+                      <a:r>
+                        <a:rPr lang="en-US" sz="1200" dirty="0">
+                          <a:solidFill>
+                            <a:schemeClr val="tx1"/>
+                          </a:solidFill>
+                          <a:effectLst/>
+                        </a:rPr>
+                        <a:t>Image Dimensions (total pixels)</a:t>
+                      </a:r>
+                      <a:endParaRPr lang="en-US" sz="1100" dirty="0">
+                        <a:solidFill>
+                          <a:schemeClr val="tx1"/>
+                        </a:solidFill>
+                        <a:effectLst/>
+                        <a:latin typeface="Calibri" panose="020F0502020204030204" pitchFamily="34" charset="0"/>
+                        <a:ea typeface="Calibri" panose="020F0502020204030204" pitchFamily="34" charset="0"/>
+                        <a:cs typeface="Times New Roman" panose="02020603050405020304" pitchFamily="18" charset="0"/>
+                      </a:endParaRPr>
+                    </a:p>
+                  </a:txBody>
+                  <a:tcPr marL="68580" marR="68580" marT="0" marB="0" anchor="ctr">
+                    <a:lnL w="12700" cap="flat" cmpd="sng" algn="ctr">
+                      <a:solidFill>
+                        <a:schemeClr val="tx1"/>
+                      </a:solidFill>
+                      <a:prstDash val="solid"/>
+                      <a:round/>
+                      <a:headEnd type="none" w="med" len="med"/>
+                      <a:tailEnd type="none" w="med" len="med"/>
+                    </a:lnL>
+                    <a:lnR w="12700" cap="flat" cmpd="sng" algn="ctr">
+                      <a:solidFill>
+                        <a:schemeClr val="tx1"/>
+                      </a:solidFill>
+                      <a:prstDash val="solid"/>
+                      <a:round/>
+                      <a:headEnd type="none" w="med" len="med"/>
+                      <a:tailEnd type="none" w="med" len="med"/>
+                    </a:lnR>
+                    <a:lnT w="12700" cap="flat" cmpd="sng" algn="ctr">
+                      <a:solidFill>
+                        <a:schemeClr val="tx1"/>
+                      </a:solidFill>
+                      <a:prstDash val="solid"/>
+                      <a:round/>
+                      <a:headEnd type="none" w="med" len="med"/>
+                      <a:tailEnd type="none" w="med" len="med"/>
+                    </a:lnT>
+                    <a:lnB w="12700" cap="flat" cmpd="sng" algn="ctr">
+                      <a:solidFill>
+                        <a:schemeClr val="tx1"/>
+                      </a:solidFill>
+                      <a:prstDash val="solid"/>
+                      <a:round/>
+                      <a:headEnd type="none" w="med" len="med"/>
+                      <a:tailEnd type="none" w="med" len="med"/>
+                    </a:lnB>
+                  </a:tcPr>
+                </a:tc>
+                <a:tc rowSpan="2">
+                  <a:txBody>
+                    <a:bodyPr/>
+                    <a:lstStyle/>
+                    <a:p>
+                      <a:pPr marL="0" marR="0" algn="ctr">
+                        <a:lnSpc>
+                          <a:spcPct val="107000"/>
+                        </a:lnSpc>
+                        <a:spcBef>
+                          <a:spcPts val="0"/>
+                        </a:spcBef>
+                        <a:spcAft>
+                          <a:spcPts val="0"/>
+                        </a:spcAft>
+                      </a:pPr>
+                      <a:r>
+                        <a:rPr lang="en-US" sz="1200" dirty="0">
+                          <a:solidFill>
+                            <a:schemeClr val="tx1"/>
+                          </a:solidFill>
+                          <a:effectLst/>
+                        </a:rPr>
+                        <a:t>CPU Execution Times (</a:t>
+                      </a:r>
+                      <a:r>
+                        <a:rPr lang="en-US" sz="1200" dirty="0" err="1">
+                          <a:solidFill>
+                            <a:schemeClr val="tx1"/>
+                          </a:solidFill>
+                          <a:effectLst/>
+                        </a:rPr>
+                        <a:t>ms</a:t>
+                      </a:r>
+                      <a:r>
+                        <a:rPr lang="en-US" sz="1200" dirty="0">
+                          <a:solidFill>
+                            <a:schemeClr val="tx1"/>
+                          </a:solidFill>
+                          <a:effectLst/>
+                        </a:rPr>
+                        <a:t>)</a:t>
+                      </a:r>
+                      <a:endParaRPr lang="en-US" sz="1100" dirty="0">
+                        <a:solidFill>
+                          <a:schemeClr val="tx1"/>
+                        </a:solidFill>
+                        <a:effectLst/>
+                        <a:latin typeface="Calibri" panose="020F0502020204030204" pitchFamily="34" charset="0"/>
+                        <a:ea typeface="Calibri" panose="020F0502020204030204" pitchFamily="34" charset="0"/>
+                        <a:cs typeface="Times New Roman" panose="02020603050405020304" pitchFamily="18" charset="0"/>
+                      </a:endParaRPr>
+                    </a:p>
+                  </a:txBody>
+                  <a:tcPr marL="68580" marR="68580" marT="0" marB="0">
+                    <a:lnL w="12700" cap="flat" cmpd="sng" algn="ctr">
+                      <a:solidFill>
+                        <a:schemeClr val="tx1"/>
+                      </a:solidFill>
+                      <a:prstDash val="solid"/>
+                      <a:round/>
+                      <a:headEnd type="none" w="med" len="med"/>
+                      <a:tailEnd type="none" w="med" len="med"/>
+                    </a:lnL>
+                    <a:lnR w="12700" cap="flat" cmpd="sng" algn="ctr">
+                      <a:solidFill>
+                        <a:schemeClr val="tx1"/>
+                      </a:solidFill>
+                      <a:prstDash val="solid"/>
+                      <a:round/>
+                      <a:headEnd type="none" w="med" len="med"/>
+                      <a:tailEnd type="none" w="med" len="med"/>
+                    </a:lnR>
+                    <a:lnT w="12700" cap="flat" cmpd="sng" algn="ctr">
+                      <a:solidFill>
+                        <a:schemeClr val="tx1"/>
+                      </a:solidFill>
+                      <a:prstDash val="solid"/>
+                      <a:round/>
+                      <a:headEnd type="none" w="med" len="med"/>
+                      <a:tailEnd type="none" w="med" len="med"/>
+                    </a:lnT>
+                    <a:lnB w="12700" cap="flat" cmpd="sng" algn="ctr">
+                      <a:solidFill>
+                        <a:schemeClr val="tx1"/>
+                      </a:solidFill>
+                      <a:prstDash val="solid"/>
+                      <a:round/>
+                      <a:headEnd type="none" w="med" len="med"/>
+                      <a:tailEnd type="none" w="med" len="med"/>
+                    </a:lnB>
+                  </a:tcPr>
+                </a:tc>
+                <a:tc gridSpan="2">
+                  <a:txBody>
+                    <a:bodyPr/>
+                    <a:lstStyle/>
+                    <a:p>
+                      <a:pPr marL="0" marR="0" algn="ctr">
+                        <a:lnSpc>
+                          <a:spcPct val="107000"/>
+                        </a:lnSpc>
+                        <a:spcBef>
+                          <a:spcPts val="0"/>
+                        </a:spcBef>
+                        <a:spcAft>
+                          <a:spcPts val="0"/>
+                        </a:spcAft>
+                      </a:pPr>
+                      <a:r>
+                        <a:rPr lang="en-US" sz="1200" dirty="0">
+                          <a:solidFill>
+                            <a:schemeClr val="tx1"/>
+                          </a:solidFill>
+                          <a:effectLst/>
+                        </a:rPr>
+                        <a:t>GPU Execution Times (</a:t>
+                      </a:r>
+                      <a:r>
+                        <a:rPr lang="en-US" sz="1200" dirty="0" err="1">
+                          <a:solidFill>
+                            <a:schemeClr val="tx1"/>
+                          </a:solidFill>
+                          <a:effectLst/>
+                        </a:rPr>
+                        <a:t>ms</a:t>
+                      </a:r>
+                      <a:r>
+                        <a:rPr lang="en-US" sz="1200" dirty="0">
+                          <a:solidFill>
+                            <a:schemeClr val="tx1"/>
+                          </a:solidFill>
+                          <a:effectLst/>
+                        </a:rPr>
+                        <a:t>)</a:t>
+                      </a:r>
+                      <a:endParaRPr lang="en-US" sz="1100" dirty="0">
+                        <a:solidFill>
+                          <a:schemeClr val="tx1"/>
+                        </a:solidFill>
+                        <a:effectLst/>
+                        <a:latin typeface="Calibri" panose="020F0502020204030204" pitchFamily="34" charset="0"/>
+                        <a:ea typeface="Calibri" panose="020F0502020204030204" pitchFamily="34" charset="0"/>
+                        <a:cs typeface="Times New Roman" panose="02020603050405020304" pitchFamily="18" charset="0"/>
+                      </a:endParaRPr>
+                    </a:p>
+                  </a:txBody>
+                  <a:tcPr marL="68580" marR="68580" marT="0" marB="0">
+                    <a:lnL w="12700" cap="flat" cmpd="sng" algn="ctr">
+                      <a:solidFill>
+                        <a:schemeClr val="tx1"/>
+                      </a:solidFill>
+                      <a:prstDash val="solid"/>
+                      <a:round/>
+                      <a:headEnd type="none" w="med" len="med"/>
+                      <a:tailEnd type="none" w="med" len="med"/>
+                    </a:lnL>
+                    <a:lnR w="12700" cap="flat" cmpd="sng" algn="ctr">
+                      <a:solidFill>
+                        <a:schemeClr val="tx1"/>
+                      </a:solidFill>
+                      <a:prstDash val="solid"/>
+                      <a:round/>
+                      <a:headEnd type="none" w="med" len="med"/>
+                      <a:tailEnd type="none" w="med" len="med"/>
+                    </a:lnR>
+                    <a:lnT w="12700" cap="flat" cmpd="sng" algn="ctr">
+                      <a:solidFill>
+                        <a:schemeClr val="tx1"/>
+                      </a:solidFill>
+                      <a:prstDash val="solid"/>
+                      <a:round/>
+                      <a:headEnd type="none" w="med" len="med"/>
+                      <a:tailEnd type="none" w="med" len="med"/>
+                    </a:lnT>
+                    <a:lnB w="12700" cap="flat" cmpd="sng" algn="ctr">
+                      <a:solidFill>
+                        <a:schemeClr val="tx1"/>
+                      </a:solidFill>
+                      <a:prstDash val="solid"/>
+                      <a:round/>
+                      <a:headEnd type="none" w="med" len="med"/>
+                      <a:tailEnd type="none" w="med" len="med"/>
+                    </a:lnB>
+                  </a:tcPr>
+                </a:tc>
+                <a:tc hMerge="1">
+                  <a:txBody>
+                    <a:bodyPr/>
+                    <a:lstStyle/>
+                    <a:p>
+                      <a:endParaRPr lang="en-US"/>
+                    </a:p>
+                  </a:txBody>
+                  <a:tcPr/>
+                </a:tc>
+                <a:extLst>
+                  <a:ext uri="{0D108BD9-81ED-4DB2-BD59-A6C34878D82A}">
+                    <a16:rowId xmlns:a16="http://schemas.microsoft.com/office/drawing/2014/main" val="47323041"/>
+                  </a:ext>
+                </a:extLst>
+              </a:tr>
+              <a:tr h="476899">
+                <a:tc vMerge="1">
+                  <a:txBody>
+                    <a:bodyPr/>
+                    <a:lstStyle/>
+                    <a:p>
+                      <a:endParaRPr lang="en-US"/>
+                    </a:p>
+                  </a:txBody>
+                  <a:tcPr/>
+                </a:tc>
+                <a:tc vMerge="1">
+                  <a:txBody>
+                    <a:bodyPr/>
+                    <a:lstStyle/>
+                    <a:p>
+                      <a:endParaRPr lang="en-US"/>
+                    </a:p>
+                  </a:txBody>
+                  <a:tcPr/>
+                </a:tc>
+                <a:tc vMerge="1">
+                  <a:txBody>
+                    <a:bodyPr/>
+                    <a:lstStyle/>
+                    <a:p>
+                      <a:endParaRPr lang="en-US"/>
+                    </a:p>
+                  </a:txBody>
+                  <a:tcPr/>
+                </a:tc>
+                <a:tc>
+                  <a:txBody>
+                    <a:bodyPr/>
+                    <a:lstStyle/>
+                    <a:p>
+                      <a:pPr marL="0" marR="0" algn="ctr">
+                        <a:lnSpc>
+                          <a:spcPct val="107000"/>
+                        </a:lnSpc>
+                        <a:spcBef>
+                          <a:spcPts val="0"/>
+                        </a:spcBef>
+                        <a:spcAft>
+                          <a:spcPts val="0"/>
+                        </a:spcAft>
+                      </a:pPr>
+                      <a:r>
+                        <a:rPr lang="en-US" sz="1200" b="1" dirty="0">
+                          <a:solidFill>
+                            <a:schemeClr val="tx1"/>
+                          </a:solidFill>
+                          <a:effectLst/>
+                        </a:rPr>
+                        <a:t>Global Memory</a:t>
+                      </a:r>
+                      <a:endParaRPr lang="en-US" sz="1100" b="1" dirty="0">
+                        <a:solidFill>
+                          <a:schemeClr val="tx1"/>
+                        </a:solidFill>
+                        <a:effectLst/>
+                        <a:latin typeface="Calibri" panose="020F0502020204030204" pitchFamily="34" charset="0"/>
+                        <a:ea typeface="Calibri" panose="020F0502020204030204" pitchFamily="34" charset="0"/>
+                        <a:cs typeface="Times New Roman" panose="02020603050405020304" pitchFamily="18" charset="0"/>
+                      </a:endParaRPr>
+                    </a:p>
+                  </a:txBody>
+                  <a:tcPr marL="68580" marR="68580" marT="0" marB="0">
+                    <a:lnL w="12700" cap="flat" cmpd="sng" algn="ctr">
+                      <a:solidFill>
+                        <a:schemeClr val="tx1"/>
+                      </a:solidFill>
+                      <a:prstDash val="solid"/>
+                      <a:round/>
+                      <a:headEnd type="none" w="med" len="med"/>
+                      <a:tailEnd type="none" w="med" len="med"/>
+                    </a:lnL>
+                    <a:lnR w="12700" cap="flat" cmpd="sng" algn="ctr">
+                      <a:solidFill>
+                        <a:schemeClr val="tx1"/>
+                      </a:solidFill>
+                      <a:prstDash val="solid"/>
+                      <a:round/>
+                      <a:headEnd type="none" w="med" len="med"/>
+                      <a:tailEnd type="none" w="med" len="med"/>
+                    </a:lnR>
+                    <a:lnT w="12700" cap="flat" cmpd="sng" algn="ctr">
+                      <a:solidFill>
+                        <a:schemeClr val="tx1"/>
+                      </a:solidFill>
+                      <a:prstDash val="solid"/>
+                      <a:round/>
+                      <a:headEnd type="none" w="med" len="med"/>
+                      <a:tailEnd type="none" w="med" len="med"/>
+                    </a:lnT>
+                    <a:lnB w="12700" cap="flat" cmpd="sng" algn="ctr">
+                      <a:solidFill>
+                        <a:schemeClr val="tx1"/>
+                      </a:solidFill>
+                      <a:prstDash val="solid"/>
+                      <a:round/>
+                      <a:headEnd type="none" w="med" len="med"/>
+                      <a:tailEnd type="none" w="med" len="med"/>
+                    </a:lnB>
+                    <a:solidFill>
+                      <a:schemeClr val="accent1"/>
+                    </a:solidFill>
+                  </a:tcPr>
+                </a:tc>
+                <a:tc>
+                  <a:txBody>
+                    <a:bodyPr/>
+                    <a:lstStyle/>
+                    <a:p>
+                      <a:pPr marL="0" marR="0" algn="ctr">
+                        <a:lnSpc>
+                          <a:spcPct val="107000"/>
+                        </a:lnSpc>
+                        <a:spcBef>
+                          <a:spcPts val="0"/>
+                        </a:spcBef>
+                        <a:spcAft>
+                          <a:spcPts val="0"/>
+                        </a:spcAft>
+                      </a:pPr>
+                      <a:r>
+                        <a:rPr lang="en-US" sz="1200" b="1" dirty="0">
+                          <a:solidFill>
+                            <a:schemeClr val="tx1"/>
+                          </a:solidFill>
+                          <a:effectLst/>
+                        </a:rPr>
+                        <a:t>Shared Memory</a:t>
+                      </a:r>
+                      <a:endParaRPr lang="en-US" sz="1100" b="1" dirty="0">
+                        <a:solidFill>
+                          <a:schemeClr val="tx1"/>
+                        </a:solidFill>
+                        <a:effectLst/>
+                        <a:latin typeface="Calibri" panose="020F0502020204030204" pitchFamily="34" charset="0"/>
+                        <a:ea typeface="Calibri" panose="020F0502020204030204" pitchFamily="34" charset="0"/>
+                        <a:cs typeface="Times New Roman" panose="02020603050405020304" pitchFamily="18" charset="0"/>
+                      </a:endParaRPr>
+                    </a:p>
+                  </a:txBody>
+                  <a:tcPr marL="68580" marR="68580" marT="0" marB="0">
+                    <a:lnL w="12700" cap="flat" cmpd="sng" algn="ctr">
+                      <a:solidFill>
+                        <a:schemeClr val="tx1"/>
+                      </a:solidFill>
+                      <a:prstDash val="solid"/>
+                      <a:round/>
+                      <a:headEnd type="none" w="med" len="med"/>
+                      <a:tailEnd type="none" w="med" len="med"/>
+                    </a:lnL>
+                    <a:lnR w="12700" cap="flat" cmpd="sng" algn="ctr">
+                      <a:solidFill>
+                        <a:schemeClr val="tx1"/>
+                      </a:solidFill>
+                      <a:prstDash val="solid"/>
+                      <a:round/>
+                      <a:headEnd type="none" w="med" len="med"/>
+                      <a:tailEnd type="none" w="med" len="med"/>
+                    </a:lnR>
+                    <a:lnT w="12700" cap="flat" cmpd="sng" algn="ctr">
+                      <a:solidFill>
+                        <a:schemeClr val="tx1"/>
+                      </a:solidFill>
+                      <a:prstDash val="solid"/>
+                      <a:round/>
+                      <a:headEnd type="none" w="med" len="med"/>
+                      <a:tailEnd type="none" w="med" len="med"/>
+                    </a:lnT>
+                    <a:lnB w="12700" cap="flat" cmpd="sng" algn="ctr">
+                      <a:solidFill>
+                        <a:schemeClr val="tx1"/>
+                      </a:solidFill>
+                      <a:prstDash val="solid"/>
+                      <a:round/>
+                      <a:headEnd type="none" w="med" len="med"/>
+                      <a:tailEnd type="none" w="med" len="med"/>
+                    </a:lnB>
+                    <a:solidFill>
+                      <a:schemeClr val="accent1"/>
+                    </a:solidFill>
+                  </a:tcPr>
+                </a:tc>
+                <a:extLst>
+                  <a:ext uri="{0D108BD9-81ED-4DB2-BD59-A6C34878D82A}">
+                    <a16:rowId xmlns:a16="http://schemas.microsoft.com/office/drawing/2014/main" val="623386586"/>
+                  </a:ext>
+                </a:extLst>
+              </a:tr>
+              <a:tr h="226535">
+                <a:tc>
+                  <a:txBody>
+                    <a:bodyPr/>
+                    <a:lstStyle/>
+                    <a:p>
+                      <a:pPr marL="0" marR="0">
+                        <a:lnSpc>
+                          <a:spcPct val="107000"/>
+                        </a:lnSpc>
+                        <a:spcBef>
+                          <a:spcPts val="0"/>
+                        </a:spcBef>
+                        <a:spcAft>
+                          <a:spcPts val="0"/>
+                        </a:spcAft>
+                      </a:pPr>
+                      <a:r>
+                        <a:rPr lang="en-US" sz="1200" b="0" dirty="0">
+                          <a:solidFill>
+                            <a:schemeClr val="tx1"/>
+                          </a:solidFill>
+                          <a:effectLst/>
+                        </a:rPr>
+                        <a:t>mountains.jpg</a:t>
+                      </a:r>
+                      <a:endParaRPr lang="en-US" sz="1100" b="0" dirty="0">
+                        <a:solidFill>
+                          <a:schemeClr val="tx1"/>
+                        </a:solidFill>
+                        <a:effectLst/>
+                        <a:latin typeface="Calibri" panose="020F0502020204030204" pitchFamily="34" charset="0"/>
+                        <a:ea typeface="Calibri" panose="020F0502020204030204" pitchFamily="34" charset="0"/>
+                        <a:cs typeface="Times New Roman" panose="02020603050405020304" pitchFamily="18" charset="0"/>
+                      </a:endParaRPr>
+                    </a:p>
+                  </a:txBody>
+                  <a:tcPr marL="68580" marR="68580" marT="0" marB="0">
+                    <a:lnL w="12700" cap="flat" cmpd="sng" algn="ctr">
+                      <a:solidFill>
+                        <a:schemeClr val="tx1"/>
+                      </a:solidFill>
+                      <a:prstDash val="solid"/>
+                      <a:round/>
+                      <a:headEnd type="none" w="med" len="med"/>
+                      <a:tailEnd type="none" w="med" len="med"/>
+                    </a:lnL>
+                    <a:lnR w="12700" cap="flat" cmpd="sng" algn="ctr">
+                      <a:solidFill>
+                        <a:schemeClr val="tx1"/>
+                      </a:solidFill>
+                      <a:prstDash val="solid"/>
+                      <a:round/>
+                      <a:headEnd type="none" w="med" len="med"/>
+                      <a:tailEnd type="none" w="med" len="med"/>
+                    </a:lnR>
+                    <a:lnT w="12700" cap="flat" cmpd="sng" algn="ctr">
+                      <a:solidFill>
+                        <a:schemeClr val="tx1"/>
+                      </a:solidFill>
+                      <a:prstDash val="solid"/>
+                      <a:round/>
+                      <a:headEnd type="none" w="med" len="med"/>
+                      <a:tailEnd type="none" w="med" len="med"/>
+                    </a:lnT>
+                    <a:lnB w="12700" cap="flat" cmpd="sng" algn="ctr">
+                      <a:solidFill>
+                        <a:schemeClr val="tx1"/>
+                      </a:solidFill>
+                      <a:prstDash val="solid"/>
+                      <a:round/>
+                      <a:headEnd type="none" w="med" len="med"/>
+                      <a:tailEnd type="none" w="med" len="med"/>
+                    </a:lnB>
+                    <a:solidFill>
+                      <a:srgbClr val="EAF6FC"/>
+                    </a:solidFill>
+                  </a:tcPr>
+                </a:tc>
+                <a:tc>
+                  <a:txBody>
+                    <a:bodyPr/>
+                    <a:lstStyle/>
+                    <a:p>
+                      <a:pPr marL="0" marR="0">
+                        <a:lnSpc>
+                          <a:spcPct val="107000"/>
+                        </a:lnSpc>
+                        <a:spcBef>
+                          <a:spcPts val="0"/>
+                        </a:spcBef>
+                        <a:spcAft>
+                          <a:spcPts val="0"/>
+                        </a:spcAft>
+                      </a:pPr>
+                      <a:r>
+                        <a:rPr lang="en-US" sz="1200" dirty="0">
+                          <a:effectLst/>
+                        </a:rPr>
+                        <a:t>500 x 348 (174,000)</a:t>
+                      </a:r>
+                      <a:endParaRPr lang="en-US" sz="1100" dirty="0">
+                        <a:effectLst/>
+                        <a:latin typeface="Calibri" panose="020F0502020204030204" pitchFamily="34" charset="0"/>
+                        <a:ea typeface="Calibri" panose="020F0502020204030204" pitchFamily="34" charset="0"/>
+                        <a:cs typeface="Times New Roman" panose="02020603050405020304" pitchFamily="18" charset="0"/>
+                      </a:endParaRPr>
+                    </a:p>
+                  </a:txBody>
+                  <a:tcPr marL="68580" marR="68580" marT="0" marB="0">
+                    <a:lnL w="12700" cap="flat" cmpd="sng" algn="ctr">
+                      <a:solidFill>
+                        <a:schemeClr val="tx1"/>
+                      </a:solidFill>
+                      <a:prstDash val="solid"/>
+                      <a:round/>
+                      <a:headEnd type="none" w="med" len="med"/>
+                      <a:tailEnd type="none" w="med" len="med"/>
+                    </a:lnL>
+                    <a:lnR w="12700" cap="flat" cmpd="sng" algn="ctr">
+                      <a:solidFill>
+                        <a:schemeClr val="tx1"/>
+                      </a:solidFill>
+                      <a:prstDash val="solid"/>
+                      <a:round/>
+                      <a:headEnd type="none" w="med" len="med"/>
+                      <a:tailEnd type="none" w="med" len="med"/>
+                    </a:lnR>
+                    <a:lnT w="12700" cap="flat" cmpd="sng" algn="ctr">
+                      <a:solidFill>
+                        <a:schemeClr val="tx1"/>
+                      </a:solidFill>
+                      <a:prstDash val="solid"/>
+                      <a:round/>
+                      <a:headEnd type="none" w="med" len="med"/>
+                      <a:tailEnd type="none" w="med" len="med"/>
+                    </a:lnT>
+                    <a:lnB w="12700" cap="flat" cmpd="sng" algn="ctr">
+                      <a:solidFill>
+                        <a:schemeClr val="tx1"/>
+                      </a:solidFill>
+                      <a:prstDash val="solid"/>
+                      <a:round/>
+                      <a:headEnd type="none" w="med" len="med"/>
+                      <a:tailEnd type="none" w="med" len="med"/>
+                    </a:lnB>
+                  </a:tcPr>
+                </a:tc>
+                <a:tc>
+                  <a:txBody>
+                    <a:bodyPr/>
+                    <a:lstStyle/>
+                    <a:p>
+                      <a:pPr marL="0" marR="0">
+                        <a:lnSpc>
+                          <a:spcPct val="107000"/>
+                        </a:lnSpc>
+                        <a:spcBef>
+                          <a:spcPts val="0"/>
+                        </a:spcBef>
+                        <a:spcAft>
+                          <a:spcPts val="0"/>
+                        </a:spcAft>
+                      </a:pPr>
+                      <a:r>
+                        <a:rPr lang="en-US" sz="1200">
+                          <a:effectLst/>
+                        </a:rPr>
+                        <a:t>10.6232</a:t>
+                      </a:r>
+                      <a:endParaRPr lang="en-US" sz="1100">
+                        <a:effectLst/>
+                        <a:latin typeface="Calibri" panose="020F0502020204030204" pitchFamily="34" charset="0"/>
+                        <a:ea typeface="Calibri" panose="020F0502020204030204" pitchFamily="34" charset="0"/>
+                        <a:cs typeface="Times New Roman" panose="02020603050405020304" pitchFamily="18" charset="0"/>
+                      </a:endParaRPr>
+                    </a:p>
+                  </a:txBody>
+                  <a:tcPr marL="68580" marR="68580" marT="0" marB="0">
+                    <a:lnL w="12700" cap="flat" cmpd="sng" algn="ctr">
+                      <a:solidFill>
+                        <a:schemeClr val="tx1"/>
+                      </a:solidFill>
+                      <a:prstDash val="solid"/>
+                      <a:round/>
+                      <a:headEnd type="none" w="med" len="med"/>
+                      <a:tailEnd type="none" w="med" len="med"/>
+                    </a:lnL>
+                    <a:lnR w="12700" cap="flat" cmpd="sng" algn="ctr">
+                      <a:solidFill>
+                        <a:schemeClr val="tx1"/>
+                      </a:solidFill>
+                      <a:prstDash val="solid"/>
+                      <a:round/>
+                      <a:headEnd type="none" w="med" len="med"/>
+                      <a:tailEnd type="none" w="med" len="med"/>
+                    </a:lnR>
+                    <a:lnT w="12700" cap="flat" cmpd="sng" algn="ctr">
+                      <a:solidFill>
+                        <a:schemeClr val="tx1"/>
+                      </a:solidFill>
+                      <a:prstDash val="solid"/>
+                      <a:round/>
+                      <a:headEnd type="none" w="med" len="med"/>
+                      <a:tailEnd type="none" w="med" len="med"/>
+                    </a:lnT>
+                    <a:lnB w="12700" cap="flat" cmpd="sng" algn="ctr">
+                      <a:solidFill>
+                        <a:schemeClr val="tx1"/>
+                      </a:solidFill>
+                      <a:prstDash val="solid"/>
+                      <a:round/>
+                      <a:headEnd type="none" w="med" len="med"/>
+                      <a:tailEnd type="none" w="med" len="med"/>
+                    </a:lnB>
+                  </a:tcPr>
+                </a:tc>
+                <a:tc>
+                  <a:txBody>
+                    <a:bodyPr/>
+                    <a:lstStyle/>
+                    <a:p>
+                      <a:pPr marL="0" marR="0">
+                        <a:lnSpc>
+                          <a:spcPct val="107000"/>
+                        </a:lnSpc>
+                        <a:spcBef>
+                          <a:spcPts val="0"/>
+                        </a:spcBef>
+                        <a:spcAft>
+                          <a:spcPts val="0"/>
+                        </a:spcAft>
+                      </a:pPr>
+                      <a:r>
+                        <a:rPr lang="en-US" sz="1200">
+                          <a:effectLst/>
+                        </a:rPr>
+                        <a:t>0.5930</a:t>
+                      </a:r>
+                      <a:endParaRPr lang="en-US" sz="1100">
+                        <a:effectLst/>
+                        <a:latin typeface="Calibri" panose="020F0502020204030204" pitchFamily="34" charset="0"/>
+                        <a:ea typeface="Calibri" panose="020F0502020204030204" pitchFamily="34" charset="0"/>
+                        <a:cs typeface="Times New Roman" panose="02020603050405020304" pitchFamily="18" charset="0"/>
+                      </a:endParaRPr>
+                    </a:p>
+                  </a:txBody>
+                  <a:tcPr marL="68580" marR="68580" marT="0" marB="0">
+                    <a:lnL w="12700" cap="flat" cmpd="sng" algn="ctr">
+                      <a:solidFill>
+                        <a:schemeClr val="tx1"/>
+                      </a:solidFill>
+                      <a:prstDash val="solid"/>
+                      <a:round/>
+                      <a:headEnd type="none" w="med" len="med"/>
+                      <a:tailEnd type="none" w="med" len="med"/>
+                    </a:lnL>
+                    <a:lnR w="12700" cap="flat" cmpd="sng" algn="ctr">
+                      <a:solidFill>
+                        <a:schemeClr val="tx1"/>
+                      </a:solidFill>
+                      <a:prstDash val="solid"/>
+                      <a:round/>
+                      <a:headEnd type="none" w="med" len="med"/>
+                      <a:tailEnd type="none" w="med" len="med"/>
+                    </a:lnR>
+                    <a:lnT w="12700" cap="flat" cmpd="sng" algn="ctr">
+                      <a:solidFill>
+                        <a:schemeClr val="tx1"/>
+                      </a:solidFill>
+                      <a:prstDash val="solid"/>
+                      <a:round/>
+                      <a:headEnd type="none" w="med" len="med"/>
+                      <a:tailEnd type="none" w="med" len="med"/>
+                    </a:lnT>
+                    <a:lnB w="12700" cap="flat" cmpd="sng" algn="ctr">
+                      <a:solidFill>
+                        <a:schemeClr val="tx1"/>
+                      </a:solidFill>
+                      <a:prstDash val="solid"/>
+                      <a:round/>
+                      <a:headEnd type="none" w="med" len="med"/>
+                      <a:tailEnd type="none" w="med" len="med"/>
+                    </a:lnB>
+                  </a:tcPr>
+                </a:tc>
+                <a:tc>
+                  <a:txBody>
+                    <a:bodyPr/>
+                    <a:lstStyle/>
+                    <a:p>
+                      <a:pPr marL="0" marR="0">
+                        <a:lnSpc>
+                          <a:spcPct val="107000"/>
+                        </a:lnSpc>
+                        <a:spcBef>
+                          <a:spcPts val="0"/>
+                        </a:spcBef>
+                        <a:spcAft>
+                          <a:spcPts val="0"/>
+                        </a:spcAft>
+                      </a:pPr>
+                      <a:r>
+                        <a:rPr lang="en-US" sz="1200" dirty="0">
+                          <a:effectLst/>
+                        </a:rPr>
+                        <a:t>0.6353</a:t>
+                      </a:r>
+                      <a:endParaRPr lang="en-US" sz="1100" dirty="0">
+                        <a:effectLst/>
+                        <a:latin typeface="Calibri" panose="020F0502020204030204" pitchFamily="34" charset="0"/>
+                        <a:ea typeface="Calibri" panose="020F0502020204030204" pitchFamily="34" charset="0"/>
+                        <a:cs typeface="Times New Roman" panose="02020603050405020304" pitchFamily="18" charset="0"/>
+                      </a:endParaRPr>
+                    </a:p>
+                  </a:txBody>
+                  <a:tcPr marL="68580" marR="68580" marT="0" marB="0">
+                    <a:lnL w="12700" cap="flat" cmpd="sng" algn="ctr">
+                      <a:solidFill>
+                        <a:schemeClr val="tx1"/>
+                      </a:solidFill>
+                      <a:prstDash val="solid"/>
+                      <a:round/>
+                      <a:headEnd type="none" w="med" len="med"/>
+                      <a:tailEnd type="none" w="med" len="med"/>
+                    </a:lnL>
+                    <a:lnR w="12700" cap="flat" cmpd="sng" algn="ctr">
+                      <a:solidFill>
+                        <a:schemeClr val="tx1"/>
+                      </a:solidFill>
+                      <a:prstDash val="solid"/>
+                      <a:round/>
+                      <a:headEnd type="none" w="med" len="med"/>
+                      <a:tailEnd type="none" w="med" len="med"/>
+                    </a:lnR>
+                    <a:lnT w="12700" cap="flat" cmpd="sng" algn="ctr">
+                      <a:solidFill>
+                        <a:schemeClr val="tx1"/>
+                      </a:solidFill>
+                      <a:prstDash val="solid"/>
+                      <a:round/>
+                      <a:headEnd type="none" w="med" len="med"/>
+                      <a:tailEnd type="none" w="med" len="med"/>
+                    </a:lnT>
+                    <a:lnB w="12700" cap="flat" cmpd="sng" algn="ctr">
+                      <a:solidFill>
+                        <a:schemeClr val="tx1"/>
+                      </a:solidFill>
+                      <a:prstDash val="solid"/>
+                      <a:round/>
+                      <a:headEnd type="none" w="med" len="med"/>
+                      <a:tailEnd type="none" w="med" len="med"/>
+                    </a:lnB>
+                  </a:tcPr>
+                </a:tc>
+                <a:extLst>
+                  <a:ext uri="{0D108BD9-81ED-4DB2-BD59-A6C34878D82A}">
+                    <a16:rowId xmlns:a16="http://schemas.microsoft.com/office/drawing/2014/main" val="378186592"/>
+                  </a:ext>
+                </a:extLst>
+              </a:tr>
+              <a:tr h="226535">
+                <a:tc>
+                  <a:txBody>
+                    <a:bodyPr/>
+                    <a:lstStyle/>
+                    <a:p>
+                      <a:pPr marL="0" marR="0">
+                        <a:lnSpc>
+                          <a:spcPct val="107000"/>
+                        </a:lnSpc>
+                        <a:spcBef>
+                          <a:spcPts val="0"/>
+                        </a:spcBef>
+                        <a:spcAft>
+                          <a:spcPts val="0"/>
+                        </a:spcAft>
+                      </a:pPr>
+                      <a:r>
+                        <a:rPr lang="en-US" sz="1200" b="0" dirty="0">
+                          <a:solidFill>
+                            <a:schemeClr val="tx1"/>
+                          </a:solidFill>
+                          <a:effectLst/>
+                        </a:rPr>
+                        <a:t>lena.png</a:t>
+                      </a:r>
+                      <a:endParaRPr lang="en-US" sz="1100" b="0" dirty="0">
+                        <a:solidFill>
+                          <a:schemeClr val="tx1"/>
+                        </a:solidFill>
+                        <a:effectLst/>
+                        <a:latin typeface="Calibri" panose="020F0502020204030204" pitchFamily="34" charset="0"/>
+                        <a:ea typeface="Calibri" panose="020F0502020204030204" pitchFamily="34" charset="0"/>
+                        <a:cs typeface="Times New Roman" panose="02020603050405020304" pitchFamily="18" charset="0"/>
+                      </a:endParaRPr>
+                    </a:p>
+                  </a:txBody>
+                  <a:tcPr marL="68580" marR="68580" marT="0" marB="0">
+                    <a:lnL w="12700" cap="flat" cmpd="sng" algn="ctr">
+                      <a:solidFill>
+                        <a:schemeClr val="tx1"/>
+                      </a:solidFill>
+                      <a:prstDash val="solid"/>
+                      <a:round/>
+                      <a:headEnd type="none" w="med" len="med"/>
+                      <a:tailEnd type="none" w="med" len="med"/>
+                    </a:lnL>
+                    <a:lnR w="12700" cap="flat" cmpd="sng" algn="ctr">
+                      <a:solidFill>
+                        <a:schemeClr val="tx1"/>
+                      </a:solidFill>
+                      <a:prstDash val="solid"/>
+                      <a:round/>
+                      <a:headEnd type="none" w="med" len="med"/>
+                      <a:tailEnd type="none" w="med" len="med"/>
+                    </a:lnR>
+                    <a:lnT w="12700" cap="flat" cmpd="sng" algn="ctr">
+                      <a:solidFill>
+                        <a:schemeClr val="tx1"/>
+                      </a:solidFill>
+                      <a:prstDash val="solid"/>
+                      <a:round/>
+                      <a:headEnd type="none" w="med" len="med"/>
+                      <a:tailEnd type="none" w="med" len="med"/>
+                    </a:lnT>
+                    <a:lnB w="12700" cap="flat" cmpd="sng" algn="ctr">
+                      <a:solidFill>
+                        <a:schemeClr val="tx1"/>
+                      </a:solidFill>
+                      <a:prstDash val="solid"/>
+                      <a:round/>
+                      <a:headEnd type="none" w="med" len="med"/>
+                      <a:tailEnd type="none" w="med" len="med"/>
+                    </a:lnB>
+                    <a:solidFill>
+                      <a:srgbClr val="D2ECF9"/>
+                    </a:solidFill>
+                  </a:tcPr>
+                </a:tc>
+                <a:tc>
+                  <a:txBody>
+                    <a:bodyPr/>
+                    <a:lstStyle/>
+                    <a:p>
+                      <a:pPr marL="0" marR="0">
+                        <a:lnSpc>
+                          <a:spcPct val="107000"/>
+                        </a:lnSpc>
+                        <a:spcBef>
+                          <a:spcPts val="0"/>
+                        </a:spcBef>
+                        <a:spcAft>
+                          <a:spcPts val="0"/>
+                        </a:spcAft>
+                      </a:pPr>
+                      <a:r>
+                        <a:rPr lang="en-US" sz="1200" dirty="0">
+                          <a:effectLst/>
+                        </a:rPr>
+                        <a:t>512 x 512 (262,144)</a:t>
+                      </a:r>
+                      <a:endParaRPr lang="en-US" sz="1100" dirty="0">
+                        <a:effectLst/>
+                        <a:latin typeface="Calibri" panose="020F0502020204030204" pitchFamily="34" charset="0"/>
+                        <a:ea typeface="Calibri" panose="020F0502020204030204" pitchFamily="34" charset="0"/>
+                        <a:cs typeface="Times New Roman" panose="02020603050405020304" pitchFamily="18" charset="0"/>
+                      </a:endParaRPr>
+                    </a:p>
+                  </a:txBody>
+                  <a:tcPr marL="68580" marR="68580" marT="0" marB="0">
+                    <a:lnL w="12700" cap="flat" cmpd="sng" algn="ctr">
+                      <a:solidFill>
+                        <a:schemeClr val="tx1"/>
+                      </a:solidFill>
+                      <a:prstDash val="solid"/>
+                      <a:round/>
+                      <a:headEnd type="none" w="med" len="med"/>
+                      <a:tailEnd type="none" w="med" len="med"/>
+                    </a:lnL>
+                    <a:lnR w="12700" cap="flat" cmpd="sng" algn="ctr">
+                      <a:solidFill>
+                        <a:schemeClr val="tx1"/>
+                      </a:solidFill>
+                      <a:prstDash val="solid"/>
+                      <a:round/>
+                      <a:headEnd type="none" w="med" len="med"/>
+                      <a:tailEnd type="none" w="med" len="med"/>
+                    </a:lnR>
+                    <a:lnT w="12700" cap="flat" cmpd="sng" algn="ctr">
+                      <a:solidFill>
+                        <a:schemeClr val="tx1"/>
+                      </a:solidFill>
+                      <a:prstDash val="solid"/>
+                      <a:round/>
+                      <a:headEnd type="none" w="med" len="med"/>
+                      <a:tailEnd type="none" w="med" len="med"/>
+                    </a:lnT>
+                    <a:lnB w="12700" cap="flat" cmpd="sng" algn="ctr">
+                      <a:solidFill>
+                        <a:schemeClr val="tx1"/>
+                      </a:solidFill>
+                      <a:prstDash val="solid"/>
+                      <a:round/>
+                      <a:headEnd type="none" w="med" len="med"/>
+                      <a:tailEnd type="none" w="med" len="med"/>
+                    </a:lnB>
+                  </a:tcPr>
+                </a:tc>
+                <a:tc>
+                  <a:txBody>
+                    <a:bodyPr/>
+                    <a:lstStyle/>
+                    <a:p>
+                      <a:pPr marL="0" marR="0">
+                        <a:lnSpc>
+                          <a:spcPct val="107000"/>
+                        </a:lnSpc>
+                        <a:spcBef>
+                          <a:spcPts val="0"/>
+                        </a:spcBef>
+                        <a:spcAft>
+                          <a:spcPts val="0"/>
+                        </a:spcAft>
+                      </a:pPr>
+                      <a:r>
+                        <a:rPr lang="en-US" sz="1200" dirty="0">
+                          <a:effectLst/>
+                        </a:rPr>
+                        <a:t>16.0494</a:t>
+                      </a:r>
+                      <a:endParaRPr lang="en-US" sz="1100" dirty="0">
+                        <a:effectLst/>
+                        <a:latin typeface="Calibri" panose="020F0502020204030204" pitchFamily="34" charset="0"/>
+                        <a:ea typeface="Calibri" panose="020F0502020204030204" pitchFamily="34" charset="0"/>
+                        <a:cs typeface="Times New Roman" panose="02020603050405020304" pitchFamily="18" charset="0"/>
+                      </a:endParaRPr>
+                    </a:p>
+                  </a:txBody>
+                  <a:tcPr marL="68580" marR="68580" marT="0" marB="0">
+                    <a:lnL w="12700" cap="flat" cmpd="sng" algn="ctr">
+                      <a:solidFill>
+                        <a:schemeClr val="tx1"/>
+                      </a:solidFill>
+                      <a:prstDash val="solid"/>
+                      <a:round/>
+                      <a:headEnd type="none" w="med" len="med"/>
+                      <a:tailEnd type="none" w="med" len="med"/>
+                    </a:lnL>
+                    <a:lnR w="12700" cap="flat" cmpd="sng" algn="ctr">
+                      <a:solidFill>
+                        <a:schemeClr val="tx1"/>
+                      </a:solidFill>
+                      <a:prstDash val="solid"/>
+                      <a:round/>
+                      <a:headEnd type="none" w="med" len="med"/>
+                      <a:tailEnd type="none" w="med" len="med"/>
+                    </a:lnR>
+                    <a:lnT w="12700" cap="flat" cmpd="sng" algn="ctr">
+                      <a:solidFill>
+                        <a:schemeClr val="tx1"/>
+                      </a:solidFill>
+                      <a:prstDash val="solid"/>
+                      <a:round/>
+                      <a:headEnd type="none" w="med" len="med"/>
+                      <a:tailEnd type="none" w="med" len="med"/>
+                    </a:lnT>
+                    <a:lnB w="12700" cap="flat" cmpd="sng" algn="ctr">
+                      <a:solidFill>
+                        <a:schemeClr val="tx1"/>
+                      </a:solidFill>
+                      <a:prstDash val="solid"/>
+                      <a:round/>
+                      <a:headEnd type="none" w="med" len="med"/>
+                      <a:tailEnd type="none" w="med" len="med"/>
+                    </a:lnB>
+                  </a:tcPr>
+                </a:tc>
+                <a:tc>
+                  <a:txBody>
+                    <a:bodyPr/>
+                    <a:lstStyle/>
+                    <a:p>
+                      <a:pPr marL="0" marR="0">
+                        <a:lnSpc>
+                          <a:spcPct val="107000"/>
+                        </a:lnSpc>
+                        <a:spcBef>
+                          <a:spcPts val="0"/>
+                        </a:spcBef>
+                        <a:spcAft>
+                          <a:spcPts val="0"/>
+                        </a:spcAft>
+                      </a:pPr>
+                      <a:r>
+                        <a:rPr lang="en-US" sz="1200">
+                          <a:effectLst/>
+                        </a:rPr>
+                        <a:t>0.7689</a:t>
+                      </a:r>
+                      <a:endParaRPr lang="en-US" sz="1100">
+                        <a:effectLst/>
+                        <a:latin typeface="Calibri" panose="020F0502020204030204" pitchFamily="34" charset="0"/>
+                        <a:ea typeface="Calibri" panose="020F0502020204030204" pitchFamily="34" charset="0"/>
+                        <a:cs typeface="Times New Roman" panose="02020603050405020304" pitchFamily="18" charset="0"/>
+                      </a:endParaRPr>
+                    </a:p>
+                  </a:txBody>
+                  <a:tcPr marL="68580" marR="68580" marT="0" marB="0">
+                    <a:lnL w="12700" cap="flat" cmpd="sng" algn="ctr">
+                      <a:solidFill>
+                        <a:schemeClr val="tx1"/>
+                      </a:solidFill>
+                      <a:prstDash val="solid"/>
+                      <a:round/>
+                      <a:headEnd type="none" w="med" len="med"/>
+                      <a:tailEnd type="none" w="med" len="med"/>
+                    </a:lnL>
+                    <a:lnR w="12700" cap="flat" cmpd="sng" algn="ctr">
+                      <a:solidFill>
+                        <a:schemeClr val="tx1"/>
+                      </a:solidFill>
+                      <a:prstDash val="solid"/>
+                      <a:round/>
+                      <a:headEnd type="none" w="med" len="med"/>
+                      <a:tailEnd type="none" w="med" len="med"/>
+                    </a:lnR>
+                    <a:lnT w="12700" cap="flat" cmpd="sng" algn="ctr">
+                      <a:solidFill>
+                        <a:schemeClr val="tx1"/>
+                      </a:solidFill>
+                      <a:prstDash val="solid"/>
+                      <a:round/>
+                      <a:headEnd type="none" w="med" len="med"/>
+                      <a:tailEnd type="none" w="med" len="med"/>
+                    </a:lnT>
+                    <a:lnB w="12700" cap="flat" cmpd="sng" algn="ctr">
+                      <a:solidFill>
+                        <a:schemeClr val="tx1"/>
+                      </a:solidFill>
+                      <a:prstDash val="solid"/>
+                      <a:round/>
+                      <a:headEnd type="none" w="med" len="med"/>
+                      <a:tailEnd type="none" w="med" len="med"/>
+                    </a:lnB>
+                  </a:tcPr>
+                </a:tc>
+                <a:tc>
+                  <a:txBody>
+                    <a:bodyPr/>
+                    <a:lstStyle/>
+                    <a:p>
+                      <a:pPr marL="0" marR="0">
+                        <a:lnSpc>
+                          <a:spcPct val="107000"/>
+                        </a:lnSpc>
+                        <a:spcBef>
+                          <a:spcPts val="0"/>
+                        </a:spcBef>
+                        <a:spcAft>
+                          <a:spcPts val="0"/>
+                        </a:spcAft>
+                      </a:pPr>
+                      <a:r>
+                        <a:rPr lang="en-US" sz="1200">
+                          <a:effectLst/>
+                        </a:rPr>
+                        <a:t>0.9739</a:t>
+                      </a:r>
+                      <a:endParaRPr lang="en-US" sz="1100">
+                        <a:effectLst/>
+                        <a:latin typeface="Calibri" panose="020F0502020204030204" pitchFamily="34" charset="0"/>
+                        <a:ea typeface="Calibri" panose="020F0502020204030204" pitchFamily="34" charset="0"/>
+                        <a:cs typeface="Times New Roman" panose="02020603050405020304" pitchFamily="18" charset="0"/>
+                      </a:endParaRPr>
+                    </a:p>
+                  </a:txBody>
+                  <a:tcPr marL="68580" marR="68580" marT="0" marB="0">
+                    <a:lnL w="12700" cap="flat" cmpd="sng" algn="ctr">
+                      <a:solidFill>
+                        <a:schemeClr val="tx1"/>
+                      </a:solidFill>
+                      <a:prstDash val="solid"/>
+                      <a:round/>
+                      <a:headEnd type="none" w="med" len="med"/>
+                      <a:tailEnd type="none" w="med" len="med"/>
+                    </a:lnL>
+                    <a:lnR w="12700" cap="flat" cmpd="sng" algn="ctr">
+                      <a:solidFill>
+                        <a:schemeClr val="tx1"/>
+                      </a:solidFill>
+                      <a:prstDash val="solid"/>
+                      <a:round/>
+                      <a:headEnd type="none" w="med" len="med"/>
+                      <a:tailEnd type="none" w="med" len="med"/>
+                    </a:lnR>
+                    <a:lnT w="12700" cap="flat" cmpd="sng" algn="ctr">
+                      <a:solidFill>
+                        <a:schemeClr val="tx1"/>
+                      </a:solidFill>
+                      <a:prstDash val="solid"/>
+                      <a:round/>
+                      <a:headEnd type="none" w="med" len="med"/>
+                      <a:tailEnd type="none" w="med" len="med"/>
+                    </a:lnT>
+                    <a:lnB w="12700" cap="flat" cmpd="sng" algn="ctr">
+                      <a:solidFill>
+                        <a:schemeClr val="tx1"/>
+                      </a:solidFill>
+                      <a:prstDash val="solid"/>
+                      <a:round/>
+                      <a:headEnd type="none" w="med" len="med"/>
+                      <a:tailEnd type="none" w="med" len="med"/>
+                    </a:lnB>
+                  </a:tcPr>
+                </a:tc>
+                <a:extLst>
+                  <a:ext uri="{0D108BD9-81ED-4DB2-BD59-A6C34878D82A}">
+                    <a16:rowId xmlns:a16="http://schemas.microsoft.com/office/drawing/2014/main" val="1400813001"/>
+                  </a:ext>
+                </a:extLst>
+              </a:tr>
+              <a:tr h="226535">
+                <a:tc>
+                  <a:txBody>
+                    <a:bodyPr/>
+                    <a:lstStyle/>
+                    <a:p>
+                      <a:pPr marL="0" marR="0">
+                        <a:lnSpc>
+                          <a:spcPct val="107000"/>
+                        </a:lnSpc>
+                        <a:spcBef>
+                          <a:spcPts val="0"/>
+                        </a:spcBef>
+                        <a:spcAft>
+                          <a:spcPts val="0"/>
+                        </a:spcAft>
+                      </a:pPr>
+                      <a:r>
+                        <a:rPr lang="en-US" sz="1200" b="0" dirty="0">
+                          <a:solidFill>
+                            <a:schemeClr val="tx1"/>
+                          </a:solidFill>
+                          <a:effectLst/>
+                        </a:rPr>
+                        <a:t>birds.jpg</a:t>
+                      </a:r>
+                      <a:endParaRPr lang="en-US" sz="1100" b="0" dirty="0">
+                        <a:solidFill>
+                          <a:schemeClr val="tx1"/>
+                        </a:solidFill>
+                        <a:effectLst/>
+                        <a:latin typeface="Calibri" panose="020F0502020204030204" pitchFamily="34" charset="0"/>
+                        <a:ea typeface="Calibri" panose="020F0502020204030204" pitchFamily="34" charset="0"/>
+                        <a:cs typeface="Times New Roman" panose="02020603050405020304" pitchFamily="18" charset="0"/>
+                      </a:endParaRPr>
+                    </a:p>
+                  </a:txBody>
+                  <a:tcPr marL="68580" marR="68580" marT="0" marB="0">
+                    <a:lnL w="12700" cap="flat" cmpd="sng" algn="ctr">
+                      <a:solidFill>
+                        <a:schemeClr val="tx1"/>
+                      </a:solidFill>
+                      <a:prstDash val="solid"/>
+                      <a:round/>
+                      <a:headEnd type="none" w="med" len="med"/>
+                      <a:tailEnd type="none" w="med" len="med"/>
+                    </a:lnL>
+                    <a:lnR w="12700" cap="flat" cmpd="sng" algn="ctr">
+                      <a:solidFill>
+                        <a:schemeClr val="tx1"/>
+                      </a:solidFill>
+                      <a:prstDash val="solid"/>
+                      <a:round/>
+                      <a:headEnd type="none" w="med" len="med"/>
+                      <a:tailEnd type="none" w="med" len="med"/>
+                    </a:lnR>
+                    <a:lnT w="12700" cap="flat" cmpd="sng" algn="ctr">
+                      <a:solidFill>
+                        <a:schemeClr val="tx1"/>
+                      </a:solidFill>
+                      <a:prstDash val="solid"/>
+                      <a:round/>
+                      <a:headEnd type="none" w="med" len="med"/>
+                      <a:tailEnd type="none" w="med" len="med"/>
+                    </a:lnT>
+                    <a:lnB w="12700" cap="flat" cmpd="sng" algn="ctr">
+                      <a:solidFill>
+                        <a:schemeClr val="tx1"/>
+                      </a:solidFill>
+                      <a:prstDash val="solid"/>
+                      <a:round/>
+                      <a:headEnd type="none" w="med" len="med"/>
+                      <a:tailEnd type="none" w="med" len="med"/>
+                    </a:lnB>
+                    <a:solidFill>
+                      <a:srgbClr val="EAF6FC"/>
+                    </a:solidFill>
+                  </a:tcPr>
+                </a:tc>
+                <a:tc>
+                  <a:txBody>
+                    <a:bodyPr/>
+                    <a:lstStyle/>
+                    <a:p>
+                      <a:pPr marL="0" marR="0">
+                        <a:lnSpc>
+                          <a:spcPct val="107000"/>
+                        </a:lnSpc>
+                        <a:spcBef>
+                          <a:spcPts val="0"/>
+                        </a:spcBef>
+                        <a:spcAft>
+                          <a:spcPts val="0"/>
+                        </a:spcAft>
+                      </a:pPr>
+                      <a:r>
+                        <a:rPr lang="en-US" sz="1200">
+                          <a:effectLst/>
+                        </a:rPr>
+                        <a:t>700 x 533 (373,100)</a:t>
+                      </a:r>
+                      <a:endParaRPr lang="en-US" sz="1100">
+                        <a:effectLst/>
+                        <a:latin typeface="Calibri" panose="020F0502020204030204" pitchFamily="34" charset="0"/>
+                        <a:ea typeface="Calibri" panose="020F0502020204030204" pitchFamily="34" charset="0"/>
+                        <a:cs typeface="Times New Roman" panose="02020603050405020304" pitchFamily="18" charset="0"/>
+                      </a:endParaRPr>
+                    </a:p>
+                  </a:txBody>
+                  <a:tcPr marL="68580" marR="68580" marT="0" marB="0">
+                    <a:lnL w="12700" cap="flat" cmpd="sng" algn="ctr">
+                      <a:solidFill>
+                        <a:schemeClr val="tx1"/>
+                      </a:solidFill>
+                      <a:prstDash val="solid"/>
+                      <a:round/>
+                      <a:headEnd type="none" w="med" len="med"/>
+                      <a:tailEnd type="none" w="med" len="med"/>
+                    </a:lnL>
+                    <a:lnR w="12700" cap="flat" cmpd="sng" algn="ctr">
+                      <a:solidFill>
+                        <a:schemeClr val="tx1"/>
+                      </a:solidFill>
+                      <a:prstDash val="solid"/>
+                      <a:round/>
+                      <a:headEnd type="none" w="med" len="med"/>
+                      <a:tailEnd type="none" w="med" len="med"/>
+                    </a:lnR>
+                    <a:lnT w="12700" cap="flat" cmpd="sng" algn="ctr">
+                      <a:solidFill>
+                        <a:schemeClr val="tx1"/>
+                      </a:solidFill>
+                      <a:prstDash val="solid"/>
+                      <a:round/>
+                      <a:headEnd type="none" w="med" len="med"/>
+                      <a:tailEnd type="none" w="med" len="med"/>
+                    </a:lnT>
+                    <a:lnB w="12700" cap="flat" cmpd="sng" algn="ctr">
+                      <a:solidFill>
+                        <a:schemeClr val="tx1"/>
+                      </a:solidFill>
+                      <a:prstDash val="solid"/>
+                      <a:round/>
+                      <a:headEnd type="none" w="med" len="med"/>
+                      <a:tailEnd type="none" w="med" len="med"/>
+                    </a:lnB>
+                  </a:tcPr>
+                </a:tc>
+                <a:tc>
+                  <a:txBody>
+                    <a:bodyPr/>
+                    <a:lstStyle/>
+                    <a:p>
+                      <a:pPr marL="0" marR="0">
+                        <a:lnSpc>
+                          <a:spcPct val="107000"/>
+                        </a:lnSpc>
+                        <a:spcBef>
+                          <a:spcPts val="0"/>
+                        </a:spcBef>
+                        <a:spcAft>
+                          <a:spcPts val="0"/>
+                        </a:spcAft>
+                      </a:pPr>
+                      <a:r>
+                        <a:rPr lang="en-US" sz="1200">
+                          <a:effectLst/>
+                        </a:rPr>
+                        <a:t>24.1710</a:t>
+                      </a:r>
+                      <a:endParaRPr lang="en-US" sz="1100">
+                        <a:effectLst/>
+                        <a:latin typeface="Calibri" panose="020F0502020204030204" pitchFamily="34" charset="0"/>
+                        <a:ea typeface="Calibri" panose="020F0502020204030204" pitchFamily="34" charset="0"/>
+                        <a:cs typeface="Times New Roman" panose="02020603050405020304" pitchFamily="18" charset="0"/>
+                      </a:endParaRPr>
+                    </a:p>
+                  </a:txBody>
+                  <a:tcPr marL="68580" marR="68580" marT="0" marB="0">
+                    <a:lnL w="12700" cap="flat" cmpd="sng" algn="ctr">
+                      <a:solidFill>
+                        <a:schemeClr val="tx1"/>
+                      </a:solidFill>
+                      <a:prstDash val="solid"/>
+                      <a:round/>
+                      <a:headEnd type="none" w="med" len="med"/>
+                      <a:tailEnd type="none" w="med" len="med"/>
+                    </a:lnL>
+                    <a:lnR w="12700" cap="flat" cmpd="sng" algn="ctr">
+                      <a:solidFill>
+                        <a:schemeClr val="tx1"/>
+                      </a:solidFill>
+                      <a:prstDash val="solid"/>
+                      <a:round/>
+                      <a:headEnd type="none" w="med" len="med"/>
+                      <a:tailEnd type="none" w="med" len="med"/>
+                    </a:lnR>
+                    <a:lnT w="12700" cap="flat" cmpd="sng" algn="ctr">
+                      <a:solidFill>
+                        <a:schemeClr val="tx1"/>
+                      </a:solidFill>
+                      <a:prstDash val="solid"/>
+                      <a:round/>
+                      <a:headEnd type="none" w="med" len="med"/>
+                      <a:tailEnd type="none" w="med" len="med"/>
+                    </a:lnT>
+                    <a:lnB w="12700" cap="flat" cmpd="sng" algn="ctr">
+                      <a:solidFill>
+                        <a:schemeClr val="tx1"/>
+                      </a:solidFill>
+                      <a:prstDash val="solid"/>
+                      <a:round/>
+                      <a:headEnd type="none" w="med" len="med"/>
+                      <a:tailEnd type="none" w="med" len="med"/>
+                    </a:lnB>
+                  </a:tcPr>
+                </a:tc>
+                <a:tc>
+                  <a:txBody>
+                    <a:bodyPr/>
+                    <a:lstStyle/>
+                    <a:p>
+                      <a:pPr marL="0" marR="0">
+                        <a:lnSpc>
+                          <a:spcPct val="107000"/>
+                        </a:lnSpc>
+                        <a:spcBef>
+                          <a:spcPts val="0"/>
+                        </a:spcBef>
+                        <a:spcAft>
+                          <a:spcPts val="0"/>
+                        </a:spcAft>
+                      </a:pPr>
+                      <a:r>
+                        <a:rPr lang="en-US" sz="1200">
+                          <a:effectLst/>
+                        </a:rPr>
+                        <a:t>1.1357</a:t>
+                      </a:r>
+                      <a:endParaRPr lang="en-US" sz="1100">
+                        <a:effectLst/>
+                        <a:latin typeface="Calibri" panose="020F0502020204030204" pitchFamily="34" charset="0"/>
+                        <a:ea typeface="Calibri" panose="020F0502020204030204" pitchFamily="34" charset="0"/>
+                        <a:cs typeface="Times New Roman" panose="02020603050405020304" pitchFamily="18" charset="0"/>
+                      </a:endParaRPr>
+                    </a:p>
+                  </a:txBody>
+                  <a:tcPr marL="68580" marR="68580" marT="0" marB="0">
+                    <a:lnL w="12700" cap="flat" cmpd="sng" algn="ctr">
+                      <a:solidFill>
+                        <a:schemeClr val="tx1"/>
+                      </a:solidFill>
+                      <a:prstDash val="solid"/>
+                      <a:round/>
+                      <a:headEnd type="none" w="med" len="med"/>
+                      <a:tailEnd type="none" w="med" len="med"/>
+                    </a:lnL>
+                    <a:lnR w="12700" cap="flat" cmpd="sng" algn="ctr">
+                      <a:solidFill>
+                        <a:schemeClr val="tx1"/>
+                      </a:solidFill>
+                      <a:prstDash val="solid"/>
+                      <a:round/>
+                      <a:headEnd type="none" w="med" len="med"/>
+                      <a:tailEnd type="none" w="med" len="med"/>
+                    </a:lnR>
+                    <a:lnT w="12700" cap="flat" cmpd="sng" algn="ctr">
+                      <a:solidFill>
+                        <a:schemeClr val="tx1"/>
+                      </a:solidFill>
+                      <a:prstDash val="solid"/>
+                      <a:round/>
+                      <a:headEnd type="none" w="med" len="med"/>
+                      <a:tailEnd type="none" w="med" len="med"/>
+                    </a:lnT>
+                    <a:lnB w="12700" cap="flat" cmpd="sng" algn="ctr">
+                      <a:solidFill>
+                        <a:schemeClr val="tx1"/>
+                      </a:solidFill>
+                      <a:prstDash val="solid"/>
+                      <a:round/>
+                      <a:headEnd type="none" w="med" len="med"/>
+                      <a:tailEnd type="none" w="med" len="med"/>
+                    </a:lnB>
+                  </a:tcPr>
+                </a:tc>
+                <a:tc>
+                  <a:txBody>
+                    <a:bodyPr/>
+                    <a:lstStyle/>
+                    <a:p>
+                      <a:pPr marL="0" marR="0">
+                        <a:lnSpc>
+                          <a:spcPct val="107000"/>
+                        </a:lnSpc>
+                        <a:spcBef>
+                          <a:spcPts val="0"/>
+                        </a:spcBef>
+                        <a:spcAft>
+                          <a:spcPts val="0"/>
+                        </a:spcAft>
+                      </a:pPr>
+                      <a:r>
+                        <a:rPr lang="en-US" sz="1200">
+                          <a:effectLst/>
+                        </a:rPr>
+                        <a:t>1.1654</a:t>
+                      </a:r>
+                      <a:endParaRPr lang="en-US" sz="1100">
+                        <a:effectLst/>
+                        <a:latin typeface="Calibri" panose="020F0502020204030204" pitchFamily="34" charset="0"/>
+                        <a:ea typeface="Calibri" panose="020F0502020204030204" pitchFamily="34" charset="0"/>
+                        <a:cs typeface="Times New Roman" panose="02020603050405020304" pitchFamily="18" charset="0"/>
+                      </a:endParaRPr>
+                    </a:p>
+                  </a:txBody>
+                  <a:tcPr marL="68580" marR="68580" marT="0" marB="0">
+                    <a:lnL w="12700" cap="flat" cmpd="sng" algn="ctr">
+                      <a:solidFill>
+                        <a:schemeClr val="tx1"/>
+                      </a:solidFill>
+                      <a:prstDash val="solid"/>
+                      <a:round/>
+                      <a:headEnd type="none" w="med" len="med"/>
+                      <a:tailEnd type="none" w="med" len="med"/>
+                    </a:lnL>
+                    <a:lnR w="12700" cap="flat" cmpd="sng" algn="ctr">
+                      <a:solidFill>
+                        <a:schemeClr val="tx1"/>
+                      </a:solidFill>
+                      <a:prstDash val="solid"/>
+                      <a:round/>
+                      <a:headEnd type="none" w="med" len="med"/>
+                      <a:tailEnd type="none" w="med" len="med"/>
+                    </a:lnR>
+                    <a:lnT w="12700" cap="flat" cmpd="sng" algn="ctr">
+                      <a:solidFill>
+                        <a:schemeClr val="tx1"/>
+                      </a:solidFill>
+                      <a:prstDash val="solid"/>
+                      <a:round/>
+                      <a:headEnd type="none" w="med" len="med"/>
+                      <a:tailEnd type="none" w="med" len="med"/>
+                    </a:lnT>
+                    <a:lnB w="12700" cap="flat" cmpd="sng" algn="ctr">
+                      <a:solidFill>
+                        <a:schemeClr val="tx1"/>
+                      </a:solidFill>
+                      <a:prstDash val="solid"/>
+                      <a:round/>
+                      <a:headEnd type="none" w="med" len="med"/>
+                      <a:tailEnd type="none" w="med" len="med"/>
+                    </a:lnB>
+                  </a:tcPr>
+                </a:tc>
+                <a:extLst>
+                  <a:ext uri="{0D108BD9-81ED-4DB2-BD59-A6C34878D82A}">
+                    <a16:rowId xmlns:a16="http://schemas.microsoft.com/office/drawing/2014/main" val="3141313975"/>
+                  </a:ext>
+                </a:extLst>
+              </a:tr>
+              <a:tr h="226535">
+                <a:tc>
+                  <a:txBody>
+                    <a:bodyPr/>
+                    <a:lstStyle/>
+                    <a:p>
+                      <a:pPr marL="0" marR="0">
+                        <a:lnSpc>
+                          <a:spcPct val="107000"/>
+                        </a:lnSpc>
+                        <a:spcBef>
+                          <a:spcPts val="0"/>
+                        </a:spcBef>
+                        <a:spcAft>
+                          <a:spcPts val="0"/>
+                        </a:spcAft>
+                      </a:pPr>
+                      <a:r>
+                        <a:rPr lang="en-US" sz="1200" b="0" dirty="0">
+                          <a:solidFill>
+                            <a:schemeClr val="tx1"/>
+                          </a:solidFill>
+                          <a:effectLst/>
+                        </a:rPr>
+                        <a:t>church.jpg</a:t>
+                      </a:r>
+                      <a:endParaRPr lang="en-US" sz="1100" b="0" dirty="0">
+                        <a:solidFill>
+                          <a:schemeClr val="tx1"/>
+                        </a:solidFill>
+                        <a:effectLst/>
+                        <a:latin typeface="Calibri" panose="020F0502020204030204" pitchFamily="34" charset="0"/>
+                        <a:ea typeface="Calibri" panose="020F0502020204030204" pitchFamily="34" charset="0"/>
+                        <a:cs typeface="Times New Roman" panose="02020603050405020304" pitchFamily="18" charset="0"/>
+                      </a:endParaRPr>
+                    </a:p>
+                  </a:txBody>
+                  <a:tcPr marL="68580" marR="68580" marT="0" marB="0">
+                    <a:lnL w="12700" cap="flat" cmpd="sng" algn="ctr">
+                      <a:solidFill>
+                        <a:schemeClr val="tx1"/>
+                      </a:solidFill>
+                      <a:prstDash val="solid"/>
+                      <a:round/>
+                      <a:headEnd type="none" w="med" len="med"/>
+                      <a:tailEnd type="none" w="med" len="med"/>
+                    </a:lnL>
+                    <a:lnR w="12700" cap="flat" cmpd="sng" algn="ctr">
+                      <a:solidFill>
+                        <a:schemeClr val="tx1"/>
+                      </a:solidFill>
+                      <a:prstDash val="solid"/>
+                      <a:round/>
+                      <a:headEnd type="none" w="med" len="med"/>
+                      <a:tailEnd type="none" w="med" len="med"/>
+                    </a:lnR>
+                    <a:lnT w="12700" cap="flat" cmpd="sng" algn="ctr">
+                      <a:solidFill>
+                        <a:schemeClr val="tx1"/>
+                      </a:solidFill>
+                      <a:prstDash val="solid"/>
+                      <a:round/>
+                      <a:headEnd type="none" w="med" len="med"/>
+                      <a:tailEnd type="none" w="med" len="med"/>
+                    </a:lnT>
+                    <a:lnB w="12700" cap="flat" cmpd="sng" algn="ctr">
+                      <a:solidFill>
+                        <a:schemeClr val="tx1"/>
+                      </a:solidFill>
+                      <a:prstDash val="solid"/>
+                      <a:round/>
+                      <a:headEnd type="none" w="med" len="med"/>
+                      <a:tailEnd type="none" w="med" len="med"/>
+                    </a:lnB>
+                    <a:solidFill>
+                      <a:srgbClr val="D2ECF9"/>
+                    </a:solidFill>
+                  </a:tcPr>
+                </a:tc>
+                <a:tc>
+                  <a:txBody>
+                    <a:bodyPr/>
+                    <a:lstStyle/>
+                    <a:p>
+                      <a:pPr marL="0" marR="0">
+                        <a:lnSpc>
+                          <a:spcPct val="107000"/>
+                        </a:lnSpc>
+                        <a:spcBef>
+                          <a:spcPts val="0"/>
+                        </a:spcBef>
+                        <a:spcAft>
+                          <a:spcPts val="0"/>
+                        </a:spcAft>
+                      </a:pPr>
+                      <a:r>
+                        <a:rPr lang="en-US" sz="1200" dirty="0">
+                          <a:effectLst/>
+                        </a:rPr>
+                        <a:t>1024 x 768 (786,432)</a:t>
+                      </a:r>
+                      <a:endParaRPr lang="en-US" sz="1100" dirty="0">
+                        <a:effectLst/>
+                        <a:latin typeface="Calibri" panose="020F0502020204030204" pitchFamily="34" charset="0"/>
+                        <a:ea typeface="Calibri" panose="020F0502020204030204" pitchFamily="34" charset="0"/>
+                        <a:cs typeface="Times New Roman" panose="02020603050405020304" pitchFamily="18" charset="0"/>
+                      </a:endParaRPr>
+                    </a:p>
+                  </a:txBody>
+                  <a:tcPr marL="68580" marR="68580" marT="0" marB="0">
+                    <a:lnL w="12700" cap="flat" cmpd="sng" algn="ctr">
+                      <a:solidFill>
+                        <a:schemeClr val="tx1"/>
+                      </a:solidFill>
+                      <a:prstDash val="solid"/>
+                      <a:round/>
+                      <a:headEnd type="none" w="med" len="med"/>
+                      <a:tailEnd type="none" w="med" len="med"/>
+                    </a:lnL>
+                    <a:lnR w="12700" cap="flat" cmpd="sng" algn="ctr">
+                      <a:solidFill>
+                        <a:schemeClr val="tx1"/>
+                      </a:solidFill>
+                      <a:prstDash val="solid"/>
+                      <a:round/>
+                      <a:headEnd type="none" w="med" len="med"/>
+                      <a:tailEnd type="none" w="med" len="med"/>
+                    </a:lnR>
+                    <a:lnT w="12700" cap="flat" cmpd="sng" algn="ctr">
+                      <a:solidFill>
+                        <a:schemeClr val="tx1"/>
+                      </a:solidFill>
+                      <a:prstDash val="solid"/>
+                      <a:round/>
+                      <a:headEnd type="none" w="med" len="med"/>
+                      <a:tailEnd type="none" w="med" len="med"/>
+                    </a:lnT>
+                    <a:lnB w="12700" cap="flat" cmpd="sng" algn="ctr">
+                      <a:solidFill>
+                        <a:schemeClr val="tx1"/>
+                      </a:solidFill>
+                      <a:prstDash val="solid"/>
+                      <a:round/>
+                      <a:headEnd type="none" w="med" len="med"/>
+                      <a:tailEnd type="none" w="med" len="med"/>
+                    </a:lnB>
+                  </a:tcPr>
+                </a:tc>
+                <a:tc>
+                  <a:txBody>
+                    <a:bodyPr/>
+                    <a:lstStyle/>
+                    <a:p>
+                      <a:pPr marL="0" marR="0">
+                        <a:lnSpc>
+                          <a:spcPct val="107000"/>
+                        </a:lnSpc>
+                        <a:spcBef>
+                          <a:spcPts val="0"/>
+                        </a:spcBef>
+                        <a:spcAft>
+                          <a:spcPts val="0"/>
+                        </a:spcAft>
+                      </a:pPr>
+                      <a:r>
+                        <a:rPr lang="en-US" sz="1200">
+                          <a:effectLst/>
+                        </a:rPr>
+                        <a:t>48.7879</a:t>
+                      </a:r>
+                      <a:endParaRPr lang="en-US" sz="1100">
+                        <a:effectLst/>
+                        <a:latin typeface="Calibri" panose="020F0502020204030204" pitchFamily="34" charset="0"/>
+                        <a:ea typeface="Calibri" panose="020F0502020204030204" pitchFamily="34" charset="0"/>
+                        <a:cs typeface="Times New Roman" panose="02020603050405020304" pitchFamily="18" charset="0"/>
+                      </a:endParaRPr>
+                    </a:p>
+                  </a:txBody>
+                  <a:tcPr marL="68580" marR="68580" marT="0" marB="0">
+                    <a:lnL w="12700" cap="flat" cmpd="sng" algn="ctr">
+                      <a:solidFill>
+                        <a:schemeClr val="tx1"/>
+                      </a:solidFill>
+                      <a:prstDash val="solid"/>
+                      <a:round/>
+                      <a:headEnd type="none" w="med" len="med"/>
+                      <a:tailEnd type="none" w="med" len="med"/>
+                    </a:lnL>
+                    <a:lnR w="12700" cap="flat" cmpd="sng" algn="ctr">
+                      <a:solidFill>
+                        <a:schemeClr val="tx1"/>
+                      </a:solidFill>
+                      <a:prstDash val="solid"/>
+                      <a:round/>
+                      <a:headEnd type="none" w="med" len="med"/>
+                      <a:tailEnd type="none" w="med" len="med"/>
+                    </a:lnR>
+                    <a:lnT w="12700" cap="flat" cmpd="sng" algn="ctr">
+                      <a:solidFill>
+                        <a:schemeClr val="tx1"/>
+                      </a:solidFill>
+                      <a:prstDash val="solid"/>
+                      <a:round/>
+                      <a:headEnd type="none" w="med" len="med"/>
+                      <a:tailEnd type="none" w="med" len="med"/>
+                    </a:lnT>
+                    <a:lnB w="12700" cap="flat" cmpd="sng" algn="ctr">
+                      <a:solidFill>
+                        <a:schemeClr val="tx1"/>
+                      </a:solidFill>
+                      <a:prstDash val="solid"/>
+                      <a:round/>
+                      <a:headEnd type="none" w="med" len="med"/>
+                      <a:tailEnd type="none" w="med" len="med"/>
+                    </a:lnB>
+                  </a:tcPr>
+                </a:tc>
+                <a:tc>
+                  <a:txBody>
+                    <a:bodyPr/>
+                    <a:lstStyle/>
+                    <a:p>
+                      <a:pPr marL="0" marR="0">
+                        <a:lnSpc>
+                          <a:spcPct val="107000"/>
+                        </a:lnSpc>
+                        <a:spcBef>
+                          <a:spcPts val="0"/>
+                        </a:spcBef>
+                        <a:spcAft>
+                          <a:spcPts val="0"/>
+                        </a:spcAft>
+                      </a:pPr>
+                      <a:r>
+                        <a:rPr lang="en-US" sz="1200">
+                          <a:effectLst/>
+                        </a:rPr>
+                        <a:t>1.9197</a:t>
+                      </a:r>
+                      <a:endParaRPr lang="en-US" sz="1100">
+                        <a:effectLst/>
+                        <a:latin typeface="Calibri" panose="020F0502020204030204" pitchFamily="34" charset="0"/>
+                        <a:ea typeface="Calibri" panose="020F0502020204030204" pitchFamily="34" charset="0"/>
+                        <a:cs typeface="Times New Roman" panose="02020603050405020304" pitchFamily="18" charset="0"/>
+                      </a:endParaRPr>
+                    </a:p>
+                  </a:txBody>
+                  <a:tcPr marL="68580" marR="68580" marT="0" marB="0">
+                    <a:lnL w="12700" cap="flat" cmpd="sng" algn="ctr">
+                      <a:solidFill>
+                        <a:schemeClr val="tx1"/>
+                      </a:solidFill>
+                      <a:prstDash val="solid"/>
+                      <a:round/>
+                      <a:headEnd type="none" w="med" len="med"/>
+                      <a:tailEnd type="none" w="med" len="med"/>
+                    </a:lnL>
+                    <a:lnR w="12700" cap="flat" cmpd="sng" algn="ctr">
+                      <a:solidFill>
+                        <a:schemeClr val="tx1"/>
+                      </a:solidFill>
+                      <a:prstDash val="solid"/>
+                      <a:round/>
+                      <a:headEnd type="none" w="med" len="med"/>
+                      <a:tailEnd type="none" w="med" len="med"/>
+                    </a:lnR>
+                    <a:lnT w="12700" cap="flat" cmpd="sng" algn="ctr">
+                      <a:solidFill>
+                        <a:schemeClr val="tx1"/>
+                      </a:solidFill>
+                      <a:prstDash val="solid"/>
+                      <a:round/>
+                      <a:headEnd type="none" w="med" len="med"/>
+                      <a:tailEnd type="none" w="med" len="med"/>
+                    </a:lnT>
+                    <a:lnB w="12700" cap="flat" cmpd="sng" algn="ctr">
+                      <a:solidFill>
+                        <a:schemeClr val="tx1"/>
+                      </a:solidFill>
+                      <a:prstDash val="solid"/>
+                      <a:round/>
+                      <a:headEnd type="none" w="med" len="med"/>
+                      <a:tailEnd type="none" w="med" len="med"/>
+                    </a:lnB>
+                  </a:tcPr>
+                </a:tc>
+                <a:tc>
+                  <a:txBody>
+                    <a:bodyPr/>
+                    <a:lstStyle/>
+                    <a:p>
+                      <a:pPr marL="0" marR="0">
+                        <a:lnSpc>
+                          <a:spcPct val="107000"/>
+                        </a:lnSpc>
+                        <a:spcBef>
+                          <a:spcPts val="0"/>
+                        </a:spcBef>
+                        <a:spcAft>
+                          <a:spcPts val="0"/>
+                        </a:spcAft>
+                      </a:pPr>
+                      <a:r>
+                        <a:rPr lang="en-US" sz="1200">
+                          <a:effectLst/>
+                        </a:rPr>
+                        <a:t>2.2372</a:t>
+                      </a:r>
+                      <a:endParaRPr lang="en-US" sz="1100">
+                        <a:effectLst/>
+                        <a:latin typeface="Calibri" panose="020F0502020204030204" pitchFamily="34" charset="0"/>
+                        <a:ea typeface="Calibri" panose="020F0502020204030204" pitchFamily="34" charset="0"/>
+                        <a:cs typeface="Times New Roman" panose="02020603050405020304" pitchFamily="18" charset="0"/>
+                      </a:endParaRPr>
+                    </a:p>
+                  </a:txBody>
+                  <a:tcPr marL="68580" marR="68580" marT="0" marB="0">
+                    <a:lnL w="12700" cap="flat" cmpd="sng" algn="ctr">
+                      <a:solidFill>
+                        <a:schemeClr val="tx1"/>
+                      </a:solidFill>
+                      <a:prstDash val="solid"/>
+                      <a:round/>
+                      <a:headEnd type="none" w="med" len="med"/>
+                      <a:tailEnd type="none" w="med" len="med"/>
+                    </a:lnL>
+                    <a:lnR w="12700" cap="flat" cmpd="sng" algn="ctr">
+                      <a:solidFill>
+                        <a:schemeClr val="tx1"/>
+                      </a:solidFill>
+                      <a:prstDash val="solid"/>
+                      <a:round/>
+                      <a:headEnd type="none" w="med" len="med"/>
+                      <a:tailEnd type="none" w="med" len="med"/>
+                    </a:lnR>
+                    <a:lnT w="12700" cap="flat" cmpd="sng" algn="ctr">
+                      <a:solidFill>
+                        <a:schemeClr val="tx1"/>
+                      </a:solidFill>
+                      <a:prstDash val="solid"/>
+                      <a:round/>
+                      <a:headEnd type="none" w="med" len="med"/>
+                      <a:tailEnd type="none" w="med" len="med"/>
+                    </a:lnT>
+                    <a:lnB w="12700" cap="flat" cmpd="sng" algn="ctr">
+                      <a:solidFill>
+                        <a:schemeClr val="tx1"/>
+                      </a:solidFill>
+                      <a:prstDash val="solid"/>
+                      <a:round/>
+                      <a:headEnd type="none" w="med" len="med"/>
+                      <a:tailEnd type="none" w="med" len="med"/>
+                    </a:lnB>
+                  </a:tcPr>
+                </a:tc>
+                <a:extLst>
+                  <a:ext uri="{0D108BD9-81ED-4DB2-BD59-A6C34878D82A}">
+                    <a16:rowId xmlns:a16="http://schemas.microsoft.com/office/drawing/2014/main" val="3835814555"/>
+                  </a:ext>
+                </a:extLst>
+              </a:tr>
+              <a:tr h="226535">
+                <a:tc>
+                  <a:txBody>
+                    <a:bodyPr/>
+                    <a:lstStyle/>
+                    <a:p>
+                      <a:pPr marL="0" marR="0">
+                        <a:lnSpc>
+                          <a:spcPct val="107000"/>
+                        </a:lnSpc>
+                        <a:spcBef>
+                          <a:spcPts val="0"/>
+                        </a:spcBef>
+                        <a:spcAft>
+                          <a:spcPts val="0"/>
+                        </a:spcAft>
+                      </a:pPr>
+                      <a:r>
+                        <a:rPr lang="en-US" sz="1200" b="0" dirty="0">
+                          <a:solidFill>
+                            <a:schemeClr val="tx1"/>
+                          </a:solidFill>
+                          <a:effectLst/>
+                        </a:rPr>
+                        <a:t>pisa.jpg</a:t>
+                      </a:r>
+                      <a:endParaRPr lang="en-US" sz="1100" b="0" dirty="0">
+                        <a:solidFill>
+                          <a:schemeClr val="tx1"/>
+                        </a:solidFill>
+                        <a:effectLst/>
+                        <a:latin typeface="Calibri" panose="020F0502020204030204" pitchFamily="34" charset="0"/>
+                        <a:ea typeface="Calibri" panose="020F0502020204030204" pitchFamily="34" charset="0"/>
+                        <a:cs typeface="Times New Roman" panose="02020603050405020304" pitchFamily="18" charset="0"/>
+                      </a:endParaRPr>
+                    </a:p>
+                  </a:txBody>
+                  <a:tcPr marL="68580" marR="68580" marT="0" marB="0">
+                    <a:lnL w="12700" cap="flat" cmpd="sng" algn="ctr">
+                      <a:solidFill>
+                        <a:schemeClr val="tx1"/>
+                      </a:solidFill>
+                      <a:prstDash val="solid"/>
+                      <a:round/>
+                      <a:headEnd type="none" w="med" len="med"/>
+                      <a:tailEnd type="none" w="med" len="med"/>
+                    </a:lnL>
+                    <a:lnR w="12700" cap="flat" cmpd="sng" algn="ctr">
+                      <a:solidFill>
+                        <a:schemeClr val="tx1"/>
+                      </a:solidFill>
+                      <a:prstDash val="solid"/>
+                      <a:round/>
+                      <a:headEnd type="none" w="med" len="med"/>
+                      <a:tailEnd type="none" w="med" len="med"/>
+                    </a:lnR>
+                    <a:lnT w="12700" cap="flat" cmpd="sng" algn="ctr">
+                      <a:solidFill>
+                        <a:schemeClr val="tx1"/>
+                      </a:solidFill>
+                      <a:prstDash val="solid"/>
+                      <a:round/>
+                      <a:headEnd type="none" w="med" len="med"/>
+                      <a:tailEnd type="none" w="med" len="med"/>
+                    </a:lnT>
+                    <a:lnB w="12700" cap="flat" cmpd="sng" algn="ctr">
+                      <a:solidFill>
+                        <a:schemeClr val="tx1"/>
+                      </a:solidFill>
+                      <a:prstDash val="solid"/>
+                      <a:round/>
+                      <a:headEnd type="none" w="med" len="med"/>
+                      <a:tailEnd type="none" w="med" len="med"/>
+                    </a:lnB>
+                    <a:solidFill>
+                      <a:srgbClr val="EAF6FC"/>
+                    </a:solidFill>
+                  </a:tcPr>
+                </a:tc>
+                <a:tc>
+                  <a:txBody>
+                    <a:bodyPr/>
+                    <a:lstStyle/>
+                    <a:p>
+                      <a:pPr marL="0" marR="0">
+                        <a:lnSpc>
+                          <a:spcPct val="107000"/>
+                        </a:lnSpc>
+                        <a:spcBef>
+                          <a:spcPts val="0"/>
+                        </a:spcBef>
+                        <a:spcAft>
+                          <a:spcPts val="0"/>
+                        </a:spcAft>
+                      </a:pPr>
+                      <a:r>
+                        <a:rPr lang="en-US" sz="1200">
+                          <a:effectLst/>
+                        </a:rPr>
+                        <a:t>1600 x 900 (1,440,000)</a:t>
+                      </a:r>
+                      <a:endParaRPr lang="en-US" sz="1100">
+                        <a:effectLst/>
+                        <a:latin typeface="Calibri" panose="020F0502020204030204" pitchFamily="34" charset="0"/>
+                        <a:ea typeface="Calibri" panose="020F0502020204030204" pitchFamily="34" charset="0"/>
+                        <a:cs typeface="Times New Roman" panose="02020603050405020304" pitchFamily="18" charset="0"/>
+                      </a:endParaRPr>
+                    </a:p>
+                  </a:txBody>
+                  <a:tcPr marL="68580" marR="68580" marT="0" marB="0">
+                    <a:lnL w="12700" cap="flat" cmpd="sng" algn="ctr">
+                      <a:solidFill>
+                        <a:schemeClr val="tx1"/>
+                      </a:solidFill>
+                      <a:prstDash val="solid"/>
+                      <a:round/>
+                      <a:headEnd type="none" w="med" len="med"/>
+                      <a:tailEnd type="none" w="med" len="med"/>
+                    </a:lnL>
+                    <a:lnR w="12700" cap="flat" cmpd="sng" algn="ctr">
+                      <a:solidFill>
+                        <a:schemeClr val="tx1"/>
+                      </a:solidFill>
+                      <a:prstDash val="solid"/>
+                      <a:round/>
+                      <a:headEnd type="none" w="med" len="med"/>
+                      <a:tailEnd type="none" w="med" len="med"/>
+                    </a:lnR>
+                    <a:lnT w="12700" cap="flat" cmpd="sng" algn="ctr">
+                      <a:solidFill>
+                        <a:schemeClr val="tx1"/>
+                      </a:solidFill>
+                      <a:prstDash val="solid"/>
+                      <a:round/>
+                      <a:headEnd type="none" w="med" len="med"/>
+                      <a:tailEnd type="none" w="med" len="med"/>
+                    </a:lnT>
+                    <a:lnB w="12700" cap="flat" cmpd="sng" algn="ctr">
+                      <a:solidFill>
+                        <a:schemeClr val="tx1"/>
+                      </a:solidFill>
+                      <a:prstDash val="solid"/>
+                      <a:round/>
+                      <a:headEnd type="none" w="med" len="med"/>
+                      <a:tailEnd type="none" w="med" len="med"/>
+                    </a:lnB>
+                  </a:tcPr>
+                </a:tc>
+                <a:tc>
+                  <a:txBody>
+                    <a:bodyPr/>
+                    <a:lstStyle/>
+                    <a:p>
+                      <a:pPr marL="0" marR="0">
+                        <a:lnSpc>
+                          <a:spcPct val="107000"/>
+                        </a:lnSpc>
+                        <a:spcBef>
+                          <a:spcPts val="0"/>
+                        </a:spcBef>
+                        <a:spcAft>
+                          <a:spcPts val="0"/>
+                        </a:spcAft>
+                      </a:pPr>
+                      <a:r>
+                        <a:rPr lang="en-US" sz="1200">
+                          <a:effectLst/>
+                        </a:rPr>
+                        <a:t>88.7504</a:t>
+                      </a:r>
+                      <a:endParaRPr lang="en-US" sz="1100">
+                        <a:effectLst/>
+                        <a:latin typeface="Calibri" panose="020F0502020204030204" pitchFamily="34" charset="0"/>
+                        <a:ea typeface="Calibri" panose="020F0502020204030204" pitchFamily="34" charset="0"/>
+                        <a:cs typeface="Times New Roman" panose="02020603050405020304" pitchFamily="18" charset="0"/>
+                      </a:endParaRPr>
+                    </a:p>
+                  </a:txBody>
+                  <a:tcPr marL="68580" marR="68580" marT="0" marB="0">
+                    <a:lnL w="12700" cap="flat" cmpd="sng" algn="ctr">
+                      <a:solidFill>
+                        <a:schemeClr val="tx1"/>
+                      </a:solidFill>
+                      <a:prstDash val="solid"/>
+                      <a:round/>
+                      <a:headEnd type="none" w="med" len="med"/>
+                      <a:tailEnd type="none" w="med" len="med"/>
+                    </a:lnL>
+                    <a:lnR w="12700" cap="flat" cmpd="sng" algn="ctr">
+                      <a:solidFill>
+                        <a:schemeClr val="tx1"/>
+                      </a:solidFill>
+                      <a:prstDash val="solid"/>
+                      <a:round/>
+                      <a:headEnd type="none" w="med" len="med"/>
+                      <a:tailEnd type="none" w="med" len="med"/>
+                    </a:lnR>
+                    <a:lnT w="12700" cap="flat" cmpd="sng" algn="ctr">
+                      <a:solidFill>
+                        <a:schemeClr val="tx1"/>
+                      </a:solidFill>
+                      <a:prstDash val="solid"/>
+                      <a:round/>
+                      <a:headEnd type="none" w="med" len="med"/>
+                      <a:tailEnd type="none" w="med" len="med"/>
+                    </a:lnT>
+                    <a:lnB w="12700" cap="flat" cmpd="sng" algn="ctr">
+                      <a:solidFill>
+                        <a:schemeClr val="tx1"/>
+                      </a:solidFill>
+                      <a:prstDash val="solid"/>
+                      <a:round/>
+                      <a:headEnd type="none" w="med" len="med"/>
+                      <a:tailEnd type="none" w="med" len="med"/>
+                    </a:lnB>
+                  </a:tcPr>
+                </a:tc>
+                <a:tc>
+                  <a:txBody>
+                    <a:bodyPr/>
+                    <a:lstStyle/>
+                    <a:p>
+                      <a:pPr marL="0" marR="0">
+                        <a:lnSpc>
+                          <a:spcPct val="107000"/>
+                        </a:lnSpc>
+                        <a:spcBef>
+                          <a:spcPts val="0"/>
+                        </a:spcBef>
+                        <a:spcAft>
+                          <a:spcPts val="0"/>
+                        </a:spcAft>
+                      </a:pPr>
+                      <a:r>
+                        <a:rPr lang="en-US" sz="1200">
+                          <a:effectLst/>
+                        </a:rPr>
+                        <a:t>3.5310</a:t>
+                      </a:r>
+                      <a:endParaRPr lang="en-US" sz="1100">
+                        <a:effectLst/>
+                        <a:latin typeface="Calibri" panose="020F0502020204030204" pitchFamily="34" charset="0"/>
+                        <a:ea typeface="Calibri" panose="020F0502020204030204" pitchFamily="34" charset="0"/>
+                        <a:cs typeface="Times New Roman" panose="02020603050405020304" pitchFamily="18" charset="0"/>
+                      </a:endParaRPr>
+                    </a:p>
+                  </a:txBody>
+                  <a:tcPr marL="68580" marR="68580" marT="0" marB="0">
+                    <a:lnL w="12700" cap="flat" cmpd="sng" algn="ctr">
+                      <a:solidFill>
+                        <a:schemeClr val="tx1"/>
+                      </a:solidFill>
+                      <a:prstDash val="solid"/>
+                      <a:round/>
+                      <a:headEnd type="none" w="med" len="med"/>
+                      <a:tailEnd type="none" w="med" len="med"/>
+                    </a:lnL>
+                    <a:lnR w="12700" cap="flat" cmpd="sng" algn="ctr">
+                      <a:solidFill>
+                        <a:schemeClr val="tx1"/>
+                      </a:solidFill>
+                      <a:prstDash val="solid"/>
+                      <a:round/>
+                      <a:headEnd type="none" w="med" len="med"/>
+                      <a:tailEnd type="none" w="med" len="med"/>
+                    </a:lnR>
+                    <a:lnT w="12700" cap="flat" cmpd="sng" algn="ctr">
+                      <a:solidFill>
+                        <a:schemeClr val="tx1"/>
+                      </a:solidFill>
+                      <a:prstDash val="solid"/>
+                      <a:round/>
+                      <a:headEnd type="none" w="med" len="med"/>
+                      <a:tailEnd type="none" w="med" len="med"/>
+                    </a:lnT>
+                    <a:lnB w="12700" cap="flat" cmpd="sng" algn="ctr">
+                      <a:solidFill>
+                        <a:schemeClr val="tx1"/>
+                      </a:solidFill>
+                      <a:prstDash val="solid"/>
+                      <a:round/>
+                      <a:headEnd type="none" w="med" len="med"/>
+                      <a:tailEnd type="none" w="med" len="med"/>
+                    </a:lnB>
+                  </a:tcPr>
+                </a:tc>
+                <a:tc>
+                  <a:txBody>
+                    <a:bodyPr/>
+                    <a:lstStyle/>
+                    <a:p>
+                      <a:pPr marL="0" marR="0">
+                        <a:lnSpc>
+                          <a:spcPct val="107000"/>
+                        </a:lnSpc>
+                        <a:spcBef>
+                          <a:spcPts val="0"/>
+                        </a:spcBef>
+                        <a:spcAft>
+                          <a:spcPts val="0"/>
+                        </a:spcAft>
+                      </a:pPr>
+                      <a:r>
+                        <a:rPr lang="en-US" sz="1200" dirty="0">
+                          <a:effectLst/>
+                        </a:rPr>
+                        <a:t>3.7038</a:t>
+                      </a:r>
+                      <a:endParaRPr lang="en-US" sz="1100" dirty="0">
+                        <a:effectLst/>
+                        <a:latin typeface="Calibri" panose="020F0502020204030204" pitchFamily="34" charset="0"/>
+                        <a:ea typeface="Calibri" panose="020F0502020204030204" pitchFamily="34" charset="0"/>
+                        <a:cs typeface="Times New Roman" panose="02020603050405020304" pitchFamily="18" charset="0"/>
+                      </a:endParaRPr>
+                    </a:p>
+                  </a:txBody>
+                  <a:tcPr marL="68580" marR="68580" marT="0" marB="0">
+                    <a:lnL w="12700" cap="flat" cmpd="sng" algn="ctr">
+                      <a:solidFill>
+                        <a:schemeClr val="tx1"/>
+                      </a:solidFill>
+                      <a:prstDash val="solid"/>
+                      <a:round/>
+                      <a:headEnd type="none" w="med" len="med"/>
+                      <a:tailEnd type="none" w="med" len="med"/>
+                    </a:lnL>
+                    <a:lnR w="12700" cap="flat" cmpd="sng" algn="ctr">
+                      <a:solidFill>
+                        <a:schemeClr val="tx1"/>
+                      </a:solidFill>
+                      <a:prstDash val="solid"/>
+                      <a:round/>
+                      <a:headEnd type="none" w="med" len="med"/>
+                      <a:tailEnd type="none" w="med" len="med"/>
+                    </a:lnR>
+                    <a:lnT w="12700" cap="flat" cmpd="sng" algn="ctr">
+                      <a:solidFill>
+                        <a:schemeClr val="tx1"/>
+                      </a:solidFill>
+                      <a:prstDash val="solid"/>
+                      <a:round/>
+                      <a:headEnd type="none" w="med" len="med"/>
+                      <a:tailEnd type="none" w="med" len="med"/>
+                    </a:lnT>
+                    <a:lnB w="12700" cap="flat" cmpd="sng" algn="ctr">
+                      <a:solidFill>
+                        <a:schemeClr val="tx1"/>
+                      </a:solidFill>
+                      <a:prstDash val="solid"/>
+                      <a:round/>
+                      <a:headEnd type="none" w="med" len="med"/>
+                      <a:tailEnd type="none" w="med" len="med"/>
+                    </a:lnB>
+                  </a:tcPr>
+                </a:tc>
+                <a:extLst>
+                  <a:ext uri="{0D108BD9-81ED-4DB2-BD59-A6C34878D82A}">
+                    <a16:rowId xmlns:a16="http://schemas.microsoft.com/office/drawing/2014/main" val="2515724573"/>
+                  </a:ext>
+                </a:extLst>
+              </a:tr>
+              <a:tr h="226535">
+                <a:tc>
+                  <a:txBody>
+                    <a:bodyPr/>
+                    <a:lstStyle/>
+                    <a:p>
+                      <a:pPr marL="0" marR="0">
+                        <a:lnSpc>
+                          <a:spcPct val="107000"/>
+                        </a:lnSpc>
+                        <a:spcBef>
+                          <a:spcPts val="0"/>
+                        </a:spcBef>
+                        <a:spcAft>
+                          <a:spcPts val="0"/>
+                        </a:spcAft>
+                      </a:pPr>
+                      <a:r>
+                        <a:rPr lang="en-US" sz="1200" b="0" dirty="0">
+                          <a:solidFill>
+                            <a:schemeClr val="tx1"/>
+                          </a:solidFill>
+                          <a:effectLst/>
+                        </a:rPr>
+                        <a:t>valley.jpg</a:t>
+                      </a:r>
+                      <a:endParaRPr lang="en-US" sz="1100" b="0" dirty="0">
+                        <a:solidFill>
+                          <a:schemeClr val="tx1"/>
+                        </a:solidFill>
+                        <a:effectLst/>
+                        <a:latin typeface="Calibri" panose="020F0502020204030204" pitchFamily="34" charset="0"/>
+                        <a:ea typeface="Calibri" panose="020F0502020204030204" pitchFamily="34" charset="0"/>
+                        <a:cs typeface="Times New Roman" panose="02020603050405020304" pitchFamily="18" charset="0"/>
+                      </a:endParaRPr>
+                    </a:p>
+                  </a:txBody>
+                  <a:tcPr marL="68580" marR="68580" marT="0" marB="0">
+                    <a:lnL w="12700" cap="flat" cmpd="sng" algn="ctr">
+                      <a:solidFill>
+                        <a:schemeClr val="tx1"/>
+                      </a:solidFill>
+                      <a:prstDash val="solid"/>
+                      <a:round/>
+                      <a:headEnd type="none" w="med" len="med"/>
+                      <a:tailEnd type="none" w="med" len="med"/>
+                    </a:lnL>
+                    <a:lnR w="12700" cap="flat" cmpd="sng" algn="ctr">
+                      <a:solidFill>
+                        <a:schemeClr val="tx1"/>
+                      </a:solidFill>
+                      <a:prstDash val="solid"/>
+                      <a:round/>
+                      <a:headEnd type="none" w="med" len="med"/>
+                      <a:tailEnd type="none" w="med" len="med"/>
+                    </a:lnR>
+                    <a:lnT w="12700" cap="flat" cmpd="sng" algn="ctr">
+                      <a:solidFill>
+                        <a:schemeClr val="tx1"/>
+                      </a:solidFill>
+                      <a:prstDash val="solid"/>
+                      <a:round/>
+                      <a:headEnd type="none" w="med" len="med"/>
+                      <a:tailEnd type="none" w="med" len="med"/>
+                    </a:lnT>
+                    <a:lnB w="12700" cap="flat" cmpd="sng" algn="ctr">
+                      <a:solidFill>
+                        <a:schemeClr val="tx1"/>
+                      </a:solidFill>
+                      <a:prstDash val="solid"/>
+                      <a:round/>
+                      <a:headEnd type="none" w="med" len="med"/>
+                      <a:tailEnd type="none" w="med" len="med"/>
+                    </a:lnB>
+                    <a:solidFill>
+                      <a:srgbClr val="D2ECF9"/>
+                    </a:solidFill>
+                  </a:tcPr>
+                </a:tc>
+                <a:tc>
+                  <a:txBody>
+                    <a:bodyPr/>
+                    <a:lstStyle/>
+                    <a:p>
+                      <a:pPr marL="0" marR="0">
+                        <a:lnSpc>
+                          <a:spcPct val="107000"/>
+                        </a:lnSpc>
+                        <a:spcBef>
+                          <a:spcPts val="0"/>
+                        </a:spcBef>
+                        <a:spcAft>
+                          <a:spcPts val="0"/>
+                        </a:spcAft>
+                      </a:pPr>
+                      <a:r>
+                        <a:rPr lang="en-US" sz="1200">
+                          <a:effectLst/>
+                        </a:rPr>
+                        <a:t>2560 x 1440 (3,686,400)</a:t>
+                      </a:r>
+                      <a:endParaRPr lang="en-US" sz="1100">
+                        <a:effectLst/>
+                        <a:latin typeface="Calibri" panose="020F0502020204030204" pitchFamily="34" charset="0"/>
+                        <a:ea typeface="Calibri" panose="020F0502020204030204" pitchFamily="34" charset="0"/>
+                        <a:cs typeface="Times New Roman" panose="02020603050405020304" pitchFamily="18" charset="0"/>
+                      </a:endParaRPr>
+                    </a:p>
+                  </a:txBody>
+                  <a:tcPr marL="68580" marR="68580" marT="0" marB="0">
+                    <a:lnL w="12700" cap="flat" cmpd="sng" algn="ctr">
+                      <a:solidFill>
+                        <a:schemeClr val="tx1"/>
+                      </a:solidFill>
+                      <a:prstDash val="solid"/>
+                      <a:round/>
+                      <a:headEnd type="none" w="med" len="med"/>
+                      <a:tailEnd type="none" w="med" len="med"/>
+                    </a:lnL>
+                    <a:lnR w="12700" cap="flat" cmpd="sng" algn="ctr">
+                      <a:solidFill>
+                        <a:schemeClr val="tx1"/>
+                      </a:solidFill>
+                      <a:prstDash val="solid"/>
+                      <a:round/>
+                      <a:headEnd type="none" w="med" len="med"/>
+                      <a:tailEnd type="none" w="med" len="med"/>
+                    </a:lnR>
+                    <a:lnT w="12700" cap="flat" cmpd="sng" algn="ctr">
+                      <a:solidFill>
+                        <a:schemeClr val="tx1"/>
+                      </a:solidFill>
+                      <a:prstDash val="solid"/>
+                      <a:round/>
+                      <a:headEnd type="none" w="med" len="med"/>
+                      <a:tailEnd type="none" w="med" len="med"/>
+                    </a:lnT>
+                    <a:lnB w="12700" cap="flat" cmpd="sng" algn="ctr">
+                      <a:solidFill>
+                        <a:schemeClr val="tx1"/>
+                      </a:solidFill>
+                      <a:prstDash val="solid"/>
+                      <a:round/>
+                      <a:headEnd type="none" w="med" len="med"/>
+                      <a:tailEnd type="none" w="med" len="med"/>
+                    </a:lnB>
+                  </a:tcPr>
+                </a:tc>
+                <a:tc>
+                  <a:txBody>
+                    <a:bodyPr/>
+                    <a:lstStyle/>
+                    <a:p>
+                      <a:pPr marL="0" marR="0">
+                        <a:lnSpc>
+                          <a:spcPct val="107000"/>
+                        </a:lnSpc>
+                        <a:spcBef>
+                          <a:spcPts val="0"/>
+                        </a:spcBef>
+                        <a:spcAft>
+                          <a:spcPts val="0"/>
+                        </a:spcAft>
+                      </a:pPr>
+                      <a:r>
+                        <a:rPr lang="en-US" sz="1200">
+                          <a:effectLst/>
+                        </a:rPr>
+                        <a:t>228.5247</a:t>
+                      </a:r>
+                      <a:endParaRPr lang="en-US" sz="1100">
+                        <a:effectLst/>
+                        <a:latin typeface="Calibri" panose="020F0502020204030204" pitchFamily="34" charset="0"/>
+                        <a:ea typeface="Calibri" panose="020F0502020204030204" pitchFamily="34" charset="0"/>
+                        <a:cs typeface="Times New Roman" panose="02020603050405020304" pitchFamily="18" charset="0"/>
+                      </a:endParaRPr>
+                    </a:p>
+                  </a:txBody>
+                  <a:tcPr marL="68580" marR="68580" marT="0" marB="0">
+                    <a:lnL w="12700" cap="flat" cmpd="sng" algn="ctr">
+                      <a:solidFill>
+                        <a:schemeClr val="tx1"/>
+                      </a:solidFill>
+                      <a:prstDash val="solid"/>
+                      <a:round/>
+                      <a:headEnd type="none" w="med" len="med"/>
+                      <a:tailEnd type="none" w="med" len="med"/>
+                    </a:lnL>
+                    <a:lnR w="12700" cap="flat" cmpd="sng" algn="ctr">
+                      <a:solidFill>
+                        <a:schemeClr val="tx1"/>
+                      </a:solidFill>
+                      <a:prstDash val="solid"/>
+                      <a:round/>
+                      <a:headEnd type="none" w="med" len="med"/>
+                      <a:tailEnd type="none" w="med" len="med"/>
+                    </a:lnR>
+                    <a:lnT w="12700" cap="flat" cmpd="sng" algn="ctr">
+                      <a:solidFill>
+                        <a:schemeClr val="tx1"/>
+                      </a:solidFill>
+                      <a:prstDash val="solid"/>
+                      <a:round/>
+                      <a:headEnd type="none" w="med" len="med"/>
+                      <a:tailEnd type="none" w="med" len="med"/>
+                    </a:lnT>
+                    <a:lnB w="12700" cap="flat" cmpd="sng" algn="ctr">
+                      <a:solidFill>
+                        <a:schemeClr val="tx1"/>
+                      </a:solidFill>
+                      <a:prstDash val="solid"/>
+                      <a:round/>
+                      <a:headEnd type="none" w="med" len="med"/>
+                      <a:tailEnd type="none" w="med" len="med"/>
+                    </a:lnB>
+                  </a:tcPr>
+                </a:tc>
+                <a:tc>
+                  <a:txBody>
+                    <a:bodyPr/>
+                    <a:lstStyle/>
+                    <a:p>
+                      <a:pPr marL="0" marR="0">
+                        <a:lnSpc>
+                          <a:spcPct val="107000"/>
+                        </a:lnSpc>
+                        <a:spcBef>
+                          <a:spcPts val="0"/>
+                        </a:spcBef>
+                        <a:spcAft>
+                          <a:spcPts val="0"/>
+                        </a:spcAft>
+                      </a:pPr>
+                      <a:r>
+                        <a:rPr lang="en-US" sz="1200">
+                          <a:effectLst/>
+                        </a:rPr>
+                        <a:t>7.8206</a:t>
+                      </a:r>
+                      <a:endParaRPr lang="en-US" sz="1100">
+                        <a:effectLst/>
+                        <a:latin typeface="Calibri" panose="020F0502020204030204" pitchFamily="34" charset="0"/>
+                        <a:ea typeface="Calibri" panose="020F0502020204030204" pitchFamily="34" charset="0"/>
+                        <a:cs typeface="Times New Roman" panose="02020603050405020304" pitchFamily="18" charset="0"/>
+                      </a:endParaRPr>
+                    </a:p>
+                  </a:txBody>
+                  <a:tcPr marL="68580" marR="68580" marT="0" marB="0">
+                    <a:lnL w="12700" cap="flat" cmpd="sng" algn="ctr">
+                      <a:solidFill>
+                        <a:schemeClr val="tx1"/>
+                      </a:solidFill>
+                      <a:prstDash val="solid"/>
+                      <a:round/>
+                      <a:headEnd type="none" w="med" len="med"/>
+                      <a:tailEnd type="none" w="med" len="med"/>
+                    </a:lnL>
+                    <a:lnR w="12700" cap="flat" cmpd="sng" algn="ctr">
+                      <a:solidFill>
+                        <a:schemeClr val="tx1"/>
+                      </a:solidFill>
+                      <a:prstDash val="solid"/>
+                      <a:round/>
+                      <a:headEnd type="none" w="med" len="med"/>
+                      <a:tailEnd type="none" w="med" len="med"/>
+                    </a:lnR>
+                    <a:lnT w="12700" cap="flat" cmpd="sng" algn="ctr">
+                      <a:solidFill>
+                        <a:schemeClr val="tx1"/>
+                      </a:solidFill>
+                      <a:prstDash val="solid"/>
+                      <a:round/>
+                      <a:headEnd type="none" w="med" len="med"/>
+                      <a:tailEnd type="none" w="med" len="med"/>
+                    </a:lnT>
+                    <a:lnB w="12700" cap="flat" cmpd="sng" algn="ctr">
+                      <a:solidFill>
+                        <a:schemeClr val="tx1"/>
+                      </a:solidFill>
+                      <a:prstDash val="solid"/>
+                      <a:round/>
+                      <a:headEnd type="none" w="med" len="med"/>
+                      <a:tailEnd type="none" w="med" len="med"/>
+                    </a:lnB>
+                  </a:tcPr>
+                </a:tc>
+                <a:tc>
+                  <a:txBody>
+                    <a:bodyPr/>
+                    <a:lstStyle/>
+                    <a:p>
+                      <a:pPr marL="0" marR="0">
+                        <a:lnSpc>
+                          <a:spcPct val="107000"/>
+                        </a:lnSpc>
+                        <a:spcBef>
+                          <a:spcPts val="0"/>
+                        </a:spcBef>
+                        <a:spcAft>
+                          <a:spcPts val="0"/>
+                        </a:spcAft>
+                      </a:pPr>
+                      <a:r>
+                        <a:rPr lang="en-US" sz="1200">
+                          <a:effectLst/>
+                        </a:rPr>
+                        <a:t>8.3551</a:t>
+                      </a:r>
+                      <a:endParaRPr lang="en-US" sz="1100">
+                        <a:effectLst/>
+                        <a:latin typeface="Calibri" panose="020F0502020204030204" pitchFamily="34" charset="0"/>
+                        <a:ea typeface="Calibri" panose="020F0502020204030204" pitchFamily="34" charset="0"/>
+                        <a:cs typeface="Times New Roman" panose="02020603050405020304" pitchFamily="18" charset="0"/>
+                      </a:endParaRPr>
+                    </a:p>
+                  </a:txBody>
+                  <a:tcPr marL="68580" marR="68580" marT="0" marB="0">
+                    <a:lnL w="12700" cap="flat" cmpd="sng" algn="ctr">
+                      <a:solidFill>
+                        <a:schemeClr val="tx1"/>
+                      </a:solidFill>
+                      <a:prstDash val="solid"/>
+                      <a:round/>
+                      <a:headEnd type="none" w="med" len="med"/>
+                      <a:tailEnd type="none" w="med" len="med"/>
+                    </a:lnL>
+                    <a:lnR w="12700" cap="flat" cmpd="sng" algn="ctr">
+                      <a:solidFill>
+                        <a:schemeClr val="tx1"/>
+                      </a:solidFill>
+                      <a:prstDash val="solid"/>
+                      <a:round/>
+                      <a:headEnd type="none" w="med" len="med"/>
+                      <a:tailEnd type="none" w="med" len="med"/>
+                    </a:lnR>
+                    <a:lnT w="12700" cap="flat" cmpd="sng" algn="ctr">
+                      <a:solidFill>
+                        <a:schemeClr val="tx1"/>
+                      </a:solidFill>
+                      <a:prstDash val="solid"/>
+                      <a:round/>
+                      <a:headEnd type="none" w="med" len="med"/>
+                      <a:tailEnd type="none" w="med" len="med"/>
+                    </a:lnT>
+                    <a:lnB w="12700" cap="flat" cmpd="sng" algn="ctr">
+                      <a:solidFill>
+                        <a:schemeClr val="tx1"/>
+                      </a:solidFill>
+                      <a:prstDash val="solid"/>
+                      <a:round/>
+                      <a:headEnd type="none" w="med" len="med"/>
+                      <a:tailEnd type="none" w="med" len="med"/>
+                    </a:lnB>
+                  </a:tcPr>
+                </a:tc>
+                <a:extLst>
+                  <a:ext uri="{0D108BD9-81ED-4DB2-BD59-A6C34878D82A}">
+                    <a16:rowId xmlns:a16="http://schemas.microsoft.com/office/drawing/2014/main" val="3837935178"/>
+                  </a:ext>
+                </a:extLst>
+              </a:tr>
+              <a:tr h="226535">
+                <a:tc>
+                  <a:txBody>
+                    <a:bodyPr/>
+                    <a:lstStyle/>
+                    <a:p>
+                      <a:pPr marL="0" marR="0">
+                        <a:lnSpc>
+                          <a:spcPct val="107000"/>
+                        </a:lnSpc>
+                        <a:spcBef>
+                          <a:spcPts val="0"/>
+                        </a:spcBef>
+                        <a:spcAft>
+                          <a:spcPts val="0"/>
+                        </a:spcAft>
+                      </a:pPr>
+                      <a:r>
+                        <a:rPr lang="en-US" sz="1200" b="0" dirty="0">
+                          <a:solidFill>
+                            <a:schemeClr val="tx1"/>
+                          </a:solidFill>
+                          <a:effectLst/>
+                        </a:rPr>
+                        <a:t>town.jpg</a:t>
+                      </a:r>
+                      <a:endParaRPr lang="en-US" sz="1100" b="0" dirty="0">
+                        <a:solidFill>
+                          <a:schemeClr val="tx1"/>
+                        </a:solidFill>
+                        <a:effectLst/>
+                        <a:latin typeface="Calibri" panose="020F0502020204030204" pitchFamily="34" charset="0"/>
+                        <a:ea typeface="Calibri" panose="020F0502020204030204" pitchFamily="34" charset="0"/>
+                        <a:cs typeface="Times New Roman" panose="02020603050405020304" pitchFamily="18" charset="0"/>
+                      </a:endParaRPr>
+                    </a:p>
+                  </a:txBody>
+                  <a:tcPr marL="68580" marR="68580" marT="0" marB="0">
+                    <a:lnL w="12700" cap="flat" cmpd="sng" algn="ctr">
+                      <a:solidFill>
+                        <a:schemeClr val="tx1"/>
+                      </a:solidFill>
+                      <a:prstDash val="solid"/>
+                      <a:round/>
+                      <a:headEnd type="none" w="med" len="med"/>
+                      <a:tailEnd type="none" w="med" len="med"/>
+                    </a:lnL>
+                    <a:lnR w="12700" cap="flat" cmpd="sng" algn="ctr">
+                      <a:solidFill>
+                        <a:schemeClr val="tx1"/>
+                      </a:solidFill>
+                      <a:prstDash val="solid"/>
+                      <a:round/>
+                      <a:headEnd type="none" w="med" len="med"/>
+                      <a:tailEnd type="none" w="med" len="med"/>
+                    </a:lnR>
+                    <a:lnT w="12700" cap="flat" cmpd="sng" algn="ctr">
+                      <a:solidFill>
+                        <a:schemeClr val="tx1"/>
+                      </a:solidFill>
+                      <a:prstDash val="solid"/>
+                      <a:round/>
+                      <a:headEnd type="none" w="med" len="med"/>
+                      <a:tailEnd type="none" w="med" len="med"/>
+                    </a:lnT>
+                    <a:lnB w="12700" cap="flat" cmpd="sng" algn="ctr">
+                      <a:solidFill>
+                        <a:schemeClr val="tx1"/>
+                      </a:solidFill>
+                      <a:prstDash val="solid"/>
+                      <a:round/>
+                      <a:headEnd type="none" w="med" len="med"/>
+                      <a:tailEnd type="none" w="med" len="med"/>
+                    </a:lnB>
+                    <a:solidFill>
+                      <a:srgbClr val="EAF6FC"/>
+                    </a:solidFill>
+                  </a:tcPr>
+                </a:tc>
+                <a:tc>
+                  <a:txBody>
+                    <a:bodyPr/>
+                    <a:lstStyle/>
+                    <a:p>
+                      <a:pPr marL="0" marR="0">
+                        <a:lnSpc>
+                          <a:spcPct val="107000"/>
+                        </a:lnSpc>
+                        <a:spcBef>
+                          <a:spcPts val="0"/>
+                        </a:spcBef>
+                        <a:spcAft>
+                          <a:spcPts val="0"/>
+                        </a:spcAft>
+                      </a:pPr>
+                      <a:r>
+                        <a:rPr lang="en-US" sz="1200">
+                          <a:effectLst/>
+                        </a:rPr>
+                        <a:t>3840 x 2160 (8,294,400)</a:t>
+                      </a:r>
+                      <a:endParaRPr lang="en-US" sz="1100">
+                        <a:effectLst/>
+                        <a:latin typeface="Calibri" panose="020F0502020204030204" pitchFamily="34" charset="0"/>
+                        <a:ea typeface="Calibri" panose="020F0502020204030204" pitchFamily="34" charset="0"/>
+                        <a:cs typeface="Times New Roman" panose="02020603050405020304" pitchFamily="18" charset="0"/>
+                      </a:endParaRPr>
+                    </a:p>
+                  </a:txBody>
+                  <a:tcPr marL="68580" marR="68580" marT="0" marB="0">
+                    <a:lnL w="12700" cap="flat" cmpd="sng" algn="ctr">
+                      <a:solidFill>
+                        <a:schemeClr val="tx1"/>
+                      </a:solidFill>
+                      <a:prstDash val="solid"/>
+                      <a:round/>
+                      <a:headEnd type="none" w="med" len="med"/>
+                      <a:tailEnd type="none" w="med" len="med"/>
+                    </a:lnL>
+                    <a:lnR w="12700" cap="flat" cmpd="sng" algn="ctr">
+                      <a:solidFill>
+                        <a:schemeClr val="tx1"/>
+                      </a:solidFill>
+                      <a:prstDash val="solid"/>
+                      <a:round/>
+                      <a:headEnd type="none" w="med" len="med"/>
+                      <a:tailEnd type="none" w="med" len="med"/>
+                    </a:lnR>
+                    <a:lnT w="12700" cap="flat" cmpd="sng" algn="ctr">
+                      <a:solidFill>
+                        <a:schemeClr val="tx1"/>
+                      </a:solidFill>
+                      <a:prstDash val="solid"/>
+                      <a:round/>
+                      <a:headEnd type="none" w="med" len="med"/>
+                      <a:tailEnd type="none" w="med" len="med"/>
+                    </a:lnT>
+                    <a:lnB w="12700" cap="flat" cmpd="sng" algn="ctr">
+                      <a:solidFill>
+                        <a:schemeClr val="tx1"/>
+                      </a:solidFill>
+                      <a:prstDash val="solid"/>
+                      <a:round/>
+                      <a:headEnd type="none" w="med" len="med"/>
+                      <a:tailEnd type="none" w="med" len="med"/>
+                    </a:lnB>
+                  </a:tcPr>
+                </a:tc>
+                <a:tc>
+                  <a:txBody>
+                    <a:bodyPr/>
+                    <a:lstStyle/>
+                    <a:p>
+                      <a:pPr marL="0" marR="0">
+                        <a:lnSpc>
+                          <a:spcPct val="107000"/>
+                        </a:lnSpc>
+                        <a:spcBef>
+                          <a:spcPts val="0"/>
+                        </a:spcBef>
+                        <a:spcAft>
+                          <a:spcPts val="0"/>
+                        </a:spcAft>
+                      </a:pPr>
+                      <a:r>
+                        <a:rPr lang="en-US" sz="1200">
+                          <a:effectLst/>
+                        </a:rPr>
+                        <a:t>516.8103</a:t>
+                      </a:r>
+                      <a:endParaRPr lang="en-US" sz="1100">
+                        <a:effectLst/>
+                        <a:latin typeface="Calibri" panose="020F0502020204030204" pitchFamily="34" charset="0"/>
+                        <a:ea typeface="Calibri" panose="020F0502020204030204" pitchFamily="34" charset="0"/>
+                        <a:cs typeface="Times New Roman" panose="02020603050405020304" pitchFamily="18" charset="0"/>
+                      </a:endParaRPr>
+                    </a:p>
+                  </a:txBody>
+                  <a:tcPr marL="68580" marR="68580" marT="0" marB="0">
+                    <a:lnL w="12700" cap="flat" cmpd="sng" algn="ctr">
+                      <a:solidFill>
+                        <a:schemeClr val="tx1"/>
+                      </a:solidFill>
+                      <a:prstDash val="solid"/>
+                      <a:round/>
+                      <a:headEnd type="none" w="med" len="med"/>
+                      <a:tailEnd type="none" w="med" len="med"/>
+                    </a:lnL>
+                    <a:lnR w="12700" cap="flat" cmpd="sng" algn="ctr">
+                      <a:solidFill>
+                        <a:schemeClr val="tx1"/>
+                      </a:solidFill>
+                      <a:prstDash val="solid"/>
+                      <a:round/>
+                      <a:headEnd type="none" w="med" len="med"/>
+                      <a:tailEnd type="none" w="med" len="med"/>
+                    </a:lnR>
+                    <a:lnT w="12700" cap="flat" cmpd="sng" algn="ctr">
+                      <a:solidFill>
+                        <a:schemeClr val="tx1"/>
+                      </a:solidFill>
+                      <a:prstDash val="solid"/>
+                      <a:round/>
+                      <a:headEnd type="none" w="med" len="med"/>
+                      <a:tailEnd type="none" w="med" len="med"/>
+                    </a:lnT>
+                    <a:lnB w="12700" cap="flat" cmpd="sng" algn="ctr">
+                      <a:solidFill>
+                        <a:schemeClr val="tx1"/>
+                      </a:solidFill>
+                      <a:prstDash val="solid"/>
+                      <a:round/>
+                      <a:headEnd type="none" w="med" len="med"/>
+                      <a:tailEnd type="none" w="med" len="med"/>
+                    </a:lnB>
+                  </a:tcPr>
+                </a:tc>
+                <a:tc>
+                  <a:txBody>
+                    <a:bodyPr/>
+                    <a:lstStyle/>
+                    <a:p>
+                      <a:pPr marL="0" marR="0">
+                        <a:lnSpc>
+                          <a:spcPct val="107000"/>
+                        </a:lnSpc>
+                        <a:spcBef>
+                          <a:spcPts val="0"/>
+                        </a:spcBef>
+                        <a:spcAft>
+                          <a:spcPts val="0"/>
+                        </a:spcAft>
+                      </a:pPr>
+                      <a:r>
+                        <a:rPr lang="en-US" sz="1200">
+                          <a:effectLst/>
+                        </a:rPr>
+                        <a:t>17.3303</a:t>
+                      </a:r>
+                      <a:endParaRPr lang="en-US" sz="1100">
+                        <a:effectLst/>
+                        <a:latin typeface="Calibri" panose="020F0502020204030204" pitchFamily="34" charset="0"/>
+                        <a:ea typeface="Calibri" panose="020F0502020204030204" pitchFamily="34" charset="0"/>
+                        <a:cs typeface="Times New Roman" panose="02020603050405020304" pitchFamily="18" charset="0"/>
+                      </a:endParaRPr>
+                    </a:p>
+                  </a:txBody>
+                  <a:tcPr marL="68580" marR="68580" marT="0" marB="0">
+                    <a:lnL w="12700" cap="flat" cmpd="sng" algn="ctr">
+                      <a:solidFill>
+                        <a:schemeClr val="tx1"/>
+                      </a:solidFill>
+                      <a:prstDash val="solid"/>
+                      <a:round/>
+                      <a:headEnd type="none" w="med" len="med"/>
+                      <a:tailEnd type="none" w="med" len="med"/>
+                    </a:lnL>
+                    <a:lnR w="12700" cap="flat" cmpd="sng" algn="ctr">
+                      <a:solidFill>
+                        <a:schemeClr val="tx1"/>
+                      </a:solidFill>
+                      <a:prstDash val="solid"/>
+                      <a:round/>
+                      <a:headEnd type="none" w="med" len="med"/>
+                      <a:tailEnd type="none" w="med" len="med"/>
+                    </a:lnR>
+                    <a:lnT w="12700" cap="flat" cmpd="sng" algn="ctr">
+                      <a:solidFill>
+                        <a:schemeClr val="tx1"/>
+                      </a:solidFill>
+                      <a:prstDash val="solid"/>
+                      <a:round/>
+                      <a:headEnd type="none" w="med" len="med"/>
+                      <a:tailEnd type="none" w="med" len="med"/>
+                    </a:lnT>
+                    <a:lnB w="12700" cap="flat" cmpd="sng" algn="ctr">
+                      <a:solidFill>
+                        <a:schemeClr val="tx1"/>
+                      </a:solidFill>
+                      <a:prstDash val="solid"/>
+                      <a:round/>
+                      <a:headEnd type="none" w="med" len="med"/>
+                      <a:tailEnd type="none" w="med" len="med"/>
+                    </a:lnB>
+                  </a:tcPr>
+                </a:tc>
+                <a:tc>
+                  <a:txBody>
+                    <a:bodyPr/>
+                    <a:lstStyle/>
+                    <a:p>
+                      <a:pPr marL="0" marR="0">
+                        <a:lnSpc>
+                          <a:spcPct val="107000"/>
+                        </a:lnSpc>
+                        <a:spcBef>
+                          <a:spcPts val="0"/>
+                        </a:spcBef>
+                        <a:spcAft>
+                          <a:spcPts val="0"/>
+                        </a:spcAft>
+                      </a:pPr>
+                      <a:r>
+                        <a:rPr lang="en-US" sz="1200" dirty="0">
+                          <a:effectLst/>
+                        </a:rPr>
+                        <a:t>18.7000</a:t>
+                      </a:r>
+                      <a:endParaRPr lang="en-US" sz="1100" dirty="0">
+                        <a:effectLst/>
+                        <a:latin typeface="Calibri" panose="020F0502020204030204" pitchFamily="34" charset="0"/>
+                        <a:ea typeface="Calibri" panose="020F0502020204030204" pitchFamily="34" charset="0"/>
+                        <a:cs typeface="Times New Roman" panose="02020603050405020304" pitchFamily="18" charset="0"/>
+                      </a:endParaRPr>
+                    </a:p>
+                  </a:txBody>
+                  <a:tcPr marL="68580" marR="68580" marT="0" marB="0">
+                    <a:lnL w="12700" cap="flat" cmpd="sng" algn="ctr">
+                      <a:solidFill>
+                        <a:schemeClr val="tx1"/>
+                      </a:solidFill>
+                      <a:prstDash val="solid"/>
+                      <a:round/>
+                      <a:headEnd type="none" w="med" len="med"/>
+                      <a:tailEnd type="none" w="med" len="med"/>
+                    </a:lnL>
+                    <a:lnR w="12700" cap="flat" cmpd="sng" algn="ctr">
+                      <a:solidFill>
+                        <a:schemeClr val="tx1"/>
+                      </a:solidFill>
+                      <a:prstDash val="solid"/>
+                      <a:round/>
+                      <a:headEnd type="none" w="med" len="med"/>
+                      <a:tailEnd type="none" w="med" len="med"/>
+                    </a:lnR>
+                    <a:lnT w="12700" cap="flat" cmpd="sng" algn="ctr">
+                      <a:solidFill>
+                        <a:schemeClr val="tx1"/>
+                      </a:solidFill>
+                      <a:prstDash val="solid"/>
+                      <a:round/>
+                      <a:headEnd type="none" w="med" len="med"/>
+                      <a:tailEnd type="none" w="med" len="med"/>
+                    </a:lnT>
+                    <a:lnB w="12700" cap="flat" cmpd="sng" algn="ctr">
+                      <a:solidFill>
+                        <a:schemeClr val="tx1"/>
+                      </a:solidFill>
+                      <a:prstDash val="solid"/>
+                      <a:round/>
+                      <a:headEnd type="none" w="med" len="med"/>
+                      <a:tailEnd type="none" w="med" len="med"/>
+                    </a:lnB>
+                  </a:tcPr>
+                </a:tc>
+                <a:extLst>
+                  <a:ext uri="{0D108BD9-81ED-4DB2-BD59-A6C34878D82A}">
+                    <a16:rowId xmlns:a16="http://schemas.microsoft.com/office/drawing/2014/main" val="2807364723"/>
+                  </a:ext>
+                </a:extLst>
+              </a:tr>
+            </a:tbl>
+          </a:graphicData>
+        </a:graphic>
+      </p:graphicFrame>
+      <p:sp>
+        <p:nvSpPr>
+          <p:cNvPr id="6" name="TextBox 5">
+            <a:extLst>
+              <a:ext uri="{FF2B5EF4-FFF2-40B4-BE49-F238E27FC236}">
+                <a16:creationId xmlns:a16="http://schemas.microsoft.com/office/drawing/2014/main" id="{E0EEB11C-BFBA-4E6F-8B15-F1D0C31D1712}"/>
+              </a:ext>
+            </a:extLst>
+          </p:cNvPr>
+          <p:cNvSpPr txBox="1"/>
+          <p:nvPr/>
+        </p:nvSpPr>
+        <p:spPr>
+          <a:xfrm>
+            <a:off x="4040636" y="4219579"/>
+            <a:ext cx="1870064" cy="276999"/>
+          </a:xfrm>
+          <a:prstGeom prst="rect">
+            <a:avLst/>
+          </a:prstGeom>
+          <a:noFill/>
+        </p:spPr>
+        <p:txBody>
+          <a:bodyPr wrap="none" rtlCol="0">
+            <a:spAutoFit/>
+          </a:bodyPr>
+          <a:lstStyle/>
+          <a:p>
+            <a:r>
+              <a:rPr lang="en-US" sz="1200" dirty="0"/>
+              <a:t>Figure 7 – Timing Results</a:t>
+            </a:r>
+          </a:p>
+        </p:txBody>
+      </p:sp>
     </p:spTree>
     <p:extLst>
       <p:ext uri="{BB962C8B-B14F-4D97-AF65-F5344CB8AC3E}">
-        <p14:creationId xmlns:p14="http://schemas.microsoft.com/office/powerpoint/2010/main" val="1513651143"/>
+        <p14:creationId xmlns:p14="http://schemas.microsoft.com/office/powerpoint/2010/main" val="1142060691"/>
       </p:ext>
     </p:extLst>
   </p:cSld>
@@ -7777,7 +12230,157 @@
           <a:p>
             <a:r>
               <a:rPr lang="en-US" dirty="0"/>
-              <a:t>Works Cited</a:t>
+              <a:t>Analysis - Timing Results (cont.)</a:t>
+            </a:r>
+          </a:p>
+        </p:txBody>
+      </p:sp>
+      <p:sp>
+        <p:nvSpPr>
+          <p:cNvPr id="4" name="Slide Number Placeholder 3">
+            <a:extLst>
+              <a:ext uri="{FF2B5EF4-FFF2-40B4-BE49-F238E27FC236}">
+                <a16:creationId xmlns:a16="http://schemas.microsoft.com/office/drawing/2014/main" id="{AE5910F8-B88C-479F-B469-B28426B35A31}"/>
+              </a:ext>
+            </a:extLst>
+          </p:cNvPr>
+          <p:cNvSpPr>
+            <a:spLocks noGrp="1"/>
+          </p:cNvSpPr>
+          <p:nvPr>
+            <p:ph type="sldNum" sz="quarter" idx="12"/>
+          </p:nvPr>
+        </p:nvSpPr>
+        <p:spPr/>
+        <p:txBody>
+          <a:bodyPr/>
+          <a:lstStyle/>
+          <a:p>
+            <a:fld id="{519954A3-9DFD-4C44-94BA-B95130A3BA1C}" type="slidenum">
+              <a:rPr lang="en-US" smtClean="0"/>
+              <a:t>16</a:t>
+            </a:fld>
+            <a:endParaRPr lang="en-US" dirty="0"/>
+          </a:p>
+        </p:txBody>
+      </p:sp>
+      <p:pic>
+        <p:nvPicPr>
+          <p:cNvPr id="6" name="Picture 5">
+            <a:extLst>
+              <a:ext uri="{FF2B5EF4-FFF2-40B4-BE49-F238E27FC236}">
+                <a16:creationId xmlns:a16="http://schemas.microsoft.com/office/drawing/2014/main" id="{5736CCEB-C775-4508-87EE-7857F566F4F8}"/>
+              </a:ext>
+            </a:extLst>
+          </p:cNvPr>
+          <p:cNvPicPr/>
+          <p:nvPr/>
+        </p:nvPicPr>
+        <p:blipFill>
+          <a:blip r:embed="rId2"/>
+          <a:stretch>
+            <a:fillRect/>
+          </a:stretch>
+        </p:blipFill>
+        <p:spPr>
+          <a:xfrm>
+            <a:off x="1845117" y="1930399"/>
+            <a:ext cx="6385401" cy="4403725"/>
+          </a:xfrm>
+          <a:prstGeom prst="rect">
+            <a:avLst/>
+          </a:prstGeom>
+        </p:spPr>
+      </p:pic>
+      <p:sp>
+        <p:nvSpPr>
+          <p:cNvPr id="7" name="TextBox 6">
+            <a:extLst>
+              <a:ext uri="{FF2B5EF4-FFF2-40B4-BE49-F238E27FC236}">
+                <a16:creationId xmlns:a16="http://schemas.microsoft.com/office/drawing/2014/main" id="{A279EB0F-C80A-4642-9F28-ADB0DD58BAA4}"/>
+              </a:ext>
+            </a:extLst>
+          </p:cNvPr>
+          <p:cNvSpPr txBox="1"/>
+          <p:nvPr/>
+        </p:nvSpPr>
+        <p:spPr>
+          <a:xfrm>
+            <a:off x="4102785" y="6334124"/>
+            <a:ext cx="1870064" cy="276999"/>
+          </a:xfrm>
+          <a:prstGeom prst="rect">
+            <a:avLst/>
+          </a:prstGeom>
+          <a:noFill/>
+        </p:spPr>
+        <p:txBody>
+          <a:bodyPr wrap="none" rtlCol="0">
+            <a:spAutoFit/>
+          </a:bodyPr>
+          <a:lstStyle/>
+          <a:p>
+            <a:r>
+              <a:rPr lang="en-US" sz="1200" dirty="0"/>
+              <a:t>Figure 8 – Timing Results</a:t>
+            </a:r>
+          </a:p>
+        </p:txBody>
+      </p:sp>
+    </p:spTree>
+    <p:extLst>
+      <p:ext uri="{BB962C8B-B14F-4D97-AF65-F5344CB8AC3E}">
+        <p14:creationId xmlns:p14="http://schemas.microsoft.com/office/powerpoint/2010/main" val="2738519875"/>
+      </p:ext>
+    </p:extLst>
+  </p:cSld>
+  <p:clrMapOvr>
+    <a:masterClrMapping/>
+  </p:clrMapOvr>
+</p:sld>
+</file>
+
+<file path=ppt/slides/slide17.xml><?xml version="1.0" encoding="utf-8"?>
+<p:sld xmlns:a="http://schemas.openxmlformats.org/drawingml/2006/main" xmlns:r="http://schemas.openxmlformats.org/officeDocument/2006/relationships" xmlns:p="http://schemas.openxmlformats.org/presentationml/2006/main">
+  <p:cSld>
+    <p:spTree>
+      <p:nvGrpSpPr>
+        <p:cNvPr id="1" name=""/>
+        <p:cNvGrpSpPr/>
+        <p:nvPr/>
+      </p:nvGrpSpPr>
+      <p:grpSpPr>
+        <a:xfrm>
+          <a:off x="0" y="0"/>
+          <a:ext cx="0" cy="0"/>
+          <a:chOff x="0" y="0"/>
+          <a:chExt cx="0" cy="0"/>
+        </a:xfrm>
+      </p:grpSpPr>
+      <p:sp>
+        <p:nvSpPr>
+          <p:cNvPr id="2" name="Title 1">
+            <a:extLst>
+              <a:ext uri="{FF2B5EF4-FFF2-40B4-BE49-F238E27FC236}">
+                <a16:creationId xmlns:a16="http://schemas.microsoft.com/office/drawing/2014/main" id="{700A0751-884F-4812-BA1E-7889CDC72FCF}"/>
+              </a:ext>
+            </a:extLst>
+          </p:cNvPr>
+          <p:cNvSpPr>
+            <a:spLocks noGrp="1"/>
+          </p:cNvSpPr>
+          <p:nvPr>
+            <p:ph type="title"/>
+          </p:nvPr>
+        </p:nvSpPr>
+        <p:spPr/>
+        <p:txBody>
+          <a:bodyPr/>
+          <a:lstStyle/>
+          <a:p>
+            <a:r>
+              <a:rPr lang="en-US" dirty="0"/>
+              <a:t>Conclusion</a:t>
             </a:r>
           </a:p>
         </p:txBody>
@@ -7800,6 +12403,190 @@
         </p:nvSpPr>
         <p:spPr/>
         <p:txBody>
+          <a:bodyPr>
+            <a:normAutofit fontScale="92500" lnSpcReduction="20000"/>
+          </a:bodyPr>
+          <a:lstStyle/>
+          <a:p>
+            <a:r>
+              <a:rPr lang="en-US" dirty="0"/>
+              <a:t>GPU considerably better than CPU processing image data in SIMD fashion</a:t>
+            </a:r>
+          </a:p>
+          <a:p>
+            <a:pPr lvl="1"/>
+            <a:r>
+              <a:rPr lang="en-US" dirty="0"/>
+              <a:t>Discrepancy grows substantially as image data size increases</a:t>
+            </a:r>
+          </a:p>
+          <a:p>
+            <a:pPr lvl="1"/>
+            <a:r>
+              <a:rPr lang="en-US" dirty="0"/>
+              <a:t>CPU would have better results with multithreading support</a:t>
+            </a:r>
+          </a:p>
+          <a:p>
+            <a:r>
+              <a:rPr lang="en-US" dirty="0"/>
+              <a:t>Global memory kernel outperformed shared memory kernel</a:t>
+            </a:r>
+          </a:p>
+          <a:p>
+            <a:pPr lvl="1"/>
+            <a:r>
+              <a:rPr lang="en-US" dirty="0"/>
+              <a:t>Surprising, though difference is quite small</a:t>
+            </a:r>
+          </a:p>
+          <a:p>
+            <a:r>
+              <a:rPr lang="en-US" dirty="0"/>
+              <a:t>Pros and cons of each gradient operator made evident by RGB/grayscale and HSV color model output</a:t>
+            </a:r>
+          </a:p>
+          <a:p>
+            <a:r>
+              <a:rPr lang="en-US" dirty="0"/>
+              <a:t>Possible project extensions and improvements</a:t>
+            </a:r>
+          </a:p>
+          <a:p>
+            <a:pPr lvl="1"/>
+            <a:r>
+              <a:rPr lang="en-US" dirty="0"/>
+              <a:t>Implement additional edge detection algorithms, gradient operators, and color models</a:t>
+            </a:r>
+          </a:p>
+          <a:p>
+            <a:pPr lvl="1"/>
+            <a:r>
+              <a:rPr lang="en-US" dirty="0"/>
+              <a:t>Utilize pixel thresholds to reduce noise in output</a:t>
+            </a:r>
+          </a:p>
+          <a:p>
+            <a:pPr lvl="1"/>
+            <a:r>
+              <a:rPr lang="en-US" dirty="0"/>
+              <a:t>Analyze filtered image data further using object/pattern recognition algorithms</a:t>
+            </a:r>
+          </a:p>
+          <a:p>
+            <a:pPr lvl="1"/>
+            <a:r>
+              <a:rPr lang="en-US" dirty="0"/>
+              <a:t>Utilize texture memory, NPP library, and/or different block sizes for potential GPU improvements</a:t>
+            </a:r>
+          </a:p>
+        </p:txBody>
+      </p:sp>
+      <p:sp>
+        <p:nvSpPr>
+          <p:cNvPr id="4" name="Slide Number Placeholder 3">
+            <a:extLst>
+              <a:ext uri="{FF2B5EF4-FFF2-40B4-BE49-F238E27FC236}">
+                <a16:creationId xmlns:a16="http://schemas.microsoft.com/office/drawing/2014/main" id="{B7A8CC1C-6EDB-44AC-B03B-4B846D32FD24}"/>
+              </a:ext>
+            </a:extLst>
+          </p:cNvPr>
+          <p:cNvSpPr>
+            <a:spLocks noGrp="1"/>
+          </p:cNvSpPr>
+          <p:nvPr>
+            <p:ph type="sldNum" sz="quarter" idx="12"/>
+          </p:nvPr>
+        </p:nvSpPr>
+        <p:spPr/>
+        <p:txBody>
+          <a:bodyPr/>
+          <a:lstStyle/>
+          <a:p>
+            <a:fld id="{519954A3-9DFD-4C44-94BA-B95130A3BA1C}" type="slidenum">
+              <a:rPr lang="en-US" smtClean="0"/>
+              <a:t>17</a:t>
+            </a:fld>
+            <a:endParaRPr lang="en-US" dirty="0"/>
+          </a:p>
+        </p:txBody>
+      </p:sp>
+    </p:spTree>
+    <p:extLst>
+      <p:ext uri="{BB962C8B-B14F-4D97-AF65-F5344CB8AC3E}">
+        <p14:creationId xmlns:p14="http://schemas.microsoft.com/office/powerpoint/2010/main" val="1513651143"/>
+      </p:ext>
+    </p:extLst>
+  </p:cSld>
+  <p:clrMapOvr>
+    <a:masterClrMapping/>
+  </p:clrMapOvr>
+</p:sld>
+</file>
+
+<file path=ppt/slides/slide18.xml><?xml version="1.0" encoding="utf-8"?>
+<p:sld xmlns:a="http://schemas.openxmlformats.org/drawingml/2006/main" xmlns:r="http://schemas.openxmlformats.org/officeDocument/2006/relationships" xmlns:p="http://schemas.openxmlformats.org/presentationml/2006/main">
+  <p:cSld>
+    <p:spTree>
+      <p:nvGrpSpPr>
+        <p:cNvPr id="1" name=""/>
+        <p:cNvGrpSpPr/>
+        <p:nvPr/>
+      </p:nvGrpSpPr>
+      <p:grpSpPr>
+        <a:xfrm>
+          <a:off x="0" y="0"/>
+          <a:ext cx="0" cy="0"/>
+          <a:chOff x="0" y="0"/>
+          <a:chExt cx="0" cy="0"/>
+        </a:xfrm>
+      </p:grpSpPr>
+      <p:sp>
+        <p:nvSpPr>
+          <p:cNvPr id="2" name="Title 1">
+            <a:extLst>
+              <a:ext uri="{FF2B5EF4-FFF2-40B4-BE49-F238E27FC236}">
+                <a16:creationId xmlns:a16="http://schemas.microsoft.com/office/drawing/2014/main" id="{700A0751-884F-4812-BA1E-7889CDC72FCF}"/>
+              </a:ext>
+            </a:extLst>
+          </p:cNvPr>
+          <p:cNvSpPr>
+            <a:spLocks noGrp="1"/>
+          </p:cNvSpPr>
+          <p:nvPr>
+            <p:ph type="title"/>
+          </p:nvPr>
+        </p:nvSpPr>
+        <p:spPr/>
+        <p:txBody>
+          <a:bodyPr/>
+          <a:lstStyle/>
+          <a:p>
+            <a:r>
+              <a:rPr lang="en-US" dirty="0"/>
+              <a:t>Works Cited</a:t>
+            </a:r>
+          </a:p>
+        </p:txBody>
+      </p:sp>
+      <p:sp>
+        <p:nvSpPr>
+          <p:cNvPr id="3" name="Content Placeholder 2">
+            <a:extLst>
+              <a:ext uri="{FF2B5EF4-FFF2-40B4-BE49-F238E27FC236}">
+                <a16:creationId xmlns:a16="http://schemas.microsoft.com/office/drawing/2014/main" id="{BDE134ED-3202-4D85-BC70-47FE23F708DE}"/>
+              </a:ext>
+            </a:extLst>
+          </p:cNvPr>
+          <p:cNvSpPr>
+            <a:spLocks noGrp="1"/>
+          </p:cNvSpPr>
+          <p:nvPr>
+            <p:ph idx="1"/>
+          </p:nvPr>
+        </p:nvSpPr>
+        <p:spPr/>
+        <p:txBody>
           <a:bodyPr/>
           <a:lstStyle/>
           <a:p>
@@ -7859,7 +12646,7 @@
           <a:p>
             <a:fld id="{519954A3-9DFD-4C44-94BA-B95130A3BA1C}" type="slidenum">
               <a:rPr lang="en-US" smtClean="0"/>
-              <a:t>16</a:t>
+              <a:t>18</a:t>
             </a:fld>
             <a:endParaRPr lang="en-US" dirty="0"/>
           </a:p>
@@ -8350,7 +13137,7 @@
         </p:nvSpPr>
         <p:spPr>
           <a:xfrm>
-            <a:off x="3468684" y="6223924"/>
+            <a:off x="3468684" y="6248400"/>
             <a:ext cx="3013967" cy="276999"/>
           </a:xfrm>
           <a:prstGeom prst="rect">
@@ -8439,8 +13226,8 @@
           </a:p>
         </p:txBody>
       </p:sp>
-      <mc:AlternateContent xmlns:mc="http://schemas.openxmlformats.org/markup-compatibility/2006">
-        <mc:Choice xmlns:a14="http://schemas.microsoft.com/office/drawing/2010/main" Requires="a14">
+      <mc:AlternateContent xmlns:mc="http://schemas.openxmlformats.org/markup-compatibility/2006" xmlns:a14="http://schemas.microsoft.com/office/drawing/2010/main">
+        <mc:Choice Requires="a14">
           <p:sp>
             <p:nvSpPr>
               <p:cNvPr id="12" name="Content Placeholder 11">
@@ -8473,24 +13260,32 @@
                     <m:sSub>
                       <m:sSubPr>
                         <m:ctrlPr>
-                          <a:rPr lang="en-US" i="1"/>
+                          <a:rPr lang="en-US" i="1">
+                            <a:latin typeface="Cambria Math" panose="02040503050406030204" pitchFamily="18" charset="0"/>
+                          </a:rPr>
                         </m:ctrlPr>
                       </m:sSubPr>
                       <m:e>
                         <m:r>
-                          <a:rPr lang="en-US" i="1"/>
+                          <a:rPr lang="en-US" i="1">
+                            <a:latin typeface="Cambria Math" panose="02040503050406030204" pitchFamily="18" charset="0"/>
+                          </a:rPr>
                           <m:t>𝑃𝑟𝑒𝑤𝑖𝑡𝑡</m:t>
                         </m:r>
                       </m:e>
                       <m:sub>
                         <m:r>
-                          <a:rPr lang="en-US" i="1"/>
+                          <a:rPr lang="en-US" i="1">
+                            <a:latin typeface="Cambria Math" panose="02040503050406030204" pitchFamily="18" charset="0"/>
+                          </a:rPr>
                           <m:t>𝑟𝑜𝑤</m:t>
                         </m:r>
                       </m:sub>
                     </m:sSub>
                     <m:r>
-                      <a:rPr lang="en-US" i="1"/>
+                      <a:rPr lang="en-US" i="1">
+                        <a:latin typeface="Cambria Math" panose="02040503050406030204" pitchFamily="18" charset="0"/>
+                      </a:rPr>
                       <m:t>= </m:t>
                     </m:r>
                     <m:d>
@@ -8498,7 +13293,9 @@
                         <m:begChr m:val="["/>
                         <m:endChr m:val="]"/>
                         <m:ctrlPr>
-                          <a:rPr lang="en-US" i="1"/>
+                          <a:rPr lang="en-US" i="1">
+                            <a:latin typeface="Cambria Math" panose="02040503050406030204" pitchFamily="18" charset="0"/>
+                          </a:rPr>
                         </m:ctrlPr>
                       </m:dPr>
                       <m:e>
@@ -8513,25 +13310,33 @@
                               </m:mc>
                             </m:mcs>
                             <m:ctrlPr>
-                              <a:rPr lang="en-US" i="1"/>
+                              <a:rPr lang="en-US" i="1">
+                                <a:latin typeface="Cambria Math" panose="02040503050406030204" pitchFamily="18" charset="0"/>
+                              </a:rPr>
                             </m:ctrlPr>
                           </m:mPr>
                           <m:mr>
                             <m:e>
                               <m:r>
-                                <a:rPr lang="en-US" i="1"/>
+                                <a:rPr lang="en-US" i="1">
+                                  <a:latin typeface="Cambria Math" panose="02040503050406030204" pitchFamily="18" charset="0"/>
+                                </a:rPr>
                                 <m:t>1</m:t>
                               </m:r>
                             </m:e>
                             <m:e>
                               <m:r>
-                                <a:rPr lang="en-US" i="1"/>
+                                <a:rPr lang="en-US" i="1">
+                                  <a:latin typeface="Cambria Math" panose="02040503050406030204" pitchFamily="18" charset="0"/>
+                                </a:rPr>
                                 <m:t>0</m:t>
                               </m:r>
                             </m:e>
                             <m:e>
                               <m:r>
-                                <a:rPr lang="en-US" i="1"/>
+                                <a:rPr lang="en-US" i="1">
+                                  <a:latin typeface="Cambria Math" panose="02040503050406030204" pitchFamily="18" charset="0"/>
+                                </a:rPr>
                                 <m:t>−1</m:t>
                               </m:r>
                             </m:e>
@@ -8539,19 +13344,25 @@
                           <m:mr>
                             <m:e>
                               <m:r>
-                                <a:rPr lang="en-US" i="1"/>
+                                <a:rPr lang="en-US" i="1">
+                                  <a:latin typeface="Cambria Math" panose="02040503050406030204" pitchFamily="18" charset="0"/>
+                                </a:rPr>
                                 <m:t>1</m:t>
                               </m:r>
                             </m:e>
                             <m:e>
                               <m:r>
-                                <a:rPr lang="en-US" i="1"/>
+                                <a:rPr lang="en-US" i="1">
+                                  <a:latin typeface="Cambria Math" panose="02040503050406030204" pitchFamily="18" charset="0"/>
+                                </a:rPr>
                                 <m:t>0</m:t>
                               </m:r>
                             </m:e>
                             <m:e>
                               <m:r>
-                                <a:rPr lang="en-US" i="1"/>
+                                <a:rPr lang="en-US" i="1">
+                                  <a:latin typeface="Cambria Math" panose="02040503050406030204" pitchFamily="18" charset="0"/>
+                                </a:rPr>
                                 <m:t>−1</m:t>
                               </m:r>
                             </m:e>
@@ -8559,19 +13370,25 @@
                           <m:mr>
                             <m:e>
                               <m:r>
-                                <a:rPr lang="en-US" i="1"/>
+                                <a:rPr lang="en-US" i="1">
+                                  <a:latin typeface="Cambria Math" panose="02040503050406030204" pitchFamily="18" charset="0"/>
+                                </a:rPr>
                                 <m:t>1</m:t>
                               </m:r>
                             </m:e>
                             <m:e>
                               <m:r>
-                                <a:rPr lang="en-US" i="1"/>
+                                <a:rPr lang="en-US" i="1">
+                                  <a:latin typeface="Cambria Math" panose="02040503050406030204" pitchFamily="18" charset="0"/>
+                                </a:rPr>
                                 <m:t>0</m:t>
                               </m:r>
                             </m:e>
                             <m:e>
                               <m:r>
-                                <a:rPr lang="en-US" i="1"/>
+                                <a:rPr lang="en-US" i="1">
+                                  <a:latin typeface="Cambria Math" panose="02040503050406030204" pitchFamily="18" charset="0"/>
+                                </a:rPr>
                                 <m:t>−1</m:t>
                               </m:r>
                             </m:e>
@@ -8580,30 +13397,40 @@
                       </m:e>
                     </m:d>
                     <m:r>
-                      <a:rPr lang="en-US" i="1"/>
+                      <a:rPr lang="en-US" i="1">
+                        <a:latin typeface="Cambria Math" panose="02040503050406030204" pitchFamily="18" charset="0"/>
+                      </a:rPr>
                       <m:t>    </m:t>
                     </m:r>
                     <m:sSub>
                       <m:sSubPr>
                         <m:ctrlPr>
-                          <a:rPr lang="en-US" i="1"/>
+                          <a:rPr lang="en-US" i="1">
+                            <a:latin typeface="Cambria Math" panose="02040503050406030204" pitchFamily="18" charset="0"/>
+                          </a:rPr>
                         </m:ctrlPr>
                       </m:sSubPr>
                       <m:e>
                         <m:r>
-                          <a:rPr lang="en-US" i="1"/>
+                          <a:rPr lang="en-US" i="1">
+                            <a:latin typeface="Cambria Math" panose="02040503050406030204" pitchFamily="18" charset="0"/>
+                          </a:rPr>
                           <m:t>𝑃𝑟𝑒𝑤𝑖𝑡𝑡</m:t>
                         </m:r>
                       </m:e>
                       <m:sub>
                         <m:r>
-                          <a:rPr lang="en-US" i="1"/>
+                          <a:rPr lang="en-US" i="1">
+                            <a:latin typeface="Cambria Math" panose="02040503050406030204" pitchFamily="18" charset="0"/>
+                          </a:rPr>
                           <m:t>𝑐𝑜𝑙</m:t>
                         </m:r>
                       </m:sub>
                     </m:sSub>
                     <m:r>
-                      <a:rPr lang="en-US" i="1"/>
+                      <a:rPr lang="en-US" i="1">
+                        <a:latin typeface="Cambria Math" panose="02040503050406030204" pitchFamily="18" charset="0"/>
+                      </a:rPr>
                       <m:t>= </m:t>
                     </m:r>
                     <m:d>
@@ -8611,7 +13438,9 @@
                         <m:begChr m:val="["/>
                         <m:endChr m:val="]"/>
                         <m:ctrlPr>
-                          <a:rPr lang="en-US" i="1"/>
+                          <a:rPr lang="en-US" i="1">
+                            <a:latin typeface="Cambria Math" panose="02040503050406030204" pitchFamily="18" charset="0"/>
+                          </a:rPr>
                         </m:ctrlPr>
                       </m:dPr>
                       <m:e>
@@ -8626,25 +13455,33 @@
                               </m:mc>
                             </m:mcs>
                             <m:ctrlPr>
-                              <a:rPr lang="en-US" i="1"/>
+                              <a:rPr lang="en-US" i="1">
+                                <a:latin typeface="Cambria Math" panose="02040503050406030204" pitchFamily="18" charset="0"/>
+                              </a:rPr>
                             </m:ctrlPr>
                           </m:mPr>
                           <m:mr>
                             <m:e>
                               <m:r>
-                                <a:rPr lang="en-US" i="1"/>
+                                <a:rPr lang="en-US" i="1">
+                                  <a:latin typeface="Cambria Math" panose="02040503050406030204" pitchFamily="18" charset="0"/>
+                                </a:rPr>
                                 <m:t>−1</m:t>
                               </m:r>
                             </m:e>
                             <m:e>
                               <m:r>
-                                <a:rPr lang="en-US" i="1"/>
+                                <a:rPr lang="en-US" i="1">
+                                  <a:latin typeface="Cambria Math" panose="02040503050406030204" pitchFamily="18" charset="0"/>
+                                </a:rPr>
                                 <m:t>−1</m:t>
                               </m:r>
                             </m:e>
                             <m:e>
                               <m:r>
-                                <a:rPr lang="en-US" i="1"/>
+                                <a:rPr lang="en-US" i="1">
+                                  <a:latin typeface="Cambria Math" panose="02040503050406030204" pitchFamily="18" charset="0"/>
+                                </a:rPr>
                                 <m:t>−1</m:t>
                               </m:r>
                             </m:e>
@@ -8652,19 +13489,25 @@
                           <m:mr>
                             <m:e>
                               <m:r>
-                                <a:rPr lang="en-US" i="1"/>
+                                <a:rPr lang="en-US" i="1">
+                                  <a:latin typeface="Cambria Math" panose="02040503050406030204" pitchFamily="18" charset="0"/>
+                                </a:rPr>
                                 <m:t>0</m:t>
                               </m:r>
                             </m:e>
                             <m:e>
                               <m:r>
-                                <a:rPr lang="en-US" i="1"/>
+                                <a:rPr lang="en-US" i="1">
+                                  <a:latin typeface="Cambria Math" panose="02040503050406030204" pitchFamily="18" charset="0"/>
+                                </a:rPr>
                                 <m:t>0</m:t>
                               </m:r>
                             </m:e>
                             <m:e>
                               <m:r>
-                                <a:rPr lang="en-US" i="1"/>
+                                <a:rPr lang="en-US" i="1">
+                                  <a:latin typeface="Cambria Math" panose="02040503050406030204" pitchFamily="18" charset="0"/>
+                                </a:rPr>
                                 <m:t>0</m:t>
                               </m:r>
                             </m:e>
@@ -8672,19 +13515,25 @@
                           <m:mr>
                             <m:e>
                               <m:r>
-                                <a:rPr lang="en-US" i="1"/>
+                                <a:rPr lang="en-US" i="1">
+                                  <a:latin typeface="Cambria Math" panose="02040503050406030204" pitchFamily="18" charset="0"/>
+                                </a:rPr>
                                 <m:t>1</m:t>
                               </m:r>
                             </m:e>
                             <m:e>
                               <m:r>
-                                <a:rPr lang="en-US" i="1"/>
+                                <a:rPr lang="en-US" i="1">
+                                  <a:latin typeface="Cambria Math" panose="02040503050406030204" pitchFamily="18" charset="0"/>
+                                </a:rPr>
                                 <m:t>1</m:t>
                               </m:r>
                             </m:e>
                             <m:e>
                               <m:r>
-                                <a:rPr lang="en-US" i="1"/>
+                                <a:rPr lang="en-US" i="1">
+                                  <a:latin typeface="Cambria Math" panose="02040503050406030204" pitchFamily="18" charset="0"/>
+                                </a:rPr>
                                 <m:t>1</m:t>
                               </m:r>
                             </m:e>
@@ -8702,24 +13551,32 @@
                     <m:sSub>
                       <m:sSubPr>
                         <m:ctrlPr>
-                          <a:rPr lang="en-US" i="1"/>
+                          <a:rPr lang="en-US" i="1">
+                            <a:latin typeface="Cambria Math" panose="02040503050406030204" pitchFamily="18" charset="0"/>
+                          </a:rPr>
                         </m:ctrlPr>
                       </m:sSubPr>
                       <m:e>
                         <m:r>
-                          <a:rPr lang="en-US" i="1"/>
+                          <a:rPr lang="en-US" i="1">
+                            <a:latin typeface="Cambria Math" panose="02040503050406030204" pitchFamily="18" charset="0"/>
+                          </a:rPr>
                           <m:t>𝑅𝑜𝑏𝑒𝑟𝑡𝑠</m:t>
                         </m:r>
                       </m:e>
                       <m:sub>
                         <m:r>
-                          <a:rPr lang="en-US" i="1"/>
+                          <a:rPr lang="en-US" i="1">
+                            <a:latin typeface="Cambria Math" panose="02040503050406030204" pitchFamily="18" charset="0"/>
+                          </a:rPr>
                           <m:t>𝑟𝑜𝑤</m:t>
                         </m:r>
                       </m:sub>
                     </m:sSub>
                     <m:r>
-                      <a:rPr lang="en-US" i="1"/>
+                      <a:rPr lang="en-US" i="1">
+                        <a:latin typeface="Cambria Math" panose="02040503050406030204" pitchFamily="18" charset="0"/>
+                      </a:rPr>
                       <m:t>= </m:t>
                     </m:r>
                     <m:d>
@@ -8727,7 +13584,9 @@
                         <m:begChr m:val="["/>
                         <m:endChr m:val="]"/>
                         <m:ctrlPr>
-                          <a:rPr lang="en-US" i="1"/>
+                          <a:rPr lang="en-US" i="1">
+                            <a:latin typeface="Cambria Math" panose="02040503050406030204" pitchFamily="18" charset="0"/>
+                          </a:rPr>
                         </m:ctrlPr>
                       </m:dPr>
                       <m:e>
@@ -8742,25 +13601,33 @@
                               </m:mc>
                             </m:mcs>
                             <m:ctrlPr>
-                              <a:rPr lang="en-US" i="1"/>
+                              <a:rPr lang="en-US" i="1">
+                                <a:latin typeface="Cambria Math" panose="02040503050406030204" pitchFamily="18" charset="0"/>
+                              </a:rPr>
                             </m:ctrlPr>
                           </m:mPr>
                           <m:mr>
                             <m:e>
                               <m:r>
-                                <a:rPr lang="en-US" i="1"/>
+                                <a:rPr lang="en-US" i="1">
+                                  <a:latin typeface="Cambria Math" panose="02040503050406030204" pitchFamily="18" charset="0"/>
+                                </a:rPr>
                                 <m:t>0</m:t>
                               </m:r>
                             </m:e>
                             <m:e>
                               <m:r>
-                                <a:rPr lang="en-US" i="1"/>
+                                <a:rPr lang="en-US" i="1">
+                                  <a:latin typeface="Cambria Math" panose="02040503050406030204" pitchFamily="18" charset="0"/>
+                                </a:rPr>
                                 <m:t>0</m:t>
                               </m:r>
                             </m:e>
                             <m:e>
                               <m:r>
-                                <a:rPr lang="en-US" i="1"/>
+                                <a:rPr lang="en-US" i="1">
+                                  <a:latin typeface="Cambria Math" panose="02040503050406030204" pitchFamily="18" charset="0"/>
+                                </a:rPr>
                                 <m:t>−1</m:t>
                               </m:r>
                             </m:e>
@@ -8768,19 +13635,25 @@
                           <m:mr>
                             <m:e>
                               <m:r>
-                                <a:rPr lang="en-US" i="1"/>
+                                <a:rPr lang="en-US" i="1">
+                                  <a:latin typeface="Cambria Math" panose="02040503050406030204" pitchFamily="18" charset="0"/>
+                                </a:rPr>
                                 <m:t>0</m:t>
                               </m:r>
                             </m:e>
                             <m:e>
                               <m:r>
-                                <a:rPr lang="en-US" i="1"/>
+                                <a:rPr lang="en-US" i="1">
+                                  <a:latin typeface="Cambria Math" panose="02040503050406030204" pitchFamily="18" charset="0"/>
+                                </a:rPr>
                                 <m:t>1</m:t>
                               </m:r>
                             </m:e>
                             <m:e>
                               <m:r>
-                                <a:rPr lang="en-US" i="1"/>
+                                <a:rPr lang="en-US" i="1">
+                                  <a:latin typeface="Cambria Math" panose="02040503050406030204" pitchFamily="18" charset="0"/>
+                                </a:rPr>
                                 <m:t>0</m:t>
                               </m:r>
                             </m:e>
@@ -8788,19 +13661,25 @@
                           <m:mr>
                             <m:e>
                               <m:r>
-                                <a:rPr lang="en-US" i="1"/>
+                                <a:rPr lang="en-US" i="1">
+                                  <a:latin typeface="Cambria Math" panose="02040503050406030204" pitchFamily="18" charset="0"/>
+                                </a:rPr>
                                 <m:t>0</m:t>
                               </m:r>
                             </m:e>
                             <m:e>
                               <m:r>
-                                <a:rPr lang="en-US" i="1"/>
+                                <a:rPr lang="en-US" i="1">
+                                  <a:latin typeface="Cambria Math" panose="02040503050406030204" pitchFamily="18" charset="0"/>
+                                </a:rPr>
                                 <m:t>0</m:t>
                               </m:r>
                             </m:e>
                             <m:e>
                               <m:r>
-                                <a:rPr lang="en-US" i="1"/>
+                                <a:rPr lang="en-US" i="1">
+                                  <a:latin typeface="Cambria Math" panose="02040503050406030204" pitchFamily="18" charset="0"/>
+                                </a:rPr>
                                 <m:t>0</m:t>
                               </m:r>
                             </m:e>
@@ -8809,30 +13688,40 @@
                       </m:e>
                     </m:d>
                     <m:r>
-                      <a:rPr lang="en-US" i="1"/>
+                      <a:rPr lang="en-US" i="1">
+                        <a:latin typeface="Cambria Math" panose="02040503050406030204" pitchFamily="18" charset="0"/>
+                      </a:rPr>
                       <m:t>    </m:t>
                     </m:r>
                     <m:sSub>
                       <m:sSubPr>
                         <m:ctrlPr>
-                          <a:rPr lang="en-US" i="1"/>
+                          <a:rPr lang="en-US" i="1">
+                            <a:latin typeface="Cambria Math" panose="02040503050406030204" pitchFamily="18" charset="0"/>
+                          </a:rPr>
                         </m:ctrlPr>
                       </m:sSubPr>
                       <m:e>
                         <m:r>
-                          <a:rPr lang="en-US" i="1"/>
+                          <a:rPr lang="en-US" i="1">
+                            <a:latin typeface="Cambria Math" panose="02040503050406030204" pitchFamily="18" charset="0"/>
+                          </a:rPr>
                           <m:t>𝑅𝑜𝑏𝑒𝑟𝑡𝑠</m:t>
                         </m:r>
                       </m:e>
                       <m:sub>
                         <m:r>
-                          <a:rPr lang="en-US" i="1"/>
+                          <a:rPr lang="en-US" i="1">
+                            <a:latin typeface="Cambria Math" panose="02040503050406030204" pitchFamily="18" charset="0"/>
+                          </a:rPr>
                           <m:t>𝑐𝑜𝑙</m:t>
                         </m:r>
                       </m:sub>
                     </m:sSub>
                     <m:r>
-                      <a:rPr lang="en-US" i="1"/>
+                      <a:rPr lang="en-US" i="1">
+                        <a:latin typeface="Cambria Math" panose="02040503050406030204" pitchFamily="18" charset="0"/>
+                      </a:rPr>
                       <m:t>= </m:t>
                     </m:r>
                     <m:d>
@@ -8840,7 +13729,9 @@
                         <m:begChr m:val="["/>
                         <m:endChr m:val="]"/>
                         <m:ctrlPr>
-                          <a:rPr lang="en-US" i="1"/>
+                          <a:rPr lang="en-US" i="1">
+                            <a:latin typeface="Cambria Math" panose="02040503050406030204" pitchFamily="18" charset="0"/>
+                          </a:rPr>
                         </m:ctrlPr>
                       </m:dPr>
                       <m:e>
@@ -8855,25 +13746,33 @@
                               </m:mc>
                             </m:mcs>
                             <m:ctrlPr>
-                              <a:rPr lang="en-US" i="1"/>
+                              <a:rPr lang="en-US" i="1">
+                                <a:latin typeface="Cambria Math" panose="02040503050406030204" pitchFamily="18" charset="0"/>
+                              </a:rPr>
                             </m:ctrlPr>
                           </m:mPr>
                           <m:mr>
                             <m:e>
                               <m:r>
-                                <a:rPr lang="en-US" i="1"/>
+                                <a:rPr lang="en-US" i="1">
+                                  <a:latin typeface="Cambria Math" panose="02040503050406030204" pitchFamily="18" charset="0"/>
+                                </a:rPr>
                                 <m:t>−1</m:t>
                               </m:r>
                             </m:e>
                             <m:e>
                               <m:r>
-                                <a:rPr lang="en-US" i="1"/>
+                                <a:rPr lang="en-US" i="1">
+                                  <a:latin typeface="Cambria Math" panose="02040503050406030204" pitchFamily="18" charset="0"/>
+                                </a:rPr>
                                 <m:t>0</m:t>
                               </m:r>
                             </m:e>
                             <m:e>
                               <m:r>
-                                <a:rPr lang="en-US" i="1"/>
+                                <a:rPr lang="en-US" i="1">
+                                  <a:latin typeface="Cambria Math" panose="02040503050406030204" pitchFamily="18" charset="0"/>
+                                </a:rPr>
                                 <m:t>0</m:t>
                               </m:r>
                             </m:e>
@@ -8881,19 +13780,25 @@
                           <m:mr>
                             <m:e>
                               <m:r>
-                                <a:rPr lang="en-US" i="1"/>
+                                <a:rPr lang="en-US" i="1">
+                                  <a:latin typeface="Cambria Math" panose="02040503050406030204" pitchFamily="18" charset="0"/>
+                                </a:rPr>
                                 <m:t>0</m:t>
                               </m:r>
                             </m:e>
                             <m:e>
                               <m:r>
-                                <a:rPr lang="en-US" i="1"/>
+                                <a:rPr lang="en-US" i="1">
+                                  <a:latin typeface="Cambria Math" panose="02040503050406030204" pitchFamily="18" charset="0"/>
+                                </a:rPr>
                                 <m:t>1</m:t>
                               </m:r>
                             </m:e>
                             <m:e>
                               <m:r>
-                                <a:rPr lang="en-US" i="1"/>
+                                <a:rPr lang="en-US" i="1">
+                                  <a:latin typeface="Cambria Math" panose="02040503050406030204" pitchFamily="18" charset="0"/>
+                                </a:rPr>
                                 <m:t>0</m:t>
                               </m:r>
                             </m:e>
@@ -8901,19 +13806,25 @@
                           <m:mr>
                             <m:e>
                               <m:r>
-                                <a:rPr lang="en-US" i="1"/>
+                                <a:rPr lang="en-US" i="1">
+                                  <a:latin typeface="Cambria Math" panose="02040503050406030204" pitchFamily="18" charset="0"/>
+                                </a:rPr>
                                 <m:t>0</m:t>
                               </m:r>
                             </m:e>
                             <m:e>
                               <m:r>
-                                <a:rPr lang="en-US" i="1"/>
+                                <a:rPr lang="en-US" i="1">
+                                  <a:latin typeface="Cambria Math" panose="02040503050406030204" pitchFamily="18" charset="0"/>
+                                </a:rPr>
                                 <m:t>0</m:t>
                               </m:r>
                             </m:e>
                             <m:e>
                               <m:r>
-                                <a:rPr lang="en-US" i="1"/>
+                                <a:rPr lang="en-US" i="1">
+                                  <a:latin typeface="Cambria Math" panose="02040503050406030204" pitchFamily="18" charset="0"/>
+                                </a:rPr>
                                 <m:t>0</m:t>
                               </m:r>
                             </m:e>
@@ -8931,24 +13842,32 @@
                     <m:sSub>
                       <m:sSubPr>
                         <m:ctrlPr>
-                          <a:rPr lang="en-US" i="1"/>
+                          <a:rPr lang="en-US" i="1">
+                            <a:latin typeface="Cambria Math" panose="02040503050406030204" pitchFamily="18" charset="0"/>
+                          </a:rPr>
                         </m:ctrlPr>
                       </m:sSubPr>
                       <m:e>
                         <m:r>
-                          <a:rPr lang="en-US" i="1"/>
+                          <a:rPr lang="en-US" i="1">
+                            <a:latin typeface="Cambria Math" panose="02040503050406030204" pitchFamily="18" charset="0"/>
+                          </a:rPr>
                           <m:t>𝑆𝑜𝑏𝑒𝑙</m:t>
                         </m:r>
                       </m:e>
                       <m:sub>
                         <m:r>
-                          <a:rPr lang="en-US" i="1"/>
+                          <a:rPr lang="en-US" i="1">
+                            <a:latin typeface="Cambria Math" panose="02040503050406030204" pitchFamily="18" charset="0"/>
+                          </a:rPr>
                           <m:t>𝑟𝑜𝑤</m:t>
                         </m:r>
                       </m:sub>
                     </m:sSub>
                     <m:r>
-                      <a:rPr lang="en-US" i="1"/>
+                      <a:rPr lang="en-US" i="1">
+                        <a:latin typeface="Cambria Math" panose="02040503050406030204" pitchFamily="18" charset="0"/>
+                      </a:rPr>
                       <m:t>= </m:t>
                     </m:r>
                     <m:d>
@@ -8956,7 +13875,9 @@
                         <m:begChr m:val="["/>
                         <m:endChr m:val="]"/>
                         <m:ctrlPr>
-                          <a:rPr lang="en-US" i="1"/>
+                          <a:rPr lang="en-US" i="1">
+                            <a:latin typeface="Cambria Math" panose="02040503050406030204" pitchFamily="18" charset="0"/>
+                          </a:rPr>
                         </m:ctrlPr>
                       </m:dPr>
                       <m:e>
@@ -8971,25 +13892,33 @@
                               </m:mc>
                             </m:mcs>
                             <m:ctrlPr>
-                              <a:rPr lang="en-US" i="1"/>
+                              <a:rPr lang="en-US" i="1">
+                                <a:latin typeface="Cambria Math" panose="02040503050406030204" pitchFamily="18" charset="0"/>
+                              </a:rPr>
                             </m:ctrlPr>
                           </m:mPr>
                           <m:mr>
                             <m:e>
                               <m:r>
-                                <a:rPr lang="en-US" i="1"/>
+                                <a:rPr lang="en-US" i="1">
+                                  <a:latin typeface="Cambria Math" panose="02040503050406030204" pitchFamily="18" charset="0"/>
+                                </a:rPr>
                                 <m:t>1</m:t>
                               </m:r>
                             </m:e>
                             <m:e>
                               <m:r>
-                                <a:rPr lang="en-US" i="1"/>
+                                <a:rPr lang="en-US" i="1">
+                                  <a:latin typeface="Cambria Math" panose="02040503050406030204" pitchFamily="18" charset="0"/>
+                                </a:rPr>
                                 <m:t>0</m:t>
                               </m:r>
                             </m:e>
                             <m:e>
                               <m:r>
-                                <a:rPr lang="en-US" i="1"/>
+                                <a:rPr lang="en-US" i="1">
+                                  <a:latin typeface="Cambria Math" panose="02040503050406030204" pitchFamily="18" charset="0"/>
+                                </a:rPr>
                                 <m:t>−1</m:t>
                               </m:r>
                             </m:e>
@@ -8997,19 +13926,25 @@
                           <m:mr>
                             <m:e>
                               <m:r>
-                                <a:rPr lang="en-US" i="1"/>
+                                <a:rPr lang="en-US" i="1">
+                                  <a:latin typeface="Cambria Math" panose="02040503050406030204" pitchFamily="18" charset="0"/>
+                                </a:rPr>
                                 <m:t>2</m:t>
                               </m:r>
                             </m:e>
                             <m:e>
                               <m:r>
-                                <a:rPr lang="en-US" i="1"/>
+                                <a:rPr lang="en-US" i="1">
+                                  <a:latin typeface="Cambria Math" panose="02040503050406030204" pitchFamily="18" charset="0"/>
+                                </a:rPr>
                                 <m:t>0</m:t>
                               </m:r>
                             </m:e>
                             <m:e>
                               <m:r>
-                                <a:rPr lang="en-US" i="1"/>
+                                <a:rPr lang="en-US" i="1">
+                                  <a:latin typeface="Cambria Math" panose="02040503050406030204" pitchFamily="18" charset="0"/>
+                                </a:rPr>
                                 <m:t>−2</m:t>
                               </m:r>
                             </m:e>
@@ -9017,19 +13952,25 @@
                           <m:mr>
                             <m:e>
                               <m:r>
-                                <a:rPr lang="en-US" i="1"/>
+                                <a:rPr lang="en-US" i="1">
+                                  <a:latin typeface="Cambria Math" panose="02040503050406030204" pitchFamily="18" charset="0"/>
+                                </a:rPr>
                                 <m:t>1</m:t>
                               </m:r>
                             </m:e>
                             <m:e>
                               <m:r>
-                                <a:rPr lang="en-US" i="1"/>
+                                <a:rPr lang="en-US" i="1">
+                                  <a:latin typeface="Cambria Math" panose="02040503050406030204" pitchFamily="18" charset="0"/>
+                                </a:rPr>
                                 <m:t>0</m:t>
                               </m:r>
                             </m:e>
                             <m:e>
                               <m:r>
-                                <a:rPr lang="en-US" i="1"/>
+                                <a:rPr lang="en-US" i="1">
+                                  <a:latin typeface="Cambria Math" panose="02040503050406030204" pitchFamily="18" charset="0"/>
+                                </a:rPr>
                                 <m:t>−1</m:t>
                               </m:r>
                             </m:e>
@@ -9038,30 +13979,40 @@
                       </m:e>
                     </m:d>
                     <m:r>
-                      <a:rPr lang="en-US" i="1"/>
+                      <a:rPr lang="en-US" i="1">
+                        <a:latin typeface="Cambria Math" panose="02040503050406030204" pitchFamily="18" charset="0"/>
+                      </a:rPr>
                       <m:t>    </m:t>
                     </m:r>
                     <m:sSub>
                       <m:sSubPr>
                         <m:ctrlPr>
-                          <a:rPr lang="en-US" i="1"/>
+                          <a:rPr lang="en-US" i="1">
+                            <a:latin typeface="Cambria Math" panose="02040503050406030204" pitchFamily="18" charset="0"/>
+                          </a:rPr>
                         </m:ctrlPr>
                       </m:sSubPr>
                       <m:e>
                         <m:r>
-                          <a:rPr lang="en-US" i="1"/>
+                          <a:rPr lang="en-US" i="1">
+                            <a:latin typeface="Cambria Math" panose="02040503050406030204" pitchFamily="18" charset="0"/>
+                          </a:rPr>
                           <m:t>𝑆𝑜𝑏𝑒𝑙</m:t>
                         </m:r>
                       </m:e>
                       <m:sub>
                         <m:r>
-                          <a:rPr lang="en-US" i="1"/>
+                          <a:rPr lang="en-US" i="1">
+                            <a:latin typeface="Cambria Math" panose="02040503050406030204" pitchFamily="18" charset="0"/>
+                          </a:rPr>
                           <m:t>𝑐𝑜𝑙</m:t>
                         </m:r>
                       </m:sub>
                     </m:sSub>
                     <m:r>
-                      <a:rPr lang="en-US" i="1"/>
+                      <a:rPr lang="en-US" i="1">
+                        <a:latin typeface="Cambria Math" panose="02040503050406030204" pitchFamily="18" charset="0"/>
+                      </a:rPr>
                       <m:t>= </m:t>
                     </m:r>
                     <m:d>
@@ -9069,7 +14020,9 @@
                         <m:begChr m:val="["/>
                         <m:endChr m:val="]"/>
                         <m:ctrlPr>
-                          <a:rPr lang="en-US" i="1"/>
+                          <a:rPr lang="en-US" i="1">
+                            <a:latin typeface="Cambria Math" panose="02040503050406030204" pitchFamily="18" charset="0"/>
+                          </a:rPr>
                         </m:ctrlPr>
                       </m:dPr>
                       <m:e>
@@ -9084,25 +14037,33 @@
                               </m:mc>
                             </m:mcs>
                             <m:ctrlPr>
-                              <a:rPr lang="en-US" i="1"/>
+                              <a:rPr lang="en-US" i="1">
+                                <a:latin typeface="Cambria Math" panose="02040503050406030204" pitchFamily="18" charset="0"/>
+                              </a:rPr>
                             </m:ctrlPr>
                           </m:mPr>
                           <m:mr>
                             <m:e>
                               <m:r>
-                                <a:rPr lang="en-US" i="1"/>
+                                <a:rPr lang="en-US" i="1">
+                                  <a:latin typeface="Cambria Math" panose="02040503050406030204" pitchFamily="18" charset="0"/>
+                                </a:rPr>
                                 <m:t>−1</m:t>
                               </m:r>
                             </m:e>
                             <m:e>
                               <m:r>
-                                <a:rPr lang="en-US" i="1"/>
+                                <a:rPr lang="en-US" i="1">
+                                  <a:latin typeface="Cambria Math" panose="02040503050406030204" pitchFamily="18" charset="0"/>
+                                </a:rPr>
                                 <m:t>−2</m:t>
                               </m:r>
                             </m:e>
                             <m:e>
                               <m:r>
-                                <a:rPr lang="en-US" i="1"/>
+                                <a:rPr lang="en-US" i="1">
+                                  <a:latin typeface="Cambria Math" panose="02040503050406030204" pitchFamily="18" charset="0"/>
+                                </a:rPr>
                                 <m:t>−1</m:t>
                               </m:r>
                             </m:e>
@@ -9110,19 +14071,25 @@
                           <m:mr>
                             <m:e>
                               <m:r>
-                                <a:rPr lang="en-US" i="1"/>
+                                <a:rPr lang="en-US" i="1">
+                                  <a:latin typeface="Cambria Math" panose="02040503050406030204" pitchFamily="18" charset="0"/>
+                                </a:rPr>
                                 <m:t>0</m:t>
                               </m:r>
                             </m:e>
                             <m:e>
                               <m:r>
-                                <a:rPr lang="en-US" i="1"/>
+                                <a:rPr lang="en-US" i="1">
+                                  <a:latin typeface="Cambria Math" panose="02040503050406030204" pitchFamily="18" charset="0"/>
+                                </a:rPr>
                                 <m:t>0</m:t>
                               </m:r>
                             </m:e>
                             <m:e>
                               <m:r>
-                                <a:rPr lang="en-US" i="1"/>
+                                <a:rPr lang="en-US" i="1">
+                                  <a:latin typeface="Cambria Math" panose="02040503050406030204" pitchFamily="18" charset="0"/>
+                                </a:rPr>
                                 <m:t>0</m:t>
                               </m:r>
                             </m:e>
@@ -9130,19 +14097,25 @@
                           <m:mr>
                             <m:e>
                               <m:r>
-                                <a:rPr lang="en-US" i="1"/>
+                                <a:rPr lang="en-US" i="1">
+                                  <a:latin typeface="Cambria Math" panose="02040503050406030204" pitchFamily="18" charset="0"/>
+                                </a:rPr>
                                 <m:t>1</m:t>
                               </m:r>
                             </m:e>
                             <m:e>
                               <m:r>
-                                <a:rPr lang="en-US" i="1"/>
+                                <a:rPr lang="en-US" i="1">
+                                  <a:latin typeface="Cambria Math" panose="02040503050406030204" pitchFamily="18" charset="0"/>
+                                </a:rPr>
                                 <m:t>2</m:t>
                               </m:r>
                             </m:e>
                             <m:e>
                               <m:r>
-                                <a:rPr lang="en-US" i="1"/>
+                                <a:rPr lang="en-US" i="1">
+                                  <a:latin typeface="Cambria Math" panose="02040503050406030204" pitchFamily="18" charset="0"/>
+                                </a:rPr>
                                 <m:t>1</m:t>
                               </m:r>
                             </m:e>
@@ -9157,7 +14130,7 @@
             </p:txBody>
           </p:sp>
         </mc:Choice>
-        <mc:Fallback>
+        <mc:Fallback xmlns="">
           <p:sp>
             <p:nvSpPr>
               <p:cNvPr id="12" name="Content Placeholder 11">

--- a/Course_Project_Edge_Detection_Gapcynski.pptx
+++ b/Course_Project_Edge_Detection_Gapcynski.pptx
@@ -9013,7 +9013,7 @@
           <p:nvPr>
             <p:extLst>
               <p:ext uri="{D42A27DB-BD31-4B8C-83A1-F6EECF244321}">
-                <p14:modId xmlns:p14="http://schemas.microsoft.com/office/powerpoint/2010/main" val="3353800411"/>
+                <p14:modId xmlns:p14="http://schemas.microsoft.com/office/powerpoint/2010/main" val="2090617710"/>
               </p:ext>
             </p:extLst>
           </p:nvPr>
@@ -9778,8 +9778,11 @@
                       <a:r>
                         <a:rPr lang="en-US" sz="1200">
                           <a:effectLst/>
+                          <a:latin typeface="Calibri" panose="020F0502020204030204" pitchFamily="34" charset="0"/>
+                          <a:ea typeface="Calibri" panose="020F0502020204030204" pitchFamily="34" charset="0"/>
+                          <a:cs typeface="Times New Roman" panose="02020603050405020304" pitchFamily="18" charset="0"/>
                         </a:rPr>
-                        <a:t>10.6232</a:t>
+                        <a:t>6.3000</a:t>
                       </a:r>
                       <a:endParaRPr lang="en-US" sz="1100">
                         <a:effectLst/>
@@ -9847,8 +9850,11 @@
                       <a:r>
                         <a:rPr lang="en-US" sz="1200">
                           <a:effectLst/>
+                          <a:latin typeface="Calibri" panose="020F0502020204030204" pitchFamily="34" charset="0"/>
+                          <a:ea typeface="Calibri" panose="020F0502020204030204" pitchFamily="34" charset="0"/>
+                          <a:cs typeface="Times New Roman" panose="02020603050405020304" pitchFamily="18" charset="0"/>
                         </a:rPr>
-                        <a:t>0.5930</a:t>
+                        <a:t>0.4530</a:t>
                       </a:r>
                       <a:endParaRPr lang="en-US" sz="1100">
                         <a:effectLst/>
@@ -9914,12 +9920,15 @@
                         </a:spcAft>
                       </a:pPr>
                       <a:r>
-                        <a:rPr lang="en-US" sz="1200" dirty="0">
+                        <a:rPr lang="en-US" sz="1200">
                           <a:effectLst/>
+                          <a:latin typeface="Calibri" panose="020F0502020204030204" pitchFamily="34" charset="0"/>
+                          <a:ea typeface="Calibri" panose="020F0502020204030204" pitchFamily="34" charset="0"/>
+                          <a:cs typeface="Times New Roman" panose="02020603050405020304" pitchFamily="18" charset="0"/>
                         </a:rPr>
-                        <a:t>0.6353</a:t>
+                        <a:t>0.4285</a:t>
                       </a:r>
-                      <a:endParaRPr lang="en-US" sz="1100" dirty="0">
+                      <a:endParaRPr lang="en-US" sz="1100">
                         <a:effectLst/>
                         <a:latin typeface="Calibri" panose="020F0502020204030204" pitchFamily="34" charset="0"/>
                         <a:ea typeface="Calibri" panose="020F0502020204030204" pitchFamily="34" charset="0"/>
@@ -10137,12 +10146,15 @@
                         </a:spcAft>
                       </a:pPr>
                       <a:r>
-                        <a:rPr lang="en-US" sz="1200" dirty="0">
+                        <a:rPr lang="en-US" sz="1200">
                           <a:effectLst/>
+                          <a:latin typeface="Calibri" panose="020F0502020204030204" pitchFamily="34" charset="0"/>
+                          <a:ea typeface="Calibri" panose="020F0502020204030204" pitchFamily="34" charset="0"/>
+                          <a:cs typeface="Times New Roman" panose="02020603050405020304" pitchFamily="18" charset="0"/>
                         </a:rPr>
-                        <a:t>16.0494</a:t>
+                        <a:t>9.6186</a:t>
                       </a:r>
-                      <a:endParaRPr lang="en-US" sz="1100" dirty="0">
+                      <a:endParaRPr lang="en-US" sz="1100">
                         <a:effectLst/>
                         <a:latin typeface="Calibri" panose="020F0502020204030204" pitchFamily="34" charset="0"/>
                         <a:ea typeface="Calibri" panose="020F0502020204030204" pitchFamily="34" charset="0"/>
@@ -10208,8 +10220,11 @@
                       <a:r>
                         <a:rPr lang="en-US" sz="1200">
                           <a:effectLst/>
+                          <a:latin typeface="Calibri" panose="020F0502020204030204" pitchFamily="34" charset="0"/>
+                          <a:ea typeface="Calibri" panose="020F0502020204030204" pitchFamily="34" charset="0"/>
+                          <a:cs typeface="Times New Roman" panose="02020603050405020304" pitchFamily="18" charset="0"/>
                         </a:rPr>
-                        <a:t>0.7689</a:t>
+                        <a:t>0.5202</a:t>
                       </a:r>
                       <a:endParaRPr lang="en-US" sz="1100">
                         <a:effectLst/>
@@ -10277,8 +10292,11 @@
                       <a:r>
                         <a:rPr lang="en-US" sz="1200">
                           <a:effectLst/>
+                          <a:latin typeface="Calibri" panose="020F0502020204030204" pitchFamily="34" charset="0"/>
+                          <a:ea typeface="Calibri" panose="020F0502020204030204" pitchFamily="34" charset="0"/>
+                          <a:cs typeface="Times New Roman" panose="02020603050405020304" pitchFamily="18" charset="0"/>
                         </a:rPr>
-                        <a:t>0.9739</a:t>
+                        <a:t>0.4687</a:t>
                       </a:r>
                       <a:endParaRPr lang="en-US" sz="1100">
                         <a:effectLst/>
@@ -10500,8 +10518,11 @@
                       <a:r>
                         <a:rPr lang="en-US" sz="1200">
                           <a:effectLst/>
+                          <a:latin typeface="Calibri" panose="020F0502020204030204" pitchFamily="34" charset="0"/>
+                          <a:ea typeface="Calibri" panose="020F0502020204030204" pitchFamily="34" charset="0"/>
+                          <a:cs typeface="Times New Roman" panose="02020603050405020304" pitchFamily="18" charset="0"/>
                         </a:rPr>
-                        <a:t>24.1710</a:t>
+                        <a:t>15.9758</a:t>
                       </a:r>
                       <a:endParaRPr lang="en-US" sz="1100">
                         <a:effectLst/>
@@ -10569,8 +10590,11 @@
                       <a:r>
                         <a:rPr lang="en-US" sz="1200">
                           <a:effectLst/>
+                          <a:latin typeface="Calibri" panose="020F0502020204030204" pitchFamily="34" charset="0"/>
+                          <a:ea typeface="Calibri" panose="020F0502020204030204" pitchFamily="34" charset="0"/>
+                          <a:cs typeface="Times New Roman" panose="02020603050405020304" pitchFamily="18" charset="0"/>
                         </a:rPr>
-                        <a:t>1.1357</a:t>
+                        <a:t>0.6813</a:t>
                       </a:r>
                       <a:endParaRPr lang="en-US" sz="1100">
                         <a:effectLst/>
@@ -10638,8 +10662,11 @@
                       <a:r>
                         <a:rPr lang="en-US" sz="1200">
                           <a:effectLst/>
+                          <a:latin typeface="Calibri" panose="020F0502020204030204" pitchFamily="34" charset="0"/>
+                          <a:ea typeface="Calibri" panose="020F0502020204030204" pitchFamily="34" charset="0"/>
+                          <a:cs typeface="Times New Roman" panose="02020603050405020304" pitchFamily="18" charset="0"/>
                         </a:rPr>
-                        <a:t>1.1654</a:t>
+                        <a:t>0.5651</a:t>
                       </a:r>
                       <a:endParaRPr lang="en-US" sz="1100">
                         <a:effectLst/>
@@ -10861,8 +10888,11 @@
                       <a:r>
                         <a:rPr lang="en-US" sz="1200">
                           <a:effectLst/>
+                          <a:latin typeface="Calibri" panose="020F0502020204030204" pitchFamily="34" charset="0"/>
+                          <a:ea typeface="Calibri" panose="020F0502020204030204" pitchFamily="34" charset="0"/>
+                          <a:cs typeface="Times New Roman" panose="02020603050405020304" pitchFamily="18" charset="0"/>
                         </a:rPr>
-                        <a:t>48.7879</a:t>
+                        <a:t>28.9552</a:t>
                       </a:r>
                       <a:endParaRPr lang="en-US" sz="1100">
                         <a:effectLst/>
@@ -10930,8 +10960,11 @@
                       <a:r>
                         <a:rPr lang="en-US" sz="1200">
                           <a:effectLst/>
+                          <a:latin typeface="Calibri" panose="020F0502020204030204" pitchFamily="34" charset="0"/>
+                          <a:ea typeface="Calibri" panose="020F0502020204030204" pitchFamily="34" charset="0"/>
+                          <a:cs typeface="Times New Roman" panose="02020603050405020304" pitchFamily="18" charset="0"/>
                         </a:rPr>
-                        <a:t>1.9197</a:t>
+                        <a:t>1.0745</a:t>
                       </a:r>
                       <a:endParaRPr lang="en-US" sz="1100">
                         <a:effectLst/>
@@ -10999,8 +11032,11 @@
                       <a:r>
                         <a:rPr lang="en-US" sz="1200">
                           <a:effectLst/>
+                          <a:latin typeface="Calibri" panose="020F0502020204030204" pitchFamily="34" charset="0"/>
+                          <a:ea typeface="Calibri" panose="020F0502020204030204" pitchFamily="34" charset="0"/>
+                          <a:cs typeface="Times New Roman" panose="02020603050405020304" pitchFamily="18" charset="0"/>
                         </a:rPr>
-                        <a:t>2.2372</a:t>
+                        <a:t>0.8162</a:t>
                       </a:r>
                       <a:endParaRPr lang="en-US" sz="1100">
                         <a:effectLst/>
@@ -11222,8 +11258,11 @@
                       <a:r>
                         <a:rPr lang="en-US" sz="1200">
                           <a:effectLst/>
+                          <a:latin typeface="Calibri" panose="020F0502020204030204" pitchFamily="34" charset="0"/>
+                          <a:ea typeface="Calibri" panose="020F0502020204030204" pitchFamily="34" charset="0"/>
+                          <a:cs typeface="Times New Roman" panose="02020603050405020304" pitchFamily="18" charset="0"/>
                         </a:rPr>
-                        <a:t>88.7504</a:t>
+                        <a:t>52.4860</a:t>
                       </a:r>
                       <a:endParaRPr lang="en-US" sz="1100">
                         <a:effectLst/>
@@ -11291,8 +11330,11 @@
                       <a:r>
                         <a:rPr lang="en-US" sz="1200">
                           <a:effectLst/>
+                          <a:latin typeface="Calibri" panose="020F0502020204030204" pitchFamily="34" charset="0"/>
+                          <a:ea typeface="Calibri" panose="020F0502020204030204" pitchFamily="34" charset="0"/>
+                          <a:cs typeface="Times New Roman" panose="02020603050405020304" pitchFamily="18" charset="0"/>
                         </a:rPr>
-                        <a:t>3.5310</a:t>
+                        <a:t>1.5420</a:t>
                       </a:r>
                       <a:endParaRPr lang="en-US" sz="1100">
                         <a:effectLst/>
@@ -11358,12 +11400,15 @@
                         </a:spcAft>
                       </a:pPr>
                       <a:r>
-                        <a:rPr lang="en-US" sz="1200" dirty="0">
+                        <a:rPr lang="en-US" sz="1200">
                           <a:effectLst/>
+                          <a:latin typeface="Calibri" panose="020F0502020204030204" pitchFamily="34" charset="0"/>
+                          <a:ea typeface="Calibri" panose="020F0502020204030204" pitchFamily="34" charset="0"/>
+                          <a:cs typeface="Times New Roman" panose="02020603050405020304" pitchFamily="18" charset="0"/>
                         </a:rPr>
-                        <a:t>3.7038</a:t>
+                        <a:t>1.2809</a:t>
                       </a:r>
-                      <a:endParaRPr lang="en-US" sz="1100" dirty="0">
+                      <a:endParaRPr lang="en-US" sz="1100">
                         <a:effectLst/>
                         <a:latin typeface="Calibri" panose="020F0502020204030204" pitchFamily="34" charset="0"/>
                         <a:ea typeface="Calibri" panose="020F0502020204030204" pitchFamily="34" charset="0"/>
@@ -11583,8 +11628,11 @@
                       <a:r>
                         <a:rPr lang="en-US" sz="1200">
                           <a:effectLst/>
+                          <a:latin typeface="Calibri" panose="020F0502020204030204" pitchFamily="34" charset="0"/>
+                          <a:ea typeface="Calibri" panose="020F0502020204030204" pitchFamily="34" charset="0"/>
+                          <a:cs typeface="Times New Roman" panose="02020603050405020304" pitchFamily="18" charset="0"/>
                         </a:rPr>
-                        <a:t>228.5247</a:t>
+                        <a:t>135.4677</a:t>
                       </a:r>
                       <a:endParaRPr lang="en-US" sz="1100">
                         <a:effectLst/>
@@ -11652,8 +11700,11 @@
                       <a:r>
                         <a:rPr lang="en-US" sz="1200">
                           <a:effectLst/>
+                          <a:latin typeface="Calibri" panose="020F0502020204030204" pitchFamily="34" charset="0"/>
+                          <a:ea typeface="Calibri" panose="020F0502020204030204" pitchFamily="34" charset="0"/>
+                          <a:cs typeface="Times New Roman" panose="02020603050405020304" pitchFamily="18" charset="0"/>
                         </a:rPr>
-                        <a:t>7.8206</a:t>
+                        <a:t>3.0519</a:t>
                       </a:r>
                       <a:endParaRPr lang="en-US" sz="1100">
                         <a:effectLst/>
@@ -11721,8 +11772,11 @@
                       <a:r>
                         <a:rPr lang="en-US" sz="1200">
                           <a:effectLst/>
+                          <a:latin typeface="Calibri" panose="020F0502020204030204" pitchFamily="34" charset="0"/>
+                          <a:ea typeface="Calibri" panose="020F0502020204030204" pitchFamily="34" charset="0"/>
+                          <a:cs typeface="Times New Roman" panose="02020603050405020304" pitchFamily="18" charset="0"/>
                         </a:rPr>
-                        <a:t>8.3551</a:t>
+                        <a:t>2.0822</a:t>
                       </a:r>
                       <a:endParaRPr lang="en-US" sz="1100">
                         <a:effectLst/>
@@ -11944,8 +11998,11 @@
                       <a:r>
                         <a:rPr lang="en-US" sz="1200">
                           <a:effectLst/>
+                          <a:latin typeface="Calibri" panose="020F0502020204030204" pitchFamily="34" charset="0"/>
+                          <a:ea typeface="Calibri" panose="020F0502020204030204" pitchFamily="34" charset="0"/>
+                          <a:cs typeface="Times New Roman" panose="02020603050405020304" pitchFamily="18" charset="0"/>
                         </a:rPr>
-                        <a:t>516.8103</a:t>
+                        <a:t>306.9337</a:t>
                       </a:r>
                       <a:endParaRPr lang="en-US" sz="1100">
                         <a:effectLst/>
@@ -12013,8 +12070,11 @@
                       <a:r>
                         <a:rPr lang="en-US" sz="1200">
                           <a:effectLst/>
+                          <a:latin typeface="Calibri" panose="020F0502020204030204" pitchFamily="34" charset="0"/>
+                          <a:ea typeface="Calibri" panose="020F0502020204030204" pitchFamily="34" charset="0"/>
+                          <a:cs typeface="Times New Roman" panose="02020603050405020304" pitchFamily="18" charset="0"/>
                         </a:rPr>
-                        <a:t>17.3303</a:t>
+                        <a:t>7.9471</a:t>
                       </a:r>
                       <a:endParaRPr lang="en-US" sz="1100">
                         <a:effectLst/>
@@ -12082,8 +12142,11 @@
                       <a:r>
                         <a:rPr lang="en-US" sz="1200" dirty="0">
                           <a:effectLst/>
+                          <a:latin typeface="Calibri" panose="020F0502020204030204" pitchFamily="34" charset="0"/>
+                          <a:ea typeface="Calibri" panose="020F0502020204030204" pitchFamily="34" charset="0"/>
+                          <a:cs typeface="Times New Roman" panose="02020603050405020304" pitchFamily="18" charset="0"/>
                         </a:rPr>
-                        <a:t>18.7000</a:t>
+                        <a:t>5.11236</a:t>
                       </a:r>
                       <a:endParaRPr lang="en-US" sz="1100" dirty="0">
                         <a:effectLst/>
@@ -12264,12 +12327,47 @@
           </a:p>
         </p:txBody>
       </p:sp>
+      <p:sp>
+        <p:nvSpPr>
+          <p:cNvPr id="7" name="TextBox 6">
+            <a:extLst>
+              <a:ext uri="{FF2B5EF4-FFF2-40B4-BE49-F238E27FC236}">
+                <a16:creationId xmlns:a16="http://schemas.microsoft.com/office/drawing/2014/main" id="{A279EB0F-C80A-4642-9F28-ADB0DD58BAA4}"/>
+              </a:ext>
+            </a:extLst>
+          </p:cNvPr>
+          <p:cNvSpPr txBox="1"/>
+          <p:nvPr/>
+        </p:nvSpPr>
+        <p:spPr>
+          <a:xfrm>
+            <a:off x="3489860" y="6360531"/>
+            <a:ext cx="1870064" cy="276999"/>
+          </a:xfrm>
+          <a:prstGeom prst="rect">
+            <a:avLst/>
+          </a:prstGeom>
+          <a:noFill/>
+        </p:spPr>
+        <p:txBody>
+          <a:bodyPr wrap="none" rtlCol="0">
+            <a:spAutoFit/>
+          </a:bodyPr>
+          <a:lstStyle/>
+          <a:p>
+            <a:r>
+              <a:rPr lang="en-US" sz="1200" dirty="0"/>
+              <a:t>Figure 8 – Timing Results</a:t>
+            </a:r>
+          </a:p>
+        </p:txBody>
+      </p:sp>
       <p:pic>
         <p:nvPicPr>
-          <p:cNvPr id="6" name="Picture 5">
+          <p:cNvPr id="8" name="Picture 7">
             <a:extLst>
               <a:ext uri="{FF2B5EF4-FFF2-40B4-BE49-F238E27FC236}">
-                <a16:creationId xmlns:a16="http://schemas.microsoft.com/office/drawing/2014/main" id="{5736CCEB-C775-4508-87EE-7857F566F4F8}"/>
+                <a16:creationId xmlns:a16="http://schemas.microsoft.com/office/drawing/2014/main" id="{5173B984-1695-4BF5-A264-26358330CC23}"/>
               </a:ext>
             </a:extLst>
           </p:cNvPr>
@@ -12284,49 +12382,14 @@
         </p:blipFill>
         <p:spPr>
           <a:xfrm>
-            <a:off x="1845117" y="1930399"/>
-            <a:ext cx="6385401" cy="4403725"/>
+            <a:off x="677334" y="1270000"/>
+            <a:ext cx="7495116" cy="5090531"/>
           </a:xfrm>
           <a:prstGeom prst="rect">
             <a:avLst/>
           </a:prstGeom>
         </p:spPr>
       </p:pic>
-      <p:sp>
-        <p:nvSpPr>
-          <p:cNvPr id="7" name="TextBox 6">
-            <a:extLst>
-              <a:ext uri="{FF2B5EF4-FFF2-40B4-BE49-F238E27FC236}">
-                <a16:creationId xmlns:a16="http://schemas.microsoft.com/office/drawing/2014/main" id="{A279EB0F-C80A-4642-9F28-ADB0DD58BAA4}"/>
-              </a:ext>
-            </a:extLst>
-          </p:cNvPr>
-          <p:cNvSpPr txBox="1"/>
-          <p:nvPr/>
-        </p:nvSpPr>
-        <p:spPr>
-          <a:xfrm>
-            <a:off x="4102785" y="6334124"/>
-            <a:ext cx="1870064" cy="276999"/>
-          </a:xfrm>
-          <a:prstGeom prst="rect">
-            <a:avLst/>
-          </a:prstGeom>
-          <a:noFill/>
-        </p:spPr>
-        <p:txBody>
-          <a:bodyPr wrap="none" rtlCol="0">
-            <a:spAutoFit/>
-          </a:bodyPr>
-          <a:lstStyle/>
-          <a:p>
-            <a:r>
-              <a:rPr lang="en-US" sz="1200" dirty="0"/>
-              <a:t>Figure 8 – Timing Results</a:t>
-            </a:r>
-          </a:p>
-        </p:txBody>
-      </p:sp>
     </p:spTree>
     <p:extLst>
       <p:ext uri="{BB962C8B-B14F-4D97-AF65-F5344CB8AC3E}">
@@ -12404,7 +12467,7 @@
         <p:spPr/>
         <p:txBody>
           <a:bodyPr>
-            <a:normAutofit fontScale="92500" lnSpcReduction="20000"/>
+            <a:normAutofit fontScale="92500" lnSpcReduction="10000"/>
           </a:bodyPr>
           <a:lstStyle/>
           <a:p>
@@ -12430,14 +12493,7 @@
           <a:p>
             <a:r>
               <a:rPr lang="en-US" dirty="0"/>
-              <a:t>Global memory kernel outperformed shared memory kernel</a:t>
-            </a:r>
-          </a:p>
-          <a:p>
-            <a:pPr lvl="1"/>
-            <a:r>
-              <a:rPr lang="en-US" dirty="0"/>
-              <a:t>Surprising, though difference is quite small</a:t>
+              <a:t>Shared memory kernel outperformed global memory kernel</a:t>
             </a:r>
           </a:p>
           <a:p>

--- a/Course_Project_Edge_Detection_Gapcynski.pptx
+++ b/Course_Project_Edge_Detection_Gapcynski.pptx
@@ -5,27 +5,28 @@
     <p:sldMasterId id="2147483648" r:id="rId1"/>
   </p:sldMasterIdLst>
   <p:notesMasterIdLst>
-    <p:notesMasterId r:id="rId20"/>
+    <p:notesMasterId r:id="rId21"/>
   </p:notesMasterIdLst>
   <p:sldIdLst>
     <p:sldId id="256" r:id="rId2"/>
-    <p:sldId id="257" r:id="rId3"/>
-    <p:sldId id="258" r:id="rId4"/>
-    <p:sldId id="269" r:id="rId5"/>
-    <p:sldId id="270" r:id="rId6"/>
-    <p:sldId id="259" r:id="rId7"/>
-    <p:sldId id="260" r:id="rId8"/>
-    <p:sldId id="272" r:id="rId9"/>
-    <p:sldId id="273" r:id="rId10"/>
-    <p:sldId id="274" r:id="rId11"/>
-    <p:sldId id="275" r:id="rId12"/>
-    <p:sldId id="261" r:id="rId13"/>
-    <p:sldId id="276" r:id="rId14"/>
-    <p:sldId id="277" r:id="rId15"/>
-    <p:sldId id="264" r:id="rId16"/>
-    <p:sldId id="278" r:id="rId17"/>
-    <p:sldId id="267" r:id="rId18"/>
-    <p:sldId id="268" r:id="rId19"/>
+    <p:sldId id="279" r:id="rId3"/>
+    <p:sldId id="257" r:id="rId4"/>
+    <p:sldId id="258" r:id="rId5"/>
+    <p:sldId id="269" r:id="rId6"/>
+    <p:sldId id="270" r:id="rId7"/>
+    <p:sldId id="259" r:id="rId8"/>
+    <p:sldId id="260" r:id="rId9"/>
+    <p:sldId id="272" r:id="rId10"/>
+    <p:sldId id="273" r:id="rId11"/>
+    <p:sldId id="274" r:id="rId12"/>
+    <p:sldId id="275" r:id="rId13"/>
+    <p:sldId id="261" r:id="rId14"/>
+    <p:sldId id="276" r:id="rId15"/>
+    <p:sldId id="277" r:id="rId16"/>
+    <p:sldId id="264" r:id="rId17"/>
+    <p:sldId id="278" r:id="rId18"/>
+    <p:sldId id="267" r:id="rId19"/>
+    <p:sldId id="268" r:id="rId20"/>
   </p:sldIdLst>
   <p:sldSz cx="12192000" cy="6858000"/>
   <p:notesSz cx="6858000" cy="9144000"/>
@@ -229,7 +230,7 @@
           <a:p>
             <a:fld id="{2EEAC013-89FF-4B0F-9FA3-A4B3C48275A1}" type="datetimeFigureOut">
               <a:rPr lang="en-US" smtClean="0"/>
-              <a:t>12/9/2018</a:t>
+              <a:t>12/10/2018</a:t>
             </a:fld>
             <a:endParaRPr lang="en-US"/>
           </a:p>
@@ -540,94 +541,7 @@
           <a:bodyPr/>
           <a:lstStyle/>
           <a:p>
-            <a:pPr marL="171450" indent="-171450">
-              <a:buFontTx/>
-              <a:buChar char="-"/>
-            </a:pPr>
-            <a:r>
-              <a:rPr lang="en-US" dirty="0"/>
-              <a:t>Two motivations for choosing Image Processing</a:t>
-            </a:r>
-          </a:p>
-          <a:p>
-            <a:pPr marL="628650" lvl="1" indent="-171450">
-              <a:buFontTx/>
-              <a:buChar char="-"/>
-            </a:pPr>
-            <a:r>
-              <a:rPr lang="en-US" dirty="0"/>
-              <a:t>Fascinated by image manipulation and signal processing techniques</a:t>
-            </a:r>
-          </a:p>
-          <a:p>
-            <a:pPr marL="628650" lvl="1" indent="-171450">
-              <a:buFontTx/>
-              <a:buChar char="-"/>
-            </a:pPr>
-            <a:r>
-              <a:rPr lang="en-US" dirty="0"/>
-              <a:t>Algorithms can be written in SIMD fashion</a:t>
-            </a:r>
-          </a:p>
-          <a:p>
-            <a:pPr marL="171450" indent="-171450">
-              <a:buFontTx/>
-              <a:buChar char="-"/>
-            </a:pPr>
-            <a:r>
-              <a:rPr lang="en-US" dirty="0"/>
-              <a:t>Edge Detection can be used in object and pattern recognition applications, as well as photo editing software</a:t>
-            </a:r>
-          </a:p>
-          <a:p>
-            <a:pPr marL="628650" lvl="1" indent="-171450">
-              <a:buFontTx/>
-              <a:buChar char="-"/>
-            </a:pPr>
-            <a:r>
-              <a:rPr lang="en-US" dirty="0"/>
-              <a:t>Didn’t want to explore machine learning (another deep topic)</a:t>
-            </a:r>
-          </a:p>
-          <a:p>
-            <a:pPr marL="628650" lvl="1" indent="-171450">
-              <a:buFontTx/>
-              <a:buChar char="-"/>
-            </a:pPr>
-            <a:r>
-              <a:rPr lang="en-US" dirty="0"/>
-              <a:t>Image kernel also known as convolution matrix, mask, or filter</a:t>
-            </a:r>
-          </a:p>
-          <a:p>
-            <a:pPr marL="171450" indent="-171450">
-              <a:buFontTx/>
-              <a:buChar char="-"/>
-            </a:pPr>
-            <a:r>
-              <a:rPr lang="en-US" dirty="0"/>
-              <a:t>Edge Detection produces images with highlighted edges</a:t>
-            </a:r>
-          </a:p>
-          <a:p>
-            <a:pPr marL="628650" lvl="1" indent="-171450">
-              <a:buFontTx/>
-              <a:buChar char="-"/>
-            </a:pPr>
-            <a:r>
-              <a:rPr lang="en-US" dirty="0"/>
-              <a:t>Can compare how long it takes to produce the imagery</a:t>
-            </a:r>
-          </a:p>
-          <a:p>
-            <a:pPr marL="628650" lvl="1" indent="-171450">
-              <a:buFontTx/>
-              <a:buChar char="-"/>
-            </a:pPr>
-            <a:r>
-              <a:rPr lang="en-US" dirty="0"/>
-              <a:t>Can analyze different kernel outputs to determine how they might be used in different scenarios</a:t>
-            </a:r>
+            <a:endParaRPr lang="en-US" dirty="0"/>
           </a:p>
         </p:txBody>
       </p:sp>
@@ -648,7 +562,7 @@
           <a:p>
             <a:fld id="{06CD0525-2B7B-4EF7-8C8A-5D2334AB854D}" type="slidenum">
               <a:rPr lang="en-US" smtClean="0"/>
-              <a:t>2</a:t>
+              <a:t>1</a:t>
             </a:fld>
             <a:endParaRPr lang="en-US"/>
           </a:p>
@@ -657,7 +571,7 @@
     </p:spTree>
     <p:extLst>
       <p:ext uri="{BB962C8B-B14F-4D97-AF65-F5344CB8AC3E}">
-        <p14:creationId xmlns:p14="http://schemas.microsoft.com/office/powerpoint/2010/main" val="1700893002"/>
+        <p14:creationId xmlns:p14="http://schemas.microsoft.com/office/powerpoint/2010/main" val="2812764768"/>
       </p:ext>
     </p:extLst>
   </p:cSld>
@@ -715,10 +629,7 @@
               <a:buFontTx/>
               <a:buChar char="-"/>
             </a:pPr>
-            <a:r>
-              <a:rPr lang="en-US" dirty="0"/>
-              <a:t>“More sensitive to vertical and horizontal edges than diagonal edges” (Crane, 86)</a:t>
-            </a:r>
+            <a:endParaRPr lang="en-US" dirty="0"/>
           </a:p>
         </p:txBody>
       </p:sp>
@@ -739,7 +650,7 @@
           <a:p>
             <a:fld id="{06CD0525-2B7B-4EF7-8C8A-5D2334AB854D}" type="slidenum">
               <a:rPr lang="en-US" smtClean="0"/>
-              <a:t>13</a:t>
+              <a:t>11</a:t>
             </a:fld>
             <a:endParaRPr lang="en-US"/>
           </a:p>
@@ -748,7 +659,7 @@
     </p:spTree>
     <p:extLst>
       <p:ext uri="{BB962C8B-B14F-4D97-AF65-F5344CB8AC3E}">
-        <p14:creationId xmlns:p14="http://schemas.microsoft.com/office/powerpoint/2010/main" val="946373624"/>
+        <p14:creationId xmlns:p14="http://schemas.microsoft.com/office/powerpoint/2010/main" val="486607175"/>
       </p:ext>
     </p:extLst>
   </p:cSld>
@@ -806,10 +717,183 @@
               <a:buFontTx/>
               <a:buChar char="-"/>
             </a:pPr>
-            <a:r>
-              <a:rPr lang="en-US" dirty="0"/>
-              <a:t>“More sensitive to vertical and horizontal edges than diagonal edges” (Crane, 86)</a:t>
-            </a:r>
+            <a:endParaRPr lang="en-US" dirty="0"/>
+          </a:p>
+        </p:txBody>
+      </p:sp>
+      <p:sp>
+        <p:nvSpPr>
+          <p:cNvPr id="4" name="Slide Number Placeholder 3"/>
+          <p:cNvSpPr>
+            <a:spLocks noGrp="1"/>
+          </p:cNvSpPr>
+          <p:nvPr>
+            <p:ph type="sldNum" sz="quarter" idx="5"/>
+          </p:nvPr>
+        </p:nvSpPr>
+        <p:spPr/>
+        <p:txBody>
+          <a:bodyPr/>
+          <a:lstStyle/>
+          <a:p>
+            <a:fld id="{06CD0525-2B7B-4EF7-8C8A-5D2334AB854D}" type="slidenum">
+              <a:rPr lang="en-US" smtClean="0"/>
+              <a:t>12</a:t>
+            </a:fld>
+            <a:endParaRPr lang="en-US"/>
+          </a:p>
+        </p:txBody>
+      </p:sp>
+    </p:spTree>
+    <p:extLst>
+      <p:ext uri="{BB962C8B-B14F-4D97-AF65-F5344CB8AC3E}">
+        <p14:creationId xmlns:p14="http://schemas.microsoft.com/office/powerpoint/2010/main" val="1183414480"/>
+      </p:ext>
+    </p:extLst>
+  </p:cSld>
+  <p:clrMapOvr>
+    <a:masterClrMapping/>
+  </p:clrMapOvr>
+</p:notes>
+</file>
+
+<file path=ppt/notesSlides/notesSlide12.xml><?xml version="1.0" encoding="utf-8"?>
+<p:notes xmlns:a="http://schemas.openxmlformats.org/drawingml/2006/main" xmlns:r="http://schemas.openxmlformats.org/officeDocument/2006/relationships" xmlns:p="http://schemas.openxmlformats.org/presentationml/2006/main">
+  <p:cSld>
+    <p:spTree>
+      <p:nvGrpSpPr>
+        <p:cNvPr id="1" name=""/>
+        <p:cNvGrpSpPr/>
+        <p:nvPr/>
+      </p:nvGrpSpPr>
+      <p:grpSpPr>
+        <a:xfrm>
+          <a:off x="0" y="0"/>
+          <a:ext cx="0" cy="0"/>
+          <a:chOff x="0" y="0"/>
+          <a:chExt cx="0" cy="0"/>
+        </a:xfrm>
+      </p:grpSpPr>
+      <p:sp>
+        <p:nvSpPr>
+          <p:cNvPr id="2" name="Slide Image Placeholder 1"/>
+          <p:cNvSpPr>
+            <a:spLocks noGrp="1" noRot="1" noChangeAspect="1"/>
+          </p:cNvSpPr>
+          <p:nvPr>
+            <p:ph type="sldImg"/>
+          </p:nvPr>
+        </p:nvSpPr>
+        <p:spPr/>
+      </p:sp>
+      <p:sp>
+        <p:nvSpPr>
+          <p:cNvPr id="3" name="Notes Placeholder 2"/>
+          <p:cNvSpPr>
+            <a:spLocks noGrp="1"/>
+          </p:cNvSpPr>
+          <p:nvPr>
+            <p:ph type="body" idx="1"/>
+          </p:nvPr>
+        </p:nvSpPr>
+        <p:spPr/>
+        <p:txBody>
+          <a:bodyPr/>
+          <a:lstStyle/>
+          <a:p>
+            <a:pPr marL="171450" indent="-171450">
+              <a:buFontTx/>
+              <a:buChar char="-"/>
+            </a:pPr>
+            <a:endParaRPr lang="en-US" dirty="0"/>
+          </a:p>
+        </p:txBody>
+      </p:sp>
+      <p:sp>
+        <p:nvSpPr>
+          <p:cNvPr id="4" name="Slide Number Placeholder 3"/>
+          <p:cNvSpPr>
+            <a:spLocks noGrp="1"/>
+          </p:cNvSpPr>
+          <p:nvPr>
+            <p:ph type="sldNum" sz="quarter" idx="5"/>
+          </p:nvPr>
+        </p:nvSpPr>
+        <p:spPr/>
+        <p:txBody>
+          <a:bodyPr/>
+          <a:lstStyle/>
+          <a:p>
+            <a:fld id="{06CD0525-2B7B-4EF7-8C8A-5D2334AB854D}" type="slidenum">
+              <a:rPr lang="en-US" smtClean="0"/>
+              <a:t>13</a:t>
+            </a:fld>
+            <a:endParaRPr lang="en-US"/>
+          </a:p>
+        </p:txBody>
+      </p:sp>
+    </p:spTree>
+    <p:extLst>
+      <p:ext uri="{BB962C8B-B14F-4D97-AF65-F5344CB8AC3E}">
+        <p14:creationId xmlns:p14="http://schemas.microsoft.com/office/powerpoint/2010/main" val="2683706531"/>
+      </p:ext>
+    </p:extLst>
+  </p:cSld>
+  <p:clrMapOvr>
+    <a:masterClrMapping/>
+  </p:clrMapOvr>
+</p:notes>
+</file>
+
+<file path=ppt/notesSlides/notesSlide13.xml><?xml version="1.0" encoding="utf-8"?>
+<p:notes xmlns:a="http://schemas.openxmlformats.org/drawingml/2006/main" xmlns:r="http://schemas.openxmlformats.org/officeDocument/2006/relationships" xmlns:p="http://schemas.openxmlformats.org/presentationml/2006/main">
+  <p:cSld>
+    <p:spTree>
+      <p:nvGrpSpPr>
+        <p:cNvPr id="1" name=""/>
+        <p:cNvGrpSpPr/>
+        <p:nvPr/>
+      </p:nvGrpSpPr>
+      <p:grpSpPr>
+        <a:xfrm>
+          <a:off x="0" y="0"/>
+          <a:ext cx="0" cy="0"/>
+          <a:chOff x="0" y="0"/>
+          <a:chExt cx="0" cy="0"/>
+        </a:xfrm>
+      </p:grpSpPr>
+      <p:sp>
+        <p:nvSpPr>
+          <p:cNvPr id="2" name="Slide Image Placeholder 1"/>
+          <p:cNvSpPr>
+            <a:spLocks noGrp="1" noRot="1" noChangeAspect="1"/>
+          </p:cNvSpPr>
+          <p:nvPr>
+            <p:ph type="sldImg"/>
+          </p:nvPr>
+        </p:nvSpPr>
+        <p:spPr/>
+      </p:sp>
+      <p:sp>
+        <p:nvSpPr>
+          <p:cNvPr id="3" name="Notes Placeholder 2"/>
+          <p:cNvSpPr>
+            <a:spLocks noGrp="1"/>
+          </p:cNvSpPr>
+          <p:nvPr>
+            <p:ph type="body" idx="1"/>
+          </p:nvPr>
+        </p:nvSpPr>
+        <p:spPr/>
+        <p:txBody>
+          <a:bodyPr/>
+          <a:lstStyle/>
+          <a:p>
+            <a:pPr marL="171450" indent="-171450">
+              <a:buFontTx/>
+              <a:buChar char="-"/>
+            </a:pPr>
+            <a:endParaRPr lang="en-US" dirty="0"/>
           </a:p>
         </p:txBody>
       </p:sp>
@@ -839,7 +923,431 @@
     </p:spTree>
     <p:extLst>
       <p:ext uri="{BB962C8B-B14F-4D97-AF65-F5344CB8AC3E}">
+        <p14:creationId xmlns:p14="http://schemas.microsoft.com/office/powerpoint/2010/main" val="946373624"/>
+      </p:ext>
+    </p:extLst>
+  </p:cSld>
+  <p:clrMapOvr>
+    <a:masterClrMapping/>
+  </p:clrMapOvr>
+</p:notes>
+</file>
+
+<file path=ppt/notesSlides/notesSlide14.xml><?xml version="1.0" encoding="utf-8"?>
+<p:notes xmlns:a="http://schemas.openxmlformats.org/drawingml/2006/main" xmlns:r="http://schemas.openxmlformats.org/officeDocument/2006/relationships" xmlns:p="http://schemas.openxmlformats.org/presentationml/2006/main">
+  <p:cSld>
+    <p:spTree>
+      <p:nvGrpSpPr>
+        <p:cNvPr id="1" name=""/>
+        <p:cNvGrpSpPr/>
+        <p:nvPr/>
+      </p:nvGrpSpPr>
+      <p:grpSpPr>
+        <a:xfrm>
+          <a:off x="0" y="0"/>
+          <a:ext cx="0" cy="0"/>
+          <a:chOff x="0" y="0"/>
+          <a:chExt cx="0" cy="0"/>
+        </a:xfrm>
+      </p:grpSpPr>
+      <p:sp>
+        <p:nvSpPr>
+          <p:cNvPr id="2" name="Slide Image Placeholder 1"/>
+          <p:cNvSpPr>
+            <a:spLocks noGrp="1" noRot="1" noChangeAspect="1"/>
+          </p:cNvSpPr>
+          <p:nvPr>
+            <p:ph type="sldImg"/>
+          </p:nvPr>
+        </p:nvSpPr>
+        <p:spPr/>
+      </p:sp>
+      <p:sp>
+        <p:nvSpPr>
+          <p:cNvPr id="3" name="Notes Placeholder 2"/>
+          <p:cNvSpPr>
+            <a:spLocks noGrp="1"/>
+          </p:cNvSpPr>
+          <p:nvPr>
+            <p:ph type="body" idx="1"/>
+          </p:nvPr>
+        </p:nvSpPr>
+        <p:spPr/>
+        <p:txBody>
+          <a:bodyPr/>
+          <a:lstStyle/>
+          <a:p>
+            <a:pPr marL="171450" indent="-171450">
+              <a:buFontTx/>
+              <a:buChar char="-"/>
+            </a:pPr>
+            <a:endParaRPr lang="en-US" dirty="0"/>
+          </a:p>
+        </p:txBody>
+      </p:sp>
+      <p:sp>
+        <p:nvSpPr>
+          <p:cNvPr id="4" name="Slide Number Placeholder 3"/>
+          <p:cNvSpPr>
+            <a:spLocks noGrp="1"/>
+          </p:cNvSpPr>
+          <p:nvPr>
+            <p:ph type="sldNum" sz="quarter" idx="5"/>
+          </p:nvPr>
+        </p:nvSpPr>
+        <p:spPr/>
+        <p:txBody>
+          <a:bodyPr/>
+          <a:lstStyle/>
+          <a:p>
+            <a:fld id="{06CD0525-2B7B-4EF7-8C8A-5D2334AB854D}" type="slidenum">
+              <a:rPr lang="en-US" smtClean="0"/>
+              <a:t>15</a:t>
+            </a:fld>
+            <a:endParaRPr lang="en-US"/>
+          </a:p>
+        </p:txBody>
+      </p:sp>
+    </p:spTree>
+    <p:extLst>
+      <p:ext uri="{BB962C8B-B14F-4D97-AF65-F5344CB8AC3E}">
         <p14:creationId xmlns:p14="http://schemas.microsoft.com/office/powerpoint/2010/main" val="3766119637"/>
+      </p:ext>
+    </p:extLst>
+  </p:cSld>
+  <p:clrMapOvr>
+    <a:masterClrMapping/>
+  </p:clrMapOvr>
+</p:notes>
+</file>
+
+<file path=ppt/notesSlides/notesSlide15.xml><?xml version="1.0" encoding="utf-8"?>
+<p:notes xmlns:a="http://schemas.openxmlformats.org/drawingml/2006/main" xmlns:r="http://schemas.openxmlformats.org/officeDocument/2006/relationships" xmlns:p="http://schemas.openxmlformats.org/presentationml/2006/main">
+  <p:cSld>
+    <p:spTree>
+      <p:nvGrpSpPr>
+        <p:cNvPr id="1" name=""/>
+        <p:cNvGrpSpPr/>
+        <p:nvPr/>
+      </p:nvGrpSpPr>
+      <p:grpSpPr>
+        <a:xfrm>
+          <a:off x="0" y="0"/>
+          <a:ext cx="0" cy="0"/>
+          <a:chOff x="0" y="0"/>
+          <a:chExt cx="0" cy="0"/>
+        </a:xfrm>
+      </p:grpSpPr>
+      <p:sp>
+        <p:nvSpPr>
+          <p:cNvPr id="2" name="Slide Image Placeholder 1"/>
+          <p:cNvSpPr>
+            <a:spLocks noGrp="1" noRot="1" noChangeAspect="1"/>
+          </p:cNvSpPr>
+          <p:nvPr>
+            <p:ph type="sldImg"/>
+          </p:nvPr>
+        </p:nvSpPr>
+        <p:spPr/>
+      </p:sp>
+      <p:sp>
+        <p:nvSpPr>
+          <p:cNvPr id="3" name="Notes Placeholder 2"/>
+          <p:cNvSpPr>
+            <a:spLocks noGrp="1"/>
+          </p:cNvSpPr>
+          <p:nvPr>
+            <p:ph type="body" idx="1"/>
+          </p:nvPr>
+        </p:nvSpPr>
+        <p:spPr/>
+        <p:txBody>
+          <a:bodyPr/>
+          <a:lstStyle/>
+          <a:p>
+            <a:endParaRPr lang="en-US"/>
+          </a:p>
+        </p:txBody>
+      </p:sp>
+      <p:sp>
+        <p:nvSpPr>
+          <p:cNvPr id="4" name="Slide Number Placeholder 3"/>
+          <p:cNvSpPr>
+            <a:spLocks noGrp="1"/>
+          </p:cNvSpPr>
+          <p:nvPr>
+            <p:ph type="sldNum" sz="quarter" idx="5"/>
+          </p:nvPr>
+        </p:nvSpPr>
+        <p:spPr/>
+        <p:txBody>
+          <a:bodyPr/>
+          <a:lstStyle/>
+          <a:p>
+            <a:fld id="{06CD0525-2B7B-4EF7-8C8A-5D2334AB854D}" type="slidenum">
+              <a:rPr lang="en-US" smtClean="0"/>
+              <a:t>16</a:t>
+            </a:fld>
+            <a:endParaRPr lang="en-US"/>
+          </a:p>
+        </p:txBody>
+      </p:sp>
+    </p:spTree>
+    <p:extLst>
+      <p:ext uri="{BB962C8B-B14F-4D97-AF65-F5344CB8AC3E}">
+        <p14:creationId xmlns:p14="http://schemas.microsoft.com/office/powerpoint/2010/main" val="3375598624"/>
+      </p:ext>
+    </p:extLst>
+  </p:cSld>
+  <p:clrMapOvr>
+    <a:masterClrMapping/>
+  </p:clrMapOvr>
+</p:notes>
+</file>
+
+<file path=ppt/notesSlides/notesSlide16.xml><?xml version="1.0" encoding="utf-8"?>
+<p:notes xmlns:a="http://schemas.openxmlformats.org/drawingml/2006/main" xmlns:r="http://schemas.openxmlformats.org/officeDocument/2006/relationships" xmlns:p="http://schemas.openxmlformats.org/presentationml/2006/main">
+  <p:cSld>
+    <p:spTree>
+      <p:nvGrpSpPr>
+        <p:cNvPr id="1" name=""/>
+        <p:cNvGrpSpPr/>
+        <p:nvPr/>
+      </p:nvGrpSpPr>
+      <p:grpSpPr>
+        <a:xfrm>
+          <a:off x="0" y="0"/>
+          <a:ext cx="0" cy="0"/>
+          <a:chOff x="0" y="0"/>
+          <a:chExt cx="0" cy="0"/>
+        </a:xfrm>
+      </p:grpSpPr>
+      <p:sp>
+        <p:nvSpPr>
+          <p:cNvPr id="2" name="Slide Image Placeholder 1"/>
+          <p:cNvSpPr>
+            <a:spLocks noGrp="1" noRot="1" noChangeAspect="1"/>
+          </p:cNvSpPr>
+          <p:nvPr>
+            <p:ph type="sldImg"/>
+          </p:nvPr>
+        </p:nvSpPr>
+        <p:spPr/>
+      </p:sp>
+      <p:sp>
+        <p:nvSpPr>
+          <p:cNvPr id="3" name="Notes Placeholder 2"/>
+          <p:cNvSpPr>
+            <a:spLocks noGrp="1"/>
+          </p:cNvSpPr>
+          <p:nvPr>
+            <p:ph type="body" idx="1"/>
+          </p:nvPr>
+        </p:nvSpPr>
+        <p:spPr/>
+        <p:txBody>
+          <a:bodyPr/>
+          <a:lstStyle/>
+          <a:p>
+            <a:endParaRPr lang="en-US"/>
+          </a:p>
+        </p:txBody>
+      </p:sp>
+      <p:sp>
+        <p:nvSpPr>
+          <p:cNvPr id="4" name="Slide Number Placeholder 3"/>
+          <p:cNvSpPr>
+            <a:spLocks noGrp="1"/>
+          </p:cNvSpPr>
+          <p:nvPr>
+            <p:ph type="sldNum" sz="quarter" idx="5"/>
+          </p:nvPr>
+        </p:nvSpPr>
+        <p:spPr/>
+        <p:txBody>
+          <a:bodyPr/>
+          <a:lstStyle/>
+          <a:p>
+            <a:fld id="{06CD0525-2B7B-4EF7-8C8A-5D2334AB854D}" type="slidenum">
+              <a:rPr lang="en-US" smtClean="0"/>
+              <a:t>17</a:t>
+            </a:fld>
+            <a:endParaRPr lang="en-US"/>
+          </a:p>
+        </p:txBody>
+      </p:sp>
+    </p:spTree>
+    <p:extLst>
+      <p:ext uri="{BB962C8B-B14F-4D97-AF65-F5344CB8AC3E}">
+        <p14:creationId xmlns:p14="http://schemas.microsoft.com/office/powerpoint/2010/main" val="159787330"/>
+      </p:ext>
+    </p:extLst>
+  </p:cSld>
+  <p:clrMapOvr>
+    <a:masterClrMapping/>
+  </p:clrMapOvr>
+</p:notes>
+</file>
+
+<file path=ppt/notesSlides/notesSlide17.xml><?xml version="1.0" encoding="utf-8"?>
+<p:notes xmlns:a="http://schemas.openxmlformats.org/drawingml/2006/main" xmlns:r="http://schemas.openxmlformats.org/officeDocument/2006/relationships" xmlns:p="http://schemas.openxmlformats.org/presentationml/2006/main">
+  <p:cSld>
+    <p:spTree>
+      <p:nvGrpSpPr>
+        <p:cNvPr id="1" name=""/>
+        <p:cNvGrpSpPr/>
+        <p:nvPr/>
+      </p:nvGrpSpPr>
+      <p:grpSpPr>
+        <a:xfrm>
+          <a:off x="0" y="0"/>
+          <a:ext cx="0" cy="0"/>
+          <a:chOff x="0" y="0"/>
+          <a:chExt cx="0" cy="0"/>
+        </a:xfrm>
+      </p:grpSpPr>
+      <p:sp>
+        <p:nvSpPr>
+          <p:cNvPr id="2" name="Slide Image Placeholder 1"/>
+          <p:cNvSpPr>
+            <a:spLocks noGrp="1" noRot="1" noChangeAspect="1"/>
+          </p:cNvSpPr>
+          <p:nvPr>
+            <p:ph type="sldImg"/>
+          </p:nvPr>
+        </p:nvSpPr>
+        <p:spPr/>
+      </p:sp>
+      <p:sp>
+        <p:nvSpPr>
+          <p:cNvPr id="3" name="Notes Placeholder 2"/>
+          <p:cNvSpPr>
+            <a:spLocks noGrp="1"/>
+          </p:cNvSpPr>
+          <p:nvPr>
+            <p:ph type="body" idx="1"/>
+          </p:nvPr>
+        </p:nvSpPr>
+        <p:spPr/>
+        <p:txBody>
+          <a:bodyPr/>
+          <a:lstStyle/>
+          <a:p>
+            <a:endParaRPr lang="en-US"/>
+          </a:p>
+        </p:txBody>
+      </p:sp>
+      <p:sp>
+        <p:nvSpPr>
+          <p:cNvPr id="4" name="Slide Number Placeholder 3"/>
+          <p:cNvSpPr>
+            <a:spLocks noGrp="1"/>
+          </p:cNvSpPr>
+          <p:nvPr>
+            <p:ph type="sldNum" sz="quarter" idx="5"/>
+          </p:nvPr>
+        </p:nvSpPr>
+        <p:spPr/>
+        <p:txBody>
+          <a:bodyPr/>
+          <a:lstStyle/>
+          <a:p>
+            <a:fld id="{06CD0525-2B7B-4EF7-8C8A-5D2334AB854D}" type="slidenum">
+              <a:rPr lang="en-US" smtClean="0"/>
+              <a:t>18</a:t>
+            </a:fld>
+            <a:endParaRPr lang="en-US"/>
+          </a:p>
+        </p:txBody>
+      </p:sp>
+    </p:spTree>
+    <p:extLst>
+      <p:ext uri="{BB962C8B-B14F-4D97-AF65-F5344CB8AC3E}">
+        <p14:creationId xmlns:p14="http://schemas.microsoft.com/office/powerpoint/2010/main" val="3343262048"/>
+      </p:ext>
+    </p:extLst>
+  </p:cSld>
+  <p:clrMapOvr>
+    <a:masterClrMapping/>
+  </p:clrMapOvr>
+</p:notes>
+</file>
+
+<file path=ppt/notesSlides/notesSlide18.xml><?xml version="1.0" encoding="utf-8"?>
+<p:notes xmlns:a="http://schemas.openxmlformats.org/drawingml/2006/main" xmlns:r="http://schemas.openxmlformats.org/officeDocument/2006/relationships" xmlns:p="http://schemas.openxmlformats.org/presentationml/2006/main">
+  <p:cSld>
+    <p:spTree>
+      <p:nvGrpSpPr>
+        <p:cNvPr id="1" name=""/>
+        <p:cNvGrpSpPr/>
+        <p:nvPr/>
+      </p:nvGrpSpPr>
+      <p:grpSpPr>
+        <a:xfrm>
+          <a:off x="0" y="0"/>
+          <a:ext cx="0" cy="0"/>
+          <a:chOff x="0" y="0"/>
+          <a:chExt cx="0" cy="0"/>
+        </a:xfrm>
+      </p:grpSpPr>
+      <p:sp>
+        <p:nvSpPr>
+          <p:cNvPr id="2" name="Slide Image Placeholder 1"/>
+          <p:cNvSpPr>
+            <a:spLocks noGrp="1" noRot="1" noChangeAspect="1"/>
+          </p:cNvSpPr>
+          <p:nvPr>
+            <p:ph type="sldImg"/>
+          </p:nvPr>
+        </p:nvSpPr>
+        <p:spPr/>
+      </p:sp>
+      <p:sp>
+        <p:nvSpPr>
+          <p:cNvPr id="3" name="Notes Placeholder 2"/>
+          <p:cNvSpPr>
+            <a:spLocks noGrp="1"/>
+          </p:cNvSpPr>
+          <p:nvPr>
+            <p:ph type="body" idx="1"/>
+          </p:nvPr>
+        </p:nvSpPr>
+        <p:spPr/>
+        <p:txBody>
+          <a:bodyPr/>
+          <a:lstStyle/>
+          <a:p>
+            <a:endParaRPr lang="en-US"/>
+          </a:p>
+        </p:txBody>
+      </p:sp>
+      <p:sp>
+        <p:nvSpPr>
+          <p:cNvPr id="4" name="Slide Number Placeholder 3"/>
+          <p:cNvSpPr>
+            <a:spLocks noGrp="1"/>
+          </p:cNvSpPr>
+          <p:nvPr>
+            <p:ph type="sldNum" sz="quarter" idx="5"/>
+          </p:nvPr>
+        </p:nvSpPr>
+        <p:spPr/>
+        <p:txBody>
+          <a:bodyPr/>
+          <a:lstStyle/>
+          <a:p>
+            <a:fld id="{06CD0525-2B7B-4EF7-8C8A-5D2334AB854D}" type="slidenum">
+              <a:rPr lang="en-US" smtClean="0"/>
+              <a:t>19</a:t>
+            </a:fld>
+            <a:endParaRPr lang="en-US"/>
+          </a:p>
+        </p:txBody>
+      </p:sp>
+    </p:spTree>
+    <p:extLst>
+      <p:ext uri="{BB962C8B-B14F-4D97-AF65-F5344CB8AC3E}">
+        <p14:creationId xmlns:p14="http://schemas.microsoft.com/office/powerpoint/2010/main" val="769126138"/>
       </p:ext>
     </p:extLst>
   </p:cSld>
@@ -897,60 +1405,7 @@
               <a:buFontTx/>
               <a:buChar char="-"/>
             </a:pPr>
-            <a:r>
-              <a:rPr lang="en-US" dirty="0"/>
-              <a:t>Multiply pixel and neighbors with corresponding positions in kernel</a:t>
-            </a:r>
-          </a:p>
-          <a:p>
-            <a:pPr marL="171450" indent="-171450">
-              <a:buFontTx/>
-              <a:buChar char="-"/>
-            </a:pPr>
-            <a:r>
-              <a:rPr lang="en-US" dirty="0"/>
-              <a:t>Kernel applied to each pixel in an iterative fashion</a:t>
-            </a:r>
-          </a:p>
-          <a:p>
-            <a:pPr marL="628650" lvl="1" indent="-171450">
-              <a:buFontTx/>
-              <a:buChar char="-"/>
-            </a:pPr>
-            <a:r>
-              <a:rPr lang="en-US" dirty="0"/>
-              <a:t>Slides over each row and column one by one</a:t>
-            </a:r>
-          </a:p>
-          <a:p>
-            <a:pPr marL="171450" indent="-171450">
-              <a:buFontTx/>
-              <a:buChar char="-"/>
-            </a:pPr>
-            <a:r>
-              <a:rPr lang="en-US" dirty="0"/>
-              <a:t>Must deal with neighbors outside of edge boundaries</a:t>
-            </a:r>
-          </a:p>
-          <a:p>
-            <a:pPr marL="628650" lvl="1" indent="-171450">
-              <a:buFontTx/>
-              <a:buChar char="-"/>
-            </a:pPr>
-            <a:r>
-              <a:rPr lang="en-US" dirty="0"/>
-              <a:t>Ignore outermost rows/columns</a:t>
-            </a:r>
-          </a:p>
-          <a:p>
-            <a:pPr marL="628650" lvl="1" indent="-171450">
-              <a:buFontTx/>
-              <a:buChar char="-"/>
-            </a:pPr>
-            <a:r>
-              <a:rPr lang="en-US" dirty="0"/>
-              <a:t>Perform techniques such as zero padding, replicating, or wrapping</a:t>
-            </a:r>
+            <a:endParaRPr lang="en-US" dirty="0"/>
           </a:p>
         </p:txBody>
       </p:sp>
@@ -980,7 +1435,7 @@
     </p:spTree>
     <p:extLst>
       <p:ext uri="{BB962C8B-B14F-4D97-AF65-F5344CB8AC3E}">
-        <p14:creationId xmlns:p14="http://schemas.microsoft.com/office/powerpoint/2010/main" val="147476723"/>
+        <p14:creationId xmlns:p14="http://schemas.microsoft.com/office/powerpoint/2010/main" val="1700893002"/>
       </p:ext>
     </p:extLst>
   </p:cSld>
@@ -1038,30 +1493,7 @@
               <a:buFontTx/>
               <a:buChar char="-"/>
             </a:pPr>
-            <a:r>
-              <a:rPr lang="en-US" dirty="0"/>
-              <a:t>Prewitt operator “is more sensitive to vertical and horizontal edges than diagonal edges” (Crane, 86)</a:t>
-            </a:r>
-          </a:p>
-          <a:p>
-            <a:pPr marL="171450" indent="-171450">
-              <a:buFontTx/>
-              <a:buChar char="-"/>
-            </a:pPr>
-            <a:r>
-              <a:rPr lang="en-US" dirty="0"/>
-              <a:t>Roberts operator “has a smaller effective area than other masks, making it more susceptible to noise. The other masks are better able to average out fluctuations” (Crane, 86)</a:t>
-            </a:r>
-          </a:p>
-          <a:p>
-            <a:pPr marL="171450" indent="-171450">
-              <a:buFontTx/>
-              <a:buChar char="-"/>
-            </a:pPr>
-            <a:r>
-              <a:rPr lang="en-US" dirty="0"/>
-              <a:t>Sobel operator “is more sensitive to diagonal edges than vertical and horizontal edges” (Crane, 86)</a:t>
-            </a:r>
+            <a:endParaRPr lang="en-US" dirty="0"/>
           </a:p>
         </p:txBody>
       </p:sp>
@@ -1082,7 +1514,7 @@
           <a:p>
             <a:fld id="{06CD0525-2B7B-4EF7-8C8A-5D2334AB854D}" type="slidenum">
               <a:rPr lang="en-US" smtClean="0"/>
-              <a:t>5</a:t>
+              <a:t>4</a:t>
             </a:fld>
             <a:endParaRPr lang="en-US"/>
           </a:p>
@@ -1091,7 +1523,7 @@
     </p:spTree>
     <p:extLst>
       <p:ext uri="{BB962C8B-B14F-4D97-AF65-F5344CB8AC3E}">
-        <p14:creationId xmlns:p14="http://schemas.microsoft.com/office/powerpoint/2010/main" val="2534357750"/>
+        <p14:creationId xmlns:p14="http://schemas.microsoft.com/office/powerpoint/2010/main" val="147476723"/>
       </p:ext>
     </p:extLst>
   </p:cSld>
@@ -1145,64 +1577,7 @@
           <a:bodyPr/>
           <a:lstStyle/>
           <a:p>
-            <a:pPr marL="171450" indent="-171450">
-              <a:buFontTx/>
-              <a:buChar char="-"/>
-            </a:pPr>
-            <a:r>
-              <a:rPr lang="en-US" dirty="0"/>
-              <a:t>Utility methods focused on reading/writing image files, and mapping image data into channel-separated RGB values</a:t>
-            </a:r>
-          </a:p>
-          <a:p>
-            <a:pPr marL="628650" lvl="1" indent="-171450">
-              <a:buFontTx/>
-              <a:buChar char="-"/>
-            </a:pPr>
-            <a:r>
-              <a:rPr lang="en-US" dirty="0"/>
-              <a:t>All red channel values, then all green, then all blue</a:t>
-            </a:r>
-          </a:p>
-          <a:p>
-            <a:pPr marL="628650" lvl="1" indent="-171450">
-              <a:buFontTx/>
-              <a:buChar char="-"/>
-            </a:pPr>
-            <a:r>
-              <a:rPr lang="en-US" dirty="0"/>
-              <a:t>I found this easier to index into array for each pixel and neighbors</a:t>
-            </a:r>
-          </a:p>
-          <a:p>
-            <a:pPr marL="171450" indent="-171450">
-              <a:buFontTx/>
-              <a:buChar char="-"/>
-            </a:pPr>
-            <a:r>
-              <a:rPr lang="en-US" dirty="0"/>
-              <a:t>Converted color image data to grayscale</a:t>
-            </a:r>
-          </a:p>
-          <a:p>
-            <a:pPr marL="628650" lvl="1" indent="-171450">
-              <a:buFontTx/>
-              <a:buChar char="-"/>
-            </a:pPr>
-            <a:r>
-              <a:rPr lang="en-US" dirty="0"/>
-              <a:t>Didn’t need to retain the color information (edges still present in grayscale)</a:t>
-            </a:r>
-          </a:p>
-          <a:p>
-            <a:pPr marL="628650" lvl="1" indent="-171450">
-              <a:buFontTx/>
-              <a:buChar char="-"/>
-            </a:pPr>
-            <a:r>
-              <a:rPr lang="en-US" dirty="0"/>
-              <a:t>Average the RGB channel values to convert to grayscale</a:t>
-            </a:r>
+            <a:endParaRPr lang="en-US"/>
           </a:p>
         </p:txBody>
       </p:sp>
@@ -1223,7 +1598,7 @@
           <a:p>
             <a:fld id="{06CD0525-2B7B-4EF7-8C8A-5D2334AB854D}" type="slidenum">
               <a:rPr lang="en-US" smtClean="0"/>
-              <a:t>6</a:t>
+              <a:t>5</a:t>
             </a:fld>
             <a:endParaRPr lang="en-US"/>
           </a:p>
@@ -1232,7 +1607,7 @@
     </p:spTree>
     <p:extLst>
       <p:ext uri="{BB962C8B-B14F-4D97-AF65-F5344CB8AC3E}">
-        <p14:creationId xmlns:p14="http://schemas.microsoft.com/office/powerpoint/2010/main" val="3721316988"/>
+        <p14:creationId xmlns:p14="http://schemas.microsoft.com/office/powerpoint/2010/main" val="2853137651"/>
       </p:ext>
     </p:extLst>
   </p:cSld>
@@ -1311,7 +1686,7 @@
           <a:p>
             <a:fld id="{06CD0525-2B7B-4EF7-8C8A-5D2334AB854D}" type="slidenum">
               <a:rPr lang="en-US" smtClean="0"/>
-              <a:t>8</a:t>
+              <a:t>6</a:t>
             </a:fld>
             <a:endParaRPr lang="en-US"/>
           </a:p>
@@ -1320,7 +1695,7 @@
     </p:spTree>
     <p:extLst>
       <p:ext uri="{BB962C8B-B14F-4D97-AF65-F5344CB8AC3E}">
-        <p14:creationId xmlns:p14="http://schemas.microsoft.com/office/powerpoint/2010/main" val="2043324277"/>
+        <p14:creationId xmlns:p14="http://schemas.microsoft.com/office/powerpoint/2010/main" val="2534357750"/>
       </p:ext>
     </p:extLst>
   </p:cSld>
@@ -1399,7 +1774,7 @@
           <a:p>
             <a:fld id="{06CD0525-2B7B-4EF7-8C8A-5D2334AB854D}" type="slidenum">
               <a:rPr lang="en-US" smtClean="0"/>
-              <a:t>9</a:t>
+              <a:t>7</a:t>
             </a:fld>
             <a:endParaRPr lang="en-US"/>
           </a:p>
@@ -1408,7 +1783,7 @@
     </p:spTree>
     <p:extLst>
       <p:ext uri="{BB962C8B-B14F-4D97-AF65-F5344CB8AC3E}">
-        <p14:creationId xmlns:p14="http://schemas.microsoft.com/office/powerpoint/2010/main" val="3557415911"/>
+        <p14:creationId xmlns:p14="http://schemas.microsoft.com/office/powerpoint/2010/main" val="3721316988"/>
       </p:ext>
     </p:extLst>
   </p:cSld>
@@ -1462,11 +1837,7 @@
           <a:bodyPr/>
           <a:lstStyle/>
           <a:p>
-            <a:pPr marL="171450" indent="-171450">
-              <a:buFontTx/>
-              <a:buChar char="-"/>
-            </a:pPr>
-            <a:endParaRPr lang="en-US" dirty="0"/>
+            <a:endParaRPr lang="en-US"/>
           </a:p>
         </p:txBody>
       </p:sp>
@@ -1487,7 +1858,7 @@
           <a:p>
             <a:fld id="{06CD0525-2B7B-4EF7-8C8A-5D2334AB854D}" type="slidenum">
               <a:rPr lang="en-US" smtClean="0"/>
-              <a:t>10</a:t>
+              <a:t>8</a:t>
             </a:fld>
             <a:endParaRPr lang="en-US"/>
           </a:p>
@@ -1496,7 +1867,7 @@
     </p:spTree>
     <p:extLst>
       <p:ext uri="{BB962C8B-B14F-4D97-AF65-F5344CB8AC3E}">
-        <p14:creationId xmlns:p14="http://schemas.microsoft.com/office/powerpoint/2010/main" val="486607175"/>
+        <p14:creationId xmlns:p14="http://schemas.microsoft.com/office/powerpoint/2010/main" val="692963936"/>
       </p:ext>
     </p:extLst>
   </p:cSld>
@@ -1575,7 +1946,7 @@
           <a:p>
             <a:fld id="{06CD0525-2B7B-4EF7-8C8A-5D2334AB854D}" type="slidenum">
               <a:rPr lang="en-US" smtClean="0"/>
-              <a:t>11</a:t>
+              <a:t>9</a:t>
             </a:fld>
             <a:endParaRPr lang="en-US"/>
           </a:p>
@@ -1584,7 +1955,7 @@
     </p:spTree>
     <p:extLst>
       <p:ext uri="{BB962C8B-B14F-4D97-AF65-F5344CB8AC3E}">
-        <p14:creationId xmlns:p14="http://schemas.microsoft.com/office/powerpoint/2010/main" val="1183414480"/>
+        <p14:creationId xmlns:p14="http://schemas.microsoft.com/office/powerpoint/2010/main" val="2043324277"/>
       </p:ext>
     </p:extLst>
   </p:cSld>
@@ -1642,10 +2013,7 @@
               <a:buFontTx/>
               <a:buChar char="-"/>
             </a:pPr>
-            <a:r>
-              <a:rPr lang="en-US" dirty="0"/>
-              <a:t>“More sensitive to vertical and horizontal edges than diagonal edges” (Crane, 86)</a:t>
-            </a:r>
+            <a:endParaRPr lang="en-US" dirty="0"/>
           </a:p>
         </p:txBody>
       </p:sp>
@@ -1666,7 +2034,7 @@
           <a:p>
             <a:fld id="{06CD0525-2B7B-4EF7-8C8A-5D2334AB854D}" type="slidenum">
               <a:rPr lang="en-US" smtClean="0"/>
-              <a:t>12</a:t>
+              <a:t>10</a:t>
             </a:fld>
             <a:endParaRPr lang="en-US"/>
           </a:p>
@@ -1675,7 +2043,7 @@
     </p:spTree>
     <p:extLst>
       <p:ext uri="{BB962C8B-B14F-4D97-AF65-F5344CB8AC3E}">
-        <p14:creationId xmlns:p14="http://schemas.microsoft.com/office/powerpoint/2010/main" val="2683706531"/>
+        <p14:creationId xmlns:p14="http://schemas.microsoft.com/office/powerpoint/2010/main" val="3557415911"/>
       </p:ext>
     </p:extLst>
   </p:cSld>
@@ -2430,7 +2798,7 @@
           <a:p>
             <a:fld id="{9901964A-154D-440C-A845-87FFC908103B}" type="datetime1">
               <a:rPr lang="en-US" smtClean="0"/>
-              <a:t>12/9/2018</a:t>
+              <a:t>12/10/2018</a:t>
             </a:fld>
             <a:endParaRPr lang="en-US" dirty="0"/>
           </a:p>
@@ -2677,7 +3045,7 @@
           <a:p>
             <a:fld id="{886ED775-09DD-4FA8-A68E-345B752633F5}" type="datetime1">
               <a:rPr lang="en-US" smtClean="0"/>
-              <a:t>12/9/2018</a:t>
+              <a:t>12/10/2018</a:t>
             </a:fld>
             <a:endParaRPr lang="en-US" dirty="0"/>
           </a:p>
@@ -2987,7 +3355,7 @@
           <a:p>
             <a:fld id="{59EAD0D4-AB9E-464E-A51A-57EFD48BEEFA}" type="datetime1">
               <a:rPr lang="en-US" smtClean="0"/>
-              <a:t>12/9/2018</a:t>
+              <a:t>12/10/2018</a:t>
             </a:fld>
             <a:endParaRPr lang="en-US" dirty="0"/>
           </a:p>
@@ -3316,7 +3684,7 @@
           <a:p>
             <a:fld id="{6422F878-D39D-4106-BBB1-649265C394A3}" type="datetime1">
               <a:rPr lang="en-US" smtClean="0"/>
-              <a:t>12/9/2018</a:t>
+              <a:t>12/10/2018</a:t>
             </a:fld>
             <a:endParaRPr lang="en-US" dirty="0"/>
           </a:p>
@@ -3626,7 +3994,7 @@
           <a:p>
             <a:fld id="{660CFBF4-24D7-462D-BE0C-07F07D1F6D7D}" type="datetime1">
               <a:rPr lang="en-US" smtClean="0"/>
-              <a:t>12/9/2018</a:t>
+              <a:t>12/10/2018</a:t>
             </a:fld>
             <a:endParaRPr lang="en-US" dirty="0"/>
           </a:p>
@@ -4015,7 +4383,7 @@
           <a:p>
             <a:fld id="{11EF7C94-9FDE-4BB9-BCDE-785CF4358B95}" type="datetime1">
               <a:rPr lang="en-US" smtClean="0"/>
-              <a:t>12/9/2018</a:t>
+              <a:t>12/10/2018</a:t>
             </a:fld>
             <a:endParaRPr lang="en-US" dirty="0"/>
           </a:p>
@@ -4181,7 +4549,7 @@
           <a:p>
             <a:fld id="{1545A534-E248-4EB3-A6EB-42D38A8E6649}" type="datetime1">
               <a:rPr lang="en-US" smtClean="0"/>
-              <a:t>12/9/2018</a:t>
+              <a:t>12/10/2018</a:t>
             </a:fld>
             <a:endParaRPr lang="en-US" dirty="0"/>
           </a:p>
@@ -4356,7 +4724,7 @@
           <a:p>
             <a:fld id="{7C703781-2850-442E-AFB5-6EBDD729EDD9}" type="datetime1">
               <a:rPr lang="en-US" smtClean="0"/>
-              <a:t>12/9/2018</a:t>
+              <a:t>12/10/2018</a:t>
             </a:fld>
             <a:endParaRPr lang="en-US" dirty="0"/>
           </a:p>
@@ -4527,7 +4895,7 @@
           <a:p>
             <a:fld id="{218338DD-5594-4CD9-80A8-BF4BE18398C6}" type="datetime1">
               <a:rPr lang="en-US" smtClean="0"/>
-              <a:t>12/9/2018</a:t>
+              <a:t>12/10/2018</a:t>
             </a:fld>
             <a:endParaRPr lang="en-US" dirty="0"/>
           </a:p>
@@ -4769,7 +5137,7 @@
           <a:p>
             <a:fld id="{0C56410C-BA21-4E11-8F57-A5E5D0401ED7}" type="datetime1">
               <a:rPr lang="en-US" smtClean="0"/>
-              <a:t>12/9/2018</a:t>
+              <a:t>12/10/2018</a:t>
             </a:fld>
             <a:endParaRPr lang="en-US" dirty="0"/>
           </a:p>
@@ -4997,7 +5365,7 @@
           <a:p>
             <a:fld id="{2BF9D131-E2A1-4FE2-AA95-8AF0CA31C589}" type="datetime1">
               <a:rPr lang="en-US" smtClean="0"/>
-              <a:t>12/9/2018</a:t>
+              <a:t>12/10/2018</a:t>
             </a:fld>
             <a:endParaRPr lang="en-US" dirty="0"/>
           </a:p>
@@ -5366,7 +5734,7 @@
           <a:p>
             <a:fld id="{F8B2634A-0489-4D9E-BB88-E41563D803A5}" type="datetime1">
               <a:rPr lang="en-US" smtClean="0"/>
-              <a:t>12/9/2018</a:t>
+              <a:t>12/10/2018</a:t>
             </a:fld>
             <a:endParaRPr lang="en-US" dirty="0"/>
           </a:p>
@@ -5485,7 +5853,7 @@
           <a:p>
             <a:fld id="{8B76D07E-25AF-48F6-821C-14DEC450FBCE}" type="datetime1">
               <a:rPr lang="en-US" smtClean="0"/>
-              <a:t>12/9/2018</a:t>
+              <a:t>12/10/2018</a:t>
             </a:fld>
             <a:endParaRPr lang="en-US" dirty="0"/>
           </a:p>
@@ -5576,7 +5944,7 @@
           <a:p>
             <a:fld id="{7D51E1EC-3124-4C6D-808F-E5D98B911D3F}" type="datetime1">
               <a:rPr lang="en-US" smtClean="0"/>
-              <a:t>12/9/2018</a:t>
+              <a:t>12/10/2018</a:t>
             </a:fld>
             <a:endParaRPr lang="en-US" dirty="0"/>
           </a:p>
@@ -5827,7 +6195,7 @@
           <a:p>
             <a:fld id="{2EF16F9F-685A-4050-BE81-746C911C9668}" type="datetime1">
               <a:rPr lang="en-US" smtClean="0"/>
-              <a:t>12/9/2018</a:t>
+              <a:t>12/10/2018</a:t>
             </a:fld>
             <a:endParaRPr lang="en-US" dirty="0"/>
           </a:p>
@@ -6128,7 +6496,7 @@
           <a:p>
             <a:fld id="{5DBA7004-87B7-400B-A36C-32E21294663F}" type="datetime1">
               <a:rPr lang="en-US" smtClean="0"/>
-              <a:t>12/9/2018</a:t>
+              <a:t>12/10/2018</a:t>
             </a:fld>
             <a:endParaRPr lang="en-US" dirty="0"/>
           </a:p>
@@ -6824,7 +7192,7 @@
           <a:p>
             <a:fld id="{C886ED9E-D04B-411C-8F3D-4F4924A501D8}" type="datetime1">
               <a:rPr lang="en-US" smtClean="0"/>
-              <a:t>12/9/2018</a:t>
+              <a:t>12/10/2018</a:t>
             </a:fld>
             <a:endParaRPr lang="en-US" dirty="0"/>
           </a:p>
@@ -7368,7 +7736,7 @@
           <a:p>
             <a:r>
               <a:rPr lang="en-US" dirty="0"/>
-              <a:t>Edge Detection</a:t>
+              <a:t>Edge Detection on the CPU and GPU</a:t>
             </a:r>
           </a:p>
         </p:txBody>
@@ -7470,7 +7838,7 @@
           <a:p>
             <a:r>
               <a:rPr lang="en-US" sz="3200" dirty="0"/>
-              <a:t>Implementation - HSV</a:t>
+              <a:t>Implementation - GPU Approach</a:t>
             </a:r>
           </a:p>
         </p:txBody>
@@ -7498,47 +7866,52 @@
           <a:p>
             <a:r>
               <a:rPr lang="en-US" dirty="0"/>
-              <a:t>Found other color models during research</a:t>
+              <a:t>Copy image and gradient operators to GPU</a:t>
+            </a:r>
+          </a:p>
+          <a:p>
+            <a:r>
+              <a:rPr lang="en-US" dirty="0"/>
+              <a:t>Decompose image data into grid of blocks</a:t>
             </a:r>
           </a:p>
           <a:p>
             <a:pPr lvl="1"/>
             <a:r>
               <a:rPr lang="en-US" dirty="0"/>
-              <a:t>Color models provide different view of image data</a:t>
+              <a:t>Created 2D grid made up of 16x16 blocks</a:t>
             </a:r>
           </a:p>
           <a:p>
             <a:r>
               <a:rPr lang="en-US" dirty="0"/>
-              <a:t>Chose to implement Hue, Saturation, and Value (HSV) color model</a:t>
+              <a:t>Execute kernel</a:t>
             </a:r>
           </a:p>
           <a:p>
             <a:pPr lvl="1"/>
             <a:r>
               <a:rPr lang="en-US" dirty="0"/>
-              <a:t>Hue indicates how similar a color is to red, green, or blue</a:t>
+              <a:t>Utilized same convolution method as CPU</a:t>
             </a:r>
           </a:p>
           <a:p>
             <a:pPr lvl="1"/>
             <a:r>
               <a:rPr lang="en-US" dirty="0"/>
-              <a:t>Saturation refers to intensity/purity of a color</a:t>
-            </a:r>
-          </a:p>
-          <a:p>
-            <a:pPr lvl="1"/>
+              <a:t>Created global and shared memory kernels for additional comparison</a:t>
+            </a:r>
+          </a:p>
+          <a:p>
             <a:r>
               <a:rPr lang="en-US" dirty="0"/>
-              <a:t>Value represents the maximum value of the RGB components</a:t>
+              <a:t>Copy image data back to host</a:t>
             </a:r>
           </a:p>
           <a:p>
             <a:r>
               <a:rPr lang="en-US" dirty="0"/>
-              <a:t>Could now compare three image kernels across multiple color models</a:t>
+              <a:t>Repeat for all three gradient operators, and global/shared memory kernels</a:t>
             </a:r>
           </a:p>
         </p:txBody>
@@ -7572,10 +7945,1611 @@
           </a:p>
         </p:txBody>
       </p:sp>
+      <p:pic>
+        <p:nvPicPr>
+          <p:cNvPr id="5" name="Picture 4">
+            <a:extLst>
+              <a:ext uri="{FF2B5EF4-FFF2-40B4-BE49-F238E27FC236}">
+                <a16:creationId xmlns:a16="http://schemas.microsoft.com/office/drawing/2014/main" id="{E4407EAA-7F3D-4F28-BD35-5ED2D0BD38C2}"/>
+              </a:ext>
+            </a:extLst>
+          </p:cNvPr>
+          <p:cNvPicPr>
+            <a:picLocks noChangeAspect="1"/>
+          </p:cNvPicPr>
+          <p:nvPr/>
+        </p:nvPicPr>
+        <p:blipFill>
+          <a:blip r:embed="rId3" cstate="print">
+            <a:extLst>
+              <a:ext uri="{28A0092B-C50C-407E-A947-70E740481C1C}">
+                <a14:useLocalDpi xmlns:a14="http://schemas.microsoft.com/office/drawing/2010/main" val="0"/>
+              </a:ext>
+            </a:extLst>
+          </a:blip>
+          <a:srcRect/>
+          <a:stretch>
+            <a:fillRect/>
+          </a:stretch>
+        </p:blipFill>
+        <p:spPr bwMode="auto">
+          <a:xfrm>
+            <a:off x="6456389" y="2160589"/>
+            <a:ext cx="2134274" cy="1620676"/>
+          </a:xfrm>
+          <a:prstGeom prst="rect">
+            <a:avLst/>
+          </a:prstGeom>
+          <a:noFill/>
+          <a:ln>
+            <a:noFill/>
+          </a:ln>
+        </p:spPr>
+      </p:pic>
+      <p:sp>
+        <p:nvSpPr>
+          <p:cNvPr id="3" name="Rectangle 2">
+            <a:extLst>
+              <a:ext uri="{FF2B5EF4-FFF2-40B4-BE49-F238E27FC236}">
+                <a16:creationId xmlns:a16="http://schemas.microsoft.com/office/drawing/2014/main" id="{6D3AAECD-5344-4EFE-A523-9150E2204D9A}"/>
+              </a:ext>
+            </a:extLst>
+          </p:cNvPr>
+          <p:cNvSpPr/>
+          <p:nvPr/>
+        </p:nvSpPr>
+        <p:spPr>
+          <a:xfrm>
+            <a:off x="6456389" y="2160589"/>
+            <a:ext cx="414874" cy="360027"/>
+          </a:xfrm>
+          <a:prstGeom prst="rect">
+            <a:avLst/>
+          </a:prstGeom>
+          <a:noFill/>
+          <a:ln w="19050">
+            <a:solidFill>
+              <a:srgbClr val="FF0000"/>
+            </a:solidFill>
+          </a:ln>
+        </p:spPr>
+        <p:style>
+          <a:lnRef idx="2">
+            <a:schemeClr val="accent1">
+              <a:shade val="50000"/>
+            </a:schemeClr>
+          </a:lnRef>
+          <a:fillRef idx="1">
+            <a:schemeClr val="accent1"/>
+          </a:fillRef>
+          <a:effectRef idx="0">
+            <a:schemeClr val="accent1"/>
+          </a:effectRef>
+          <a:fontRef idx="minor">
+            <a:schemeClr val="lt1"/>
+          </a:fontRef>
+        </p:style>
+        <p:txBody>
+          <a:bodyPr rtlCol="0" anchor="ctr"/>
+          <a:lstStyle/>
+          <a:p>
+            <a:pPr algn="ctr"/>
+            <a:endParaRPr lang="en-US"/>
+          </a:p>
+        </p:txBody>
+      </p:sp>
+      <p:sp>
+        <p:nvSpPr>
+          <p:cNvPr id="7" name="Rectangle 6">
+            <a:extLst>
+              <a:ext uri="{FF2B5EF4-FFF2-40B4-BE49-F238E27FC236}">
+                <a16:creationId xmlns:a16="http://schemas.microsoft.com/office/drawing/2014/main" id="{9638F5D2-0EF9-4D0C-BDF0-A4D0E3ECBC01}"/>
+              </a:ext>
+            </a:extLst>
+          </p:cNvPr>
+          <p:cNvSpPr/>
+          <p:nvPr/>
+        </p:nvSpPr>
+        <p:spPr>
+          <a:xfrm>
+            <a:off x="6871263" y="2160589"/>
+            <a:ext cx="414874" cy="360027"/>
+          </a:xfrm>
+          <a:prstGeom prst="rect">
+            <a:avLst/>
+          </a:prstGeom>
+          <a:noFill/>
+          <a:ln w="19050">
+            <a:solidFill>
+              <a:srgbClr val="FF0000"/>
+            </a:solidFill>
+          </a:ln>
+        </p:spPr>
+        <p:style>
+          <a:lnRef idx="2">
+            <a:schemeClr val="accent1">
+              <a:shade val="50000"/>
+            </a:schemeClr>
+          </a:lnRef>
+          <a:fillRef idx="1">
+            <a:schemeClr val="accent1"/>
+          </a:fillRef>
+          <a:effectRef idx="0">
+            <a:schemeClr val="accent1"/>
+          </a:effectRef>
+          <a:fontRef idx="minor">
+            <a:schemeClr val="lt1"/>
+          </a:fontRef>
+        </p:style>
+        <p:txBody>
+          <a:bodyPr rtlCol="0" anchor="ctr"/>
+          <a:lstStyle/>
+          <a:p>
+            <a:pPr algn="ctr"/>
+            <a:endParaRPr lang="en-US"/>
+          </a:p>
+        </p:txBody>
+      </p:sp>
+      <p:sp>
+        <p:nvSpPr>
+          <p:cNvPr id="8" name="Rectangle 7">
+            <a:extLst>
+              <a:ext uri="{FF2B5EF4-FFF2-40B4-BE49-F238E27FC236}">
+                <a16:creationId xmlns:a16="http://schemas.microsoft.com/office/drawing/2014/main" id="{28F5C2D5-CDD7-4B45-8F2C-B6DDDA6BE14B}"/>
+              </a:ext>
+            </a:extLst>
+          </p:cNvPr>
+          <p:cNvSpPr/>
+          <p:nvPr/>
+        </p:nvSpPr>
+        <p:spPr>
+          <a:xfrm>
+            <a:off x="7286137" y="2160589"/>
+            <a:ext cx="414874" cy="360027"/>
+          </a:xfrm>
+          <a:prstGeom prst="rect">
+            <a:avLst/>
+          </a:prstGeom>
+          <a:noFill/>
+          <a:ln w="19050">
+            <a:solidFill>
+              <a:srgbClr val="FF0000"/>
+            </a:solidFill>
+          </a:ln>
+        </p:spPr>
+        <p:style>
+          <a:lnRef idx="2">
+            <a:schemeClr val="accent1">
+              <a:shade val="50000"/>
+            </a:schemeClr>
+          </a:lnRef>
+          <a:fillRef idx="1">
+            <a:schemeClr val="accent1"/>
+          </a:fillRef>
+          <a:effectRef idx="0">
+            <a:schemeClr val="accent1"/>
+          </a:effectRef>
+          <a:fontRef idx="minor">
+            <a:schemeClr val="lt1"/>
+          </a:fontRef>
+        </p:style>
+        <p:txBody>
+          <a:bodyPr rtlCol="0" anchor="ctr"/>
+          <a:lstStyle/>
+          <a:p>
+            <a:pPr algn="ctr"/>
+            <a:endParaRPr lang="en-US"/>
+          </a:p>
+        </p:txBody>
+      </p:sp>
+      <p:sp>
+        <p:nvSpPr>
+          <p:cNvPr id="9" name="Rectangle 8">
+            <a:extLst>
+              <a:ext uri="{FF2B5EF4-FFF2-40B4-BE49-F238E27FC236}">
+                <a16:creationId xmlns:a16="http://schemas.microsoft.com/office/drawing/2014/main" id="{F0182E18-154C-462F-B702-F556A1577D7E}"/>
+              </a:ext>
+            </a:extLst>
+          </p:cNvPr>
+          <p:cNvSpPr/>
+          <p:nvPr/>
+        </p:nvSpPr>
+        <p:spPr>
+          <a:xfrm>
+            <a:off x="7701011" y="2160589"/>
+            <a:ext cx="414874" cy="360027"/>
+          </a:xfrm>
+          <a:prstGeom prst="rect">
+            <a:avLst/>
+          </a:prstGeom>
+          <a:noFill/>
+          <a:ln w="19050">
+            <a:solidFill>
+              <a:srgbClr val="FF0000"/>
+            </a:solidFill>
+          </a:ln>
+        </p:spPr>
+        <p:style>
+          <a:lnRef idx="2">
+            <a:schemeClr val="accent1">
+              <a:shade val="50000"/>
+            </a:schemeClr>
+          </a:lnRef>
+          <a:fillRef idx="1">
+            <a:schemeClr val="accent1"/>
+          </a:fillRef>
+          <a:effectRef idx="0">
+            <a:schemeClr val="accent1"/>
+          </a:effectRef>
+          <a:fontRef idx="minor">
+            <a:schemeClr val="lt1"/>
+          </a:fontRef>
+        </p:style>
+        <p:txBody>
+          <a:bodyPr rtlCol="0" anchor="ctr"/>
+          <a:lstStyle/>
+          <a:p>
+            <a:pPr algn="ctr"/>
+            <a:endParaRPr lang="en-US"/>
+          </a:p>
+        </p:txBody>
+      </p:sp>
+      <p:sp>
+        <p:nvSpPr>
+          <p:cNvPr id="10" name="Rectangle 9">
+            <a:extLst>
+              <a:ext uri="{FF2B5EF4-FFF2-40B4-BE49-F238E27FC236}">
+                <a16:creationId xmlns:a16="http://schemas.microsoft.com/office/drawing/2014/main" id="{A2D1DBE2-9EA6-4ACF-ADE6-4BCDD14F1373}"/>
+              </a:ext>
+            </a:extLst>
+          </p:cNvPr>
+          <p:cNvSpPr/>
+          <p:nvPr/>
+        </p:nvSpPr>
+        <p:spPr>
+          <a:xfrm>
+            <a:off x="8115885" y="2160588"/>
+            <a:ext cx="414874" cy="360027"/>
+          </a:xfrm>
+          <a:prstGeom prst="rect">
+            <a:avLst/>
+          </a:prstGeom>
+          <a:noFill/>
+          <a:ln w="19050">
+            <a:solidFill>
+              <a:srgbClr val="FF0000"/>
+            </a:solidFill>
+          </a:ln>
+        </p:spPr>
+        <p:style>
+          <a:lnRef idx="2">
+            <a:schemeClr val="accent1">
+              <a:shade val="50000"/>
+            </a:schemeClr>
+          </a:lnRef>
+          <a:fillRef idx="1">
+            <a:schemeClr val="accent1"/>
+          </a:fillRef>
+          <a:effectRef idx="0">
+            <a:schemeClr val="accent1"/>
+          </a:effectRef>
+          <a:fontRef idx="minor">
+            <a:schemeClr val="lt1"/>
+          </a:fontRef>
+        </p:style>
+        <p:txBody>
+          <a:bodyPr rtlCol="0" anchor="ctr"/>
+          <a:lstStyle/>
+          <a:p>
+            <a:pPr algn="ctr"/>
+            <a:endParaRPr lang="en-US"/>
+          </a:p>
+        </p:txBody>
+      </p:sp>
+      <p:sp>
+        <p:nvSpPr>
+          <p:cNvPr id="13" name="Rectangle 12">
+            <a:extLst>
+              <a:ext uri="{FF2B5EF4-FFF2-40B4-BE49-F238E27FC236}">
+                <a16:creationId xmlns:a16="http://schemas.microsoft.com/office/drawing/2014/main" id="{D1F41476-830C-4DD7-98F0-C1B86508B0AC}"/>
+              </a:ext>
+            </a:extLst>
+          </p:cNvPr>
+          <p:cNvSpPr/>
+          <p:nvPr/>
+        </p:nvSpPr>
+        <p:spPr>
+          <a:xfrm>
+            <a:off x="8530759" y="2160588"/>
+            <a:ext cx="414874" cy="360027"/>
+          </a:xfrm>
+          <a:prstGeom prst="rect">
+            <a:avLst/>
+          </a:prstGeom>
+          <a:noFill/>
+          <a:ln w="19050">
+            <a:solidFill>
+              <a:srgbClr val="FF0000"/>
+            </a:solidFill>
+          </a:ln>
+        </p:spPr>
+        <p:style>
+          <a:lnRef idx="2">
+            <a:schemeClr val="accent1">
+              <a:shade val="50000"/>
+            </a:schemeClr>
+          </a:lnRef>
+          <a:fillRef idx="1">
+            <a:schemeClr val="accent1"/>
+          </a:fillRef>
+          <a:effectRef idx="0">
+            <a:schemeClr val="accent1"/>
+          </a:effectRef>
+          <a:fontRef idx="minor">
+            <a:schemeClr val="lt1"/>
+          </a:fontRef>
+        </p:style>
+        <p:txBody>
+          <a:bodyPr rtlCol="0" anchor="ctr"/>
+          <a:lstStyle/>
+          <a:p>
+            <a:pPr algn="ctr"/>
+            <a:endParaRPr lang="en-US"/>
+          </a:p>
+        </p:txBody>
+      </p:sp>
+      <p:sp>
+        <p:nvSpPr>
+          <p:cNvPr id="15" name="Rectangle 14">
+            <a:extLst>
+              <a:ext uri="{FF2B5EF4-FFF2-40B4-BE49-F238E27FC236}">
+                <a16:creationId xmlns:a16="http://schemas.microsoft.com/office/drawing/2014/main" id="{62B36C78-1E9A-4002-88CA-0EB2037FDE77}"/>
+              </a:ext>
+            </a:extLst>
+          </p:cNvPr>
+          <p:cNvSpPr/>
+          <p:nvPr/>
+        </p:nvSpPr>
+        <p:spPr>
+          <a:xfrm>
+            <a:off x="6456389" y="2520407"/>
+            <a:ext cx="414874" cy="360027"/>
+          </a:xfrm>
+          <a:prstGeom prst="rect">
+            <a:avLst/>
+          </a:prstGeom>
+          <a:noFill/>
+          <a:ln w="19050">
+            <a:solidFill>
+              <a:srgbClr val="FF0000"/>
+            </a:solidFill>
+          </a:ln>
+        </p:spPr>
+        <p:style>
+          <a:lnRef idx="2">
+            <a:schemeClr val="accent1">
+              <a:shade val="50000"/>
+            </a:schemeClr>
+          </a:lnRef>
+          <a:fillRef idx="1">
+            <a:schemeClr val="accent1"/>
+          </a:fillRef>
+          <a:effectRef idx="0">
+            <a:schemeClr val="accent1"/>
+          </a:effectRef>
+          <a:fontRef idx="minor">
+            <a:schemeClr val="lt1"/>
+          </a:fontRef>
+        </p:style>
+        <p:txBody>
+          <a:bodyPr rtlCol="0" anchor="ctr"/>
+          <a:lstStyle/>
+          <a:p>
+            <a:pPr algn="ctr"/>
+            <a:endParaRPr lang="en-US"/>
+          </a:p>
+        </p:txBody>
+      </p:sp>
+      <p:sp>
+        <p:nvSpPr>
+          <p:cNvPr id="16" name="Rectangle 15">
+            <a:extLst>
+              <a:ext uri="{FF2B5EF4-FFF2-40B4-BE49-F238E27FC236}">
+                <a16:creationId xmlns:a16="http://schemas.microsoft.com/office/drawing/2014/main" id="{7D1AB0C1-EE8B-4E48-A43C-100AA7F44D33}"/>
+              </a:ext>
+            </a:extLst>
+          </p:cNvPr>
+          <p:cNvSpPr/>
+          <p:nvPr/>
+        </p:nvSpPr>
+        <p:spPr>
+          <a:xfrm>
+            <a:off x="6871263" y="2520407"/>
+            <a:ext cx="414874" cy="360027"/>
+          </a:xfrm>
+          <a:prstGeom prst="rect">
+            <a:avLst/>
+          </a:prstGeom>
+          <a:noFill/>
+          <a:ln w="19050">
+            <a:solidFill>
+              <a:srgbClr val="FF0000"/>
+            </a:solidFill>
+          </a:ln>
+        </p:spPr>
+        <p:style>
+          <a:lnRef idx="2">
+            <a:schemeClr val="accent1">
+              <a:shade val="50000"/>
+            </a:schemeClr>
+          </a:lnRef>
+          <a:fillRef idx="1">
+            <a:schemeClr val="accent1"/>
+          </a:fillRef>
+          <a:effectRef idx="0">
+            <a:schemeClr val="accent1"/>
+          </a:effectRef>
+          <a:fontRef idx="minor">
+            <a:schemeClr val="lt1"/>
+          </a:fontRef>
+        </p:style>
+        <p:txBody>
+          <a:bodyPr rtlCol="0" anchor="ctr"/>
+          <a:lstStyle/>
+          <a:p>
+            <a:pPr algn="ctr"/>
+            <a:endParaRPr lang="en-US"/>
+          </a:p>
+        </p:txBody>
+      </p:sp>
+      <p:sp>
+        <p:nvSpPr>
+          <p:cNvPr id="17" name="Rectangle 16">
+            <a:extLst>
+              <a:ext uri="{FF2B5EF4-FFF2-40B4-BE49-F238E27FC236}">
+                <a16:creationId xmlns:a16="http://schemas.microsoft.com/office/drawing/2014/main" id="{8D4796E3-6464-46CC-ABC6-61CCEC5E93BE}"/>
+              </a:ext>
+            </a:extLst>
+          </p:cNvPr>
+          <p:cNvSpPr/>
+          <p:nvPr/>
+        </p:nvSpPr>
+        <p:spPr>
+          <a:xfrm>
+            <a:off x="7286137" y="2520407"/>
+            <a:ext cx="414874" cy="360027"/>
+          </a:xfrm>
+          <a:prstGeom prst="rect">
+            <a:avLst/>
+          </a:prstGeom>
+          <a:noFill/>
+          <a:ln w="19050">
+            <a:solidFill>
+              <a:srgbClr val="FF0000"/>
+            </a:solidFill>
+          </a:ln>
+        </p:spPr>
+        <p:style>
+          <a:lnRef idx="2">
+            <a:schemeClr val="accent1">
+              <a:shade val="50000"/>
+            </a:schemeClr>
+          </a:lnRef>
+          <a:fillRef idx="1">
+            <a:schemeClr val="accent1"/>
+          </a:fillRef>
+          <a:effectRef idx="0">
+            <a:schemeClr val="accent1"/>
+          </a:effectRef>
+          <a:fontRef idx="minor">
+            <a:schemeClr val="lt1"/>
+          </a:fontRef>
+        </p:style>
+        <p:txBody>
+          <a:bodyPr rtlCol="0" anchor="ctr"/>
+          <a:lstStyle/>
+          <a:p>
+            <a:pPr algn="ctr"/>
+            <a:endParaRPr lang="en-US"/>
+          </a:p>
+        </p:txBody>
+      </p:sp>
+      <p:sp>
+        <p:nvSpPr>
+          <p:cNvPr id="18" name="Rectangle 17">
+            <a:extLst>
+              <a:ext uri="{FF2B5EF4-FFF2-40B4-BE49-F238E27FC236}">
+                <a16:creationId xmlns:a16="http://schemas.microsoft.com/office/drawing/2014/main" id="{0546B7B7-769C-4B9C-B551-6DA8A6A236B6}"/>
+              </a:ext>
+            </a:extLst>
+          </p:cNvPr>
+          <p:cNvSpPr/>
+          <p:nvPr/>
+        </p:nvSpPr>
+        <p:spPr>
+          <a:xfrm>
+            <a:off x="7701011" y="2520407"/>
+            <a:ext cx="414874" cy="360027"/>
+          </a:xfrm>
+          <a:prstGeom prst="rect">
+            <a:avLst/>
+          </a:prstGeom>
+          <a:noFill/>
+          <a:ln w="19050">
+            <a:solidFill>
+              <a:srgbClr val="FF0000"/>
+            </a:solidFill>
+          </a:ln>
+        </p:spPr>
+        <p:style>
+          <a:lnRef idx="2">
+            <a:schemeClr val="accent1">
+              <a:shade val="50000"/>
+            </a:schemeClr>
+          </a:lnRef>
+          <a:fillRef idx="1">
+            <a:schemeClr val="accent1"/>
+          </a:fillRef>
+          <a:effectRef idx="0">
+            <a:schemeClr val="accent1"/>
+          </a:effectRef>
+          <a:fontRef idx="minor">
+            <a:schemeClr val="lt1"/>
+          </a:fontRef>
+        </p:style>
+        <p:txBody>
+          <a:bodyPr rtlCol="0" anchor="ctr"/>
+          <a:lstStyle/>
+          <a:p>
+            <a:pPr algn="ctr"/>
+            <a:endParaRPr lang="en-US"/>
+          </a:p>
+        </p:txBody>
+      </p:sp>
+      <p:sp>
+        <p:nvSpPr>
+          <p:cNvPr id="19" name="Rectangle 18">
+            <a:extLst>
+              <a:ext uri="{FF2B5EF4-FFF2-40B4-BE49-F238E27FC236}">
+                <a16:creationId xmlns:a16="http://schemas.microsoft.com/office/drawing/2014/main" id="{4FD95386-4281-434A-A25F-80C866EDAD33}"/>
+              </a:ext>
+            </a:extLst>
+          </p:cNvPr>
+          <p:cNvSpPr/>
+          <p:nvPr/>
+        </p:nvSpPr>
+        <p:spPr>
+          <a:xfrm>
+            <a:off x="8115885" y="2520406"/>
+            <a:ext cx="414874" cy="360027"/>
+          </a:xfrm>
+          <a:prstGeom prst="rect">
+            <a:avLst/>
+          </a:prstGeom>
+          <a:noFill/>
+          <a:ln w="19050">
+            <a:solidFill>
+              <a:srgbClr val="FF0000"/>
+            </a:solidFill>
+          </a:ln>
+        </p:spPr>
+        <p:style>
+          <a:lnRef idx="2">
+            <a:schemeClr val="accent1">
+              <a:shade val="50000"/>
+            </a:schemeClr>
+          </a:lnRef>
+          <a:fillRef idx="1">
+            <a:schemeClr val="accent1"/>
+          </a:fillRef>
+          <a:effectRef idx="0">
+            <a:schemeClr val="accent1"/>
+          </a:effectRef>
+          <a:fontRef idx="minor">
+            <a:schemeClr val="lt1"/>
+          </a:fontRef>
+        </p:style>
+        <p:txBody>
+          <a:bodyPr rtlCol="0" anchor="ctr"/>
+          <a:lstStyle/>
+          <a:p>
+            <a:pPr algn="ctr"/>
+            <a:endParaRPr lang="en-US"/>
+          </a:p>
+        </p:txBody>
+      </p:sp>
+      <p:sp>
+        <p:nvSpPr>
+          <p:cNvPr id="20" name="Rectangle 19">
+            <a:extLst>
+              <a:ext uri="{FF2B5EF4-FFF2-40B4-BE49-F238E27FC236}">
+                <a16:creationId xmlns:a16="http://schemas.microsoft.com/office/drawing/2014/main" id="{AE1AD790-9C06-4FA2-B845-5BC5C1F2CEA9}"/>
+              </a:ext>
+            </a:extLst>
+          </p:cNvPr>
+          <p:cNvSpPr/>
+          <p:nvPr/>
+        </p:nvSpPr>
+        <p:spPr>
+          <a:xfrm>
+            <a:off x="8530759" y="2520406"/>
+            <a:ext cx="414874" cy="360027"/>
+          </a:xfrm>
+          <a:prstGeom prst="rect">
+            <a:avLst/>
+          </a:prstGeom>
+          <a:noFill/>
+          <a:ln w="19050">
+            <a:solidFill>
+              <a:srgbClr val="FF0000"/>
+            </a:solidFill>
+          </a:ln>
+        </p:spPr>
+        <p:style>
+          <a:lnRef idx="2">
+            <a:schemeClr val="accent1">
+              <a:shade val="50000"/>
+            </a:schemeClr>
+          </a:lnRef>
+          <a:fillRef idx="1">
+            <a:schemeClr val="accent1"/>
+          </a:fillRef>
+          <a:effectRef idx="0">
+            <a:schemeClr val="accent1"/>
+          </a:effectRef>
+          <a:fontRef idx="minor">
+            <a:schemeClr val="lt1"/>
+          </a:fontRef>
+        </p:style>
+        <p:txBody>
+          <a:bodyPr rtlCol="0" anchor="ctr"/>
+          <a:lstStyle/>
+          <a:p>
+            <a:pPr algn="ctr"/>
+            <a:endParaRPr lang="en-US"/>
+          </a:p>
+        </p:txBody>
+      </p:sp>
+      <p:sp>
+        <p:nvSpPr>
+          <p:cNvPr id="21" name="Rectangle 20">
+            <a:extLst>
+              <a:ext uri="{FF2B5EF4-FFF2-40B4-BE49-F238E27FC236}">
+                <a16:creationId xmlns:a16="http://schemas.microsoft.com/office/drawing/2014/main" id="{7D7731DC-4444-480A-A28C-FDA4AA858316}"/>
+              </a:ext>
+            </a:extLst>
+          </p:cNvPr>
+          <p:cNvSpPr/>
+          <p:nvPr/>
+        </p:nvSpPr>
+        <p:spPr>
+          <a:xfrm>
+            <a:off x="6456389" y="2880433"/>
+            <a:ext cx="414874" cy="360027"/>
+          </a:xfrm>
+          <a:prstGeom prst="rect">
+            <a:avLst/>
+          </a:prstGeom>
+          <a:noFill/>
+          <a:ln w="19050">
+            <a:solidFill>
+              <a:srgbClr val="FF0000"/>
+            </a:solidFill>
+          </a:ln>
+        </p:spPr>
+        <p:style>
+          <a:lnRef idx="2">
+            <a:schemeClr val="accent1">
+              <a:shade val="50000"/>
+            </a:schemeClr>
+          </a:lnRef>
+          <a:fillRef idx="1">
+            <a:schemeClr val="accent1"/>
+          </a:fillRef>
+          <a:effectRef idx="0">
+            <a:schemeClr val="accent1"/>
+          </a:effectRef>
+          <a:fontRef idx="minor">
+            <a:schemeClr val="lt1"/>
+          </a:fontRef>
+        </p:style>
+        <p:txBody>
+          <a:bodyPr rtlCol="0" anchor="ctr"/>
+          <a:lstStyle/>
+          <a:p>
+            <a:pPr algn="ctr"/>
+            <a:endParaRPr lang="en-US"/>
+          </a:p>
+        </p:txBody>
+      </p:sp>
+      <p:sp>
+        <p:nvSpPr>
+          <p:cNvPr id="22" name="Rectangle 21">
+            <a:extLst>
+              <a:ext uri="{FF2B5EF4-FFF2-40B4-BE49-F238E27FC236}">
+                <a16:creationId xmlns:a16="http://schemas.microsoft.com/office/drawing/2014/main" id="{A7544594-260A-4B4F-8073-03CF4606F4B0}"/>
+              </a:ext>
+            </a:extLst>
+          </p:cNvPr>
+          <p:cNvSpPr/>
+          <p:nvPr/>
+        </p:nvSpPr>
+        <p:spPr>
+          <a:xfrm>
+            <a:off x="6871263" y="2880433"/>
+            <a:ext cx="414874" cy="360027"/>
+          </a:xfrm>
+          <a:prstGeom prst="rect">
+            <a:avLst/>
+          </a:prstGeom>
+          <a:noFill/>
+          <a:ln w="19050">
+            <a:solidFill>
+              <a:srgbClr val="FF0000"/>
+            </a:solidFill>
+          </a:ln>
+        </p:spPr>
+        <p:style>
+          <a:lnRef idx="2">
+            <a:schemeClr val="accent1">
+              <a:shade val="50000"/>
+            </a:schemeClr>
+          </a:lnRef>
+          <a:fillRef idx="1">
+            <a:schemeClr val="accent1"/>
+          </a:fillRef>
+          <a:effectRef idx="0">
+            <a:schemeClr val="accent1"/>
+          </a:effectRef>
+          <a:fontRef idx="minor">
+            <a:schemeClr val="lt1"/>
+          </a:fontRef>
+        </p:style>
+        <p:txBody>
+          <a:bodyPr rtlCol="0" anchor="ctr"/>
+          <a:lstStyle/>
+          <a:p>
+            <a:pPr algn="ctr"/>
+            <a:endParaRPr lang="en-US"/>
+          </a:p>
+        </p:txBody>
+      </p:sp>
+      <p:sp>
+        <p:nvSpPr>
+          <p:cNvPr id="23" name="Rectangle 22">
+            <a:extLst>
+              <a:ext uri="{FF2B5EF4-FFF2-40B4-BE49-F238E27FC236}">
+                <a16:creationId xmlns:a16="http://schemas.microsoft.com/office/drawing/2014/main" id="{01A254FA-2817-4577-8EE3-315F9D721FDF}"/>
+              </a:ext>
+            </a:extLst>
+          </p:cNvPr>
+          <p:cNvSpPr/>
+          <p:nvPr/>
+        </p:nvSpPr>
+        <p:spPr>
+          <a:xfrm>
+            <a:off x="7286137" y="2880433"/>
+            <a:ext cx="414874" cy="360027"/>
+          </a:xfrm>
+          <a:prstGeom prst="rect">
+            <a:avLst/>
+          </a:prstGeom>
+          <a:noFill/>
+          <a:ln w="19050">
+            <a:solidFill>
+              <a:srgbClr val="FF0000"/>
+            </a:solidFill>
+          </a:ln>
+        </p:spPr>
+        <p:style>
+          <a:lnRef idx="2">
+            <a:schemeClr val="accent1">
+              <a:shade val="50000"/>
+            </a:schemeClr>
+          </a:lnRef>
+          <a:fillRef idx="1">
+            <a:schemeClr val="accent1"/>
+          </a:fillRef>
+          <a:effectRef idx="0">
+            <a:schemeClr val="accent1"/>
+          </a:effectRef>
+          <a:fontRef idx="minor">
+            <a:schemeClr val="lt1"/>
+          </a:fontRef>
+        </p:style>
+        <p:txBody>
+          <a:bodyPr rtlCol="0" anchor="ctr"/>
+          <a:lstStyle/>
+          <a:p>
+            <a:pPr algn="ctr"/>
+            <a:endParaRPr lang="en-US"/>
+          </a:p>
+        </p:txBody>
+      </p:sp>
+      <p:sp>
+        <p:nvSpPr>
+          <p:cNvPr id="24" name="Rectangle 23">
+            <a:extLst>
+              <a:ext uri="{FF2B5EF4-FFF2-40B4-BE49-F238E27FC236}">
+                <a16:creationId xmlns:a16="http://schemas.microsoft.com/office/drawing/2014/main" id="{F80A7086-F098-49E8-B792-559A1E4BF6F2}"/>
+              </a:ext>
+            </a:extLst>
+          </p:cNvPr>
+          <p:cNvSpPr/>
+          <p:nvPr/>
+        </p:nvSpPr>
+        <p:spPr>
+          <a:xfrm>
+            <a:off x="7701011" y="2880433"/>
+            <a:ext cx="414874" cy="360027"/>
+          </a:xfrm>
+          <a:prstGeom prst="rect">
+            <a:avLst/>
+          </a:prstGeom>
+          <a:noFill/>
+          <a:ln w="19050">
+            <a:solidFill>
+              <a:srgbClr val="FF0000"/>
+            </a:solidFill>
+          </a:ln>
+        </p:spPr>
+        <p:style>
+          <a:lnRef idx="2">
+            <a:schemeClr val="accent1">
+              <a:shade val="50000"/>
+            </a:schemeClr>
+          </a:lnRef>
+          <a:fillRef idx="1">
+            <a:schemeClr val="accent1"/>
+          </a:fillRef>
+          <a:effectRef idx="0">
+            <a:schemeClr val="accent1"/>
+          </a:effectRef>
+          <a:fontRef idx="minor">
+            <a:schemeClr val="lt1"/>
+          </a:fontRef>
+        </p:style>
+        <p:txBody>
+          <a:bodyPr rtlCol="0" anchor="ctr"/>
+          <a:lstStyle/>
+          <a:p>
+            <a:pPr algn="ctr"/>
+            <a:endParaRPr lang="en-US"/>
+          </a:p>
+        </p:txBody>
+      </p:sp>
+      <p:sp>
+        <p:nvSpPr>
+          <p:cNvPr id="25" name="Rectangle 24">
+            <a:extLst>
+              <a:ext uri="{FF2B5EF4-FFF2-40B4-BE49-F238E27FC236}">
+                <a16:creationId xmlns:a16="http://schemas.microsoft.com/office/drawing/2014/main" id="{90323E19-B342-4D8F-80A1-25422E1C5361}"/>
+              </a:ext>
+            </a:extLst>
+          </p:cNvPr>
+          <p:cNvSpPr/>
+          <p:nvPr/>
+        </p:nvSpPr>
+        <p:spPr>
+          <a:xfrm>
+            <a:off x="8115885" y="2880432"/>
+            <a:ext cx="414874" cy="360027"/>
+          </a:xfrm>
+          <a:prstGeom prst="rect">
+            <a:avLst/>
+          </a:prstGeom>
+          <a:noFill/>
+          <a:ln w="19050">
+            <a:solidFill>
+              <a:srgbClr val="FF0000"/>
+            </a:solidFill>
+          </a:ln>
+        </p:spPr>
+        <p:style>
+          <a:lnRef idx="2">
+            <a:schemeClr val="accent1">
+              <a:shade val="50000"/>
+            </a:schemeClr>
+          </a:lnRef>
+          <a:fillRef idx="1">
+            <a:schemeClr val="accent1"/>
+          </a:fillRef>
+          <a:effectRef idx="0">
+            <a:schemeClr val="accent1"/>
+          </a:effectRef>
+          <a:fontRef idx="minor">
+            <a:schemeClr val="lt1"/>
+          </a:fontRef>
+        </p:style>
+        <p:txBody>
+          <a:bodyPr rtlCol="0" anchor="ctr"/>
+          <a:lstStyle/>
+          <a:p>
+            <a:pPr algn="ctr"/>
+            <a:endParaRPr lang="en-US"/>
+          </a:p>
+        </p:txBody>
+      </p:sp>
+      <p:sp>
+        <p:nvSpPr>
+          <p:cNvPr id="26" name="Rectangle 25">
+            <a:extLst>
+              <a:ext uri="{FF2B5EF4-FFF2-40B4-BE49-F238E27FC236}">
+                <a16:creationId xmlns:a16="http://schemas.microsoft.com/office/drawing/2014/main" id="{A5A8FC19-6683-4BFC-A937-82D186F40B54}"/>
+              </a:ext>
+            </a:extLst>
+          </p:cNvPr>
+          <p:cNvSpPr/>
+          <p:nvPr/>
+        </p:nvSpPr>
+        <p:spPr>
+          <a:xfrm>
+            <a:off x="8530759" y="2880432"/>
+            <a:ext cx="414874" cy="360027"/>
+          </a:xfrm>
+          <a:prstGeom prst="rect">
+            <a:avLst/>
+          </a:prstGeom>
+          <a:noFill/>
+          <a:ln w="19050">
+            <a:solidFill>
+              <a:srgbClr val="FF0000"/>
+            </a:solidFill>
+          </a:ln>
+        </p:spPr>
+        <p:style>
+          <a:lnRef idx="2">
+            <a:schemeClr val="accent1">
+              <a:shade val="50000"/>
+            </a:schemeClr>
+          </a:lnRef>
+          <a:fillRef idx="1">
+            <a:schemeClr val="accent1"/>
+          </a:fillRef>
+          <a:effectRef idx="0">
+            <a:schemeClr val="accent1"/>
+          </a:effectRef>
+          <a:fontRef idx="minor">
+            <a:schemeClr val="lt1"/>
+          </a:fontRef>
+        </p:style>
+        <p:txBody>
+          <a:bodyPr rtlCol="0" anchor="ctr"/>
+          <a:lstStyle/>
+          <a:p>
+            <a:pPr algn="ctr"/>
+            <a:endParaRPr lang="en-US"/>
+          </a:p>
+        </p:txBody>
+      </p:sp>
+      <p:sp>
+        <p:nvSpPr>
+          <p:cNvPr id="27" name="Rectangle 26">
+            <a:extLst>
+              <a:ext uri="{FF2B5EF4-FFF2-40B4-BE49-F238E27FC236}">
+                <a16:creationId xmlns:a16="http://schemas.microsoft.com/office/drawing/2014/main" id="{D8378CC4-9C54-4EFD-A973-B2558F77C83D}"/>
+              </a:ext>
+            </a:extLst>
+          </p:cNvPr>
+          <p:cNvSpPr/>
+          <p:nvPr/>
+        </p:nvSpPr>
+        <p:spPr>
+          <a:xfrm>
+            <a:off x="6456389" y="3241226"/>
+            <a:ext cx="414874" cy="360027"/>
+          </a:xfrm>
+          <a:prstGeom prst="rect">
+            <a:avLst/>
+          </a:prstGeom>
+          <a:noFill/>
+          <a:ln w="19050">
+            <a:solidFill>
+              <a:srgbClr val="FF0000"/>
+            </a:solidFill>
+          </a:ln>
+        </p:spPr>
+        <p:style>
+          <a:lnRef idx="2">
+            <a:schemeClr val="accent1">
+              <a:shade val="50000"/>
+            </a:schemeClr>
+          </a:lnRef>
+          <a:fillRef idx="1">
+            <a:schemeClr val="accent1"/>
+          </a:fillRef>
+          <a:effectRef idx="0">
+            <a:schemeClr val="accent1"/>
+          </a:effectRef>
+          <a:fontRef idx="minor">
+            <a:schemeClr val="lt1"/>
+          </a:fontRef>
+        </p:style>
+        <p:txBody>
+          <a:bodyPr rtlCol="0" anchor="ctr"/>
+          <a:lstStyle/>
+          <a:p>
+            <a:pPr algn="ctr"/>
+            <a:endParaRPr lang="en-US"/>
+          </a:p>
+        </p:txBody>
+      </p:sp>
+      <p:sp>
+        <p:nvSpPr>
+          <p:cNvPr id="28" name="Rectangle 27">
+            <a:extLst>
+              <a:ext uri="{FF2B5EF4-FFF2-40B4-BE49-F238E27FC236}">
+                <a16:creationId xmlns:a16="http://schemas.microsoft.com/office/drawing/2014/main" id="{A3F800D6-74C0-41C9-BFE2-89A96110F64A}"/>
+              </a:ext>
+            </a:extLst>
+          </p:cNvPr>
+          <p:cNvSpPr/>
+          <p:nvPr/>
+        </p:nvSpPr>
+        <p:spPr>
+          <a:xfrm>
+            <a:off x="6871263" y="3241226"/>
+            <a:ext cx="414874" cy="360027"/>
+          </a:xfrm>
+          <a:prstGeom prst="rect">
+            <a:avLst/>
+          </a:prstGeom>
+          <a:noFill/>
+          <a:ln w="19050">
+            <a:solidFill>
+              <a:srgbClr val="FF0000"/>
+            </a:solidFill>
+          </a:ln>
+        </p:spPr>
+        <p:style>
+          <a:lnRef idx="2">
+            <a:schemeClr val="accent1">
+              <a:shade val="50000"/>
+            </a:schemeClr>
+          </a:lnRef>
+          <a:fillRef idx="1">
+            <a:schemeClr val="accent1"/>
+          </a:fillRef>
+          <a:effectRef idx="0">
+            <a:schemeClr val="accent1"/>
+          </a:effectRef>
+          <a:fontRef idx="minor">
+            <a:schemeClr val="lt1"/>
+          </a:fontRef>
+        </p:style>
+        <p:txBody>
+          <a:bodyPr rtlCol="0" anchor="ctr"/>
+          <a:lstStyle/>
+          <a:p>
+            <a:pPr algn="ctr"/>
+            <a:endParaRPr lang="en-US"/>
+          </a:p>
+        </p:txBody>
+      </p:sp>
+      <p:sp>
+        <p:nvSpPr>
+          <p:cNvPr id="29" name="Rectangle 28">
+            <a:extLst>
+              <a:ext uri="{FF2B5EF4-FFF2-40B4-BE49-F238E27FC236}">
+                <a16:creationId xmlns:a16="http://schemas.microsoft.com/office/drawing/2014/main" id="{5F81ACB1-15AE-489B-B707-F9E216112215}"/>
+              </a:ext>
+            </a:extLst>
+          </p:cNvPr>
+          <p:cNvSpPr/>
+          <p:nvPr/>
+        </p:nvSpPr>
+        <p:spPr>
+          <a:xfrm>
+            <a:off x="7286137" y="3241226"/>
+            <a:ext cx="414874" cy="360027"/>
+          </a:xfrm>
+          <a:prstGeom prst="rect">
+            <a:avLst/>
+          </a:prstGeom>
+          <a:noFill/>
+          <a:ln w="19050">
+            <a:solidFill>
+              <a:srgbClr val="FF0000"/>
+            </a:solidFill>
+          </a:ln>
+        </p:spPr>
+        <p:style>
+          <a:lnRef idx="2">
+            <a:schemeClr val="accent1">
+              <a:shade val="50000"/>
+            </a:schemeClr>
+          </a:lnRef>
+          <a:fillRef idx="1">
+            <a:schemeClr val="accent1"/>
+          </a:fillRef>
+          <a:effectRef idx="0">
+            <a:schemeClr val="accent1"/>
+          </a:effectRef>
+          <a:fontRef idx="minor">
+            <a:schemeClr val="lt1"/>
+          </a:fontRef>
+        </p:style>
+        <p:txBody>
+          <a:bodyPr rtlCol="0" anchor="ctr"/>
+          <a:lstStyle/>
+          <a:p>
+            <a:pPr algn="ctr"/>
+            <a:endParaRPr lang="en-US"/>
+          </a:p>
+        </p:txBody>
+      </p:sp>
+      <p:sp>
+        <p:nvSpPr>
+          <p:cNvPr id="30" name="Rectangle 29">
+            <a:extLst>
+              <a:ext uri="{FF2B5EF4-FFF2-40B4-BE49-F238E27FC236}">
+                <a16:creationId xmlns:a16="http://schemas.microsoft.com/office/drawing/2014/main" id="{2F3E8416-CF2C-412B-B712-6CCA9E9E8D0F}"/>
+              </a:ext>
+            </a:extLst>
+          </p:cNvPr>
+          <p:cNvSpPr/>
+          <p:nvPr/>
+        </p:nvSpPr>
+        <p:spPr>
+          <a:xfrm>
+            <a:off x="7701011" y="3241226"/>
+            <a:ext cx="414874" cy="360027"/>
+          </a:xfrm>
+          <a:prstGeom prst="rect">
+            <a:avLst/>
+          </a:prstGeom>
+          <a:noFill/>
+          <a:ln w="19050">
+            <a:solidFill>
+              <a:srgbClr val="FF0000"/>
+            </a:solidFill>
+          </a:ln>
+        </p:spPr>
+        <p:style>
+          <a:lnRef idx="2">
+            <a:schemeClr val="accent1">
+              <a:shade val="50000"/>
+            </a:schemeClr>
+          </a:lnRef>
+          <a:fillRef idx="1">
+            <a:schemeClr val="accent1"/>
+          </a:fillRef>
+          <a:effectRef idx="0">
+            <a:schemeClr val="accent1"/>
+          </a:effectRef>
+          <a:fontRef idx="minor">
+            <a:schemeClr val="lt1"/>
+          </a:fontRef>
+        </p:style>
+        <p:txBody>
+          <a:bodyPr rtlCol="0" anchor="ctr"/>
+          <a:lstStyle/>
+          <a:p>
+            <a:pPr algn="ctr"/>
+            <a:endParaRPr lang="en-US"/>
+          </a:p>
+        </p:txBody>
+      </p:sp>
+      <p:sp>
+        <p:nvSpPr>
+          <p:cNvPr id="31" name="Rectangle 30">
+            <a:extLst>
+              <a:ext uri="{FF2B5EF4-FFF2-40B4-BE49-F238E27FC236}">
+                <a16:creationId xmlns:a16="http://schemas.microsoft.com/office/drawing/2014/main" id="{D60056CE-D70F-47D8-9C5E-09041754F7FD}"/>
+              </a:ext>
+            </a:extLst>
+          </p:cNvPr>
+          <p:cNvSpPr/>
+          <p:nvPr/>
+        </p:nvSpPr>
+        <p:spPr>
+          <a:xfrm>
+            <a:off x="8115885" y="3241225"/>
+            <a:ext cx="414874" cy="360027"/>
+          </a:xfrm>
+          <a:prstGeom prst="rect">
+            <a:avLst/>
+          </a:prstGeom>
+          <a:noFill/>
+          <a:ln w="19050">
+            <a:solidFill>
+              <a:srgbClr val="FF0000"/>
+            </a:solidFill>
+          </a:ln>
+        </p:spPr>
+        <p:style>
+          <a:lnRef idx="2">
+            <a:schemeClr val="accent1">
+              <a:shade val="50000"/>
+            </a:schemeClr>
+          </a:lnRef>
+          <a:fillRef idx="1">
+            <a:schemeClr val="accent1"/>
+          </a:fillRef>
+          <a:effectRef idx="0">
+            <a:schemeClr val="accent1"/>
+          </a:effectRef>
+          <a:fontRef idx="minor">
+            <a:schemeClr val="lt1"/>
+          </a:fontRef>
+        </p:style>
+        <p:txBody>
+          <a:bodyPr rtlCol="0" anchor="ctr"/>
+          <a:lstStyle/>
+          <a:p>
+            <a:pPr algn="ctr"/>
+            <a:endParaRPr lang="en-US"/>
+          </a:p>
+        </p:txBody>
+      </p:sp>
+      <p:sp>
+        <p:nvSpPr>
+          <p:cNvPr id="32" name="Rectangle 31">
+            <a:extLst>
+              <a:ext uri="{FF2B5EF4-FFF2-40B4-BE49-F238E27FC236}">
+                <a16:creationId xmlns:a16="http://schemas.microsoft.com/office/drawing/2014/main" id="{63A5B0C4-028F-4406-882B-56A7E629A142}"/>
+              </a:ext>
+            </a:extLst>
+          </p:cNvPr>
+          <p:cNvSpPr/>
+          <p:nvPr/>
+        </p:nvSpPr>
+        <p:spPr>
+          <a:xfrm>
+            <a:off x="8530759" y="3241225"/>
+            <a:ext cx="414874" cy="360027"/>
+          </a:xfrm>
+          <a:prstGeom prst="rect">
+            <a:avLst/>
+          </a:prstGeom>
+          <a:noFill/>
+          <a:ln w="19050">
+            <a:solidFill>
+              <a:srgbClr val="FF0000"/>
+            </a:solidFill>
+          </a:ln>
+        </p:spPr>
+        <p:style>
+          <a:lnRef idx="2">
+            <a:schemeClr val="accent1">
+              <a:shade val="50000"/>
+            </a:schemeClr>
+          </a:lnRef>
+          <a:fillRef idx="1">
+            <a:schemeClr val="accent1"/>
+          </a:fillRef>
+          <a:effectRef idx="0">
+            <a:schemeClr val="accent1"/>
+          </a:effectRef>
+          <a:fontRef idx="minor">
+            <a:schemeClr val="lt1"/>
+          </a:fontRef>
+        </p:style>
+        <p:txBody>
+          <a:bodyPr rtlCol="0" anchor="ctr"/>
+          <a:lstStyle/>
+          <a:p>
+            <a:pPr algn="ctr"/>
+            <a:endParaRPr lang="en-US"/>
+          </a:p>
+        </p:txBody>
+      </p:sp>
+      <p:sp>
+        <p:nvSpPr>
+          <p:cNvPr id="33" name="Rectangle 32">
+            <a:extLst>
+              <a:ext uri="{FF2B5EF4-FFF2-40B4-BE49-F238E27FC236}">
+                <a16:creationId xmlns:a16="http://schemas.microsoft.com/office/drawing/2014/main" id="{C039DD4C-ADD9-434B-BC90-FE9317A125E9}"/>
+              </a:ext>
+            </a:extLst>
+          </p:cNvPr>
+          <p:cNvSpPr/>
+          <p:nvPr/>
+        </p:nvSpPr>
+        <p:spPr>
+          <a:xfrm>
+            <a:off x="6456389" y="3601253"/>
+            <a:ext cx="414874" cy="360027"/>
+          </a:xfrm>
+          <a:prstGeom prst="rect">
+            <a:avLst/>
+          </a:prstGeom>
+          <a:noFill/>
+          <a:ln w="19050">
+            <a:solidFill>
+              <a:srgbClr val="FF0000"/>
+            </a:solidFill>
+          </a:ln>
+        </p:spPr>
+        <p:style>
+          <a:lnRef idx="2">
+            <a:schemeClr val="accent1">
+              <a:shade val="50000"/>
+            </a:schemeClr>
+          </a:lnRef>
+          <a:fillRef idx="1">
+            <a:schemeClr val="accent1"/>
+          </a:fillRef>
+          <a:effectRef idx="0">
+            <a:schemeClr val="accent1"/>
+          </a:effectRef>
+          <a:fontRef idx="minor">
+            <a:schemeClr val="lt1"/>
+          </a:fontRef>
+        </p:style>
+        <p:txBody>
+          <a:bodyPr rtlCol="0" anchor="ctr"/>
+          <a:lstStyle/>
+          <a:p>
+            <a:pPr algn="ctr"/>
+            <a:endParaRPr lang="en-US"/>
+          </a:p>
+        </p:txBody>
+      </p:sp>
+      <p:sp>
+        <p:nvSpPr>
+          <p:cNvPr id="34" name="Rectangle 33">
+            <a:extLst>
+              <a:ext uri="{FF2B5EF4-FFF2-40B4-BE49-F238E27FC236}">
+                <a16:creationId xmlns:a16="http://schemas.microsoft.com/office/drawing/2014/main" id="{DD5D4B73-5AE6-4B86-9F5C-ED264C0E6A30}"/>
+              </a:ext>
+            </a:extLst>
+          </p:cNvPr>
+          <p:cNvSpPr/>
+          <p:nvPr/>
+        </p:nvSpPr>
+        <p:spPr>
+          <a:xfrm>
+            <a:off x="6871263" y="3601253"/>
+            <a:ext cx="414874" cy="360027"/>
+          </a:xfrm>
+          <a:prstGeom prst="rect">
+            <a:avLst/>
+          </a:prstGeom>
+          <a:noFill/>
+          <a:ln w="19050">
+            <a:solidFill>
+              <a:srgbClr val="FF0000"/>
+            </a:solidFill>
+          </a:ln>
+        </p:spPr>
+        <p:style>
+          <a:lnRef idx="2">
+            <a:schemeClr val="accent1">
+              <a:shade val="50000"/>
+            </a:schemeClr>
+          </a:lnRef>
+          <a:fillRef idx="1">
+            <a:schemeClr val="accent1"/>
+          </a:fillRef>
+          <a:effectRef idx="0">
+            <a:schemeClr val="accent1"/>
+          </a:effectRef>
+          <a:fontRef idx="minor">
+            <a:schemeClr val="lt1"/>
+          </a:fontRef>
+        </p:style>
+        <p:txBody>
+          <a:bodyPr rtlCol="0" anchor="ctr"/>
+          <a:lstStyle/>
+          <a:p>
+            <a:pPr algn="ctr"/>
+            <a:endParaRPr lang="en-US"/>
+          </a:p>
+        </p:txBody>
+      </p:sp>
+      <p:sp>
+        <p:nvSpPr>
+          <p:cNvPr id="35" name="Rectangle 34">
+            <a:extLst>
+              <a:ext uri="{FF2B5EF4-FFF2-40B4-BE49-F238E27FC236}">
+                <a16:creationId xmlns:a16="http://schemas.microsoft.com/office/drawing/2014/main" id="{C9E640C9-9F92-4A8E-9402-6518B14FF050}"/>
+              </a:ext>
+            </a:extLst>
+          </p:cNvPr>
+          <p:cNvSpPr/>
+          <p:nvPr/>
+        </p:nvSpPr>
+        <p:spPr>
+          <a:xfrm>
+            <a:off x="7286137" y="3601253"/>
+            <a:ext cx="414874" cy="360027"/>
+          </a:xfrm>
+          <a:prstGeom prst="rect">
+            <a:avLst/>
+          </a:prstGeom>
+          <a:noFill/>
+          <a:ln w="19050">
+            <a:solidFill>
+              <a:srgbClr val="FF0000"/>
+            </a:solidFill>
+          </a:ln>
+        </p:spPr>
+        <p:style>
+          <a:lnRef idx="2">
+            <a:schemeClr val="accent1">
+              <a:shade val="50000"/>
+            </a:schemeClr>
+          </a:lnRef>
+          <a:fillRef idx="1">
+            <a:schemeClr val="accent1"/>
+          </a:fillRef>
+          <a:effectRef idx="0">
+            <a:schemeClr val="accent1"/>
+          </a:effectRef>
+          <a:fontRef idx="minor">
+            <a:schemeClr val="lt1"/>
+          </a:fontRef>
+        </p:style>
+        <p:txBody>
+          <a:bodyPr rtlCol="0" anchor="ctr"/>
+          <a:lstStyle/>
+          <a:p>
+            <a:pPr algn="ctr"/>
+            <a:endParaRPr lang="en-US"/>
+          </a:p>
+        </p:txBody>
+      </p:sp>
+      <p:sp>
+        <p:nvSpPr>
+          <p:cNvPr id="36" name="Rectangle 35">
+            <a:extLst>
+              <a:ext uri="{FF2B5EF4-FFF2-40B4-BE49-F238E27FC236}">
+                <a16:creationId xmlns:a16="http://schemas.microsoft.com/office/drawing/2014/main" id="{77F33261-1705-44F4-B179-30C0E320D613}"/>
+              </a:ext>
+            </a:extLst>
+          </p:cNvPr>
+          <p:cNvSpPr/>
+          <p:nvPr/>
+        </p:nvSpPr>
+        <p:spPr>
+          <a:xfrm>
+            <a:off x="7701011" y="3601253"/>
+            <a:ext cx="414874" cy="360027"/>
+          </a:xfrm>
+          <a:prstGeom prst="rect">
+            <a:avLst/>
+          </a:prstGeom>
+          <a:noFill/>
+          <a:ln w="19050">
+            <a:solidFill>
+              <a:srgbClr val="FF0000"/>
+            </a:solidFill>
+          </a:ln>
+        </p:spPr>
+        <p:style>
+          <a:lnRef idx="2">
+            <a:schemeClr val="accent1">
+              <a:shade val="50000"/>
+            </a:schemeClr>
+          </a:lnRef>
+          <a:fillRef idx="1">
+            <a:schemeClr val="accent1"/>
+          </a:fillRef>
+          <a:effectRef idx="0">
+            <a:schemeClr val="accent1"/>
+          </a:effectRef>
+          <a:fontRef idx="minor">
+            <a:schemeClr val="lt1"/>
+          </a:fontRef>
+        </p:style>
+        <p:txBody>
+          <a:bodyPr rtlCol="0" anchor="ctr"/>
+          <a:lstStyle/>
+          <a:p>
+            <a:pPr algn="ctr"/>
+            <a:endParaRPr lang="en-US"/>
+          </a:p>
+        </p:txBody>
+      </p:sp>
+      <p:sp>
+        <p:nvSpPr>
+          <p:cNvPr id="37" name="Rectangle 36">
+            <a:extLst>
+              <a:ext uri="{FF2B5EF4-FFF2-40B4-BE49-F238E27FC236}">
+                <a16:creationId xmlns:a16="http://schemas.microsoft.com/office/drawing/2014/main" id="{CD2D4205-4888-4CFA-83C3-4CCD199776AC}"/>
+              </a:ext>
+            </a:extLst>
+          </p:cNvPr>
+          <p:cNvSpPr/>
+          <p:nvPr/>
+        </p:nvSpPr>
+        <p:spPr>
+          <a:xfrm>
+            <a:off x="8115885" y="3601252"/>
+            <a:ext cx="414874" cy="360027"/>
+          </a:xfrm>
+          <a:prstGeom prst="rect">
+            <a:avLst/>
+          </a:prstGeom>
+          <a:noFill/>
+          <a:ln w="19050">
+            <a:solidFill>
+              <a:srgbClr val="FF0000"/>
+            </a:solidFill>
+          </a:ln>
+        </p:spPr>
+        <p:style>
+          <a:lnRef idx="2">
+            <a:schemeClr val="accent1">
+              <a:shade val="50000"/>
+            </a:schemeClr>
+          </a:lnRef>
+          <a:fillRef idx="1">
+            <a:schemeClr val="accent1"/>
+          </a:fillRef>
+          <a:effectRef idx="0">
+            <a:schemeClr val="accent1"/>
+          </a:effectRef>
+          <a:fontRef idx="minor">
+            <a:schemeClr val="lt1"/>
+          </a:fontRef>
+        </p:style>
+        <p:txBody>
+          <a:bodyPr rtlCol="0" anchor="ctr"/>
+          <a:lstStyle/>
+          <a:p>
+            <a:pPr algn="ctr"/>
+            <a:endParaRPr lang="en-US"/>
+          </a:p>
+        </p:txBody>
+      </p:sp>
+      <p:sp>
+        <p:nvSpPr>
+          <p:cNvPr id="38" name="Rectangle 37">
+            <a:extLst>
+              <a:ext uri="{FF2B5EF4-FFF2-40B4-BE49-F238E27FC236}">
+                <a16:creationId xmlns:a16="http://schemas.microsoft.com/office/drawing/2014/main" id="{89D86B13-ECD0-44C6-89DA-2BF39447A41D}"/>
+              </a:ext>
+            </a:extLst>
+          </p:cNvPr>
+          <p:cNvSpPr/>
+          <p:nvPr/>
+        </p:nvSpPr>
+        <p:spPr>
+          <a:xfrm>
+            <a:off x="8530759" y="3601252"/>
+            <a:ext cx="414874" cy="360027"/>
+          </a:xfrm>
+          <a:prstGeom prst="rect">
+            <a:avLst/>
+          </a:prstGeom>
+          <a:noFill/>
+          <a:ln w="19050">
+            <a:solidFill>
+              <a:srgbClr val="FF0000"/>
+            </a:solidFill>
+          </a:ln>
+        </p:spPr>
+        <p:style>
+          <a:lnRef idx="2">
+            <a:schemeClr val="accent1">
+              <a:shade val="50000"/>
+            </a:schemeClr>
+          </a:lnRef>
+          <a:fillRef idx="1">
+            <a:schemeClr val="accent1"/>
+          </a:fillRef>
+          <a:effectRef idx="0">
+            <a:schemeClr val="accent1"/>
+          </a:effectRef>
+          <a:fontRef idx="minor">
+            <a:schemeClr val="lt1"/>
+          </a:fontRef>
+        </p:style>
+        <p:txBody>
+          <a:bodyPr rtlCol="0" anchor="ctr"/>
+          <a:lstStyle/>
+          <a:p>
+            <a:pPr algn="ctr"/>
+            <a:endParaRPr lang="en-US"/>
+          </a:p>
+        </p:txBody>
+      </p:sp>
     </p:spTree>
     <p:extLst>
       <p:ext uri="{BB962C8B-B14F-4D97-AF65-F5344CB8AC3E}">
-        <p14:creationId xmlns:p14="http://schemas.microsoft.com/office/powerpoint/2010/main" val="1225181748"/>
+        <p14:creationId xmlns:p14="http://schemas.microsoft.com/office/powerpoint/2010/main" val="268234039"/>
       </p:ext>
     </p:extLst>
   </p:cSld>
@@ -7627,15 +9601,75 @@
           <a:p>
             <a:r>
               <a:rPr lang="en-US" sz="3200" dirty="0"/>
-              <a:t>Implementation </a:t>
-            </a:r>
+              <a:t>Implementation - HSV</a:t>
+            </a:r>
+          </a:p>
+        </p:txBody>
+      </p:sp>
+      <p:sp>
+        <p:nvSpPr>
+          <p:cNvPr id="12" name="Content Placeholder 11">
+            <a:extLst>
+              <a:ext uri="{FF2B5EF4-FFF2-40B4-BE49-F238E27FC236}">
+                <a16:creationId xmlns:a16="http://schemas.microsoft.com/office/drawing/2014/main" id="{C6DF86BE-E389-425F-A026-F48DEB5CBAA3}"/>
+              </a:ext>
+            </a:extLst>
+          </p:cNvPr>
+          <p:cNvSpPr>
+            <a:spLocks noGrp="1"/>
+          </p:cNvSpPr>
+          <p:nvPr>
+            <p:ph idx="1"/>
+          </p:nvPr>
+        </p:nvSpPr>
+        <p:spPr/>
+        <p:txBody>
+          <a:bodyPr/>
+          <a:lstStyle/>
+          <a:p>
             <a:r>
               <a:rPr lang="en-US" dirty="0"/>
-              <a:t>-</a:t>
-            </a:r>
-            <a:r>
-              <a:rPr lang="en-US" sz="3200" dirty="0"/>
-              <a:t> HSV (cont.)</a:t>
+              <a:t>Found other color models during research</a:t>
+            </a:r>
+          </a:p>
+          <a:p>
+            <a:pPr lvl="1"/>
+            <a:r>
+              <a:rPr lang="en-US" dirty="0"/>
+              <a:t>Color data represented in ways besides RGB model</a:t>
+            </a:r>
+          </a:p>
+          <a:p>
+            <a:r>
+              <a:rPr lang="en-US" dirty="0"/>
+              <a:t>Chose to implement Hue, Saturation, and Value (HSV) color model</a:t>
+            </a:r>
+          </a:p>
+          <a:p>
+            <a:pPr lvl="1"/>
+            <a:r>
+              <a:rPr lang="en-US" dirty="0"/>
+              <a:t>Hue indicates how similar a color is to red, green, or blue</a:t>
+            </a:r>
+          </a:p>
+          <a:p>
+            <a:pPr lvl="1"/>
+            <a:r>
+              <a:rPr lang="en-US" dirty="0"/>
+              <a:t>Saturation refers to intensity/purity of a color</a:t>
+            </a:r>
+          </a:p>
+          <a:p>
+            <a:pPr lvl="1"/>
+            <a:r>
+              <a:rPr lang="en-US" dirty="0"/>
+              <a:t>Value represents the maximum value of the RGB components</a:t>
+            </a:r>
+          </a:p>
+          <a:p>
+            <a:r>
+              <a:rPr lang="en-US" dirty="0"/>
+              <a:t>Could now compare three image kernels across multiple color models</a:t>
             </a:r>
           </a:p>
         </p:txBody>
@@ -7664,6 +9698,103 @@
             <a:fld id="{519954A3-9DFD-4C44-94BA-B95130A3BA1C}" type="slidenum">
               <a:rPr lang="en-US" smtClean="0"/>
               <a:t>11</a:t>
+            </a:fld>
+            <a:endParaRPr lang="en-US" dirty="0"/>
+          </a:p>
+        </p:txBody>
+      </p:sp>
+    </p:spTree>
+    <p:extLst>
+      <p:ext uri="{BB962C8B-B14F-4D97-AF65-F5344CB8AC3E}">
+        <p14:creationId xmlns:p14="http://schemas.microsoft.com/office/powerpoint/2010/main" val="1225181748"/>
+      </p:ext>
+    </p:extLst>
+  </p:cSld>
+  <p:clrMapOvr>
+    <a:masterClrMapping/>
+  </p:clrMapOvr>
+</p:sld>
+</file>
+
+<file path=ppt/slides/slide12.xml><?xml version="1.0" encoding="utf-8"?>
+<p:sld xmlns:a="http://schemas.openxmlformats.org/drawingml/2006/main" xmlns:r="http://schemas.openxmlformats.org/officeDocument/2006/relationships" xmlns:p="http://schemas.openxmlformats.org/presentationml/2006/main">
+  <p:cSld>
+    <p:spTree>
+      <p:nvGrpSpPr>
+        <p:cNvPr id="1" name=""/>
+        <p:cNvGrpSpPr/>
+        <p:nvPr/>
+      </p:nvGrpSpPr>
+      <p:grpSpPr>
+        <a:xfrm>
+          <a:off x="0" y="0"/>
+          <a:ext cx="0" cy="0"/>
+          <a:chOff x="0" y="0"/>
+          <a:chExt cx="0" cy="0"/>
+        </a:xfrm>
+      </p:grpSpPr>
+      <p:sp>
+        <p:nvSpPr>
+          <p:cNvPr id="11" name="Title 10">
+            <a:extLst>
+              <a:ext uri="{FF2B5EF4-FFF2-40B4-BE49-F238E27FC236}">
+                <a16:creationId xmlns:a16="http://schemas.microsoft.com/office/drawing/2014/main" id="{5C5CE3FB-B758-4DB2-82E4-DE84BD35A15E}"/>
+              </a:ext>
+            </a:extLst>
+          </p:cNvPr>
+          <p:cNvSpPr>
+            <a:spLocks noGrp="1"/>
+          </p:cNvSpPr>
+          <p:nvPr>
+            <p:ph type="title"/>
+          </p:nvPr>
+        </p:nvSpPr>
+        <p:spPr/>
+        <p:txBody>
+          <a:bodyPr>
+            <a:normAutofit/>
+          </a:bodyPr>
+          <a:lstStyle/>
+          <a:p>
+            <a:r>
+              <a:rPr lang="en-US" sz="3200" dirty="0"/>
+              <a:t>Implementation </a:t>
+            </a:r>
+            <a:r>
+              <a:rPr lang="en-US" dirty="0"/>
+              <a:t>-</a:t>
+            </a:r>
+            <a:r>
+              <a:rPr lang="en-US" sz="3200" dirty="0"/>
+              <a:t> HSV (cont.)</a:t>
+            </a:r>
+          </a:p>
+        </p:txBody>
+      </p:sp>
+      <p:sp>
+        <p:nvSpPr>
+          <p:cNvPr id="2" name="Slide Number Placeholder 1">
+            <a:extLst>
+              <a:ext uri="{FF2B5EF4-FFF2-40B4-BE49-F238E27FC236}">
+                <a16:creationId xmlns:a16="http://schemas.microsoft.com/office/drawing/2014/main" id="{BC6AFEE9-74DA-4A35-B09B-8468E1629642}"/>
+              </a:ext>
+            </a:extLst>
+          </p:cNvPr>
+          <p:cNvSpPr>
+            <a:spLocks noGrp="1"/>
+          </p:cNvSpPr>
+          <p:nvPr>
+            <p:ph type="sldNum" sz="quarter" idx="12"/>
+          </p:nvPr>
+        </p:nvSpPr>
+        <p:spPr/>
+        <p:txBody>
+          <a:bodyPr/>
+          <a:lstStyle/>
+          <a:p>
+            <a:fld id="{519954A3-9DFD-4C44-94BA-B95130A3BA1C}" type="slidenum">
+              <a:rPr lang="en-US" smtClean="0"/>
+              <a:t>12</a:t>
             </a:fld>
             <a:endParaRPr lang="en-US" dirty="0"/>
           </a:p>
@@ -7881,7 +10012,7 @@
 </p:sld>
 </file>
 
-<file path=ppt/slides/slide12.xml><?xml version="1.0" encoding="utf-8"?>
+<file path=ppt/slides/slide13.xml><?xml version="1.0" encoding="utf-8"?>
 <p:sld xmlns:a="http://schemas.openxmlformats.org/drawingml/2006/main" xmlns:r="http://schemas.openxmlformats.org/officeDocument/2006/relationships" xmlns:p="http://schemas.openxmlformats.org/presentationml/2006/main">
   <p:cSld>
     <p:spTree>
@@ -7951,7 +10082,7 @@
           <a:p>
             <a:fld id="{519954A3-9DFD-4C44-94BA-B95130A3BA1C}" type="slidenum">
               <a:rPr lang="en-US" smtClean="0"/>
-              <a:t>12</a:t>
+              <a:t>13</a:t>
             </a:fld>
             <a:endParaRPr lang="en-US" dirty="0"/>
           </a:p>
@@ -8235,7 +10366,7 @@
 </p:sld>
 </file>
 
-<file path=ppt/slides/slide13.xml><?xml version="1.0" encoding="utf-8"?>
+<file path=ppt/slides/slide14.xml><?xml version="1.0" encoding="utf-8"?>
 <p:sld xmlns:a="http://schemas.openxmlformats.org/drawingml/2006/main" xmlns:r="http://schemas.openxmlformats.org/officeDocument/2006/relationships" xmlns:p="http://schemas.openxmlformats.org/presentationml/2006/main">
   <p:cSld>
     <p:spTree>
@@ -8305,7 +10436,7 @@
           <a:p>
             <a:fld id="{519954A3-9DFD-4C44-94BA-B95130A3BA1C}" type="slidenum">
               <a:rPr lang="en-US" smtClean="0"/>
-              <a:t>13</a:t>
+              <a:t>14</a:t>
             </a:fld>
             <a:endParaRPr lang="en-US" dirty="0"/>
           </a:p>
@@ -8576,7 +10707,7 @@
 </p:sld>
 </file>
 
-<file path=ppt/slides/slide14.xml><?xml version="1.0" encoding="utf-8"?>
+<file path=ppt/slides/slide15.xml><?xml version="1.0" encoding="utf-8"?>
 <p:sld xmlns:a="http://schemas.openxmlformats.org/drawingml/2006/main" xmlns:r="http://schemas.openxmlformats.org/officeDocument/2006/relationships" xmlns:p="http://schemas.openxmlformats.org/presentationml/2006/main">
   <p:cSld>
     <p:spTree>
@@ -8646,7 +10777,7 @@
           <a:p>
             <a:fld id="{519954A3-9DFD-4C44-94BA-B95130A3BA1C}" type="slidenum">
               <a:rPr lang="en-US" smtClean="0"/>
-              <a:t>14</a:t>
+              <a:t>15</a:t>
             </a:fld>
             <a:endParaRPr lang="en-US" dirty="0"/>
           </a:p>
@@ -8924,7 +11055,7 @@
 </p:sld>
 </file>
 
-<file path=ppt/slides/slide15.xml><?xml version="1.0" encoding="utf-8"?>
+<file path=ppt/slides/slide16.xml><?xml version="1.0" encoding="utf-8"?>
 <p:sld xmlns:a="http://schemas.openxmlformats.org/drawingml/2006/main" xmlns:r="http://schemas.openxmlformats.org/officeDocument/2006/relationships" xmlns:p="http://schemas.openxmlformats.org/presentationml/2006/main">
   <p:cSld>
     <p:spTree>
@@ -8992,7 +11123,7 @@
           <a:p>
             <a:fld id="{519954A3-9DFD-4C44-94BA-B95130A3BA1C}" type="slidenum">
               <a:rPr lang="en-US" smtClean="0"/>
-              <a:t>15</a:t>
+              <a:t>16</a:t>
             </a:fld>
             <a:endParaRPr lang="en-US" dirty="0"/>
           </a:p>
@@ -12253,7 +14384,7 @@
 </p:sld>
 </file>
 
-<file path=ppt/slides/slide16.xml><?xml version="1.0" encoding="utf-8"?>
+<file path=ppt/slides/slide17.xml><?xml version="1.0" encoding="utf-8"?>
 <p:sld xmlns:a="http://schemas.openxmlformats.org/drawingml/2006/main" xmlns:r="http://schemas.openxmlformats.org/officeDocument/2006/relationships" xmlns:p="http://schemas.openxmlformats.org/presentationml/2006/main">
   <p:cSld>
     <p:spTree>
@@ -12321,7 +14452,7 @@
           <a:p>
             <a:fld id="{519954A3-9DFD-4C44-94BA-B95130A3BA1C}" type="slidenum">
               <a:rPr lang="en-US" smtClean="0"/>
-              <a:t>16</a:t>
+              <a:t>17</a:t>
             </a:fld>
             <a:endParaRPr lang="en-US" dirty="0"/>
           </a:p>
@@ -12375,7 +14506,7 @@
           <p:nvPr/>
         </p:nvPicPr>
         <p:blipFill>
-          <a:blip r:embed="rId2"/>
+          <a:blip r:embed="rId3"/>
           <a:stretch>
             <a:fillRect/>
           </a:stretch>
@@ -12403,183 +14534,6 @@
 </p:sld>
 </file>
 
-<file path=ppt/slides/slide17.xml><?xml version="1.0" encoding="utf-8"?>
-<p:sld xmlns:a="http://schemas.openxmlformats.org/drawingml/2006/main" xmlns:r="http://schemas.openxmlformats.org/officeDocument/2006/relationships" xmlns:p="http://schemas.openxmlformats.org/presentationml/2006/main">
-  <p:cSld>
-    <p:spTree>
-      <p:nvGrpSpPr>
-        <p:cNvPr id="1" name=""/>
-        <p:cNvGrpSpPr/>
-        <p:nvPr/>
-      </p:nvGrpSpPr>
-      <p:grpSpPr>
-        <a:xfrm>
-          <a:off x="0" y="0"/>
-          <a:ext cx="0" cy="0"/>
-          <a:chOff x="0" y="0"/>
-          <a:chExt cx="0" cy="0"/>
-        </a:xfrm>
-      </p:grpSpPr>
-      <p:sp>
-        <p:nvSpPr>
-          <p:cNvPr id="2" name="Title 1">
-            <a:extLst>
-              <a:ext uri="{FF2B5EF4-FFF2-40B4-BE49-F238E27FC236}">
-                <a16:creationId xmlns:a16="http://schemas.microsoft.com/office/drawing/2014/main" id="{700A0751-884F-4812-BA1E-7889CDC72FCF}"/>
-              </a:ext>
-            </a:extLst>
-          </p:cNvPr>
-          <p:cNvSpPr>
-            <a:spLocks noGrp="1"/>
-          </p:cNvSpPr>
-          <p:nvPr>
-            <p:ph type="title"/>
-          </p:nvPr>
-        </p:nvSpPr>
-        <p:spPr/>
-        <p:txBody>
-          <a:bodyPr/>
-          <a:lstStyle/>
-          <a:p>
-            <a:r>
-              <a:rPr lang="en-US" dirty="0"/>
-              <a:t>Conclusion</a:t>
-            </a:r>
-          </a:p>
-        </p:txBody>
-      </p:sp>
-      <p:sp>
-        <p:nvSpPr>
-          <p:cNvPr id="3" name="Content Placeholder 2">
-            <a:extLst>
-              <a:ext uri="{FF2B5EF4-FFF2-40B4-BE49-F238E27FC236}">
-                <a16:creationId xmlns:a16="http://schemas.microsoft.com/office/drawing/2014/main" id="{BDE134ED-3202-4D85-BC70-47FE23F708DE}"/>
-              </a:ext>
-            </a:extLst>
-          </p:cNvPr>
-          <p:cNvSpPr>
-            <a:spLocks noGrp="1"/>
-          </p:cNvSpPr>
-          <p:nvPr>
-            <p:ph idx="1"/>
-          </p:nvPr>
-        </p:nvSpPr>
-        <p:spPr/>
-        <p:txBody>
-          <a:bodyPr>
-            <a:normAutofit fontScale="92500" lnSpcReduction="10000"/>
-          </a:bodyPr>
-          <a:lstStyle/>
-          <a:p>
-            <a:r>
-              <a:rPr lang="en-US" dirty="0"/>
-              <a:t>GPU considerably better than CPU processing image data in SIMD fashion</a:t>
-            </a:r>
-          </a:p>
-          <a:p>
-            <a:pPr lvl="1"/>
-            <a:r>
-              <a:rPr lang="en-US" dirty="0"/>
-              <a:t>Discrepancy grows substantially as image data size increases</a:t>
-            </a:r>
-          </a:p>
-          <a:p>
-            <a:pPr lvl="1"/>
-            <a:r>
-              <a:rPr lang="en-US" dirty="0"/>
-              <a:t>CPU would have better results with multithreading support</a:t>
-            </a:r>
-          </a:p>
-          <a:p>
-            <a:r>
-              <a:rPr lang="en-US" dirty="0"/>
-              <a:t>Shared memory kernel outperformed global memory kernel</a:t>
-            </a:r>
-          </a:p>
-          <a:p>
-            <a:r>
-              <a:rPr lang="en-US" dirty="0"/>
-              <a:t>Pros and cons of each gradient operator made evident by RGB/grayscale and HSV color model output</a:t>
-            </a:r>
-          </a:p>
-          <a:p>
-            <a:r>
-              <a:rPr lang="en-US" dirty="0"/>
-              <a:t>Possible project extensions and improvements</a:t>
-            </a:r>
-          </a:p>
-          <a:p>
-            <a:pPr lvl="1"/>
-            <a:r>
-              <a:rPr lang="en-US" dirty="0"/>
-              <a:t>Implement additional edge detection algorithms, gradient operators, and color models</a:t>
-            </a:r>
-          </a:p>
-          <a:p>
-            <a:pPr lvl="1"/>
-            <a:r>
-              <a:rPr lang="en-US" dirty="0"/>
-              <a:t>Utilize pixel thresholds to reduce noise in output</a:t>
-            </a:r>
-          </a:p>
-          <a:p>
-            <a:pPr lvl="1"/>
-            <a:r>
-              <a:rPr lang="en-US" dirty="0"/>
-              <a:t>Analyze filtered image data further using object/pattern recognition algorithms</a:t>
-            </a:r>
-          </a:p>
-          <a:p>
-            <a:pPr lvl="1"/>
-            <a:r>
-              <a:rPr lang="en-US" dirty="0"/>
-              <a:t>Utilize texture memory, NPP library, and/or different block sizes for potential GPU improvements</a:t>
-            </a:r>
-          </a:p>
-        </p:txBody>
-      </p:sp>
-      <p:sp>
-        <p:nvSpPr>
-          <p:cNvPr id="4" name="Slide Number Placeholder 3">
-            <a:extLst>
-              <a:ext uri="{FF2B5EF4-FFF2-40B4-BE49-F238E27FC236}">
-                <a16:creationId xmlns:a16="http://schemas.microsoft.com/office/drawing/2014/main" id="{B7A8CC1C-6EDB-44AC-B03B-4B846D32FD24}"/>
-              </a:ext>
-            </a:extLst>
-          </p:cNvPr>
-          <p:cNvSpPr>
-            <a:spLocks noGrp="1"/>
-          </p:cNvSpPr>
-          <p:nvPr>
-            <p:ph type="sldNum" sz="quarter" idx="12"/>
-          </p:nvPr>
-        </p:nvSpPr>
-        <p:spPr/>
-        <p:txBody>
-          <a:bodyPr/>
-          <a:lstStyle/>
-          <a:p>
-            <a:fld id="{519954A3-9DFD-4C44-94BA-B95130A3BA1C}" type="slidenum">
-              <a:rPr lang="en-US" smtClean="0"/>
-              <a:t>17</a:t>
-            </a:fld>
-            <a:endParaRPr lang="en-US" dirty="0"/>
-          </a:p>
-        </p:txBody>
-      </p:sp>
-    </p:spTree>
-    <p:extLst>
-      <p:ext uri="{BB962C8B-B14F-4D97-AF65-F5344CB8AC3E}">
-        <p14:creationId xmlns:p14="http://schemas.microsoft.com/office/powerpoint/2010/main" val="1513651143"/>
-      </p:ext>
-    </p:extLst>
-  </p:cSld>
-  <p:clrMapOvr>
-    <a:masterClrMapping/>
-  </p:clrMapOvr>
-</p:sld>
-</file>
-
 <file path=ppt/slides/slide18.xml><?xml version="1.0" encoding="utf-8"?>
 <p:sld xmlns:a="http://schemas.openxmlformats.org/drawingml/2006/main" xmlns:r="http://schemas.openxmlformats.org/officeDocument/2006/relationships" xmlns:p="http://schemas.openxmlformats.org/presentationml/2006/main">
   <p:cSld>
@@ -12620,7 +14574,7 @@
           <a:p>
             <a:r>
               <a:rPr lang="en-US" dirty="0"/>
-              <a:t>Works Cited</a:t>
+              <a:t>Conclusion</a:t>
             </a:r>
           </a:p>
         </p:txBody>
@@ -12643,6 +14597,183 @@
         </p:nvSpPr>
         <p:spPr/>
         <p:txBody>
+          <a:bodyPr>
+            <a:normAutofit fontScale="92500" lnSpcReduction="10000"/>
+          </a:bodyPr>
+          <a:lstStyle/>
+          <a:p>
+            <a:r>
+              <a:rPr lang="en-US" dirty="0"/>
+              <a:t>GPU considerably better than CPU processing image data in SIMD fashion</a:t>
+            </a:r>
+          </a:p>
+          <a:p>
+            <a:pPr lvl="1"/>
+            <a:r>
+              <a:rPr lang="en-US" dirty="0"/>
+              <a:t>Discrepancy grows substantially as image data size increases</a:t>
+            </a:r>
+          </a:p>
+          <a:p>
+            <a:pPr lvl="1"/>
+            <a:r>
+              <a:rPr lang="en-US" dirty="0"/>
+              <a:t>CPU would have better results with multithreading support</a:t>
+            </a:r>
+          </a:p>
+          <a:p>
+            <a:r>
+              <a:rPr lang="en-US" dirty="0"/>
+              <a:t>Shared memory kernel outperformed global memory kernel</a:t>
+            </a:r>
+          </a:p>
+          <a:p>
+            <a:r>
+              <a:rPr lang="en-US" dirty="0"/>
+              <a:t>Pros and cons of each gradient operator made evident by RGB/grayscale and HSV color model output</a:t>
+            </a:r>
+          </a:p>
+          <a:p>
+            <a:r>
+              <a:rPr lang="en-US" dirty="0"/>
+              <a:t>Possible project extensions and improvements</a:t>
+            </a:r>
+          </a:p>
+          <a:p>
+            <a:pPr lvl="1"/>
+            <a:r>
+              <a:rPr lang="en-US" dirty="0"/>
+              <a:t>Implement additional edge detection algorithms, gradient operators, and color models</a:t>
+            </a:r>
+          </a:p>
+          <a:p>
+            <a:pPr lvl="1"/>
+            <a:r>
+              <a:rPr lang="en-US" dirty="0"/>
+              <a:t>Utilize pixel thresholds to reduce noise in output</a:t>
+            </a:r>
+          </a:p>
+          <a:p>
+            <a:pPr lvl="1"/>
+            <a:r>
+              <a:rPr lang="en-US" dirty="0"/>
+              <a:t>Analyze filtered image data further using object/pattern recognition algorithms</a:t>
+            </a:r>
+          </a:p>
+          <a:p>
+            <a:pPr lvl="1"/>
+            <a:r>
+              <a:rPr lang="en-US" dirty="0"/>
+              <a:t>Utilize texture memory, NPP library, and/or different block sizes for potential GPU improvements</a:t>
+            </a:r>
+          </a:p>
+        </p:txBody>
+      </p:sp>
+      <p:sp>
+        <p:nvSpPr>
+          <p:cNvPr id="4" name="Slide Number Placeholder 3">
+            <a:extLst>
+              <a:ext uri="{FF2B5EF4-FFF2-40B4-BE49-F238E27FC236}">
+                <a16:creationId xmlns:a16="http://schemas.microsoft.com/office/drawing/2014/main" id="{B7A8CC1C-6EDB-44AC-B03B-4B846D32FD24}"/>
+              </a:ext>
+            </a:extLst>
+          </p:cNvPr>
+          <p:cNvSpPr>
+            <a:spLocks noGrp="1"/>
+          </p:cNvSpPr>
+          <p:nvPr>
+            <p:ph type="sldNum" sz="quarter" idx="12"/>
+          </p:nvPr>
+        </p:nvSpPr>
+        <p:spPr/>
+        <p:txBody>
+          <a:bodyPr/>
+          <a:lstStyle/>
+          <a:p>
+            <a:fld id="{519954A3-9DFD-4C44-94BA-B95130A3BA1C}" type="slidenum">
+              <a:rPr lang="en-US" smtClean="0"/>
+              <a:t>18</a:t>
+            </a:fld>
+            <a:endParaRPr lang="en-US" dirty="0"/>
+          </a:p>
+        </p:txBody>
+      </p:sp>
+    </p:spTree>
+    <p:extLst>
+      <p:ext uri="{BB962C8B-B14F-4D97-AF65-F5344CB8AC3E}">
+        <p14:creationId xmlns:p14="http://schemas.microsoft.com/office/powerpoint/2010/main" val="1513651143"/>
+      </p:ext>
+    </p:extLst>
+  </p:cSld>
+  <p:clrMapOvr>
+    <a:masterClrMapping/>
+  </p:clrMapOvr>
+</p:sld>
+</file>
+
+<file path=ppt/slides/slide19.xml><?xml version="1.0" encoding="utf-8"?>
+<p:sld xmlns:a="http://schemas.openxmlformats.org/drawingml/2006/main" xmlns:r="http://schemas.openxmlformats.org/officeDocument/2006/relationships" xmlns:p="http://schemas.openxmlformats.org/presentationml/2006/main">
+  <p:cSld>
+    <p:spTree>
+      <p:nvGrpSpPr>
+        <p:cNvPr id="1" name=""/>
+        <p:cNvGrpSpPr/>
+        <p:nvPr/>
+      </p:nvGrpSpPr>
+      <p:grpSpPr>
+        <a:xfrm>
+          <a:off x="0" y="0"/>
+          <a:ext cx="0" cy="0"/>
+          <a:chOff x="0" y="0"/>
+          <a:chExt cx="0" cy="0"/>
+        </a:xfrm>
+      </p:grpSpPr>
+      <p:sp>
+        <p:nvSpPr>
+          <p:cNvPr id="2" name="Title 1">
+            <a:extLst>
+              <a:ext uri="{FF2B5EF4-FFF2-40B4-BE49-F238E27FC236}">
+                <a16:creationId xmlns:a16="http://schemas.microsoft.com/office/drawing/2014/main" id="{700A0751-884F-4812-BA1E-7889CDC72FCF}"/>
+              </a:ext>
+            </a:extLst>
+          </p:cNvPr>
+          <p:cNvSpPr>
+            <a:spLocks noGrp="1"/>
+          </p:cNvSpPr>
+          <p:nvPr>
+            <p:ph type="title"/>
+          </p:nvPr>
+        </p:nvSpPr>
+        <p:spPr/>
+        <p:txBody>
+          <a:bodyPr/>
+          <a:lstStyle/>
+          <a:p>
+            <a:r>
+              <a:rPr lang="en-US" dirty="0"/>
+              <a:t>Works Cited</a:t>
+            </a:r>
+          </a:p>
+        </p:txBody>
+      </p:sp>
+      <p:sp>
+        <p:nvSpPr>
+          <p:cNvPr id="3" name="Content Placeholder 2">
+            <a:extLst>
+              <a:ext uri="{FF2B5EF4-FFF2-40B4-BE49-F238E27FC236}">
+                <a16:creationId xmlns:a16="http://schemas.microsoft.com/office/drawing/2014/main" id="{BDE134ED-3202-4D85-BC70-47FE23F708DE}"/>
+              </a:ext>
+            </a:extLst>
+          </p:cNvPr>
+          <p:cNvSpPr>
+            <a:spLocks noGrp="1"/>
+          </p:cNvSpPr>
+          <p:nvPr>
+            <p:ph idx="1"/>
+          </p:nvPr>
+        </p:nvSpPr>
+        <p:spPr/>
+        <p:txBody>
           <a:bodyPr/>
           <a:lstStyle/>
           <a:p>
@@ -12702,7 +14833,7 @@
           <a:p>
             <a:fld id="{519954A3-9DFD-4C44-94BA-B95130A3BA1C}" type="slidenum">
               <a:rPr lang="en-US" smtClean="0"/>
-              <a:t>18</a:t>
+              <a:t>19</a:t>
             </a:fld>
             <a:endParaRPr lang="en-US" dirty="0"/>
           </a:p>
@@ -12740,10 +14871,10 @@
       </p:grpSpPr>
       <p:sp>
         <p:nvSpPr>
-          <p:cNvPr id="11" name="Title 10">
+          <p:cNvPr id="2" name="Title 1">
             <a:extLst>
               <a:ext uri="{FF2B5EF4-FFF2-40B4-BE49-F238E27FC236}">
-                <a16:creationId xmlns:a16="http://schemas.microsoft.com/office/drawing/2014/main" id="{5C5CE3FB-B758-4DB2-82E4-DE84BD35A15E}"/>
+                <a16:creationId xmlns:a16="http://schemas.microsoft.com/office/drawing/2014/main" id="{85C3E6FA-0C5D-496A-84E9-52CE0644F350}"/>
               </a:ext>
             </a:extLst>
           </p:cNvPr>
@@ -12756,24 +14887,22 @@
         </p:nvSpPr>
         <p:spPr/>
         <p:txBody>
-          <a:bodyPr>
-            <a:normAutofit/>
-          </a:bodyPr>
-          <a:lstStyle/>
-          <a:p>
-            <a:r>
-              <a:rPr lang="en-US" sz="3200" dirty="0"/>
-              <a:t>Project Overview</a:t>
-            </a:r>
-          </a:p>
-        </p:txBody>
-      </p:sp>
-      <p:sp>
-        <p:nvSpPr>
-          <p:cNvPr id="12" name="Content Placeholder 11">
+          <a:bodyPr/>
+          <a:lstStyle/>
+          <a:p>
+            <a:r>
+              <a:rPr lang="en-US" dirty="0"/>
+              <a:t>Agenda</a:t>
+            </a:r>
+          </a:p>
+        </p:txBody>
+      </p:sp>
+      <p:sp>
+        <p:nvSpPr>
+          <p:cNvPr id="3" name="Content Placeholder 2">
             <a:extLst>
               <a:ext uri="{FF2B5EF4-FFF2-40B4-BE49-F238E27FC236}">
-                <a16:creationId xmlns:a16="http://schemas.microsoft.com/office/drawing/2014/main" id="{C6DF86BE-E389-425F-A026-F48DEB5CBAA3}"/>
+                <a16:creationId xmlns:a16="http://schemas.microsoft.com/office/drawing/2014/main" id="{F28A9BEA-9643-4F11-96B1-1C879D166AE7}"/>
               </a:ext>
             </a:extLst>
           </p:cNvPr>
@@ -12786,84 +14915,82 @@
         </p:nvSpPr>
         <p:spPr/>
         <p:txBody>
-          <a:bodyPr>
-            <a:normAutofit/>
-          </a:bodyPr>
+          <a:bodyPr/>
           <a:lstStyle/>
           <a:p>
             <a:r>
               <a:rPr lang="en-US" dirty="0"/>
-              <a:t>Wanted to explore Image Processing</a:t>
+              <a:t>Project Overview</a:t>
+            </a:r>
+          </a:p>
+          <a:p>
+            <a:r>
+              <a:rPr lang="en-US" dirty="0"/>
+              <a:t>Implementation</a:t>
             </a:r>
           </a:p>
           <a:p>
             <a:pPr lvl="1"/>
             <a:r>
               <a:rPr lang="en-US" dirty="0"/>
-              <a:t>Deep and interesting field</a:t>
+              <a:t>Convolution and Kernels</a:t>
             </a:r>
           </a:p>
           <a:p>
             <a:pPr lvl="1"/>
             <a:r>
               <a:rPr lang="en-US" dirty="0"/>
-              <a:t>Images can be broken down into blocks of data</a:t>
-            </a:r>
-          </a:p>
-          <a:p>
+              <a:t>General Approach</a:t>
+            </a:r>
+          </a:p>
+          <a:p>
+            <a:pPr lvl="1"/>
             <a:r>
               <a:rPr lang="en-US" dirty="0"/>
-              <a:t>Chose Edge Detection to focus scope of project</a:t>
-            </a:r>
-          </a:p>
-          <a:p>
+              <a:t>CPU and GPU Approach</a:t>
+            </a:r>
+          </a:p>
+          <a:p>
+            <a:pPr lvl="1"/>
             <a:r>
               <a:rPr lang="en-US" dirty="0"/>
-              <a:t>Edge Detection is a deep topic as well</a:t>
+              <a:t>HSV</a:t>
+            </a:r>
+          </a:p>
+          <a:p>
+            <a:r>
+              <a:rPr lang="en-US" dirty="0"/>
+              <a:t>Analysis</a:t>
             </a:r>
           </a:p>
           <a:p>
             <a:pPr lvl="1"/>
             <a:r>
               <a:rPr lang="en-US" dirty="0"/>
-              <a:t>Needed specific algorithm</a:t>
+              <a:t>Grayscale vs HSV</a:t>
             </a:r>
           </a:p>
           <a:p>
             <a:pPr lvl="1"/>
             <a:r>
               <a:rPr lang="en-US" dirty="0"/>
-              <a:t>Chose convolution of image data with image kernels</a:t>
+              <a:t>Timing Results</a:t>
             </a:r>
           </a:p>
           <a:p>
             <a:r>
               <a:rPr lang="en-US" dirty="0"/>
-              <a:t>What can I measure and analyze?</a:t>
-            </a:r>
-          </a:p>
-          <a:p>
-            <a:pPr lvl="1"/>
-            <a:r>
-              <a:rPr lang="en-US" dirty="0"/>
-              <a:t>Compare CPU and GPU runtimes</a:t>
-            </a:r>
-          </a:p>
-          <a:p>
-            <a:pPr lvl="1"/>
-            <a:r>
-              <a:rPr lang="en-US" dirty="0"/>
-              <a:t>Analyze image data produced by different image kernels</a:t>
-            </a:r>
-          </a:p>
-        </p:txBody>
-      </p:sp>
-      <p:sp>
-        <p:nvSpPr>
-          <p:cNvPr id="13" name="Slide Number Placeholder 12">
+              <a:t>Conclusion</a:t>
+            </a:r>
+          </a:p>
+        </p:txBody>
+      </p:sp>
+      <p:sp>
+        <p:nvSpPr>
+          <p:cNvPr id="4" name="Slide Number Placeholder 3">
             <a:extLst>
               <a:ext uri="{FF2B5EF4-FFF2-40B4-BE49-F238E27FC236}">
-                <a16:creationId xmlns:a16="http://schemas.microsoft.com/office/drawing/2014/main" id="{EEC08955-FFC9-4F65-B7AE-10298E884F0B}"/>
+                <a16:creationId xmlns:a16="http://schemas.microsoft.com/office/drawing/2014/main" id="{1D1AFC03-E5F2-4A56-882F-E6B8C31360DD}"/>
               </a:ext>
             </a:extLst>
           </p:cNvPr>
@@ -12890,7 +15017,7 @@
     </p:spTree>
     <p:extLst>
       <p:ext uri="{BB962C8B-B14F-4D97-AF65-F5344CB8AC3E}">
-        <p14:creationId xmlns:p14="http://schemas.microsoft.com/office/powerpoint/2010/main" val="955339924"/>
+        <p14:creationId xmlns:p14="http://schemas.microsoft.com/office/powerpoint/2010/main" val="3273416347"/>
       </p:ext>
     </p:extLst>
   </p:cSld>
@@ -12942,7 +15069,7 @@
           <a:p>
             <a:r>
               <a:rPr lang="en-US" sz="3200" dirty="0"/>
-              <a:t>Implementation - Convolution and Kernels</a:t>
+              <a:t>Project Overview</a:t>
             </a:r>
           </a:p>
         </p:txBody>
@@ -12965,69 +15092,85 @@
         </p:nvSpPr>
         <p:spPr/>
         <p:txBody>
-          <a:bodyPr/>
+          <a:bodyPr>
+            <a:normAutofit/>
+          </a:bodyPr>
           <a:lstStyle/>
           <a:p>
             <a:r>
               <a:rPr lang="en-US" dirty="0"/>
-              <a:t>Convolution is a common approach for filtering image data</a:t>
+              <a:t>Wanted to explore Image Processing</a:t>
             </a:r>
           </a:p>
           <a:p>
             <a:pPr lvl="1"/>
             <a:r>
               <a:rPr lang="en-US" dirty="0"/>
-              <a:t>Multiply pixel and neighbors with image kernel</a:t>
+              <a:t>Deep and interesting field</a:t>
             </a:r>
           </a:p>
           <a:p>
             <a:pPr lvl="1"/>
             <a:r>
               <a:rPr lang="en-US" dirty="0"/>
-              <a:t>Perform summation of multiplication results</a:t>
+              <a:t>Images can be broken down into blocks of data</a:t>
+            </a:r>
+          </a:p>
+          <a:p>
+            <a:r>
+              <a:rPr lang="en-US" dirty="0"/>
+              <a:t>Chose Edge Detection to focus scope of project</a:t>
             </a:r>
           </a:p>
           <a:p>
             <a:pPr lvl="1"/>
             <a:r>
               <a:rPr lang="en-US" dirty="0"/>
-              <a:t>Perform these steps on every pixel</a:t>
-            </a:r>
-          </a:p>
-          <a:p>
+              <a:t>Edge Detection produces image data that highlights edges in a picture</a:t>
+            </a:r>
+          </a:p>
+          <a:p>
+            <a:pPr lvl="1"/>
             <a:r>
               <a:rPr lang="en-US" dirty="0"/>
-              <a:t>Kernels represent weights that filter image data</a:t>
-            </a:r>
-          </a:p>
-          <a:p>
+              <a:t>Useful for computer vision, object recognition, and photo editing software</a:t>
+            </a:r>
+          </a:p>
+          <a:p>
+            <a:pPr lvl="1"/>
             <a:r>
               <a:rPr lang="en-US" dirty="0"/>
-              <a:t>Gradient operators (kernels) exist that specialize in finding edges</a:t>
+              <a:t>Utilized convolution algorithm to filter image data in search of edges</a:t>
+            </a:r>
+          </a:p>
+          <a:p>
+            <a:r>
+              <a:rPr lang="en-US" dirty="0"/>
+              <a:t>What can I measure and analyze?</a:t>
             </a:r>
           </a:p>
           <a:p>
             <a:pPr lvl="1"/>
             <a:r>
               <a:rPr lang="en-US" dirty="0"/>
-              <a:t>Two different matrices for finding horizontal or vertical edge</a:t>
+              <a:t>Compare CPU and GPU runtimes</a:t>
             </a:r>
           </a:p>
           <a:p>
             <a:pPr lvl="1"/>
             <a:r>
               <a:rPr lang="en-US" dirty="0"/>
-              <a:t>Calculate magnitude of convolution results for edge intensity</a:t>
-            </a:r>
-          </a:p>
-        </p:txBody>
-      </p:sp>
-      <p:sp>
-        <p:nvSpPr>
-          <p:cNvPr id="2" name="Slide Number Placeholder 1">
+              <a:t>Analyze image data produced by different filters (kernels)</a:t>
+            </a:r>
+          </a:p>
+        </p:txBody>
+      </p:sp>
+      <p:sp>
+        <p:nvSpPr>
+          <p:cNvPr id="13" name="Slide Number Placeholder 12">
             <a:extLst>
               <a:ext uri="{FF2B5EF4-FFF2-40B4-BE49-F238E27FC236}">
-                <a16:creationId xmlns:a16="http://schemas.microsoft.com/office/drawing/2014/main" id="{CA7D255E-BFAA-47C3-8F5B-2BD0552A6BFB}"/>
+                <a16:creationId xmlns:a16="http://schemas.microsoft.com/office/drawing/2014/main" id="{EEC08955-FFC9-4F65-B7AE-10298E884F0B}"/>
               </a:ext>
             </a:extLst>
           </p:cNvPr>
@@ -13054,7 +15197,7 @@
     </p:spTree>
     <p:extLst>
       <p:ext uri="{BB962C8B-B14F-4D97-AF65-F5344CB8AC3E}">
-        <p14:creationId xmlns:p14="http://schemas.microsoft.com/office/powerpoint/2010/main" val="2499297883"/>
+        <p14:creationId xmlns:p14="http://schemas.microsoft.com/office/powerpoint/2010/main" val="955339924"/>
       </p:ext>
     </p:extLst>
   </p:cSld>
@@ -13106,56 +15249,79 @@
           <a:p>
             <a:r>
               <a:rPr lang="en-US" sz="3200" dirty="0"/>
-              <a:t>Implementation - Convolution and Kernels (cont.)</a:t>
-            </a:r>
-          </a:p>
-        </p:txBody>
-      </p:sp>
-      <p:pic>
-        <p:nvPicPr>
-          <p:cNvPr id="4" name="Picture 3" descr="http://machinelearninguru.com/_images/topics/computer_vision/basics/convolution/1.JPG">
+              <a:t>Implementation - Convolution and Kernels</a:t>
+            </a:r>
+          </a:p>
+        </p:txBody>
+      </p:sp>
+      <p:sp>
+        <p:nvSpPr>
+          <p:cNvPr id="12" name="Content Placeholder 11">
             <a:extLst>
               <a:ext uri="{FF2B5EF4-FFF2-40B4-BE49-F238E27FC236}">
-                <a16:creationId xmlns:a16="http://schemas.microsoft.com/office/drawing/2014/main" id="{E8DACBB0-B03D-40FE-BD87-76F089218033}"/>
+                <a16:creationId xmlns:a16="http://schemas.microsoft.com/office/drawing/2014/main" id="{C6DF86BE-E389-425F-A026-F48DEB5CBAA3}"/>
               </a:ext>
             </a:extLst>
           </p:cNvPr>
-          <p:cNvPicPr/>
-          <p:nvPr/>
-        </p:nvPicPr>
-        <p:blipFill>
-          <a:blip r:embed="rId2">
-            <a:extLst>
-              <a:ext uri="{28A0092B-C50C-407E-A947-70E740481C1C}">
-                <a14:useLocalDpi xmlns:a14="http://schemas.microsoft.com/office/drawing/2010/main" val="0"/>
-              </a:ext>
-            </a:extLst>
-          </a:blip>
-          <a:srcRect/>
-          <a:stretch>
-            <a:fillRect/>
-          </a:stretch>
-        </p:blipFill>
-        <p:spPr bwMode="auto">
-          <a:xfrm>
-            <a:off x="1696410" y="1930400"/>
-            <a:ext cx="6558516" cy="4318000"/>
-          </a:xfrm>
-          <a:prstGeom prst="rect">
-            <a:avLst/>
-          </a:prstGeom>
-          <a:noFill/>
-          <a:ln>
-            <a:noFill/>
-          </a:ln>
-        </p:spPr>
-      </p:pic>
+          <p:cNvSpPr>
+            <a:spLocks noGrp="1"/>
+          </p:cNvSpPr>
+          <p:nvPr>
+            <p:ph idx="1"/>
+          </p:nvPr>
+        </p:nvSpPr>
+        <p:spPr/>
+        <p:txBody>
+          <a:bodyPr/>
+          <a:lstStyle/>
+          <a:p>
+            <a:r>
+              <a:rPr lang="en-US" dirty="0"/>
+              <a:t>Convolution is a common approach for filtering image data</a:t>
+            </a:r>
+          </a:p>
+          <a:p>
+            <a:pPr lvl="1"/>
+            <a:r>
+              <a:rPr lang="en-US" dirty="0"/>
+              <a:t>Multiply pixel and neighbors with kernel values</a:t>
+            </a:r>
+          </a:p>
+          <a:p>
+            <a:pPr lvl="1"/>
+            <a:r>
+              <a:rPr lang="en-US" dirty="0"/>
+              <a:t>Perform summation of multiplication results</a:t>
+            </a:r>
+          </a:p>
+          <a:p>
+            <a:pPr lvl="1"/>
+            <a:r>
+              <a:rPr lang="en-US" dirty="0"/>
+              <a:t>Perform multiplication and summation for every pixel</a:t>
+            </a:r>
+          </a:p>
+          <a:p>
+            <a:r>
+              <a:rPr lang="en-US" dirty="0"/>
+              <a:t>Kernels represent weights that filter image data</a:t>
+            </a:r>
+          </a:p>
+          <a:p>
+            <a:pPr lvl="1"/>
+            <a:r>
+              <a:rPr lang="en-US" dirty="0"/>
+              <a:t>Also known as convolution matrices, masks, or filters</a:t>
+            </a:r>
+          </a:p>
+        </p:txBody>
+      </p:sp>
       <p:sp>
         <p:nvSpPr>
           <p:cNvPr id="2" name="Slide Number Placeholder 1">
             <a:extLst>
               <a:ext uri="{FF2B5EF4-FFF2-40B4-BE49-F238E27FC236}">
-                <a16:creationId xmlns:a16="http://schemas.microsoft.com/office/drawing/2014/main" id="{E107279A-2E02-402E-BBC8-8898B02C8DFF}"/>
+                <a16:creationId xmlns:a16="http://schemas.microsoft.com/office/drawing/2014/main" id="{CA7D255E-BFAA-47C3-8F5B-2BD0552A6BFB}"/>
               </a:ext>
             </a:extLst>
           </p:cNvPr>
@@ -13179,53 +15345,10 @@
           </a:p>
         </p:txBody>
       </p:sp>
-      <p:sp>
-        <p:nvSpPr>
-          <p:cNvPr id="3" name="TextBox 2">
-            <a:extLst>
-              <a:ext uri="{FF2B5EF4-FFF2-40B4-BE49-F238E27FC236}">
-                <a16:creationId xmlns:a16="http://schemas.microsoft.com/office/drawing/2014/main" id="{58F9C35B-1953-42B4-9B17-57186EF1F25A}"/>
-              </a:ext>
-            </a:extLst>
-          </p:cNvPr>
-          <p:cNvSpPr txBox="1"/>
-          <p:nvPr/>
-        </p:nvSpPr>
-        <p:spPr>
-          <a:xfrm>
-            <a:off x="3468684" y="6248400"/>
-            <a:ext cx="3013967" cy="276999"/>
-          </a:xfrm>
-          <a:prstGeom prst="rect">
-            <a:avLst/>
-          </a:prstGeom>
-          <a:noFill/>
-        </p:spPr>
-        <p:txBody>
-          <a:bodyPr wrap="none" rtlCol="0">
-            <a:spAutoFit/>
-          </a:bodyPr>
-          <a:lstStyle/>
-          <a:p>
-            <a:r>
-              <a:rPr lang="en-US" sz="1200" dirty="0"/>
-              <a:t>Figure 1 – Convolution (</a:t>
-            </a:r>
-            <a:r>
-              <a:rPr lang="en-US" sz="1200" dirty="0" err="1"/>
-              <a:t>Kazemi</a:t>
-            </a:r>
-            <a:r>
-              <a:rPr lang="en-US" sz="1200" dirty="0"/>
-              <a:t>, Figure 3)</a:t>
-            </a:r>
-          </a:p>
-        </p:txBody>
-      </p:sp>
     </p:spTree>
     <p:extLst>
       <p:ext uri="{BB962C8B-B14F-4D97-AF65-F5344CB8AC3E}">
-        <p14:creationId xmlns:p14="http://schemas.microsoft.com/office/powerpoint/2010/main" val="3232857203"/>
+        <p14:creationId xmlns:p14="http://schemas.microsoft.com/office/powerpoint/2010/main" val="2499297883"/>
       </p:ext>
     </p:extLst>
   </p:cSld>
@@ -13282,8 +15405,179 @@
           </a:p>
         </p:txBody>
       </p:sp>
-      <mc:AlternateContent xmlns:mc="http://schemas.openxmlformats.org/markup-compatibility/2006" xmlns:a14="http://schemas.microsoft.com/office/drawing/2010/main">
-        <mc:Choice Requires="a14">
+      <p:pic>
+        <p:nvPicPr>
+          <p:cNvPr id="4" name="Picture 3" descr="http://machinelearninguru.com/_images/topics/computer_vision/basics/convolution/1.JPG">
+            <a:extLst>
+              <a:ext uri="{FF2B5EF4-FFF2-40B4-BE49-F238E27FC236}">
+                <a16:creationId xmlns:a16="http://schemas.microsoft.com/office/drawing/2014/main" id="{E8DACBB0-B03D-40FE-BD87-76F089218033}"/>
+              </a:ext>
+            </a:extLst>
+          </p:cNvPr>
+          <p:cNvPicPr/>
+          <p:nvPr/>
+        </p:nvPicPr>
+        <p:blipFill>
+          <a:blip r:embed="rId3">
+            <a:extLst>
+              <a:ext uri="{28A0092B-C50C-407E-A947-70E740481C1C}">
+                <a14:useLocalDpi xmlns:a14="http://schemas.microsoft.com/office/drawing/2010/main" val="0"/>
+              </a:ext>
+            </a:extLst>
+          </a:blip>
+          <a:srcRect/>
+          <a:stretch>
+            <a:fillRect/>
+          </a:stretch>
+        </p:blipFill>
+        <p:spPr bwMode="auto">
+          <a:xfrm>
+            <a:off x="1696410" y="1930400"/>
+            <a:ext cx="6558516" cy="4318000"/>
+          </a:xfrm>
+          <a:prstGeom prst="rect">
+            <a:avLst/>
+          </a:prstGeom>
+          <a:noFill/>
+          <a:ln>
+            <a:noFill/>
+          </a:ln>
+        </p:spPr>
+      </p:pic>
+      <p:sp>
+        <p:nvSpPr>
+          <p:cNvPr id="2" name="Slide Number Placeholder 1">
+            <a:extLst>
+              <a:ext uri="{FF2B5EF4-FFF2-40B4-BE49-F238E27FC236}">
+                <a16:creationId xmlns:a16="http://schemas.microsoft.com/office/drawing/2014/main" id="{E107279A-2E02-402E-BBC8-8898B02C8DFF}"/>
+              </a:ext>
+            </a:extLst>
+          </p:cNvPr>
+          <p:cNvSpPr>
+            <a:spLocks noGrp="1"/>
+          </p:cNvSpPr>
+          <p:nvPr>
+            <p:ph type="sldNum" sz="quarter" idx="12"/>
+          </p:nvPr>
+        </p:nvSpPr>
+        <p:spPr/>
+        <p:txBody>
+          <a:bodyPr/>
+          <a:lstStyle/>
+          <a:p>
+            <a:fld id="{519954A3-9DFD-4C44-94BA-B95130A3BA1C}" type="slidenum">
+              <a:rPr lang="en-US" smtClean="0"/>
+              <a:t>5</a:t>
+            </a:fld>
+            <a:endParaRPr lang="en-US" dirty="0"/>
+          </a:p>
+        </p:txBody>
+      </p:sp>
+      <p:sp>
+        <p:nvSpPr>
+          <p:cNvPr id="3" name="TextBox 2">
+            <a:extLst>
+              <a:ext uri="{FF2B5EF4-FFF2-40B4-BE49-F238E27FC236}">
+                <a16:creationId xmlns:a16="http://schemas.microsoft.com/office/drawing/2014/main" id="{58F9C35B-1953-42B4-9B17-57186EF1F25A}"/>
+              </a:ext>
+            </a:extLst>
+          </p:cNvPr>
+          <p:cNvSpPr txBox="1"/>
+          <p:nvPr/>
+        </p:nvSpPr>
+        <p:spPr>
+          <a:xfrm>
+            <a:off x="3468684" y="6248400"/>
+            <a:ext cx="3013967" cy="276999"/>
+          </a:xfrm>
+          <a:prstGeom prst="rect">
+            <a:avLst/>
+          </a:prstGeom>
+          <a:noFill/>
+        </p:spPr>
+        <p:txBody>
+          <a:bodyPr wrap="none" rtlCol="0">
+            <a:spAutoFit/>
+          </a:bodyPr>
+          <a:lstStyle/>
+          <a:p>
+            <a:r>
+              <a:rPr lang="en-US" sz="1200" dirty="0"/>
+              <a:t>Figure 1 – Convolution (</a:t>
+            </a:r>
+            <a:r>
+              <a:rPr lang="en-US" sz="1200" dirty="0" err="1"/>
+              <a:t>Kazemi</a:t>
+            </a:r>
+            <a:r>
+              <a:rPr lang="en-US" sz="1200" dirty="0"/>
+              <a:t>, Figure 3)</a:t>
+            </a:r>
+          </a:p>
+        </p:txBody>
+      </p:sp>
+    </p:spTree>
+    <p:extLst>
+      <p:ext uri="{BB962C8B-B14F-4D97-AF65-F5344CB8AC3E}">
+        <p14:creationId xmlns:p14="http://schemas.microsoft.com/office/powerpoint/2010/main" val="3232857203"/>
+      </p:ext>
+    </p:extLst>
+  </p:cSld>
+  <p:clrMapOvr>
+    <a:masterClrMapping/>
+  </p:clrMapOvr>
+</p:sld>
+</file>
+
+<file path=ppt/slides/slide6.xml><?xml version="1.0" encoding="utf-8"?>
+<p:sld xmlns:a="http://schemas.openxmlformats.org/drawingml/2006/main" xmlns:r="http://schemas.openxmlformats.org/officeDocument/2006/relationships" xmlns:p="http://schemas.openxmlformats.org/presentationml/2006/main">
+  <p:cSld>
+    <p:spTree>
+      <p:nvGrpSpPr>
+        <p:cNvPr id="1" name=""/>
+        <p:cNvGrpSpPr/>
+        <p:nvPr/>
+      </p:nvGrpSpPr>
+      <p:grpSpPr>
+        <a:xfrm>
+          <a:off x="0" y="0"/>
+          <a:ext cx="0" cy="0"/>
+          <a:chOff x="0" y="0"/>
+          <a:chExt cx="0" cy="0"/>
+        </a:xfrm>
+      </p:grpSpPr>
+      <p:sp>
+        <p:nvSpPr>
+          <p:cNvPr id="11" name="Title 10">
+            <a:extLst>
+              <a:ext uri="{FF2B5EF4-FFF2-40B4-BE49-F238E27FC236}">
+                <a16:creationId xmlns:a16="http://schemas.microsoft.com/office/drawing/2014/main" id="{5C5CE3FB-B758-4DB2-82E4-DE84BD35A15E}"/>
+              </a:ext>
+            </a:extLst>
+          </p:cNvPr>
+          <p:cNvSpPr>
+            <a:spLocks noGrp="1"/>
+          </p:cNvSpPr>
+          <p:nvPr>
+            <p:ph type="title"/>
+          </p:nvPr>
+        </p:nvSpPr>
+        <p:spPr/>
+        <p:txBody>
+          <a:bodyPr>
+            <a:normAutofit/>
+          </a:bodyPr>
+          <a:lstStyle/>
+          <a:p>
+            <a:r>
+              <a:rPr lang="en-US" sz="3200" dirty="0"/>
+              <a:t>Implementation - Convolution and Kernels (cont.)</a:t>
+            </a:r>
+          </a:p>
+        </p:txBody>
+      </p:sp>
+      <mc:AlternateContent xmlns:mc="http://schemas.openxmlformats.org/markup-compatibility/2006">
+        <mc:Choice xmlns:a14="http://schemas.microsoft.com/office/drawing/2010/main" Requires="a14">
           <p:sp>
             <p:nvSpPr>
               <p:cNvPr id="12" name="Content Placeholder 11">
@@ -13302,12 +15596,28 @@
             </p:nvSpPr>
             <p:spPr/>
             <p:txBody>
-              <a:bodyPr/>
+              <a:bodyPr>
+                <a:normAutofit/>
+              </a:bodyPr>
               <a:lstStyle/>
               <a:p>
                 <a:r>
                   <a:rPr lang="en-US" dirty="0"/>
-                  <a:t>Chose three image kernels to compare: Prewitt, Roberts, and Sobel</a:t>
+                  <a:t>Chose three gradient operators to compare: Prewitt, Roberts, and Sobel</a:t>
+                </a:r>
+              </a:p>
+              <a:p>
+                <a:pPr lvl="1"/>
+                <a:r>
+                  <a:rPr lang="en-US" dirty="0"/>
+                  <a:t>Two specialized kernels for finding horizontal or vertical edges</a:t>
+                </a:r>
+              </a:p>
+              <a:p>
+                <a:pPr lvl="1"/>
+                <a:r>
+                  <a:rPr lang="en-US" dirty="0"/>
+                  <a:t>Calculate magnitude of convolution results for edge intensity</a:t>
                 </a:r>
               </a:p>
               <a:p>
@@ -14186,7 +16496,7 @@
             </p:txBody>
           </p:sp>
         </mc:Choice>
-        <mc:Fallback xmlns="">
+        <mc:Fallback>
           <p:sp>
             <p:nvSpPr>
               <p:cNvPr id="12" name="Content Placeholder 11">
@@ -14249,7 +16559,7 @@
           <a:p>
             <a:fld id="{519954A3-9DFD-4C44-94BA-B95130A3BA1C}" type="slidenum">
               <a:rPr lang="en-US" smtClean="0"/>
-              <a:t>5</a:t>
+              <a:t>6</a:t>
             </a:fld>
             <a:endParaRPr lang="en-US" dirty="0"/>
           </a:p>
@@ -14259,185 +16569,6 @@
     <p:extLst>
       <p:ext uri="{BB962C8B-B14F-4D97-AF65-F5344CB8AC3E}">
         <p14:creationId xmlns:p14="http://schemas.microsoft.com/office/powerpoint/2010/main" val="4053165757"/>
-      </p:ext>
-    </p:extLst>
-  </p:cSld>
-  <p:clrMapOvr>
-    <a:masterClrMapping/>
-  </p:clrMapOvr>
-</p:sld>
-</file>
-
-<file path=ppt/slides/slide6.xml><?xml version="1.0" encoding="utf-8"?>
-<p:sld xmlns:a="http://schemas.openxmlformats.org/drawingml/2006/main" xmlns:r="http://schemas.openxmlformats.org/officeDocument/2006/relationships" xmlns:p="http://schemas.openxmlformats.org/presentationml/2006/main">
-  <p:cSld>
-    <p:spTree>
-      <p:nvGrpSpPr>
-        <p:cNvPr id="1" name=""/>
-        <p:cNvGrpSpPr/>
-        <p:nvPr/>
-      </p:nvGrpSpPr>
-      <p:grpSpPr>
-        <a:xfrm>
-          <a:off x="0" y="0"/>
-          <a:ext cx="0" cy="0"/>
-          <a:chOff x="0" y="0"/>
-          <a:chExt cx="0" cy="0"/>
-        </a:xfrm>
-      </p:grpSpPr>
-      <p:sp>
-        <p:nvSpPr>
-          <p:cNvPr id="11" name="Title 10">
-            <a:extLst>
-              <a:ext uri="{FF2B5EF4-FFF2-40B4-BE49-F238E27FC236}">
-                <a16:creationId xmlns:a16="http://schemas.microsoft.com/office/drawing/2014/main" id="{5C5CE3FB-B758-4DB2-82E4-DE84BD35A15E}"/>
-              </a:ext>
-            </a:extLst>
-          </p:cNvPr>
-          <p:cNvSpPr>
-            <a:spLocks noGrp="1"/>
-          </p:cNvSpPr>
-          <p:nvPr>
-            <p:ph type="title"/>
-          </p:nvPr>
-        </p:nvSpPr>
-        <p:spPr/>
-        <p:txBody>
-          <a:bodyPr>
-            <a:normAutofit/>
-          </a:bodyPr>
-          <a:lstStyle/>
-          <a:p>
-            <a:r>
-              <a:rPr lang="en-US" sz="3200" dirty="0"/>
-              <a:t>Implementation - General Approach</a:t>
-            </a:r>
-          </a:p>
-        </p:txBody>
-      </p:sp>
-      <p:sp>
-        <p:nvSpPr>
-          <p:cNvPr id="12" name="Content Placeholder 11">
-            <a:extLst>
-              <a:ext uri="{FF2B5EF4-FFF2-40B4-BE49-F238E27FC236}">
-                <a16:creationId xmlns:a16="http://schemas.microsoft.com/office/drawing/2014/main" id="{C6DF86BE-E389-425F-A026-F48DEB5CBAA3}"/>
-              </a:ext>
-            </a:extLst>
-          </p:cNvPr>
-          <p:cNvSpPr>
-            <a:spLocks noGrp="1"/>
-          </p:cNvSpPr>
-          <p:nvPr>
-            <p:ph idx="1"/>
-          </p:nvPr>
-        </p:nvSpPr>
-        <p:spPr/>
-        <p:txBody>
-          <a:bodyPr/>
-          <a:lstStyle/>
-          <a:p>
-            <a:r>
-              <a:rPr lang="en-US" dirty="0"/>
-              <a:t>Structure of file formats varies</a:t>
-            </a:r>
-          </a:p>
-          <a:p>
-            <a:pPr lvl="1"/>
-            <a:r>
-              <a:rPr lang="en-US" dirty="0"/>
-              <a:t>1 to N channels of values per pixel represented by different bit depths</a:t>
-            </a:r>
-          </a:p>
-          <a:p>
-            <a:pPr lvl="1"/>
-            <a:r>
-              <a:rPr lang="en-US" dirty="0"/>
-              <a:t>Channel values can be interleaved or sequential</a:t>
-            </a:r>
-          </a:p>
-          <a:p>
-            <a:r>
-              <a:rPr lang="en-US" dirty="0"/>
-              <a:t>Decided to use </a:t>
-            </a:r>
-            <a:r>
-              <a:rPr lang="en-US" dirty="0" err="1"/>
-              <a:t>FreeImage</a:t>
-            </a:r>
-            <a:r>
-              <a:rPr lang="en-US" dirty="0"/>
-              <a:t> library</a:t>
-            </a:r>
-          </a:p>
-          <a:p>
-            <a:pPr lvl="1"/>
-            <a:r>
-              <a:rPr lang="en-US" dirty="0"/>
-              <a:t>Open-source library specializing in read/writing image files</a:t>
-            </a:r>
-          </a:p>
-          <a:p>
-            <a:pPr lvl="1"/>
-            <a:r>
-              <a:rPr lang="en-US" dirty="0"/>
-              <a:t>Wrote utility methods to interface with library</a:t>
-            </a:r>
-          </a:p>
-          <a:p>
-            <a:r>
-              <a:rPr lang="en-US" dirty="0"/>
-              <a:t>Focused on how to convolve grayscale vs color images</a:t>
-            </a:r>
-          </a:p>
-          <a:p>
-            <a:pPr lvl="1"/>
-            <a:r>
-              <a:rPr lang="en-US" dirty="0"/>
-              <a:t>Iterate over grayscale data and convolve with image kernels</a:t>
-            </a:r>
-          </a:p>
-          <a:p>
-            <a:pPr lvl="1"/>
-            <a:r>
-              <a:rPr lang="en-US" dirty="0"/>
-              <a:t>Converted color images to grayscale</a:t>
-            </a:r>
-          </a:p>
-        </p:txBody>
-      </p:sp>
-      <p:sp>
-        <p:nvSpPr>
-          <p:cNvPr id="2" name="Slide Number Placeholder 1">
-            <a:extLst>
-              <a:ext uri="{FF2B5EF4-FFF2-40B4-BE49-F238E27FC236}">
-                <a16:creationId xmlns:a16="http://schemas.microsoft.com/office/drawing/2014/main" id="{00CDA1C2-5D95-41DE-A654-E4CE85452CA7}"/>
-              </a:ext>
-            </a:extLst>
-          </p:cNvPr>
-          <p:cNvSpPr>
-            <a:spLocks noGrp="1"/>
-          </p:cNvSpPr>
-          <p:nvPr>
-            <p:ph type="sldNum" sz="quarter" idx="12"/>
-          </p:nvPr>
-        </p:nvSpPr>
-        <p:spPr/>
-        <p:txBody>
-          <a:bodyPr/>
-          <a:lstStyle/>
-          <a:p>
-            <a:fld id="{519954A3-9DFD-4C44-94BA-B95130A3BA1C}" type="slidenum">
-              <a:rPr lang="en-US" smtClean="0"/>
-              <a:t>6</a:t>
-            </a:fld>
-            <a:endParaRPr lang="en-US" dirty="0"/>
-          </a:p>
-        </p:txBody>
-      </p:sp>
-    </p:spTree>
-    <p:extLst>
-      <p:ext uri="{BB962C8B-B14F-4D97-AF65-F5344CB8AC3E}">
-        <p14:creationId xmlns:p14="http://schemas.microsoft.com/office/powerpoint/2010/main" val="2591627763"/>
       </p:ext>
     </p:extLst>
   </p:cSld>
@@ -14489,6 +16620,185 @@
           <a:p>
             <a:r>
               <a:rPr lang="en-US" sz="3200" dirty="0"/>
+              <a:t>Implementation - General Approach</a:t>
+            </a:r>
+          </a:p>
+        </p:txBody>
+      </p:sp>
+      <p:sp>
+        <p:nvSpPr>
+          <p:cNvPr id="12" name="Content Placeholder 11">
+            <a:extLst>
+              <a:ext uri="{FF2B5EF4-FFF2-40B4-BE49-F238E27FC236}">
+                <a16:creationId xmlns:a16="http://schemas.microsoft.com/office/drawing/2014/main" id="{C6DF86BE-E389-425F-A026-F48DEB5CBAA3}"/>
+              </a:ext>
+            </a:extLst>
+          </p:cNvPr>
+          <p:cNvSpPr>
+            <a:spLocks noGrp="1"/>
+          </p:cNvSpPr>
+          <p:nvPr>
+            <p:ph idx="1"/>
+          </p:nvPr>
+        </p:nvSpPr>
+        <p:spPr/>
+        <p:txBody>
+          <a:bodyPr/>
+          <a:lstStyle/>
+          <a:p>
+            <a:r>
+              <a:rPr lang="en-US" dirty="0"/>
+              <a:t>Structure of file formats varies</a:t>
+            </a:r>
+          </a:p>
+          <a:p>
+            <a:pPr lvl="1"/>
+            <a:r>
+              <a:rPr lang="en-US" dirty="0"/>
+              <a:t>Different file header structures</a:t>
+            </a:r>
+          </a:p>
+          <a:p>
+            <a:pPr lvl="1"/>
+            <a:r>
+              <a:rPr lang="en-US" dirty="0"/>
+              <a:t>1 to N channels of values per pixel represented by different bit depths</a:t>
+            </a:r>
+          </a:p>
+          <a:p>
+            <a:r>
+              <a:rPr lang="en-US" dirty="0"/>
+              <a:t>Decided to use </a:t>
+            </a:r>
+            <a:r>
+              <a:rPr lang="en-US" dirty="0" err="1"/>
+              <a:t>FreeImage</a:t>
+            </a:r>
+            <a:r>
+              <a:rPr lang="en-US" dirty="0"/>
+              <a:t> library</a:t>
+            </a:r>
+          </a:p>
+          <a:p>
+            <a:pPr lvl="1"/>
+            <a:r>
+              <a:rPr lang="en-US" dirty="0"/>
+              <a:t>Open-source library specializing in read/writing image files</a:t>
+            </a:r>
+          </a:p>
+          <a:p>
+            <a:pPr lvl="1"/>
+            <a:r>
+              <a:rPr lang="en-US" dirty="0"/>
+              <a:t>Wrote utility methods to interface with library</a:t>
+            </a:r>
+          </a:p>
+          <a:p>
+            <a:r>
+              <a:rPr lang="en-US" dirty="0"/>
+              <a:t>Focused on how to convolve grayscale vs color images</a:t>
+            </a:r>
+          </a:p>
+          <a:p>
+            <a:pPr lvl="1"/>
+            <a:r>
+              <a:rPr lang="en-US" dirty="0"/>
+              <a:t>Iterate over grayscale data and convolve with image kernels</a:t>
+            </a:r>
+          </a:p>
+          <a:p>
+            <a:pPr lvl="1"/>
+            <a:r>
+              <a:rPr lang="en-US" dirty="0"/>
+              <a:t>Converted color images to grayscale</a:t>
+            </a:r>
+          </a:p>
+        </p:txBody>
+      </p:sp>
+      <p:sp>
+        <p:nvSpPr>
+          <p:cNvPr id="2" name="Slide Number Placeholder 1">
+            <a:extLst>
+              <a:ext uri="{FF2B5EF4-FFF2-40B4-BE49-F238E27FC236}">
+                <a16:creationId xmlns:a16="http://schemas.microsoft.com/office/drawing/2014/main" id="{00CDA1C2-5D95-41DE-A654-E4CE85452CA7}"/>
+              </a:ext>
+            </a:extLst>
+          </p:cNvPr>
+          <p:cNvSpPr>
+            <a:spLocks noGrp="1"/>
+          </p:cNvSpPr>
+          <p:nvPr>
+            <p:ph type="sldNum" sz="quarter" idx="12"/>
+          </p:nvPr>
+        </p:nvSpPr>
+        <p:spPr/>
+        <p:txBody>
+          <a:bodyPr/>
+          <a:lstStyle/>
+          <a:p>
+            <a:fld id="{519954A3-9DFD-4C44-94BA-B95130A3BA1C}" type="slidenum">
+              <a:rPr lang="en-US" smtClean="0"/>
+              <a:t>7</a:t>
+            </a:fld>
+            <a:endParaRPr lang="en-US" dirty="0"/>
+          </a:p>
+        </p:txBody>
+      </p:sp>
+    </p:spTree>
+    <p:extLst>
+      <p:ext uri="{BB962C8B-B14F-4D97-AF65-F5344CB8AC3E}">
+        <p14:creationId xmlns:p14="http://schemas.microsoft.com/office/powerpoint/2010/main" val="2591627763"/>
+      </p:ext>
+    </p:extLst>
+  </p:cSld>
+  <p:clrMapOvr>
+    <a:masterClrMapping/>
+  </p:clrMapOvr>
+</p:sld>
+</file>
+
+<file path=ppt/slides/slide8.xml><?xml version="1.0" encoding="utf-8"?>
+<p:sld xmlns:a="http://schemas.openxmlformats.org/drawingml/2006/main" xmlns:r="http://schemas.openxmlformats.org/officeDocument/2006/relationships" xmlns:p="http://schemas.openxmlformats.org/presentationml/2006/main">
+  <p:cSld>
+    <p:spTree>
+      <p:nvGrpSpPr>
+        <p:cNvPr id="1" name=""/>
+        <p:cNvGrpSpPr/>
+        <p:nvPr/>
+      </p:nvGrpSpPr>
+      <p:grpSpPr>
+        <a:xfrm>
+          <a:off x="0" y="0"/>
+          <a:ext cx="0" cy="0"/>
+          <a:chOff x="0" y="0"/>
+          <a:chExt cx="0" cy="0"/>
+        </a:xfrm>
+      </p:grpSpPr>
+      <p:sp>
+        <p:nvSpPr>
+          <p:cNvPr id="11" name="Title 10">
+            <a:extLst>
+              <a:ext uri="{FF2B5EF4-FFF2-40B4-BE49-F238E27FC236}">
+                <a16:creationId xmlns:a16="http://schemas.microsoft.com/office/drawing/2014/main" id="{5C5CE3FB-B758-4DB2-82E4-DE84BD35A15E}"/>
+              </a:ext>
+            </a:extLst>
+          </p:cNvPr>
+          <p:cNvSpPr>
+            <a:spLocks noGrp="1"/>
+          </p:cNvSpPr>
+          <p:nvPr>
+            <p:ph type="title"/>
+          </p:nvPr>
+        </p:nvSpPr>
+        <p:spPr/>
+        <p:txBody>
+          <a:bodyPr>
+            <a:normAutofit/>
+          </a:bodyPr>
+          <a:lstStyle/>
+          <a:p>
+            <a:r>
+              <a:rPr lang="en-US" sz="3200" dirty="0"/>
               <a:t>Implementation - General Approach (cont.)</a:t>
             </a:r>
           </a:p>
@@ -14509,7 +16819,7 @@
           <p:nvPr/>
         </p:nvPicPr>
         <p:blipFill>
-          <a:blip r:embed="rId2" cstate="print">
+          <a:blip r:embed="rId3" cstate="print">
             <a:extLst>
               <a:ext uri="{28A0092B-C50C-407E-A947-70E740481C1C}">
                 <a14:useLocalDpi xmlns:a14="http://schemas.microsoft.com/office/drawing/2010/main" val="0"/>
@@ -14550,7 +16860,7 @@
           <p:nvPr/>
         </p:nvPicPr>
         <p:blipFill>
-          <a:blip r:embed="rId3" cstate="print">
+          <a:blip r:embed="rId4" cstate="print">
             <a:extLst>
               <a:ext uri="{28A0092B-C50C-407E-A947-70E740481C1C}">
                 <a14:useLocalDpi xmlns:a14="http://schemas.microsoft.com/office/drawing/2010/main" val="0"/>
@@ -14599,7 +16909,7 @@
           <a:p>
             <a:fld id="{519954A3-9DFD-4C44-94BA-B95130A3BA1C}" type="slidenum">
               <a:rPr lang="en-US" smtClean="0"/>
-              <a:t>7</a:t>
+              <a:t>8</a:t>
             </a:fld>
             <a:endParaRPr lang="en-US" dirty="0"/>
           </a:p>
@@ -14644,150 +16954,6 @@
     <p:extLst>
       <p:ext uri="{BB962C8B-B14F-4D97-AF65-F5344CB8AC3E}">
         <p14:creationId xmlns:p14="http://schemas.microsoft.com/office/powerpoint/2010/main" val="1220513505"/>
-      </p:ext>
-    </p:extLst>
-  </p:cSld>
-  <p:clrMapOvr>
-    <a:masterClrMapping/>
-  </p:clrMapOvr>
-</p:sld>
-</file>
-
-<file path=ppt/slides/slide8.xml><?xml version="1.0" encoding="utf-8"?>
-<p:sld xmlns:a="http://schemas.openxmlformats.org/drawingml/2006/main" xmlns:r="http://schemas.openxmlformats.org/officeDocument/2006/relationships" xmlns:p="http://schemas.openxmlformats.org/presentationml/2006/main">
-  <p:cSld>
-    <p:spTree>
-      <p:nvGrpSpPr>
-        <p:cNvPr id="1" name=""/>
-        <p:cNvGrpSpPr/>
-        <p:nvPr/>
-      </p:nvGrpSpPr>
-      <p:grpSpPr>
-        <a:xfrm>
-          <a:off x="0" y="0"/>
-          <a:ext cx="0" cy="0"/>
-          <a:chOff x="0" y="0"/>
-          <a:chExt cx="0" cy="0"/>
-        </a:xfrm>
-      </p:grpSpPr>
-      <p:sp>
-        <p:nvSpPr>
-          <p:cNvPr id="11" name="Title 10">
-            <a:extLst>
-              <a:ext uri="{FF2B5EF4-FFF2-40B4-BE49-F238E27FC236}">
-                <a16:creationId xmlns:a16="http://schemas.microsoft.com/office/drawing/2014/main" id="{5C5CE3FB-B758-4DB2-82E4-DE84BD35A15E}"/>
-              </a:ext>
-            </a:extLst>
-          </p:cNvPr>
-          <p:cNvSpPr>
-            <a:spLocks noGrp="1"/>
-          </p:cNvSpPr>
-          <p:nvPr>
-            <p:ph type="title"/>
-          </p:nvPr>
-        </p:nvSpPr>
-        <p:spPr/>
-        <p:txBody>
-          <a:bodyPr>
-            <a:normAutofit/>
-          </a:bodyPr>
-          <a:lstStyle/>
-          <a:p>
-            <a:r>
-              <a:rPr lang="en-US" sz="3200" dirty="0"/>
-              <a:t>Implementation - CPU Approach</a:t>
-            </a:r>
-          </a:p>
-        </p:txBody>
-      </p:sp>
-      <p:sp>
-        <p:nvSpPr>
-          <p:cNvPr id="12" name="Content Placeholder 11">
-            <a:extLst>
-              <a:ext uri="{FF2B5EF4-FFF2-40B4-BE49-F238E27FC236}">
-                <a16:creationId xmlns:a16="http://schemas.microsoft.com/office/drawing/2014/main" id="{C6DF86BE-E389-425F-A026-F48DEB5CBAA3}"/>
-              </a:ext>
-            </a:extLst>
-          </p:cNvPr>
-          <p:cNvSpPr>
-            <a:spLocks noGrp="1"/>
-          </p:cNvSpPr>
-          <p:nvPr>
-            <p:ph idx="1"/>
-          </p:nvPr>
-        </p:nvSpPr>
-        <p:spPr/>
-        <p:txBody>
-          <a:bodyPr/>
-          <a:lstStyle/>
-          <a:p>
-            <a:r>
-              <a:rPr lang="en-US" dirty="0"/>
-              <a:t>Nested for loop iterates over rows and columns of image data</a:t>
-            </a:r>
-          </a:p>
-          <a:p>
-            <a:pPr lvl="1"/>
-            <a:r>
-              <a:rPr lang="en-US" dirty="0"/>
-              <a:t>Skipped outermost rows/columns to avoid boundary issues</a:t>
-            </a:r>
-          </a:p>
-          <a:p>
-            <a:pPr lvl="1"/>
-            <a:r>
-              <a:rPr lang="en-US" dirty="0"/>
-              <a:t>Apply gradient operator to each pixel and surround neighbors</a:t>
-            </a:r>
-          </a:p>
-          <a:p>
-            <a:pPr lvl="1"/>
-            <a:r>
-              <a:rPr lang="en-US" dirty="0"/>
-              <a:t>Calculate magnitude of row and column convolution results</a:t>
-            </a:r>
-          </a:p>
-          <a:p>
-            <a:r>
-              <a:rPr lang="en-US" dirty="0"/>
-              <a:t>Repeat for all three gradient operators</a:t>
-            </a:r>
-          </a:p>
-        </p:txBody>
-      </p:sp>
-      <p:sp>
-        <p:nvSpPr>
-          <p:cNvPr id="2" name="Slide Number Placeholder 1">
-            <a:extLst>
-              <a:ext uri="{FF2B5EF4-FFF2-40B4-BE49-F238E27FC236}">
-                <a16:creationId xmlns:a16="http://schemas.microsoft.com/office/drawing/2014/main" id="{BC6AFEE9-74DA-4A35-B09B-8468E1629642}"/>
-              </a:ext>
-            </a:extLst>
-          </p:cNvPr>
-          <p:cNvSpPr>
-            <a:spLocks noGrp="1"/>
-          </p:cNvSpPr>
-          <p:nvPr>
-            <p:ph type="sldNum" sz="quarter" idx="12"/>
-          </p:nvPr>
-        </p:nvSpPr>
-        <p:spPr/>
-        <p:txBody>
-          <a:bodyPr/>
-          <a:lstStyle/>
-          <a:p>
-            <a:fld id="{519954A3-9DFD-4C44-94BA-B95130A3BA1C}" type="slidenum">
-              <a:rPr lang="en-US" smtClean="0"/>
-              <a:t>8</a:t>
-            </a:fld>
-            <a:endParaRPr lang="en-US" dirty="0"/>
-          </a:p>
-        </p:txBody>
-      </p:sp>
-    </p:spTree>
-    <p:extLst>
-      <p:ext uri="{BB962C8B-B14F-4D97-AF65-F5344CB8AC3E}">
-        <p14:creationId xmlns:p14="http://schemas.microsoft.com/office/powerpoint/2010/main" val="1745154048"/>
       </p:ext>
     </p:extLst>
   </p:cSld>
@@ -14839,7 +17005,7 @@
           <a:p>
             <a:r>
               <a:rPr lang="en-US" sz="3200" dirty="0"/>
-              <a:t>Implementation - GPU Approach</a:t>
+              <a:t>Implementation - CPU Approach</a:t>
             </a:r>
           </a:p>
         </p:txBody>
@@ -14867,52 +17033,34 @@
           <a:p>
             <a:r>
               <a:rPr lang="en-US" dirty="0"/>
-              <a:t>Copy image and filter data to GPU</a:t>
-            </a:r>
-          </a:p>
-          <a:p>
+              <a:t>Nested for loop iterates over rows and columns of image data</a:t>
+            </a:r>
+          </a:p>
+          <a:p>
+            <a:pPr lvl="1"/>
             <a:r>
               <a:rPr lang="en-US" dirty="0"/>
-              <a:t>Decompose image data into grid of blocks</a:t>
+              <a:t>Skipped outermost rows/columns to avoid boundary issues</a:t>
             </a:r>
           </a:p>
           <a:p>
             <a:pPr lvl="1"/>
             <a:r>
               <a:rPr lang="en-US" dirty="0"/>
-              <a:t>Created 2D grid made up of 16x16 blocks</a:t>
-            </a:r>
-          </a:p>
-          <a:p>
+              <a:t>Apply gradient operator to each pixel and it’s neighbors</a:t>
+            </a:r>
+          </a:p>
+          <a:p>
+            <a:pPr lvl="1"/>
             <a:r>
               <a:rPr lang="en-US" dirty="0"/>
-              <a:t>Execute kernel</a:t>
-            </a:r>
-          </a:p>
-          <a:p>
-            <a:pPr lvl="1"/>
+              <a:t>Calculate magnitude of row and column convolution results</a:t>
+            </a:r>
+          </a:p>
+          <a:p>
             <a:r>
               <a:rPr lang="en-US" dirty="0"/>
-              <a:t>Utilized same filter method as CPU</a:t>
-            </a:r>
-          </a:p>
-          <a:p>
-            <a:pPr lvl="1"/>
-            <a:r>
-              <a:rPr lang="en-US" dirty="0"/>
-              <a:t>Created global and shared memory kernels for additional comparison</a:t>
-            </a:r>
-          </a:p>
-          <a:p>
-            <a:r>
-              <a:rPr lang="en-US" dirty="0"/>
-              <a:t>Copy image data back to host</a:t>
-            </a:r>
-          </a:p>
-          <a:p>
-            <a:r>
-              <a:rPr lang="en-US" dirty="0"/>
-              <a:t>Repeat for all three gradient operators, and global/shared memory kernels</a:t>
+              <a:t>Repeat for all three gradient operators</a:t>
             </a:r>
           </a:p>
         </p:txBody>
@@ -14949,7 +17097,7 @@
     </p:spTree>
     <p:extLst>
       <p:ext uri="{BB962C8B-B14F-4D97-AF65-F5344CB8AC3E}">
-        <p14:creationId xmlns:p14="http://schemas.microsoft.com/office/powerpoint/2010/main" val="268234039"/>
+        <p14:creationId xmlns:p14="http://schemas.microsoft.com/office/powerpoint/2010/main" val="1745154048"/>
       </p:ext>
     </p:extLst>
   </p:cSld>

--- a/Course_Project_Edge_Detection_Gapcynski.pptx
+++ b/Course_Project_Edge_Detection_Gapcynski.pptx
@@ -10525,7 +10525,7 @@
             <a:pPr lvl="1"/>
             <a:r>
               <a:rPr lang="en-US" dirty="0"/>
-              <a:t>Appears to be less noisy</a:t>
+              <a:t>Appears to be less noisy, but features are less distinguishable (dark)</a:t>
             </a:r>
           </a:p>
         </p:txBody>
@@ -10859,21 +10859,14 @@
             <a:pPr lvl="1"/>
             <a:r>
               <a:rPr lang="en-US" dirty="0"/>
-              <a:t>Output quite similar to Prewitt output</a:t>
+              <a:t>Seems to do a better job at finding the diagonal edges in the image</a:t>
             </a:r>
           </a:p>
           <a:p>
             <a:pPr lvl="1"/>
             <a:r>
               <a:rPr lang="en-US" dirty="0"/>
-              <a:t>A bit noisier than other two gradient operators</a:t>
-            </a:r>
-          </a:p>
-          <a:p>
-            <a:pPr lvl="1"/>
-            <a:r>
-              <a:rPr lang="en-US" dirty="0"/>
-              <a:t>Seems to do a better job at finding the diagonal edges in the image</a:t>
+              <a:t>Noisier than Prewitt and Roberts</a:t>
             </a:r>
           </a:p>
         </p:txBody>
@@ -14604,7 +14597,7 @@
           <a:p>
             <a:r>
               <a:rPr lang="en-US" dirty="0"/>
-              <a:t>GPU considerably better than CPU processing image data in SIMD fashion</a:t>
+              <a:t>GPU considerably better than CPU at processing image data</a:t>
             </a:r>
           </a:p>
           <a:p>
@@ -14630,8 +14623,13 @@
           <a:p>
             <a:r>
               <a:rPr lang="en-US" dirty="0"/>
-              <a:t>Pros and cons of each gradient operator made evident by RGB/grayscale and HSV color model output</a:t>
-            </a:r>
+              <a:t>Pros and cons of each gradient operator made evident by RGB/grayscale and HSV color </a:t>
+            </a:r>
+            <a:r>
+              <a:rPr lang="en-US"/>
+              <a:t>model output</a:t>
+            </a:r>
+            <a:endParaRPr lang="en-US" dirty="0"/>
           </a:p>
           <a:p>
             <a:r>
